--- a/[8]实现与测试/SE2021-G005-成果演示.pptx
+++ b/[8]实现与测试/SE2021-G005-成果演示.pptx
@@ -8,7 +8,7 @@
     <p:notesMasterId r:id="rId4"/>
   </p:notesMasterIdLst>
   <p:handoutMasterIdLst>
-    <p:handoutMasterId r:id="rId28"/>
+    <p:handoutMasterId r:id="rId34"/>
   </p:handoutMasterIdLst>
   <p:sldIdLst>
     <p:sldId id="317" r:id="rId3"/>
@@ -34,12 +34,18 @@
     <p:sldId id="652" r:id="rId24"/>
     <p:sldId id="653" r:id="rId25"/>
     <p:sldId id="654" r:id="rId26"/>
-    <p:sldId id="427" r:id="rId27"/>
+    <p:sldId id="661" r:id="rId27"/>
+    <p:sldId id="662" r:id="rId28"/>
+    <p:sldId id="663" r:id="rId29"/>
+    <p:sldId id="664" r:id="rId30"/>
+    <p:sldId id="665" r:id="rId31"/>
+    <p:sldId id="666" r:id="rId32"/>
+    <p:sldId id="427" r:id="rId33"/>
   </p:sldIdLst>
   <p:sldSz cx="12192000" cy="6858000"/>
   <p:notesSz cx="6858000" cy="9144000"/>
   <p:custDataLst>
-    <p:tags r:id="rId32"/>
+    <p:tags r:id="rId38"/>
   </p:custDataLst>
   <p:defaultTextStyle>
     <a:defPPr>
@@ -1967,7 +1973,407 @@
           <a:bodyPr/>
           <a:lstStyle/>
           <a:p>
-            <a:fld id="{277E94B9-1F08-48DF-B7B6-E879767F1CA5}" type="slidenum">
+            <a:fld id="{2EA5A05C-F0C7-42B6-A6FD-D285A38D1488}" type="slidenum">
+              <a:rPr lang="zh-CN" altLang="en-US" smtClean="0"/>
+            </a:fld>
+            <a:endParaRPr lang="zh-CN" altLang="en-US"/>
+          </a:p>
+        </p:txBody>
+      </p:sp>
+    </p:spTree>
+  </p:cSld>
+  <p:clrMapOvr>
+    <a:masterClrMapping/>
+  </p:clrMapOvr>
+</p:notes>
+</file>
+
+<file path=ppt/notesSlides/notesSlide25.xml><?xml version="1.0" encoding="utf-8"?>
+<p:notes xmlns:a="http://schemas.openxmlformats.org/drawingml/2006/main" xmlns:r="http://schemas.openxmlformats.org/officeDocument/2006/relationships" xmlns:p="http://schemas.openxmlformats.org/presentationml/2006/main">
+  <p:cSld>
+    <p:spTree>
+      <p:nvGrpSpPr>
+        <p:cNvPr id="1" name=""/>
+        <p:cNvGrpSpPr/>
+        <p:nvPr/>
+      </p:nvGrpSpPr>
+      <p:grpSpPr>
+        <a:xfrm>
+          <a:off x="0" y="0"/>
+          <a:ext cx="0" cy="0"/>
+          <a:chOff x="0" y="0"/>
+          <a:chExt cx="0" cy="0"/>
+        </a:xfrm>
+      </p:grpSpPr>
+      <p:sp>
+        <p:nvSpPr>
+          <p:cNvPr id="2" name="幻灯片图像占位符 1"/>
+          <p:cNvSpPr>
+            <a:spLocks noGrp="1" noRot="1" noChangeAspect="1"/>
+          </p:cNvSpPr>
+          <p:nvPr>
+            <p:ph type="sldImg"/>
+          </p:nvPr>
+        </p:nvSpPr>
+        <p:spPr/>
+      </p:sp>
+      <p:sp>
+        <p:nvSpPr>
+          <p:cNvPr id="3" name="备注占位符 2"/>
+          <p:cNvSpPr>
+            <a:spLocks noGrp="1"/>
+          </p:cNvSpPr>
+          <p:nvPr>
+            <p:ph type="body" idx="1"/>
+          </p:nvPr>
+        </p:nvSpPr>
+        <p:spPr/>
+        <p:txBody>
+          <a:bodyPr>
+            <a:normAutofit/>
+          </a:bodyPr>
+          <a:lstStyle/>
+          <a:p>
+            <a:endParaRPr lang="zh-CN" altLang="en-US"/>
+          </a:p>
+        </p:txBody>
+      </p:sp>
+      <p:sp>
+        <p:nvSpPr>
+          <p:cNvPr id="4" name="灯片编号占位符 3"/>
+          <p:cNvSpPr>
+            <a:spLocks noGrp="1"/>
+          </p:cNvSpPr>
+          <p:nvPr>
+            <p:ph type="sldNum" sz="quarter" idx="10"/>
+          </p:nvPr>
+        </p:nvSpPr>
+        <p:spPr/>
+        <p:txBody>
+          <a:bodyPr/>
+          <a:lstStyle/>
+          <a:p>
+            <a:fld id="{EFFE4F62-605D-4A72-9B78-2AF5B0B98AE9}" type="slidenum">
+              <a:rPr lang="zh-CN" altLang="en-US" smtClean="0"/>
+            </a:fld>
+            <a:endParaRPr lang="zh-CN" altLang="en-US"/>
+          </a:p>
+        </p:txBody>
+      </p:sp>
+    </p:spTree>
+  </p:cSld>
+  <p:clrMapOvr>
+    <a:masterClrMapping/>
+  </p:clrMapOvr>
+</p:notes>
+</file>
+
+<file path=ppt/notesSlides/notesSlide26.xml><?xml version="1.0" encoding="utf-8"?>
+<p:notes xmlns:a="http://schemas.openxmlformats.org/drawingml/2006/main" xmlns:r="http://schemas.openxmlformats.org/officeDocument/2006/relationships" xmlns:p="http://schemas.openxmlformats.org/presentationml/2006/main">
+  <p:cSld>
+    <p:spTree>
+      <p:nvGrpSpPr>
+        <p:cNvPr id="1" name=""/>
+        <p:cNvGrpSpPr/>
+        <p:nvPr/>
+      </p:nvGrpSpPr>
+      <p:grpSpPr>
+        <a:xfrm>
+          <a:off x="0" y="0"/>
+          <a:ext cx="0" cy="0"/>
+          <a:chOff x="0" y="0"/>
+          <a:chExt cx="0" cy="0"/>
+        </a:xfrm>
+      </p:grpSpPr>
+      <p:sp>
+        <p:nvSpPr>
+          <p:cNvPr id="2" name="幻灯片图像占位符 1"/>
+          <p:cNvSpPr>
+            <a:spLocks noGrp="1" noRot="1" noChangeAspect="1"/>
+          </p:cNvSpPr>
+          <p:nvPr>
+            <p:ph type="sldImg"/>
+          </p:nvPr>
+        </p:nvSpPr>
+        <p:spPr/>
+      </p:sp>
+      <p:sp>
+        <p:nvSpPr>
+          <p:cNvPr id="3" name="备注占位符 2"/>
+          <p:cNvSpPr>
+            <a:spLocks noGrp="1"/>
+          </p:cNvSpPr>
+          <p:nvPr>
+            <p:ph type="body" idx="1"/>
+          </p:nvPr>
+        </p:nvSpPr>
+        <p:spPr/>
+        <p:txBody>
+          <a:bodyPr>
+            <a:normAutofit/>
+          </a:bodyPr>
+          <a:lstStyle/>
+          <a:p>
+            <a:endParaRPr lang="zh-CN" altLang="en-US"/>
+          </a:p>
+        </p:txBody>
+      </p:sp>
+      <p:sp>
+        <p:nvSpPr>
+          <p:cNvPr id="4" name="灯片编号占位符 3"/>
+          <p:cNvSpPr>
+            <a:spLocks noGrp="1"/>
+          </p:cNvSpPr>
+          <p:nvPr>
+            <p:ph type="sldNum" sz="quarter" idx="10"/>
+          </p:nvPr>
+        </p:nvSpPr>
+        <p:spPr/>
+        <p:txBody>
+          <a:bodyPr/>
+          <a:lstStyle/>
+          <a:p>
+            <a:fld id="{EFFE4F62-605D-4A72-9B78-2AF5B0B98AE9}" type="slidenum">
+              <a:rPr lang="zh-CN" altLang="en-US" smtClean="0"/>
+            </a:fld>
+            <a:endParaRPr lang="zh-CN" altLang="en-US"/>
+          </a:p>
+        </p:txBody>
+      </p:sp>
+    </p:spTree>
+  </p:cSld>
+  <p:clrMapOvr>
+    <a:masterClrMapping/>
+  </p:clrMapOvr>
+</p:notes>
+</file>
+
+<file path=ppt/notesSlides/notesSlide27.xml><?xml version="1.0" encoding="utf-8"?>
+<p:notes xmlns:a="http://schemas.openxmlformats.org/drawingml/2006/main" xmlns:r="http://schemas.openxmlformats.org/officeDocument/2006/relationships" xmlns:p="http://schemas.openxmlformats.org/presentationml/2006/main">
+  <p:cSld>
+    <p:spTree>
+      <p:nvGrpSpPr>
+        <p:cNvPr id="1" name=""/>
+        <p:cNvGrpSpPr/>
+        <p:nvPr/>
+      </p:nvGrpSpPr>
+      <p:grpSpPr>
+        <a:xfrm>
+          <a:off x="0" y="0"/>
+          <a:ext cx="0" cy="0"/>
+          <a:chOff x="0" y="0"/>
+          <a:chExt cx="0" cy="0"/>
+        </a:xfrm>
+      </p:grpSpPr>
+      <p:sp>
+        <p:nvSpPr>
+          <p:cNvPr id="2" name="幻灯片图像占位符 1"/>
+          <p:cNvSpPr>
+            <a:spLocks noGrp="1" noRot="1" noChangeAspect="1"/>
+          </p:cNvSpPr>
+          <p:nvPr>
+            <p:ph type="sldImg"/>
+          </p:nvPr>
+        </p:nvSpPr>
+        <p:spPr/>
+      </p:sp>
+      <p:sp>
+        <p:nvSpPr>
+          <p:cNvPr id="3" name="备注占位符 2"/>
+          <p:cNvSpPr>
+            <a:spLocks noGrp="1"/>
+          </p:cNvSpPr>
+          <p:nvPr>
+            <p:ph type="body" idx="1"/>
+          </p:nvPr>
+        </p:nvSpPr>
+        <p:spPr/>
+        <p:txBody>
+          <a:bodyPr>
+            <a:normAutofit/>
+          </a:bodyPr>
+          <a:lstStyle/>
+          <a:p>
+            <a:endParaRPr lang="zh-CN" altLang="en-US"/>
+          </a:p>
+        </p:txBody>
+      </p:sp>
+      <p:sp>
+        <p:nvSpPr>
+          <p:cNvPr id="4" name="灯片编号占位符 3"/>
+          <p:cNvSpPr>
+            <a:spLocks noGrp="1"/>
+          </p:cNvSpPr>
+          <p:nvPr>
+            <p:ph type="sldNum" sz="quarter" idx="10"/>
+          </p:nvPr>
+        </p:nvSpPr>
+        <p:spPr/>
+        <p:txBody>
+          <a:bodyPr/>
+          <a:lstStyle/>
+          <a:p>
+            <a:fld id="{EFFE4F62-605D-4A72-9B78-2AF5B0B98AE9}" type="slidenum">
+              <a:rPr lang="zh-CN" altLang="en-US" smtClean="0"/>
+            </a:fld>
+            <a:endParaRPr lang="zh-CN" altLang="en-US"/>
+          </a:p>
+        </p:txBody>
+      </p:sp>
+    </p:spTree>
+  </p:cSld>
+  <p:clrMapOvr>
+    <a:masterClrMapping/>
+  </p:clrMapOvr>
+</p:notes>
+</file>
+
+<file path=ppt/notesSlides/notesSlide28.xml><?xml version="1.0" encoding="utf-8"?>
+<p:notes xmlns:a="http://schemas.openxmlformats.org/drawingml/2006/main" xmlns:r="http://schemas.openxmlformats.org/officeDocument/2006/relationships" xmlns:p="http://schemas.openxmlformats.org/presentationml/2006/main">
+  <p:cSld>
+    <p:spTree>
+      <p:nvGrpSpPr>
+        <p:cNvPr id="1" name=""/>
+        <p:cNvGrpSpPr/>
+        <p:nvPr/>
+      </p:nvGrpSpPr>
+      <p:grpSpPr>
+        <a:xfrm>
+          <a:off x="0" y="0"/>
+          <a:ext cx="0" cy="0"/>
+          <a:chOff x="0" y="0"/>
+          <a:chExt cx="0" cy="0"/>
+        </a:xfrm>
+      </p:grpSpPr>
+      <p:sp>
+        <p:nvSpPr>
+          <p:cNvPr id="2" name="幻灯片图像占位符 1"/>
+          <p:cNvSpPr>
+            <a:spLocks noGrp="1" noRot="1" noChangeAspect="1"/>
+          </p:cNvSpPr>
+          <p:nvPr>
+            <p:ph type="sldImg"/>
+          </p:nvPr>
+        </p:nvSpPr>
+        <p:spPr/>
+      </p:sp>
+      <p:sp>
+        <p:nvSpPr>
+          <p:cNvPr id="3" name="备注占位符 2"/>
+          <p:cNvSpPr>
+            <a:spLocks noGrp="1"/>
+          </p:cNvSpPr>
+          <p:nvPr>
+            <p:ph type="body" idx="1"/>
+          </p:nvPr>
+        </p:nvSpPr>
+        <p:spPr/>
+        <p:txBody>
+          <a:bodyPr>
+            <a:normAutofit/>
+          </a:bodyPr>
+          <a:lstStyle/>
+          <a:p>
+            <a:endParaRPr lang="zh-CN" altLang="en-US"/>
+          </a:p>
+        </p:txBody>
+      </p:sp>
+      <p:sp>
+        <p:nvSpPr>
+          <p:cNvPr id="4" name="灯片编号占位符 3"/>
+          <p:cNvSpPr>
+            <a:spLocks noGrp="1"/>
+          </p:cNvSpPr>
+          <p:nvPr>
+            <p:ph type="sldNum" sz="quarter" idx="10"/>
+          </p:nvPr>
+        </p:nvSpPr>
+        <p:spPr/>
+        <p:txBody>
+          <a:bodyPr/>
+          <a:lstStyle/>
+          <a:p>
+            <a:fld id="{EFFE4F62-605D-4A72-9B78-2AF5B0B98AE9}" type="slidenum">
+              <a:rPr lang="zh-CN" altLang="en-US" smtClean="0"/>
+            </a:fld>
+            <a:endParaRPr lang="zh-CN" altLang="en-US"/>
+          </a:p>
+        </p:txBody>
+      </p:sp>
+    </p:spTree>
+  </p:cSld>
+  <p:clrMapOvr>
+    <a:masterClrMapping/>
+  </p:clrMapOvr>
+</p:notes>
+</file>
+
+<file path=ppt/notesSlides/notesSlide29.xml><?xml version="1.0" encoding="utf-8"?>
+<p:notes xmlns:a="http://schemas.openxmlformats.org/drawingml/2006/main" xmlns:r="http://schemas.openxmlformats.org/officeDocument/2006/relationships" xmlns:p="http://schemas.openxmlformats.org/presentationml/2006/main">
+  <p:cSld>
+    <p:spTree>
+      <p:nvGrpSpPr>
+        <p:cNvPr id="1" name=""/>
+        <p:cNvGrpSpPr/>
+        <p:nvPr/>
+      </p:nvGrpSpPr>
+      <p:grpSpPr>
+        <a:xfrm>
+          <a:off x="0" y="0"/>
+          <a:ext cx="0" cy="0"/>
+          <a:chOff x="0" y="0"/>
+          <a:chExt cx="0" cy="0"/>
+        </a:xfrm>
+      </p:grpSpPr>
+      <p:sp>
+        <p:nvSpPr>
+          <p:cNvPr id="2" name="幻灯片图像占位符 1"/>
+          <p:cNvSpPr>
+            <a:spLocks noGrp="1" noRot="1" noChangeAspect="1"/>
+          </p:cNvSpPr>
+          <p:nvPr>
+            <p:ph type="sldImg"/>
+          </p:nvPr>
+        </p:nvSpPr>
+        <p:spPr/>
+      </p:sp>
+      <p:sp>
+        <p:nvSpPr>
+          <p:cNvPr id="3" name="备注占位符 2"/>
+          <p:cNvSpPr>
+            <a:spLocks noGrp="1"/>
+          </p:cNvSpPr>
+          <p:nvPr>
+            <p:ph type="body" idx="1"/>
+          </p:nvPr>
+        </p:nvSpPr>
+        <p:spPr/>
+        <p:txBody>
+          <a:bodyPr>
+            <a:normAutofit/>
+          </a:bodyPr>
+          <a:lstStyle/>
+          <a:p>
+            <a:endParaRPr lang="zh-CN" altLang="en-US"/>
+          </a:p>
+        </p:txBody>
+      </p:sp>
+      <p:sp>
+        <p:nvSpPr>
+          <p:cNvPr id="4" name="灯片编号占位符 3"/>
+          <p:cNvSpPr>
+            <a:spLocks noGrp="1"/>
+          </p:cNvSpPr>
+          <p:nvPr>
+            <p:ph type="sldNum" sz="quarter" idx="10"/>
+          </p:nvPr>
+        </p:nvSpPr>
+        <p:spPr/>
+        <p:txBody>
+          <a:bodyPr/>
+          <a:lstStyle/>
+          <a:p>
+            <a:fld id="{EFFE4F62-605D-4A72-9B78-2AF5B0B98AE9}" type="slidenum">
               <a:rPr lang="zh-CN" altLang="en-US" smtClean="0"/>
             </a:fld>
             <a:endParaRPr lang="zh-CN" altLang="en-US"/>
@@ -2046,6 +2452,84 @@
           <a:lstStyle/>
           <a:p>
             <a:fld id="{2EA5A05C-F0C7-42B6-A6FD-D285A38D1488}" type="slidenum">
+              <a:rPr lang="zh-CN" altLang="en-US" smtClean="0"/>
+            </a:fld>
+            <a:endParaRPr lang="zh-CN" altLang="en-US"/>
+          </a:p>
+        </p:txBody>
+      </p:sp>
+    </p:spTree>
+  </p:cSld>
+  <p:clrMapOvr>
+    <a:masterClrMapping/>
+  </p:clrMapOvr>
+</p:notes>
+</file>
+
+<file path=ppt/notesSlides/notesSlide30.xml><?xml version="1.0" encoding="utf-8"?>
+<p:notes xmlns:a="http://schemas.openxmlformats.org/drawingml/2006/main" xmlns:r="http://schemas.openxmlformats.org/officeDocument/2006/relationships" xmlns:p="http://schemas.openxmlformats.org/presentationml/2006/main">
+  <p:cSld>
+    <p:spTree>
+      <p:nvGrpSpPr>
+        <p:cNvPr id="1" name=""/>
+        <p:cNvGrpSpPr/>
+        <p:nvPr/>
+      </p:nvGrpSpPr>
+      <p:grpSpPr>
+        <a:xfrm>
+          <a:off x="0" y="0"/>
+          <a:ext cx="0" cy="0"/>
+          <a:chOff x="0" y="0"/>
+          <a:chExt cx="0" cy="0"/>
+        </a:xfrm>
+      </p:grpSpPr>
+      <p:sp>
+        <p:nvSpPr>
+          <p:cNvPr id="2" name="幻灯片图像占位符 1"/>
+          <p:cNvSpPr>
+            <a:spLocks noGrp="1" noRot="1" noChangeAspect="1"/>
+          </p:cNvSpPr>
+          <p:nvPr>
+            <p:ph type="sldImg"/>
+          </p:nvPr>
+        </p:nvSpPr>
+        <p:spPr/>
+      </p:sp>
+      <p:sp>
+        <p:nvSpPr>
+          <p:cNvPr id="3" name="备注占位符 2"/>
+          <p:cNvSpPr>
+            <a:spLocks noGrp="1"/>
+          </p:cNvSpPr>
+          <p:nvPr>
+            <p:ph type="body" idx="1"/>
+          </p:nvPr>
+        </p:nvSpPr>
+        <p:spPr/>
+        <p:txBody>
+          <a:bodyPr/>
+          <a:lstStyle/>
+          <a:p>
+            <a:endParaRPr lang="zh-CN" altLang="en-US"/>
+          </a:p>
+        </p:txBody>
+      </p:sp>
+      <p:sp>
+        <p:nvSpPr>
+          <p:cNvPr id="4" name="灯片编号占位符 3"/>
+          <p:cNvSpPr>
+            <a:spLocks noGrp="1"/>
+          </p:cNvSpPr>
+          <p:nvPr>
+            <p:ph type="sldNum" sz="quarter" idx="10"/>
+          </p:nvPr>
+        </p:nvSpPr>
+        <p:spPr/>
+        <p:txBody>
+          <a:bodyPr/>
+          <a:lstStyle/>
+          <a:p>
+            <a:fld id="{277E94B9-1F08-48DF-B7B6-E879767F1CA5}" type="slidenum">
               <a:rPr lang="zh-CN" altLang="en-US" smtClean="0"/>
             </a:fld>
             <a:endParaRPr lang="zh-CN" altLang="en-US"/>
@@ -9083,30 +9567,6 @@
           <a:chExt cx="0" cy="0"/>
         </a:xfrm>
       </p:grpSpPr>
-      <p:pic>
-        <p:nvPicPr>
-          <p:cNvPr id="2" name="图片 1"/>
-          <p:cNvPicPr>
-            <a:picLocks noChangeAspect="1"/>
-          </p:cNvPicPr>
-          <p:nvPr/>
-        </p:nvPicPr>
-        <p:blipFill>
-          <a:blip r:embed="rId1"/>
-          <a:stretch>
-            <a:fillRect/>
-          </a:stretch>
-        </p:blipFill>
-        <p:spPr>
-          <a:xfrm>
-            <a:off x="5606415" y="278130"/>
-            <a:ext cx="3550920" cy="6302375"/>
-          </a:xfrm>
-          <a:prstGeom prst="rect">
-            <a:avLst/>
-          </a:prstGeom>
-        </p:spPr>
-      </p:pic>
       <p:grpSp>
         <p:nvGrpSpPr>
           <p:cNvPr id="14" name="组合 13"/>
@@ -9265,7 +9725,7 @@
         <p:spPr>
           <a:xfrm flipH="1" flipV="1">
             <a:off x="4511040" y="3360420"/>
-            <a:ext cx="1373505" cy="575945"/>
+            <a:ext cx="1517015" cy="451485"/>
           </a:xfrm>
           <a:prstGeom prst="line">
             <a:avLst/>
@@ -9289,6 +9749,34 @@
           </a:fontRef>
         </p:style>
       </p:cxnSp>
+      <p:pic>
+        <p:nvPicPr>
+          <p:cNvPr id="3" name="图片 2"/>
+          <p:cNvPicPr>
+            <a:picLocks noChangeAspect="1"/>
+          </p:cNvPicPr>
+          <p:nvPr>
+            <p:custDataLst>
+              <p:tags r:id="rId1"/>
+            </p:custDataLst>
+          </p:nvPr>
+        </p:nvPicPr>
+        <p:blipFill>
+          <a:blip r:embed="rId2"/>
+          <a:stretch>
+            <a:fillRect/>
+          </a:stretch>
+        </p:blipFill>
+        <p:spPr>
+          <a:xfrm>
+            <a:off x="6170295" y="527050"/>
+            <a:ext cx="3300095" cy="5918200"/>
+          </a:xfrm>
+          <a:prstGeom prst="rect">
+            <a:avLst/>
+          </a:prstGeom>
+        </p:spPr>
+      </p:pic>
     </p:spTree>
   </p:cSld>
   <p:clrMapOvr>
@@ -11443,7 +11931,7 @@
       </p:cxnSp>
       <p:pic>
         <p:nvPicPr>
-          <p:cNvPr id="10" name="图片 9"/>
+          <p:cNvPr id="2" name="图片 1"/>
           <p:cNvPicPr>
             <a:picLocks noChangeAspect="1"/>
           </p:cNvPicPr>
@@ -11457,8 +11945,8 @@
         </p:blipFill>
         <p:spPr>
           <a:xfrm>
-            <a:off x="4729480" y="339725"/>
-            <a:ext cx="3886200" cy="6362700"/>
+            <a:off x="4295775" y="482600"/>
+            <a:ext cx="3441700" cy="6115685"/>
           </a:xfrm>
           <a:prstGeom prst="rect">
             <a:avLst/>
@@ -11904,7 +12392,7 @@
                                           </p:stCondLst>
                                         </p:cTn>
                                         <p:tgtEl>
-                                          <p:spTgt spid="10"/>
+                                          <p:spTgt spid="2"/>
                                         </p:tgtEl>
                                         <p:attrNameLst>
                                           <p:attrName>style.visibility</p:attrName>
@@ -11918,7 +12406,7 @@
                                       <p:cBhvr>
                                         <p:cTn id="43" dur="500"/>
                                         <p:tgtEl>
-                                          <p:spTgt spid="10"/>
+                                          <p:spTgt spid="2"/>
                                         </p:tgtEl>
                                       </p:cBhvr>
                                     </p:animEffect>
@@ -14596,6 +15084,30 @@
           </p:style>
         </p:cxnSp>
       </p:grpSp>
+      <p:pic>
+        <p:nvPicPr>
+          <p:cNvPr id="4" name="图片 3"/>
+          <p:cNvPicPr>
+            <a:picLocks noChangeAspect="1"/>
+          </p:cNvPicPr>
+          <p:nvPr/>
+        </p:nvPicPr>
+        <p:blipFill>
+          <a:blip r:embed="rId3"/>
+          <a:stretch>
+            <a:fillRect/>
+          </a:stretch>
+        </p:blipFill>
+        <p:spPr>
+          <a:xfrm>
+            <a:off x="5695315" y="257175"/>
+            <a:ext cx="3543300" cy="6330950"/>
+          </a:xfrm>
+          <a:prstGeom prst="rect">
+            <a:avLst/>
+          </a:prstGeom>
+        </p:spPr>
+      </p:pic>
     </p:spTree>
   </p:cSld>
   <p:clrMapOvr>
@@ -14890,6 +15402,59 @@
                                         <p:cTn id="27" dur="500"/>
                                         <p:tgtEl>
                                           <p:spTgt spid="17"/>
+                                        </p:tgtEl>
+                                      </p:cBhvr>
+                                    </p:animEffect>
+                                  </p:childTnLst>
+                                </p:cTn>
+                              </p:par>
+                            </p:childTnLst>
+                          </p:cTn>
+                        </p:par>
+                      </p:childTnLst>
+                    </p:cTn>
+                  </p:par>
+                  <p:par>
+                    <p:cTn id="28" fill="hold">
+                      <p:stCondLst>
+                        <p:cond delay="indefinite"/>
+                      </p:stCondLst>
+                      <p:childTnLst>
+                        <p:par>
+                          <p:cTn id="29" fill="hold">
+                            <p:stCondLst>
+                              <p:cond delay="0"/>
+                            </p:stCondLst>
+                            <p:childTnLst>
+                              <p:par>
+                                <p:cTn id="30" presetID="10" presetClass="entr" presetSubtype="0" fill="hold" nodeType="clickEffect">
+                                  <p:stCondLst>
+                                    <p:cond delay="0"/>
+                                  </p:stCondLst>
+                                  <p:childTnLst>
+                                    <p:set>
+                                      <p:cBhvr>
+                                        <p:cTn id="31" dur="1" fill="hold">
+                                          <p:stCondLst>
+                                            <p:cond delay="0"/>
+                                          </p:stCondLst>
+                                        </p:cTn>
+                                        <p:tgtEl>
+                                          <p:spTgt spid="4"/>
+                                        </p:tgtEl>
+                                        <p:attrNameLst>
+                                          <p:attrName>style.visibility</p:attrName>
+                                        </p:attrNameLst>
+                                      </p:cBhvr>
+                                      <p:to>
+                                        <p:strVal val="visible"/>
+                                      </p:to>
+                                    </p:set>
+                                    <p:animEffect transition="in" filter="fade">
+                                      <p:cBhvr>
+                                        <p:cTn id="32" dur="500"/>
+                                        <p:tgtEl>
+                                          <p:spTgt spid="4"/>
                                         </p:tgtEl>
                                       </p:cBhvr>
                                     </p:animEffect>
@@ -19706,7 +20271,7 @@
       </p:grpSpPr>
       <p:sp>
         <p:nvSpPr>
-          <p:cNvPr id="3" name="矩形 2"/>
+          <p:cNvPr id="8" name="矩形 7"/>
           <p:cNvSpPr/>
           <p:nvPr/>
         </p:nvSpPr>
@@ -19750,50 +20315,112 @@
           </a:p>
         </p:txBody>
       </p:sp>
-      <p:pic>
-        <p:nvPicPr>
-          <p:cNvPr id="9" name="图片 8"/>
-          <p:cNvPicPr>
-            <a:picLocks noChangeAspect="1"/>
-          </p:cNvPicPr>
+      <p:sp>
+        <p:nvSpPr>
+          <p:cNvPr id="74" name="Oval 4"/>
+          <p:cNvSpPr/>
           <p:nvPr/>
-        </p:nvPicPr>
-        <p:blipFill rotWithShape="1">
-          <a:blip r:embed="rId1">
-            <a:extLst>
-              <a:ext uri="{28A0092B-C50C-407E-A947-70E740481C1C}">
-                <a14:useLocalDpi xmlns:a14="http://schemas.microsoft.com/office/drawing/2010/main" val="0"/>
-              </a:ext>
-            </a:extLst>
-          </a:blip>
-          <a:srcRect t="1" b="9206"/>
-          <a:stretch>
-            <a:fillRect/>
-          </a:stretch>
-        </p:blipFill>
+        </p:nvSpPr>
         <p:spPr>
-          <a:xfrm rot="16200000">
-            <a:off x="6925266" y="1499518"/>
-            <a:ext cx="6752664" cy="3772929"/>
+          <a:xfrm>
+            <a:off x="5229231" y="1856871"/>
+            <a:ext cx="1679106" cy="1687497"/>
+          </a:xfrm>
+          <a:prstGeom prst="ellipse">
+            <a:avLst/>
+          </a:prstGeom>
+          <a:solidFill>
+            <a:schemeClr val="accent1"/>
+          </a:solidFill>
+          <a:ln>
+            <a:noFill/>
+          </a:ln>
+        </p:spPr>
+        <p:style>
+          <a:lnRef idx="2">
+            <a:schemeClr val="accent1">
+              <a:shade val="50000"/>
+            </a:schemeClr>
+          </a:lnRef>
+          <a:fillRef idx="1">
+            <a:schemeClr val="accent1"/>
+          </a:fillRef>
+          <a:effectRef idx="0">
+            <a:schemeClr val="accent1"/>
+          </a:effectRef>
+          <a:fontRef idx="minor">
+            <a:schemeClr val="lt1"/>
+          </a:fontRef>
+        </p:style>
+        <p:txBody>
+          <a:bodyPr rtlCol="0" anchor="ctr"/>
+          <a:lstStyle/>
+          <a:p>
+            <a:pPr algn="ctr"/>
+            <a:endParaRPr lang="en-US" sz="3200" dirty="0">
+              <a:solidFill>
+                <a:schemeClr val="bg1">
+                  <a:lumMod val="95000"/>
+                </a:schemeClr>
+              </a:solidFill>
+            </a:endParaRPr>
+          </a:p>
+        </p:txBody>
+      </p:sp>
+      <p:sp>
+        <p:nvSpPr>
+          <p:cNvPr id="78" name="矩形 77"/>
+          <p:cNvSpPr/>
+          <p:nvPr/>
+        </p:nvSpPr>
+        <p:spPr>
+          <a:xfrm>
+            <a:off x="5132040" y="3952944"/>
+            <a:ext cx="1807210" cy="582295"/>
           </a:xfrm>
           <a:prstGeom prst="rect">
             <a:avLst/>
           </a:prstGeom>
-          <a:solidFill>
-            <a:srgbClr val="F6F6F6"/>
-          </a:solidFill>
         </p:spPr>
-      </p:pic>
+        <p:txBody>
+          <a:bodyPr wrap="none" lIns="91400" tIns="45699" rIns="91400" bIns="45699">
+            <a:spAutoFit/>
+          </a:bodyPr>
+          <a:lstStyle/>
+          <a:p>
+            <a:pPr lvl="0" algn="l" defTabSz="914400">
+              <a:defRPr/>
+            </a:pPr>
+            <a:r>
+              <a:rPr lang="zh-CN" altLang="en-US" sz="3200" kern="0" dirty="0">
+                <a:solidFill>
+                  <a:schemeClr val="accent1"/>
+                </a:solidFill>
+                <a:latin typeface="微软雅黑" panose="020B0503020204020204" pitchFamily="34" charset="-122"/>
+                <a:ea typeface="微软雅黑" panose="020B0503020204020204" pitchFamily="34" charset="-122"/>
+              </a:rPr>
+              <a:t>小组分工</a:t>
+            </a:r>
+            <a:endParaRPr lang="zh-CN" altLang="en-US" sz="3200" kern="0" dirty="0">
+              <a:solidFill>
+                <a:schemeClr val="accent1"/>
+              </a:solidFill>
+              <a:latin typeface="微软雅黑" panose="020B0503020204020204" pitchFamily="34" charset="-122"/>
+              <a:ea typeface="微软雅黑" panose="020B0503020204020204" pitchFamily="34" charset="-122"/>
+            </a:endParaRPr>
+          </a:p>
+        </p:txBody>
+      </p:sp>
       <p:sp>
         <p:nvSpPr>
-          <p:cNvPr id="5" name="文本框 3"/>
+          <p:cNvPr id="93" name="TextBox 92"/>
           <p:cNvSpPr txBox="1"/>
           <p:nvPr/>
         </p:nvSpPr>
         <p:spPr>
           <a:xfrm>
-            <a:off x="1159426" y="2462615"/>
-            <a:ext cx="7719524" cy="1314178"/>
+            <a:off x="15669497" y="8397551"/>
+            <a:ext cx="1107915" cy="461494"/>
           </a:xfrm>
           <a:prstGeom prst="rect">
             <a:avLst/>
@@ -19801,148 +20428,64 @@
           <a:noFill/>
         </p:spPr>
         <p:txBody>
-          <a:bodyPr wrap="square" lIns="91412" tIns="45706" rIns="91412" bIns="45706" rtlCol="0">
+          <a:bodyPr wrap="none" lIns="91400" tIns="45699" rIns="91400" bIns="45699" rtlCol="0">
             <a:spAutoFit/>
           </a:bodyPr>
           <a:lstStyle/>
           <a:p>
-            <a:pPr>
-              <a:lnSpc>
-                <a:spcPct val="150000"/>
-              </a:lnSpc>
-            </a:pPr>
             <a:r>
-              <a:rPr lang="zh-CN" altLang="en-US" sz="6000" dirty="0">
-                <a:solidFill>
-                  <a:schemeClr val="tx1">
-                    <a:lumMod val="75000"/>
-                    <a:lumOff val="25000"/>
-                  </a:schemeClr>
-                </a:solidFill>
-                <a:latin typeface="微软雅黑" panose="020B0503020204020204" pitchFamily="34" charset="-122"/>
-                <a:ea typeface="微软雅黑" panose="020B0503020204020204" pitchFamily="34" charset="-122"/>
-                <a:cs typeface="Candara Light" panose="020E0502030303020204" charset="0"/>
-              </a:rPr>
-              <a:t>演讲完毕   谢谢观看</a:t>
+              <a:rPr lang="zh-CN" altLang="en-US" sz="2400" dirty="0"/>
+              <a:t>延时符</a:t>
             </a:r>
-            <a:endParaRPr lang="id-ID" altLang="zh-CN" sz="6000" dirty="0">
-              <a:solidFill>
-                <a:schemeClr val="tx1">
-                  <a:lumMod val="75000"/>
-                  <a:lumOff val="25000"/>
-                </a:schemeClr>
-              </a:solidFill>
-              <a:latin typeface="微软雅黑" panose="020B0503020204020204" pitchFamily="34" charset="-122"/>
-              <a:ea typeface="微软雅黑" panose="020B0503020204020204" pitchFamily="34" charset="-122"/>
-              <a:cs typeface="Candara Light" panose="020E0502030303020204" charset="0"/>
-            </a:endParaRPr>
+            <a:endParaRPr lang="zh-CN" altLang="en-US" sz="2400" dirty="0"/>
           </a:p>
         </p:txBody>
       </p:sp>
       <p:sp>
         <p:nvSpPr>
-          <p:cNvPr id="7" name="文本框 5"/>
-          <p:cNvSpPr txBox="1"/>
+          <p:cNvPr id="26" name="矩形 25"/>
+          <p:cNvSpPr/>
           <p:nvPr/>
         </p:nvSpPr>
         <p:spPr>
           <a:xfrm>
-            <a:off x="3127512" y="4888220"/>
-            <a:ext cx="3018948" cy="274320"/>
+            <a:off x="5411718" y="2437856"/>
+            <a:ext cx="1368425" cy="569595"/>
           </a:xfrm>
           <a:prstGeom prst="rect">
             <a:avLst/>
           </a:prstGeom>
-          <a:solidFill>
-            <a:schemeClr val="accent2"/>
-          </a:solidFill>
-          <a:ln>
-            <a:noFill/>
-          </a:ln>
         </p:spPr>
         <p:txBody>
-          <a:bodyPr wrap="square" lIns="91412" tIns="45706" rIns="91412" bIns="45706" rtlCol="0">
+          <a:bodyPr wrap="none" lIns="91400" tIns="45699" rIns="91400" bIns="45699">
             <a:spAutoFit/>
           </a:bodyPr>
           <a:lstStyle/>
           <a:p>
-            <a:pPr algn="ctr"/>
+            <a:pPr algn="ctr">
+              <a:lnSpc>
+                <a:spcPct val="130000"/>
+              </a:lnSpc>
+              <a:defRPr/>
+            </a:pPr>
             <a:r>
-              <a:rPr lang="zh-CN" altLang="en-US" sz="1200" dirty="0">
+              <a:rPr lang="en-US" altLang="zh-CN" sz="2400" kern="100" dirty="0">
                 <a:solidFill>
                   <a:schemeClr val="bg1"/>
                 </a:solidFill>
-                <a:latin typeface="锐字云字库美黑体1.0" panose="02010604000000000000" charset="-122"/>
-                <a:ea typeface="锐字云字库美黑体1.0" panose="02010604000000000000" charset="-122"/>
+                <a:latin typeface="微软雅黑" panose="020B0503020204020204" pitchFamily="34" charset="-122"/>
+                <a:ea typeface="微软雅黑" panose="020B0503020204020204" pitchFamily="34" charset="-122"/>
+                <a:cs typeface="Times New Roman" panose="02020603050405020304" pitchFamily="18" charset="0"/>
               </a:rPr>
-              <a:t>汇报组：</a:t>
+              <a:t>PART 05</a:t>
             </a:r>
-            <a:r>
-              <a:rPr lang="en-US" altLang="zh-CN" sz="1200" dirty="0">
-                <a:solidFill>
-                  <a:schemeClr val="bg1"/>
-                </a:solidFill>
-                <a:latin typeface="锐字云字库美黑体1.0" panose="02010604000000000000" charset="-122"/>
-                <a:ea typeface="锐字云字库美黑体1.0" panose="02010604000000000000" charset="-122"/>
-              </a:rPr>
-              <a:t>G005</a:t>
-            </a:r>
-            <a:r>
-              <a:rPr lang="zh-CN" altLang="en-US" sz="1200" dirty="0">
-                <a:solidFill>
-                  <a:schemeClr val="bg1"/>
-                </a:solidFill>
-                <a:latin typeface="锐字云字库美黑体1.0" panose="02010604000000000000" charset="-122"/>
-                <a:ea typeface="锐字云字库美黑体1.0" panose="02010604000000000000" charset="-122"/>
-              </a:rPr>
-              <a:t>      时间：</a:t>
-            </a:r>
-            <a:r>
-              <a:rPr lang="en-US" altLang="zh-CN" sz="1200" dirty="0">
-                <a:solidFill>
-                  <a:schemeClr val="bg1"/>
-                </a:solidFill>
-                <a:latin typeface="锐字云字库美黑体1.0" panose="02010604000000000000" charset="-122"/>
-                <a:ea typeface="锐字云字库美黑体1.0" panose="02010604000000000000" charset="-122"/>
-              </a:rPr>
-              <a:t>2021</a:t>
-            </a:r>
-            <a:r>
-              <a:rPr lang="zh-CN" altLang="en-US" sz="1200" dirty="0">
-                <a:solidFill>
-                  <a:schemeClr val="bg1"/>
-                </a:solidFill>
-                <a:latin typeface="锐字云字库美黑体1.0" panose="02010604000000000000" charset="-122"/>
-                <a:ea typeface="锐字云字库美黑体1.0" panose="02010604000000000000" charset="-122"/>
-              </a:rPr>
-              <a:t>年</a:t>
-            </a:r>
-            <a:r>
-              <a:rPr lang="en-US" altLang="zh-CN" sz="1200" dirty="0">
-                <a:solidFill>
-                  <a:schemeClr val="bg1"/>
-                </a:solidFill>
-                <a:latin typeface="锐字云字库美黑体1.0" panose="02010604000000000000" charset="-122"/>
-                <a:ea typeface="锐字云字库美黑体1.0" panose="02010604000000000000" charset="-122"/>
-              </a:rPr>
-              <a:t>11</a:t>
-            </a:r>
-            <a:r>
-              <a:rPr lang="zh-CN" altLang="en-US" sz="1200" dirty="0">
-                <a:solidFill>
-                  <a:schemeClr val="bg1"/>
-                </a:solidFill>
-                <a:latin typeface="锐字云字库美黑体1.0" panose="02010604000000000000" charset="-122"/>
-                <a:ea typeface="锐字云字库美黑体1.0" panose="02010604000000000000" charset="-122"/>
-              </a:rPr>
-              <a:t>月</a:t>
-            </a:r>
-            <a:endParaRPr lang="zh-CN" altLang="zh-CN" sz="1200" dirty="0">
+            <a:endParaRPr lang="en-US" altLang="zh-CN" sz="2400" kern="100" dirty="0">
               <a:solidFill>
                 <a:schemeClr val="bg1"/>
               </a:solidFill>
-              <a:latin typeface="锐字云字库美黑体1.0" panose="02010604000000000000" charset="-122"/>
-              <a:ea typeface="锐字云字库美黑体1.0" panose="02010604000000000000" charset="-122"/>
+              <a:latin typeface="微软雅黑" panose="020B0503020204020204" pitchFamily="34" charset="-122"/>
+              <a:ea typeface="微软雅黑" panose="020B0503020204020204" pitchFamily="34" charset="-122"/>
+              <a:cs typeface="Times New Roman" panose="02020603050405020304" pitchFamily="18" charset="0"/>
             </a:endParaRPr>
           </a:p>
         </p:txBody>
@@ -19988,7 +20531,7 @@
                             </p:stCondLst>
                             <p:childTnLst>
                               <p:par>
-                                <p:cTn id="5" presetID="2" presetClass="entr" presetSubtype="2" fill="hold" nodeType="withEffect">
+                                <p:cTn id="5" presetID="52" presetClass="entr" presetSubtype="0" fill="hold" grpId="0" nodeType="afterEffect">
                                   <p:stCondLst>
                                     <p:cond delay="0"/>
                                   </p:stCondLst>
@@ -20001,7 +20544,7 @@
                                           </p:stCondLst>
                                         </p:cTn>
                                         <p:tgtEl>
-                                          <p:spTgt spid="9"/>
+                                          <p:spTgt spid="74"/>
                                         </p:tgtEl>
                                         <p:attrNameLst>
                                           <p:attrName>style.visibility</p:attrName>
@@ -20011,52 +20554,44 @@
                                         <p:strVal val="visible"/>
                                       </p:to>
                                     </p:set>
-                                    <p:anim calcmode="lin" valueType="num">
-                                      <p:cBhvr additive="base">
-                                        <p:cTn id="7" dur="500" fill="hold"/>
-                                        <p:tgtEl>
-                                          <p:spTgt spid="9"/>
+                                    <p:animScale>
+                                      <p:cBhvr>
+                                        <p:cTn id="7" dur="1000" decel="50000" fill="hold">
+                                          <p:stCondLst>
+                                            <p:cond delay="0"/>
+                                          </p:stCondLst>
+                                        </p:cTn>
+                                        <p:tgtEl>
+                                          <p:spTgt spid="74"/>
+                                        </p:tgtEl>
+                                      </p:cBhvr>
+                                      <p:from x="250000" y="250000"/>
+                                      <p:to x="100000" y="100000"/>
+                                    </p:animScale>
+                                    <p:animMotion origin="layout" path="M -0.46736 0.92887  C -0.37517 0.88508  -0.02552 0.75279  0.0908 0.66613  C  0.20747 0.57948  0.21649 0.50394  0.23177 0.40825  C 0.24705 0.31256  0.22118 0.15964   0.18264 0.09152  C 0.1441 0.02341  0.03802 0.0  0.0 0.0  " pathEditMode="relative" ptsTypes="">
+                                      <p:cBhvr>
+                                        <p:cTn id="8" dur="1000" decel="50000" fill="hold">
+                                          <p:stCondLst>
+                                            <p:cond delay="0"/>
+                                          </p:stCondLst>
+                                        </p:cTn>
+                                        <p:tgtEl>
+                                          <p:spTgt spid="74"/>
                                         </p:tgtEl>
                                         <p:attrNameLst>
                                           <p:attrName>ppt_x</p:attrName>
-                                        </p:attrNameLst>
-                                      </p:cBhvr>
-                                      <p:tavLst>
-                                        <p:tav tm="0">
-                                          <p:val>
-                                            <p:strVal val="1+#ppt_w/2"/>
-                                          </p:val>
-                                        </p:tav>
-                                        <p:tav tm="100000">
-                                          <p:val>
-                                            <p:strVal val="#ppt_x"/>
-                                          </p:val>
-                                        </p:tav>
-                                      </p:tavLst>
-                                    </p:anim>
-                                    <p:anim calcmode="lin" valueType="num">
-                                      <p:cBhvr additive="base">
-                                        <p:cTn id="8" dur="500" fill="hold"/>
-                                        <p:tgtEl>
-                                          <p:spTgt spid="9"/>
-                                        </p:tgtEl>
-                                        <p:attrNameLst>
                                           <p:attrName>ppt_y</p:attrName>
                                         </p:attrNameLst>
                                       </p:cBhvr>
-                                      <p:tavLst>
-                                        <p:tav tm="0">
-                                          <p:val>
-                                            <p:strVal val="#ppt_y"/>
-                                          </p:val>
-                                        </p:tav>
-                                        <p:tav tm="100000">
-                                          <p:val>
-                                            <p:strVal val="#ppt_y"/>
-                                          </p:val>
-                                        </p:tav>
-                                      </p:tavLst>
-                                    </p:anim>
+                                    </p:animMotion>
+                                    <p:animEffect transition="in" filter="fade">
+                                      <p:cBhvr>
+                                        <p:cTn id="9" dur="1000"/>
+                                        <p:tgtEl>
+                                          <p:spTgt spid="74"/>
+                                        </p:tgtEl>
+                                      </p:cBhvr>
+                                    </p:animEffect>
                                   </p:childTnLst>
                                 </p:cTn>
                               </p:par>
@@ -20064,29 +20599,26 @@
                           </p:cTn>
                         </p:par>
                         <p:par>
-                          <p:cTn id="9" fill="hold">
+                          <p:cTn id="10" fill="hold">
                             <p:stCondLst>
-                              <p:cond delay="500"/>
+                              <p:cond delay="1000"/>
                             </p:stCondLst>
                             <p:childTnLst>
                               <p:par>
-                                <p:cTn id="10" presetID="56" presetClass="entr" presetSubtype="0" fill="hold" grpId="0" nodeType="afterEffect">
+                                <p:cTn id="11" presetID="22" presetClass="entr" presetSubtype="1" fill="hold" grpId="0" nodeType="afterEffect">
                                   <p:stCondLst>
                                     <p:cond delay="0"/>
                                   </p:stCondLst>
-                                  <p:iterate type="lt">
-                                    <p:tmPct val="10000"/>
-                                  </p:iterate>
                                   <p:childTnLst>
                                     <p:set>
                                       <p:cBhvr>
-                                        <p:cTn id="11" dur="1" fill="hold">
+                                        <p:cTn id="12" dur="1" fill="hold">
                                           <p:stCondLst>
                                             <p:cond delay="0"/>
                                           </p:stCondLst>
                                         </p:cTn>
                                         <p:tgtEl>
-                                          <p:spTgt spid="5"/>
+                                          <p:spTgt spid="26"/>
                                         </p:tgtEl>
                                         <p:attrNameLst>
                                           <p:attrName>style.visibility</p:attrName>
@@ -20096,66 +20628,14 @@
                                         <p:strVal val="visible"/>
                                       </p:to>
                                     </p:set>
-                                    <p:anim by="(-#ppt_w*2)" calcmode="lin" valueType="num">
-                                      <p:cBhvr rctx="PPT">
-                                        <p:cTn id="12" dur="500" autoRev="1" fill="hold">
-                                          <p:stCondLst>
-                                            <p:cond delay="0"/>
-                                          </p:stCondLst>
-                                        </p:cTn>
-                                        <p:tgtEl>
-                                          <p:spTgt spid="5"/>
-                                        </p:tgtEl>
-                                        <p:attrNameLst>
-                                          <p:attrName>ppt_w</p:attrName>
-                                        </p:attrNameLst>
-                                      </p:cBhvr>
-                                    </p:anim>
-                                    <p:anim by="(#ppt_w*0.50)" calcmode="lin" valueType="num">
+                                    <p:animEffect transition="in" filter="wipe(up)">
                                       <p:cBhvr>
-                                        <p:cTn id="13" dur="500" decel="50000" autoRev="1" fill="hold">
-                                          <p:stCondLst>
-                                            <p:cond delay="0"/>
-                                          </p:stCondLst>
-                                        </p:cTn>
-                                        <p:tgtEl>
-                                          <p:spTgt spid="5"/>
-                                        </p:tgtEl>
-                                        <p:attrNameLst>
-                                          <p:attrName>ppt_x</p:attrName>
-                                        </p:attrNameLst>
-                                      </p:cBhvr>
-                                    </p:anim>
-                                    <p:anim from="(-#ppt_h/2)" to="(#ppt_y)" calcmode="lin" valueType="num">
-                                      <p:cBhvr>
-                                        <p:cTn id="14" dur="1000" fill="hold">
-                                          <p:stCondLst>
-                                            <p:cond delay="0"/>
-                                          </p:stCondLst>
-                                        </p:cTn>
-                                        <p:tgtEl>
-                                          <p:spTgt spid="5"/>
-                                        </p:tgtEl>
-                                        <p:attrNameLst>
-                                          <p:attrName>ppt_y</p:attrName>
-                                        </p:attrNameLst>
-                                      </p:cBhvr>
-                                    </p:anim>
-                                    <p:animRot by="21600000">
-                                      <p:cBhvr>
-                                        <p:cTn id="15" dur="1000" fill="hold">
-                                          <p:stCondLst>
-                                            <p:cond delay="0"/>
-                                          </p:stCondLst>
-                                        </p:cTn>
-                                        <p:tgtEl>
-                                          <p:spTgt spid="5"/>
-                                        </p:tgtEl>
-                                        <p:attrNameLst>
-                                          <p:attrName>r</p:attrName>
-                                        </p:attrNameLst>
-                                      </p:cBhvr>
-                                    </p:animRot>
+                                        <p:cTn id="13" dur="500"/>
+                                        <p:tgtEl>
+                                          <p:spTgt spid="26"/>
+                                        </p:tgtEl>
+                                      </p:cBhvr>
+                                    </p:animEffect>
                                   </p:childTnLst>
                                 </p:cTn>
                               </p:par>
@@ -20163,26 +20643,26 @@
                           </p:cTn>
                         </p:par>
                         <p:par>
-                          <p:cTn id="16" fill="hold">
+                          <p:cTn id="14" fill="hold">
                             <p:stCondLst>
-                              <p:cond delay="2000"/>
+                              <p:cond delay="1500"/>
                             </p:stCondLst>
                             <p:childTnLst>
                               <p:par>
-                                <p:cTn id="17" presetID="2" presetClass="entr" presetSubtype="8" fill="hold" grpId="0" nodeType="afterEffect">
+                                <p:cTn id="15" presetID="22" presetClass="entr" presetSubtype="1" fill="hold" grpId="0" nodeType="afterEffect">
                                   <p:stCondLst>
                                     <p:cond delay="0"/>
                                   </p:stCondLst>
                                   <p:childTnLst>
                                     <p:set>
                                       <p:cBhvr>
-                                        <p:cTn id="18" dur="1" fill="hold">
+                                        <p:cTn id="16" dur="1" fill="hold">
                                           <p:stCondLst>
                                             <p:cond delay="0"/>
                                           </p:stCondLst>
                                         </p:cTn>
                                         <p:tgtEl>
-                                          <p:spTgt spid="7"/>
+                                          <p:spTgt spid="78"/>
                                         </p:tgtEl>
                                         <p:attrNameLst>
                                           <p:attrName>style.visibility</p:attrName>
@@ -20192,52 +20672,14 @@
                                         <p:strVal val="visible"/>
                                       </p:to>
                                     </p:set>
-                                    <p:anim calcmode="lin" valueType="num">
-                                      <p:cBhvr additive="base">
-                                        <p:cTn id="19" dur="500" fill="hold"/>
-                                        <p:tgtEl>
-                                          <p:spTgt spid="7"/>
-                                        </p:tgtEl>
-                                        <p:attrNameLst>
-                                          <p:attrName>ppt_x</p:attrName>
-                                        </p:attrNameLst>
-                                      </p:cBhvr>
-                                      <p:tavLst>
-                                        <p:tav tm="0">
-                                          <p:val>
-                                            <p:strVal val="0-#ppt_w/2"/>
-                                          </p:val>
-                                        </p:tav>
-                                        <p:tav tm="100000">
-                                          <p:val>
-                                            <p:strVal val="#ppt_x"/>
-                                          </p:val>
-                                        </p:tav>
-                                      </p:tavLst>
-                                    </p:anim>
-                                    <p:anim calcmode="lin" valueType="num">
-                                      <p:cBhvr additive="base">
-                                        <p:cTn id="20" dur="500" fill="hold"/>
-                                        <p:tgtEl>
-                                          <p:spTgt spid="7"/>
-                                        </p:tgtEl>
-                                        <p:attrNameLst>
-                                          <p:attrName>ppt_y</p:attrName>
-                                        </p:attrNameLst>
-                                      </p:cBhvr>
-                                      <p:tavLst>
-                                        <p:tav tm="0">
-                                          <p:val>
-                                            <p:strVal val="#ppt_y"/>
-                                          </p:val>
-                                        </p:tav>
-                                        <p:tav tm="100000">
-                                          <p:val>
-                                            <p:strVal val="#ppt_y"/>
-                                          </p:val>
-                                        </p:tav>
-                                      </p:tavLst>
-                                    </p:anim>
+                                    <p:animEffect transition="in" filter="wipe(up)">
+                                      <p:cBhvr>
+                                        <p:cTn id="17" dur="500"/>
+                                        <p:tgtEl>
+                                          <p:spTgt spid="78"/>
+                                        </p:tgtEl>
+                                      </p:cBhvr>
+                                    </p:animEffect>
                                   </p:childTnLst>
                                 </p:cTn>
                               </p:par>
@@ -20269,9 +20711,7103 @@
       </p:par>
     </p:tnLst>
     <p:bldLst>
-      <p:bldP spid="5" grpId="0"/>
-      <p:bldP spid="7" grpId="0" bldLvl="0" animBg="1"/>
+      <p:bldP spid="74" grpId="0" bldLvl="0" animBg="1"/>
+      <p:bldP spid="78" grpId="0"/>
+      <p:bldP spid="26" grpId="0"/>
     </p:bldLst>
+  </p:timing>
+</p:sld>
+</file>
+
+<file path=ppt/slides/slide25.xml><?xml version="1.0" encoding="utf-8"?>
+<p:sld xmlns:a="http://schemas.openxmlformats.org/drawingml/2006/main" xmlns:r="http://schemas.openxmlformats.org/officeDocument/2006/relationships" xmlns:p="http://schemas.openxmlformats.org/presentationml/2006/main">
+  <p:cSld>
+    <p:spTree>
+      <p:nvGrpSpPr>
+        <p:cNvPr id="1" name=""/>
+        <p:cNvGrpSpPr/>
+        <p:nvPr/>
+      </p:nvGrpSpPr>
+      <p:grpSpPr>
+        <a:xfrm>
+          <a:off x="0" y="0"/>
+          <a:ext cx="0" cy="0"/>
+          <a:chOff x="0" y="0"/>
+          <a:chExt cx="0" cy="0"/>
+        </a:xfrm>
+      </p:grpSpPr>
+      <p:grpSp>
+        <p:nvGrpSpPr>
+          <p:cNvPr id="6" name="组合 5"/>
+          <p:cNvGrpSpPr/>
+          <p:nvPr/>
+        </p:nvGrpSpPr>
+        <p:grpSpPr>
+          <a:xfrm>
+            <a:off x="1189355" y="269240"/>
+            <a:ext cx="6793230" cy="529590"/>
+            <a:chOff x="1873" y="424"/>
+            <a:chExt cx="10698" cy="834"/>
+          </a:xfrm>
+        </p:grpSpPr>
+        <p:sp>
+          <p:nvSpPr>
+            <p:cNvPr id="13" name="矩形 12"/>
+            <p:cNvSpPr/>
+            <p:nvPr/>
+          </p:nvSpPr>
+          <p:spPr>
+            <a:xfrm>
+              <a:off x="1873" y="424"/>
+              <a:ext cx="2266" cy="756"/>
+            </a:xfrm>
+            <a:prstGeom prst="rect">
+              <a:avLst/>
+            </a:prstGeom>
+            <a:solidFill>
+              <a:srgbClr val="F6F6F6"/>
+            </a:solidFill>
+            <a:ln>
+              <a:noFill/>
+            </a:ln>
+          </p:spPr>
+          <p:style>
+            <a:lnRef idx="2">
+              <a:schemeClr val="accent1">
+                <a:shade val="50000"/>
+              </a:schemeClr>
+            </a:lnRef>
+            <a:fillRef idx="1">
+              <a:schemeClr val="accent1"/>
+            </a:fillRef>
+            <a:effectRef idx="0">
+              <a:schemeClr val="accent1"/>
+            </a:effectRef>
+            <a:fontRef idx="minor">
+              <a:schemeClr val="lt1"/>
+            </a:fontRef>
+          </p:style>
+          <p:txBody>
+            <a:bodyPr rtlCol="0" anchor="ctr"/>
+            <a:p>
+              <a:pPr algn="ctr"/>
+              <a:endParaRPr lang="zh-CN" altLang="en-US"/>
+            </a:p>
+          </p:txBody>
+        </p:sp>
+        <p:sp>
+          <p:nvSpPr>
+            <p:cNvPr id="7" name="矩形 6"/>
+            <p:cNvSpPr/>
+            <p:nvPr/>
+          </p:nvSpPr>
+          <p:spPr>
+            <a:xfrm>
+              <a:off x="1984" y="535"/>
+              <a:ext cx="10587" cy="723"/>
+            </a:xfrm>
+            <a:prstGeom prst="rect">
+              <a:avLst/>
+            </a:prstGeom>
+          </p:spPr>
+          <p:txBody>
+            <a:bodyPr wrap="square" lIns="91400" tIns="45699" rIns="91400" bIns="45699">
+              <a:spAutoFit/>
+            </a:bodyPr>
+            <a:p>
+              <a:pPr lvl="0" defTabSz="914400">
+                <a:defRPr/>
+              </a:pPr>
+              <a:r>
+                <a:rPr lang="zh-CN" sz="2400" dirty="0">
+                  <a:solidFill>
+                    <a:schemeClr val="accent1"/>
+                  </a:solidFill>
+                  <a:latin typeface="微软雅黑" panose="020B0503020204020204" pitchFamily="34" charset="-122"/>
+                  <a:ea typeface="微软雅黑" panose="020B0503020204020204" pitchFamily="34" charset="-122"/>
+                  <a:sym typeface="+mn-ea"/>
+                </a:rPr>
+                <a:t>小组分工</a:t>
+              </a:r>
+              <a:endParaRPr lang="zh-CN" sz="2400" kern="0" dirty="0">
+                <a:solidFill>
+                  <a:schemeClr val="accent1"/>
+                </a:solidFill>
+                <a:latin typeface="微软雅黑" panose="020B0503020204020204" pitchFamily="34" charset="-122"/>
+                <a:ea typeface="微软雅黑" panose="020B0503020204020204" pitchFamily="34" charset="-122"/>
+                <a:sym typeface="+mn-ea"/>
+              </a:endParaRPr>
+            </a:p>
+          </p:txBody>
+        </p:sp>
+      </p:grpSp>
+      <p:graphicFrame>
+        <p:nvGraphicFramePr>
+          <p:cNvPr id="2" name="表格 1"/>
+          <p:cNvGraphicFramePr/>
+          <p:nvPr>
+            <p:custDataLst>
+              <p:tags r:id="rId1"/>
+            </p:custDataLst>
+          </p:nvPr>
+        </p:nvGraphicFramePr>
+        <p:xfrm>
+          <a:off x="4049395" y="400685"/>
+          <a:ext cx="6250940" cy="6056630"/>
+        </p:xfrm>
+        <a:graphic>
+          <a:graphicData uri="http://schemas.openxmlformats.org/drawingml/2006/table">
+            <a:tbl>
+              <a:tblPr firstRow="1" bandRow="1">
+                <a:tableStyleId>{3B4B98B0-60AC-42C2-AFA5-B58CD77FA1E5}</a:tableStyleId>
+              </a:tblPr>
+              <a:tblGrid>
+                <a:gridCol w="783590"/>
+                <a:gridCol w="1509395"/>
+                <a:gridCol w="1282700"/>
+                <a:gridCol w="431165"/>
+                <a:gridCol w="19685"/>
+                <a:gridCol w="431800"/>
+                <a:gridCol w="537210"/>
+                <a:gridCol w="623570"/>
+                <a:gridCol w="631825"/>
+              </a:tblGrid>
+              <a:tr h="224155">
+                <a:tc gridSpan="2">
+                  <a:txBody>
+                    <a:bodyPr/>
+                    <a:p>
+                      <a:pPr indent="0" algn="ctr">
+                        <a:buNone/>
+                      </a:pPr>
+                      <a:r>
+                        <a:rPr lang="en-US" sz="1000"/>
+                        <a:t>姓 名</a:t>
+                      </a:r>
+                      <a:endParaRPr lang="en-US" altLang="en-US" sz="1000"/>
+                    </a:p>
+                  </a:txBody>
+                  <a:tcPr marL="68580" marR="68580" marT="0" marB="0" vert="horz" anchor="ctr" anchorCtr="0"/>
+                </a:tc>
+                <a:tc hMerge="1">
+                  <a:tcPr/>
+                </a:tc>
+                <a:tc gridSpan="7">
+                  <a:txBody>
+                    <a:bodyPr/>
+                    <a:p>
+                      <a:pPr indent="0" algn="ctr">
+                        <a:buNone/>
+                      </a:pPr>
+                      <a:r>
+                        <a:rPr lang="en-US" sz="1000"/>
+                        <a:t>黄依豪</a:t>
+                      </a:r>
+                      <a:endParaRPr lang="en-US" altLang="en-US" sz="1000"/>
+                    </a:p>
+                  </a:txBody>
+                  <a:tcPr marL="68580" marR="68580" marT="0" marB="0" vert="horz" anchor="ctr" anchorCtr="0"/>
+                </a:tc>
+                <a:tc hMerge="1">
+                  <a:tcPr/>
+                </a:tc>
+                <a:tc hMerge="1">
+                  <a:tcPr/>
+                </a:tc>
+                <a:tc hMerge="1">
+                  <a:tcPr/>
+                </a:tc>
+                <a:tc hMerge="1">
+                  <a:tcPr/>
+                </a:tc>
+                <a:tc hMerge="1">
+                  <a:tcPr/>
+                </a:tc>
+                <a:tc hMerge="1">
+                  <a:tcPr/>
+                </a:tc>
+              </a:tr>
+              <a:tr h="224790">
+                <a:tc gridSpan="9">
+                  <a:txBody>
+                    <a:bodyPr/>
+                    <a:p>
+                      <a:pPr indent="0" algn="ctr">
+                        <a:buNone/>
+                      </a:pPr>
+                      <a:r>
+                        <a:rPr lang="en-US" sz="900"/>
+                        <a:t>工 作 安 排</a:t>
+                      </a:r>
+                      <a:endParaRPr lang="en-US" altLang="en-US" sz="900"/>
+                    </a:p>
+                  </a:txBody>
+                  <a:tcPr marL="68580" marR="68580" marT="0" marB="0" vert="horz" anchor="ctr" anchorCtr="0"/>
+                </a:tc>
+                <a:tc hMerge="1">
+                  <a:tcPr/>
+                </a:tc>
+                <a:tc hMerge="1">
+                  <a:tcPr/>
+                </a:tc>
+                <a:tc hMerge="1">
+                  <a:tcPr/>
+                </a:tc>
+                <a:tc hMerge="1">
+                  <a:tcPr/>
+                </a:tc>
+                <a:tc hMerge="1">
+                  <a:tcPr/>
+                </a:tc>
+                <a:tc hMerge="1">
+                  <a:tcPr/>
+                </a:tc>
+                <a:tc hMerge="1">
+                  <a:tcPr/>
+                </a:tc>
+                <a:tc hMerge="1">
+                  <a:tcPr/>
+                </a:tc>
+              </a:tr>
+              <a:tr h="224790">
+                <a:tc gridSpan="3">
+                  <a:txBody>
+                    <a:bodyPr/>
+                    <a:p>
+                      <a:pPr indent="0" algn="ctr">
+                        <a:buNone/>
+                      </a:pPr>
+                      <a:r>
+                        <a:rPr lang="en-US" sz="1000"/>
+                        <a:t>工作任务一</a:t>
+                      </a:r>
+                      <a:endParaRPr lang="en-US" altLang="en-US" sz="1000"/>
+                    </a:p>
+                  </a:txBody>
+                  <a:tcPr marL="68580" marR="68580" marT="0" marB="0" vert="horz" anchor="ctr" anchorCtr="0"/>
+                </a:tc>
+                <a:tc hMerge="1">
+                  <a:tcPr/>
+                </a:tc>
+                <a:tc hMerge="1">
+                  <a:tcPr/>
+                </a:tc>
+                <a:tc gridSpan="6">
+                  <a:txBody>
+                    <a:bodyPr/>
+                    <a:p>
+                      <a:pPr indent="0" algn="ctr">
+                        <a:buNone/>
+                      </a:pPr>
+                      <a:r>
+                        <a:rPr lang="en-US" sz="1000"/>
+                        <a:t>完成情况</a:t>
+                      </a:r>
+                      <a:endParaRPr lang="en-US" altLang="en-US" sz="1000"/>
+                    </a:p>
+                  </a:txBody>
+                  <a:tcPr marL="68580" marR="68580" marT="0" marB="0" vert="horz" anchor="ctr" anchorCtr="0"/>
+                </a:tc>
+                <a:tc hMerge="1">
+                  <a:tcPr/>
+                </a:tc>
+                <a:tc hMerge="1">
+                  <a:tcPr/>
+                </a:tc>
+                <a:tc hMerge="1">
+                  <a:tcPr/>
+                </a:tc>
+                <a:tc hMerge="1">
+                  <a:tcPr/>
+                </a:tc>
+                <a:tc hMerge="1">
+                  <a:tcPr/>
+                </a:tc>
+              </a:tr>
+              <a:tr h="269240">
+                <a:tc>
+                  <a:txBody>
+                    <a:bodyPr/>
+                    <a:p>
+                      <a:pPr indent="0">
+                        <a:buNone/>
+                      </a:pPr>
+                      <a:r>
+                        <a:rPr lang="en-US" sz="900"/>
+                        <a:t> 工作内容 </a:t>
+                      </a:r>
+                      <a:endParaRPr lang="en-US" altLang="en-US" sz="900"/>
+                    </a:p>
+                  </a:txBody>
+                  <a:tcPr marL="68580" marR="68580" marT="0" marB="0" vert="horz" anchor="ctr" anchorCtr="0"/>
+                </a:tc>
+                <a:tc gridSpan="2">
+                  <a:txBody>
+                    <a:bodyPr/>
+                    <a:p>
+                      <a:pPr indent="0">
+                        <a:buNone/>
+                      </a:pPr>
+                      <a:r>
+                        <a:rPr lang="en-US" sz="900"/>
+                        <a:t>制作测试用例</a:t>
+                      </a:r>
+                      <a:endParaRPr lang="en-US" altLang="en-US" sz="900"/>
+                    </a:p>
+                  </a:txBody>
+                  <a:tcPr marL="68580" marR="68580" marT="0" marB="0" vert="horz" anchor="ctr" anchorCtr="0"/>
+                </a:tc>
+                <a:tc hMerge="1">
+                  <a:tcPr/>
+                </a:tc>
+                <a:tc gridSpan="6">
+                  <a:txBody>
+                    <a:bodyPr/>
+                    <a:p>
+                      <a:pPr indent="0">
+                        <a:buNone/>
+                      </a:pPr>
+                      <a:r>
+                        <a:rPr lang="en-US" sz="900"/>
+                        <a:t>职员是否认同该工作内容？R认同 □不认同 □其他</a:t>
+                      </a:r>
+                      <a:endParaRPr lang="en-US" altLang="en-US" sz="900"/>
+                    </a:p>
+                  </a:txBody>
+                  <a:tcPr marL="68580" marR="68580" marT="0" marB="0" vert="horz" anchor="ctr" anchorCtr="0"/>
+                </a:tc>
+                <a:tc hMerge="1">
+                  <a:tcPr/>
+                </a:tc>
+                <a:tc hMerge="1">
+                  <a:tcPr/>
+                </a:tc>
+                <a:tc hMerge="1">
+                  <a:tcPr/>
+                </a:tc>
+                <a:tc hMerge="1">
+                  <a:tcPr/>
+                </a:tc>
+                <a:tc hMerge="1">
+                  <a:tcPr/>
+                </a:tc>
+              </a:tr>
+              <a:tr h="393700">
+                <a:tc>
+                  <a:txBody>
+                    <a:bodyPr/>
+                    <a:p>
+                      <a:pPr indent="0">
+                        <a:buNone/>
+                      </a:pPr>
+                      <a:r>
+                        <a:rPr lang="en-US" sz="900"/>
+                        <a:t> 工作目标完成时间 </a:t>
+                      </a:r>
+                      <a:endParaRPr lang="en-US" altLang="en-US" sz="900"/>
+                    </a:p>
+                  </a:txBody>
+                  <a:tcPr marL="68580" marR="68580" marT="0" marB="0" vert="horz" anchor="ctr" anchorCtr="0"/>
+                </a:tc>
+                <a:tc gridSpan="2">
+                  <a:txBody>
+                    <a:bodyPr/>
+                    <a:p>
+                      <a:pPr indent="0">
+                        <a:buNone/>
+                      </a:pPr>
+                      <a:r>
+                        <a:rPr lang="en-US" sz="1000"/>
+                        <a:t>2021/12/12 0：00</a:t>
+                      </a:r>
+                      <a:endParaRPr lang="en-US" altLang="en-US" sz="1000"/>
+                    </a:p>
+                  </a:txBody>
+                  <a:tcPr marL="68580" marR="68580" marT="0" marB="0" vert="horz" anchor="ctr" anchorCtr="0"/>
+                </a:tc>
+                <a:tc hMerge="1">
+                  <a:tcPr/>
+                </a:tc>
+                <a:tc gridSpan="6">
+                  <a:txBody>
+                    <a:bodyPr/>
+                    <a:p>
+                      <a:pPr indent="0">
+                        <a:buNone/>
+                      </a:pPr>
+                      <a:r>
+                        <a:rPr lang="en-US" sz="900"/>
+                        <a:t>职员是否认同该工作目标？R认同 □不认同 □其他</a:t>
+                      </a:r>
+                      <a:endParaRPr lang="en-US" altLang="en-US" sz="900"/>
+                    </a:p>
+                  </a:txBody>
+                  <a:tcPr marL="68580" marR="68580" marT="0" marB="0" vert="horz" anchor="ctr" anchorCtr="0"/>
+                </a:tc>
+                <a:tc hMerge="1">
+                  <a:tcPr/>
+                </a:tc>
+                <a:tc hMerge="1">
+                  <a:tcPr/>
+                </a:tc>
+                <a:tc hMerge="1">
+                  <a:tcPr/>
+                </a:tc>
+                <a:tc hMerge="1">
+                  <a:tcPr/>
+                </a:tc>
+                <a:tc hMerge="1">
+                  <a:tcPr/>
+                </a:tc>
+              </a:tr>
+              <a:tr h="269875">
+                <a:tc>
+                  <a:txBody>
+                    <a:bodyPr/>
+                    <a:p>
+                      <a:pPr indent="0">
+                        <a:buNone/>
+                      </a:pPr>
+                      <a:r>
+                        <a:rPr lang="en-US" sz="900"/>
+                        <a:t>评价方法</a:t>
+                      </a:r>
+                      <a:endParaRPr lang="en-US" altLang="en-US" sz="900"/>
+                    </a:p>
+                  </a:txBody>
+                  <a:tcPr marL="68580" marR="68580" marT="0" marB="0" vert="horz" anchor="ctr" anchorCtr="0"/>
+                </a:tc>
+                <a:tc gridSpan="2">
+                  <a:txBody>
+                    <a:bodyPr/>
+                    <a:p>
+                      <a:pPr indent="0">
+                        <a:buNone/>
+                      </a:pPr>
+                      <a:r>
+                        <a:rPr lang="en-US" sz="1000"/>
+                        <a:t>测试用例是否完备</a:t>
+                      </a:r>
+                      <a:endParaRPr lang="en-US" altLang="en-US" sz="1000"/>
+                    </a:p>
+                  </a:txBody>
+                  <a:tcPr marL="68580" marR="68580" marT="0" marB="0" vert="horz" anchor="ctr" anchorCtr="0"/>
+                </a:tc>
+                <a:tc hMerge="1">
+                  <a:tcPr/>
+                </a:tc>
+                <a:tc gridSpan="6">
+                  <a:txBody>
+                    <a:bodyPr/>
+                    <a:p>
+                      <a:pPr indent="0">
+                        <a:buNone/>
+                      </a:pPr>
+                      <a:r>
+                        <a:rPr lang="en-US" sz="900"/>
+                        <a:t>职员是否认同该评价方法？R认同 □不认同 □其他</a:t>
+                      </a:r>
+                      <a:endParaRPr lang="en-US" altLang="en-US" sz="900"/>
+                    </a:p>
+                  </a:txBody>
+                  <a:tcPr marL="68580" marR="68580" marT="0" marB="0" vert="horz" anchor="ctr" anchorCtr="0"/>
+                </a:tc>
+                <a:tc hMerge="1">
+                  <a:tcPr/>
+                </a:tc>
+                <a:tc hMerge="1">
+                  <a:tcPr/>
+                </a:tc>
+                <a:tc hMerge="1">
+                  <a:tcPr/>
+                </a:tc>
+                <a:tc hMerge="1">
+                  <a:tcPr/>
+                </a:tc>
+                <a:tc hMerge="1">
+                  <a:tcPr/>
+                </a:tc>
+              </a:tr>
+              <a:tr h="262255">
+                <a:tc rowSpan="2">
+                  <a:txBody>
+                    <a:bodyPr/>
+                    <a:p>
+                      <a:pPr indent="0">
+                        <a:buNone/>
+                      </a:pPr>
+                      <a:r>
+                        <a:rPr lang="en-US" sz="900"/>
+                        <a:t>评价结果</a:t>
+                      </a:r>
+                      <a:endParaRPr lang="en-US" altLang="en-US" sz="900"/>
+                    </a:p>
+                  </a:txBody>
+                  <a:tcPr marL="68580" marR="68580" marT="0" marB="0" vert="horz" anchor="ctr" anchorCtr="0"/>
+                </a:tc>
+                <a:tc rowSpan="2" gridSpan="2">
+                  <a:txBody>
+                    <a:bodyPr/>
+                    <a:p>
+                      <a:pPr indent="0">
+                        <a:buNone/>
+                      </a:pPr>
+                      <a:r>
+                        <a:rPr lang="en-US" sz="1000"/>
+                        <a:t> </a:t>
+                      </a:r>
+                      <a:endParaRPr lang="en-US" altLang="en-US" sz="1000"/>
+                    </a:p>
+                  </a:txBody>
+                  <a:tcPr marL="68580" marR="68580" marT="0" marB="0" vert="horz" anchor="ctr" anchorCtr="0"/>
+                </a:tc>
+                <a:tc rowSpan="2" hMerge="1">
+                  <a:tcPr/>
+                </a:tc>
+                <a:tc gridSpan="2">
+                  <a:txBody>
+                    <a:bodyPr/>
+                    <a:p>
+                      <a:pPr indent="0">
+                        <a:buNone/>
+                      </a:pPr>
+                      <a:r>
+                        <a:rPr lang="en-US" sz="900"/>
+                        <a:t>优秀</a:t>
+                      </a:r>
+                      <a:endParaRPr lang="en-US" altLang="en-US" sz="900"/>
+                    </a:p>
+                  </a:txBody>
+                  <a:tcPr marL="68580" marR="68580" marT="0" marB="0" vert="horz" anchor="ctr" anchorCtr="0"/>
+                </a:tc>
+                <a:tc hMerge="1">
+                  <a:tcPr/>
+                </a:tc>
+                <a:tc>
+                  <a:txBody>
+                    <a:bodyPr/>
+                    <a:p>
+                      <a:pPr indent="0">
+                        <a:buNone/>
+                      </a:pPr>
+                      <a:r>
+                        <a:rPr lang="en-US" sz="900"/>
+                        <a:t>良好</a:t>
+                      </a:r>
+                      <a:endParaRPr lang="en-US" altLang="en-US" sz="900"/>
+                    </a:p>
+                  </a:txBody>
+                  <a:tcPr marL="68580" marR="68580" marT="0" marB="0" vert="horz" anchor="ctr" anchorCtr="0"/>
+                </a:tc>
+                <a:tc>
+                  <a:txBody>
+                    <a:bodyPr/>
+                    <a:p>
+                      <a:pPr indent="0">
+                        <a:buNone/>
+                      </a:pPr>
+                      <a:r>
+                        <a:rPr lang="en-US" sz="900"/>
+                        <a:t>合格</a:t>
+                      </a:r>
+                      <a:endParaRPr lang="en-US" altLang="en-US" sz="900"/>
+                    </a:p>
+                  </a:txBody>
+                  <a:tcPr marL="68580" marR="68580" marT="0" marB="0" vert="horz" anchor="ctr" anchorCtr="0"/>
+                </a:tc>
+                <a:tc>
+                  <a:txBody>
+                    <a:bodyPr/>
+                    <a:p>
+                      <a:pPr indent="0">
+                        <a:buNone/>
+                      </a:pPr>
+                      <a:r>
+                        <a:rPr lang="en-US" sz="900"/>
+                        <a:t>待改进</a:t>
+                      </a:r>
+                      <a:endParaRPr lang="en-US" altLang="en-US" sz="900"/>
+                    </a:p>
+                  </a:txBody>
+                  <a:tcPr marL="68580" marR="68580" marT="0" marB="0" vert="horz" anchor="ctr" anchorCtr="0"/>
+                </a:tc>
+                <a:tc>
+                  <a:txBody>
+                    <a:bodyPr/>
+                    <a:p>
+                      <a:pPr indent="0">
+                        <a:buNone/>
+                      </a:pPr>
+                      <a:r>
+                        <a:rPr lang="en-US" sz="900"/>
+                        <a:t>未完成</a:t>
+                      </a:r>
+                      <a:endParaRPr lang="en-US" altLang="en-US" sz="900"/>
+                    </a:p>
+                  </a:txBody>
+                  <a:tcPr marL="68580" marR="68580" marT="0" marB="0" vert="horz" anchor="ctr" anchorCtr="0"/>
+                </a:tc>
+              </a:tr>
+              <a:tr h="224790">
+                <a:tc vMerge="1">
+                  <a:tcPr/>
+                </a:tc>
+                <a:tc vMerge="1" gridSpan="2">
+                  <a:tcPr/>
+                </a:tc>
+                <a:tc vMerge="1" hMerge="1">
+                  <a:tcPr/>
+                </a:tc>
+                <a:tc gridSpan="2">
+                  <a:txBody>
+                    <a:bodyPr/>
+                    <a:p>
+                      <a:pPr indent="0">
+                        <a:buNone/>
+                      </a:pPr>
+                      <a:r>
+                        <a:rPr lang="en-US" sz="1000"/>
+                        <a:t>1</a:t>
+                      </a:r>
+                      <a:endParaRPr lang="en-US" altLang="en-US" sz="1000"/>
+                    </a:p>
+                  </a:txBody>
+                  <a:tcPr marL="68580" marR="68580" marT="0" marB="0" vert="horz" anchor="ctr" anchorCtr="0"/>
+                </a:tc>
+                <a:tc hMerge="1">
+                  <a:tcPr/>
+                </a:tc>
+                <a:tc>
+                  <a:txBody>
+                    <a:bodyPr/>
+                    <a:p>
+                      <a:pPr indent="0">
+                        <a:buNone/>
+                      </a:pPr>
+                      <a:r>
+                        <a:rPr lang="en-US" sz="1000"/>
+                        <a:t> </a:t>
+                      </a:r>
+                      <a:endParaRPr lang="en-US" altLang="en-US" sz="1000"/>
+                    </a:p>
+                  </a:txBody>
+                  <a:tcPr marL="68580" marR="68580" marT="0" marB="0" vert="horz" anchor="ctr" anchorCtr="0"/>
+                </a:tc>
+                <a:tc>
+                  <a:txBody>
+                    <a:bodyPr/>
+                    <a:p>
+                      <a:pPr indent="0">
+                        <a:buNone/>
+                      </a:pPr>
+                      <a:r>
+                        <a:rPr lang="en-US" sz="1000"/>
+                        <a:t> </a:t>
+                      </a:r>
+                      <a:endParaRPr lang="en-US" altLang="en-US" sz="1000"/>
+                    </a:p>
+                  </a:txBody>
+                  <a:tcPr marL="68580" marR="68580" marT="0" marB="0" vert="horz" anchor="ctr" anchorCtr="0"/>
+                </a:tc>
+                <a:tc>
+                  <a:txBody>
+                    <a:bodyPr/>
+                    <a:p>
+                      <a:pPr indent="0">
+                        <a:buNone/>
+                      </a:pPr>
+                      <a:r>
+                        <a:rPr lang="en-US" sz="1000"/>
+                        <a:t> </a:t>
+                      </a:r>
+                      <a:endParaRPr lang="en-US" altLang="en-US" sz="1000"/>
+                    </a:p>
+                  </a:txBody>
+                  <a:tcPr marL="68580" marR="68580" marT="0" marB="0" vert="horz" anchor="ctr" anchorCtr="0"/>
+                </a:tc>
+                <a:tc>
+                  <a:txBody>
+                    <a:bodyPr/>
+                    <a:p>
+                      <a:pPr indent="0">
+                        <a:buNone/>
+                      </a:pPr>
+                      <a:r>
+                        <a:rPr lang="en-US" sz="1000"/>
+                        <a:t> </a:t>
+                      </a:r>
+                      <a:endParaRPr lang="en-US" altLang="en-US" sz="1000"/>
+                    </a:p>
+                  </a:txBody>
+                  <a:tcPr marL="68580" marR="68580" marT="0" marB="0" vert="horz" anchor="ctr" anchorCtr="0"/>
+                </a:tc>
+              </a:tr>
+              <a:tr h="224790">
+                <a:tc gridSpan="3">
+                  <a:txBody>
+                    <a:bodyPr/>
+                    <a:p>
+                      <a:pPr indent="0">
+                        <a:buNone/>
+                      </a:pPr>
+                      <a:r>
+                        <a:rPr lang="en-US" sz="900"/>
+                        <a:t>直属上级或正式员工是否就该工作与你进行沟通</a:t>
+                      </a:r>
+                      <a:endParaRPr lang="en-US" altLang="en-US" sz="900"/>
+                    </a:p>
+                  </a:txBody>
+                  <a:tcPr marL="68580" marR="68580" marT="0" marB="0" vert="horz" anchor="ctr" anchorCtr="0"/>
+                </a:tc>
+                <a:tc hMerge="1">
+                  <a:tcPr/>
+                </a:tc>
+                <a:tc hMerge="1">
+                  <a:tcPr/>
+                </a:tc>
+                <a:tc gridSpan="6">
+                  <a:txBody>
+                    <a:bodyPr/>
+                    <a:p>
+                      <a:pPr indent="0">
+                        <a:buNone/>
+                      </a:pPr>
+                      <a:r>
+                        <a:rPr lang="en-US" sz="900"/>
+                        <a:t>□沟通 </a:t>
+                      </a:r>
+                      <a:endParaRPr lang="en-US" altLang="en-US" sz="900"/>
+                    </a:p>
+                  </a:txBody>
+                  <a:tcPr marL="68580" marR="68580" marT="0" marB="0" vert="horz" anchor="ctr" anchorCtr="0"/>
+                </a:tc>
+                <a:tc hMerge="1">
+                  <a:tcPr/>
+                </a:tc>
+                <a:tc hMerge="1">
+                  <a:tcPr/>
+                </a:tc>
+                <a:tc hMerge="1">
+                  <a:tcPr/>
+                </a:tc>
+                <a:tc hMerge="1">
+                  <a:tcPr/>
+                </a:tc>
+                <a:tc hMerge="1">
+                  <a:tcPr/>
+                </a:tc>
+              </a:tr>
+              <a:tr h="224790">
+                <a:tc gridSpan="3">
+                  <a:txBody>
+                    <a:bodyPr/>
+                    <a:p>
+                      <a:pPr indent="0" algn="ctr">
+                        <a:buNone/>
+                      </a:pPr>
+                      <a:r>
+                        <a:rPr lang="en-US" sz="1000"/>
+                        <a:t>工作任务二</a:t>
+                      </a:r>
+                      <a:endParaRPr lang="en-US" altLang="en-US" sz="1000"/>
+                    </a:p>
+                  </a:txBody>
+                  <a:tcPr marL="68580" marR="68580" marT="0" marB="0" vert="horz" anchor="ctr" anchorCtr="0"/>
+                </a:tc>
+                <a:tc hMerge="1">
+                  <a:tcPr/>
+                </a:tc>
+                <a:tc hMerge="1">
+                  <a:tcPr/>
+                </a:tc>
+                <a:tc gridSpan="6">
+                  <a:txBody>
+                    <a:bodyPr/>
+                    <a:p>
+                      <a:pPr indent="0" algn="ctr">
+                        <a:buNone/>
+                      </a:pPr>
+                      <a:r>
+                        <a:rPr lang="en-US" sz="1000"/>
+                        <a:t>完成情况</a:t>
+                      </a:r>
+                      <a:endParaRPr lang="en-US" altLang="en-US" sz="1000"/>
+                    </a:p>
+                  </a:txBody>
+                  <a:tcPr marL="68580" marR="68580" marT="0" marB="0" vert="horz" anchor="ctr" anchorCtr="0"/>
+                </a:tc>
+                <a:tc hMerge="1">
+                  <a:tcPr/>
+                </a:tc>
+                <a:tc hMerge="1">
+                  <a:tcPr/>
+                </a:tc>
+                <a:tc hMerge="1">
+                  <a:tcPr/>
+                </a:tc>
+                <a:tc hMerge="1">
+                  <a:tcPr/>
+                </a:tc>
+                <a:tc hMerge="1">
+                  <a:tcPr/>
+                </a:tc>
+              </a:tr>
+              <a:tr h="269240">
+                <a:tc>
+                  <a:txBody>
+                    <a:bodyPr/>
+                    <a:p>
+                      <a:pPr indent="0">
+                        <a:buNone/>
+                      </a:pPr>
+                      <a:r>
+                        <a:rPr lang="en-US" sz="900"/>
+                        <a:t> 工作内容 </a:t>
+                      </a:r>
+                      <a:endParaRPr lang="en-US" altLang="en-US" sz="900"/>
+                    </a:p>
+                  </a:txBody>
+                  <a:tcPr marL="68580" marR="68580" marT="0" marB="0" vert="horz" anchor="ctr" anchorCtr="0"/>
+                </a:tc>
+                <a:tc gridSpan="2">
+                  <a:txBody>
+                    <a:bodyPr/>
+                    <a:p>
+                      <a:pPr indent="0">
+                        <a:buNone/>
+                      </a:pPr>
+                      <a:r>
+                        <a:rPr lang="en-US" sz="900"/>
+                        <a:t>使用单元测试工具测试</a:t>
+                      </a:r>
+                      <a:endParaRPr lang="en-US" altLang="en-US" sz="900"/>
+                    </a:p>
+                  </a:txBody>
+                  <a:tcPr marL="68580" marR="68580" marT="0" marB="0" vert="horz" anchor="ctr" anchorCtr="0"/>
+                </a:tc>
+                <a:tc hMerge="1">
+                  <a:tcPr/>
+                </a:tc>
+                <a:tc gridSpan="6">
+                  <a:txBody>
+                    <a:bodyPr/>
+                    <a:p>
+                      <a:pPr indent="0">
+                        <a:buNone/>
+                      </a:pPr>
+                      <a:r>
+                        <a:rPr lang="en-US" sz="900"/>
+                        <a:t>职员是否认同该工作内容？R认同 □不认同 □其他</a:t>
+                      </a:r>
+                      <a:endParaRPr lang="en-US" altLang="en-US" sz="900"/>
+                    </a:p>
+                  </a:txBody>
+                  <a:tcPr marL="68580" marR="68580" marT="0" marB="0" vert="horz" anchor="ctr" anchorCtr="0"/>
+                </a:tc>
+                <a:tc hMerge="1">
+                  <a:tcPr/>
+                </a:tc>
+                <a:tc hMerge="1">
+                  <a:tcPr/>
+                </a:tc>
+                <a:tc hMerge="1">
+                  <a:tcPr/>
+                </a:tc>
+                <a:tc hMerge="1">
+                  <a:tcPr/>
+                </a:tc>
+                <a:tc hMerge="1">
+                  <a:tcPr/>
+                </a:tc>
+              </a:tr>
+              <a:tr h="394335">
+                <a:tc>
+                  <a:txBody>
+                    <a:bodyPr/>
+                    <a:p>
+                      <a:pPr indent="0">
+                        <a:buNone/>
+                      </a:pPr>
+                      <a:r>
+                        <a:rPr lang="en-US" sz="900"/>
+                        <a:t> 工作目标完成时间 </a:t>
+                      </a:r>
+                      <a:endParaRPr lang="en-US" altLang="en-US" sz="900"/>
+                    </a:p>
+                  </a:txBody>
+                  <a:tcPr marL="68580" marR="68580" marT="0" marB="0" vert="horz" anchor="ctr" anchorCtr="0"/>
+                </a:tc>
+                <a:tc gridSpan="2">
+                  <a:txBody>
+                    <a:bodyPr/>
+                    <a:p>
+                      <a:pPr indent="0">
+                        <a:buNone/>
+                      </a:pPr>
+                      <a:r>
+                        <a:rPr lang="en-US" sz="1000"/>
+                        <a:t>2021/12/12 0：00</a:t>
+                      </a:r>
+                      <a:endParaRPr lang="en-US" altLang="en-US" sz="1000"/>
+                    </a:p>
+                  </a:txBody>
+                  <a:tcPr marL="68580" marR="68580" marT="0" marB="0" vert="horz" anchor="ctr" anchorCtr="0"/>
+                </a:tc>
+                <a:tc hMerge="1">
+                  <a:tcPr/>
+                </a:tc>
+                <a:tc gridSpan="6">
+                  <a:txBody>
+                    <a:bodyPr/>
+                    <a:p>
+                      <a:pPr indent="0">
+                        <a:buNone/>
+                      </a:pPr>
+                      <a:r>
+                        <a:rPr lang="en-US" sz="900"/>
+                        <a:t>职员是否认同该工作目标？R认同 □不认同 □其他</a:t>
+                      </a:r>
+                      <a:endParaRPr lang="en-US" altLang="en-US" sz="900"/>
+                    </a:p>
+                  </a:txBody>
+                  <a:tcPr marL="68580" marR="68580" marT="0" marB="0" vert="horz" anchor="ctr" anchorCtr="0"/>
+                </a:tc>
+                <a:tc hMerge="1">
+                  <a:tcPr/>
+                </a:tc>
+                <a:tc hMerge="1">
+                  <a:tcPr/>
+                </a:tc>
+                <a:tc hMerge="1">
+                  <a:tcPr/>
+                </a:tc>
+                <a:tc hMerge="1">
+                  <a:tcPr/>
+                </a:tc>
+                <a:tc hMerge="1">
+                  <a:tcPr/>
+                </a:tc>
+              </a:tr>
+              <a:tr h="269240">
+                <a:tc>
+                  <a:txBody>
+                    <a:bodyPr/>
+                    <a:p>
+                      <a:pPr indent="0">
+                        <a:buNone/>
+                      </a:pPr>
+                      <a:r>
+                        <a:rPr lang="en-US" sz="900"/>
+                        <a:t>评价方法</a:t>
+                      </a:r>
+                      <a:endParaRPr lang="en-US" altLang="en-US" sz="900"/>
+                    </a:p>
+                  </a:txBody>
+                  <a:tcPr marL="68580" marR="68580" marT="0" marB="0" vert="horz" anchor="ctr" anchorCtr="0"/>
+                </a:tc>
+                <a:tc gridSpan="2">
+                  <a:txBody>
+                    <a:bodyPr/>
+                    <a:p>
+                      <a:pPr indent="0">
+                        <a:buNone/>
+                      </a:pPr>
+                      <a:r>
+                        <a:rPr lang="en-US" sz="1000"/>
+                        <a:t>测试情况是否符合预期</a:t>
+                      </a:r>
+                      <a:endParaRPr lang="en-US" altLang="en-US" sz="1000"/>
+                    </a:p>
+                  </a:txBody>
+                  <a:tcPr marL="68580" marR="68580" marT="0" marB="0" vert="horz" anchor="ctr" anchorCtr="0"/>
+                </a:tc>
+                <a:tc hMerge="1">
+                  <a:tcPr/>
+                </a:tc>
+                <a:tc gridSpan="6">
+                  <a:txBody>
+                    <a:bodyPr/>
+                    <a:p>
+                      <a:pPr indent="0">
+                        <a:buNone/>
+                      </a:pPr>
+                      <a:r>
+                        <a:rPr lang="en-US" sz="900"/>
+                        <a:t>职员是否认同该评价方法？R认同 □不认同 □其他</a:t>
+                      </a:r>
+                      <a:endParaRPr lang="en-US" altLang="en-US" sz="900"/>
+                    </a:p>
+                  </a:txBody>
+                  <a:tcPr marL="68580" marR="68580" marT="0" marB="0" vert="horz" anchor="ctr" anchorCtr="0"/>
+                </a:tc>
+                <a:tc hMerge="1">
+                  <a:tcPr/>
+                </a:tc>
+                <a:tc hMerge="1">
+                  <a:tcPr/>
+                </a:tc>
+                <a:tc hMerge="1">
+                  <a:tcPr/>
+                </a:tc>
+                <a:tc hMerge="1">
+                  <a:tcPr/>
+                </a:tc>
+                <a:tc hMerge="1">
+                  <a:tcPr/>
+                </a:tc>
+              </a:tr>
+              <a:tr h="262255">
+                <a:tc rowSpan="2">
+                  <a:txBody>
+                    <a:bodyPr/>
+                    <a:p>
+                      <a:pPr indent="0">
+                        <a:buNone/>
+                      </a:pPr>
+                      <a:r>
+                        <a:rPr lang="en-US" sz="900"/>
+                        <a:t>评价结果</a:t>
+                      </a:r>
+                      <a:endParaRPr lang="en-US" altLang="en-US" sz="900"/>
+                    </a:p>
+                  </a:txBody>
+                  <a:tcPr marL="68580" marR="68580" marT="0" marB="0" vert="horz" anchor="ctr" anchorCtr="0"/>
+                </a:tc>
+                <a:tc rowSpan="2" gridSpan="2">
+                  <a:txBody>
+                    <a:bodyPr/>
+                    <a:p>
+                      <a:pPr indent="0">
+                        <a:buNone/>
+                      </a:pPr>
+                      <a:r>
+                        <a:rPr lang="en-US" sz="1000"/>
+                        <a:t> </a:t>
+                      </a:r>
+                      <a:endParaRPr lang="en-US" altLang="en-US" sz="1000"/>
+                    </a:p>
+                  </a:txBody>
+                  <a:tcPr marL="68580" marR="68580" marT="0" marB="0" vert="horz" anchor="ctr" anchorCtr="0"/>
+                </a:tc>
+                <a:tc rowSpan="2" hMerge="1">
+                  <a:tcPr/>
+                </a:tc>
+                <a:tc gridSpan="2">
+                  <a:txBody>
+                    <a:bodyPr/>
+                    <a:p>
+                      <a:pPr indent="0">
+                        <a:buNone/>
+                      </a:pPr>
+                      <a:r>
+                        <a:rPr lang="en-US" sz="900"/>
+                        <a:t>优秀</a:t>
+                      </a:r>
+                      <a:endParaRPr lang="en-US" altLang="en-US" sz="900"/>
+                    </a:p>
+                  </a:txBody>
+                  <a:tcPr marL="68580" marR="68580" marT="0" marB="0" vert="horz" anchor="ctr" anchorCtr="0"/>
+                </a:tc>
+                <a:tc hMerge="1">
+                  <a:tcPr/>
+                </a:tc>
+                <a:tc>
+                  <a:txBody>
+                    <a:bodyPr/>
+                    <a:p>
+                      <a:pPr indent="0">
+                        <a:buNone/>
+                      </a:pPr>
+                      <a:r>
+                        <a:rPr lang="en-US" sz="900"/>
+                        <a:t>良好</a:t>
+                      </a:r>
+                      <a:endParaRPr lang="en-US" altLang="en-US" sz="900"/>
+                    </a:p>
+                  </a:txBody>
+                  <a:tcPr marL="68580" marR="68580" marT="0" marB="0" vert="horz" anchor="ctr" anchorCtr="0"/>
+                </a:tc>
+                <a:tc>
+                  <a:txBody>
+                    <a:bodyPr/>
+                    <a:p>
+                      <a:pPr indent="0">
+                        <a:buNone/>
+                      </a:pPr>
+                      <a:r>
+                        <a:rPr lang="en-US" sz="900"/>
+                        <a:t>合格</a:t>
+                      </a:r>
+                      <a:endParaRPr lang="en-US" altLang="en-US" sz="900"/>
+                    </a:p>
+                  </a:txBody>
+                  <a:tcPr marL="68580" marR="68580" marT="0" marB="0" vert="horz" anchor="ctr" anchorCtr="0"/>
+                </a:tc>
+                <a:tc>
+                  <a:txBody>
+                    <a:bodyPr/>
+                    <a:p>
+                      <a:pPr indent="0">
+                        <a:buNone/>
+                      </a:pPr>
+                      <a:r>
+                        <a:rPr lang="en-US" sz="900"/>
+                        <a:t>待改进</a:t>
+                      </a:r>
+                      <a:endParaRPr lang="en-US" altLang="en-US" sz="900"/>
+                    </a:p>
+                  </a:txBody>
+                  <a:tcPr marL="68580" marR="68580" marT="0" marB="0" vert="horz" anchor="ctr" anchorCtr="0"/>
+                </a:tc>
+                <a:tc>
+                  <a:txBody>
+                    <a:bodyPr/>
+                    <a:p>
+                      <a:pPr indent="0">
+                        <a:buNone/>
+                      </a:pPr>
+                      <a:r>
+                        <a:rPr lang="en-US" sz="900"/>
+                        <a:t>未完成</a:t>
+                      </a:r>
+                      <a:endParaRPr lang="en-US" altLang="en-US" sz="900"/>
+                    </a:p>
+                  </a:txBody>
+                  <a:tcPr marL="68580" marR="68580" marT="0" marB="0" vert="horz" anchor="ctr" anchorCtr="0"/>
+                </a:tc>
+              </a:tr>
+              <a:tr h="224790">
+                <a:tc vMerge="1">
+                  <a:tcPr/>
+                </a:tc>
+                <a:tc vMerge="1" gridSpan="2">
+                  <a:tcPr/>
+                </a:tc>
+                <a:tc vMerge="1" hMerge="1">
+                  <a:tcPr/>
+                </a:tc>
+                <a:tc gridSpan="2">
+                  <a:txBody>
+                    <a:bodyPr/>
+                    <a:p>
+                      <a:pPr indent="0">
+                        <a:buNone/>
+                      </a:pPr>
+                      <a:r>
+                        <a:rPr lang="en-US" sz="1000"/>
+                        <a:t> </a:t>
+                      </a:r>
+                      <a:endParaRPr lang="en-US" altLang="en-US" sz="1000"/>
+                    </a:p>
+                  </a:txBody>
+                  <a:tcPr marL="68580" marR="68580" marT="0" marB="0" vert="horz" anchor="ctr" anchorCtr="0"/>
+                </a:tc>
+                <a:tc hMerge="1">
+                  <a:tcPr/>
+                </a:tc>
+                <a:tc>
+                  <a:txBody>
+                    <a:bodyPr/>
+                    <a:p>
+                      <a:pPr indent="0">
+                        <a:buNone/>
+                      </a:pPr>
+                      <a:r>
+                        <a:rPr lang="en-US" sz="1000"/>
+                        <a:t>1</a:t>
+                      </a:r>
+                      <a:endParaRPr lang="en-US" altLang="en-US" sz="1000"/>
+                    </a:p>
+                  </a:txBody>
+                  <a:tcPr marL="68580" marR="68580" marT="0" marB="0" vert="horz" anchor="ctr" anchorCtr="0"/>
+                </a:tc>
+                <a:tc>
+                  <a:txBody>
+                    <a:bodyPr/>
+                    <a:p>
+                      <a:pPr indent="0">
+                        <a:buNone/>
+                      </a:pPr>
+                      <a:r>
+                        <a:rPr lang="en-US" sz="1000"/>
+                        <a:t> </a:t>
+                      </a:r>
+                      <a:endParaRPr lang="en-US" altLang="en-US" sz="1000"/>
+                    </a:p>
+                  </a:txBody>
+                  <a:tcPr marL="68580" marR="68580" marT="0" marB="0" vert="horz" anchor="ctr" anchorCtr="0"/>
+                </a:tc>
+                <a:tc>
+                  <a:txBody>
+                    <a:bodyPr/>
+                    <a:p>
+                      <a:pPr indent="0">
+                        <a:buNone/>
+                      </a:pPr>
+                      <a:r>
+                        <a:rPr lang="en-US" sz="1000"/>
+                        <a:t> </a:t>
+                      </a:r>
+                      <a:endParaRPr lang="en-US" altLang="en-US" sz="1000"/>
+                    </a:p>
+                  </a:txBody>
+                  <a:tcPr marL="68580" marR="68580" marT="0" marB="0" vert="horz" anchor="ctr" anchorCtr="0"/>
+                </a:tc>
+                <a:tc>
+                  <a:txBody>
+                    <a:bodyPr/>
+                    <a:p>
+                      <a:pPr indent="0">
+                        <a:buNone/>
+                      </a:pPr>
+                      <a:r>
+                        <a:rPr lang="en-US" sz="1000"/>
+                        <a:t> </a:t>
+                      </a:r>
+                      <a:endParaRPr lang="en-US" altLang="en-US" sz="1000"/>
+                    </a:p>
+                  </a:txBody>
+                  <a:tcPr marL="68580" marR="68580" marT="0" marB="0" vert="horz" anchor="ctr" anchorCtr="0"/>
+                </a:tc>
+              </a:tr>
+              <a:tr h="224790">
+                <a:tc gridSpan="3">
+                  <a:txBody>
+                    <a:bodyPr/>
+                    <a:p>
+                      <a:pPr indent="0">
+                        <a:buNone/>
+                      </a:pPr>
+                      <a:r>
+                        <a:rPr lang="en-US" sz="1000"/>
+                        <a:t>直属上级或正式员工是否就该工作与你进行沟通</a:t>
+                      </a:r>
+                      <a:endParaRPr lang="en-US" altLang="en-US" sz="1000"/>
+                    </a:p>
+                  </a:txBody>
+                  <a:tcPr marL="68580" marR="68580" marT="0" marB="0" vert="horz" anchor="ctr" anchorCtr="0"/>
+                </a:tc>
+                <a:tc hMerge="1">
+                  <a:tcPr/>
+                </a:tc>
+                <a:tc hMerge="1">
+                  <a:tcPr/>
+                </a:tc>
+                <a:tc gridSpan="6">
+                  <a:txBody>
+                    <a:bodyPr/>
+                    <a:p>
+                      <a:pPr indent="0">
+                        <a:buNone/>
+                      </a:pPr>
+                      <a:r>
+                        <a:rPr lang="en-US" sz="900"/>
+                        <a:t>□沟通 </a:t>
+                      </a:r>
+                      <a:endParaRPr lang="en-US" altLang="en-US" sz="900"/>
+                    </a:p>
+                  </a:txBody>
+                  <a:tcPr marL="68580" marR="68580" marT="0" marB="0" vert="horz" anchor="ctr" anchorCtr="0"/>
+                </a:tc>
+                <a:tc hMerge="1">
+                  <a:tcPr/>
+                </a:tc>
+                <a:tc hMerge="1">
+                  <a:tcPr/>
+                </a:tc>
+                <a:tc hMerge="1">
+                  <a:tcPr/>
+                </a:tc>
+                <a:tc hMerge="1">
+                  <a:tcPr/>
+                </a:tc>
+                <a:tc hMerge="1">
+                  <a:tcPr/>
+                </a:tc>
+              </a:tr>
+              <a:tr h="224155">
+                <a:tc gridSpan="3">
+                  <a:txBody>
+                    <a:bodyPr/>
+                    <a:p>
+                      <a:pPr indent="0" algn="ctr">
+                        <a:buNone/>
+                      </a:pPr>
+                      <a:r>
+                        <a:rPr lang="en-US" sz="1000"/>
+                        <a:t>工作任务三</a:t>
+                      </a:r>
+                      <a:endParaRPr lang="en-US" altLang="en-US" sz="1000"/>
+                    </a:p>
+                  </a:txBody>
+                  <a:tcPr marL="68580" marR="68580" marT="0" marB="0" vert="horz" anchor="ctr" anchorCtr="0"/>
+                </a:tc>
+                <a:tc hMerge="1">
+                  <a:tcPr/>
+                </a:tc>
+                <a:tc hMerge="1">
+                  <a:tcPr/>
+                </a:tc>
+                <a:tc gridSpan="6">
+                  <a:txBody>
+                    <a:bodyPr/>
+                    <a:p>
+                      <a:pPr indent="0" algn="ctr">
+                        <a:buNone/>
+                      </a:pPr>
+                      <a:r>
+                        <a:rPr lang="en-US" sz="1000"/>
+                        <a:t>完成情况</a:t>
+                      </a:r>
+                      <a:endParaRPr lang="en-US" altLang="en-US" sz="1000"/>
+                    </a:p>
+                  </a:txBody>
+                  <a:tcPr marL="68580" marR="68580" marT="0" marB="0" vert="horz" anchor="ctr" anchorCtr="0"/>
+                </a:tc>
+                <a:tc hMerge="1">
+                  <a:tcPr/>
+                </a:tc>
+                <a:tc hMerge="1">
+                  <a:tcPr/>
+                </a:tc>
+                <a:tc hMerge="1">
+                  <a:tcPr/>
+                </a:tc>
+                <a:tc hMerge="1">
+                  <a:tcPr/>
+                </a:tc>
+                <a:tc hMerge="1">
+                  <a:tcPr/>
+                </a:tc>
+              </a:tr>
+              <a:tr h="269875">
+                <a:tc>
+                  <a:txBody>
+                    <a:bodyPr/>
+                    <a:p>
+                      <a:pPr indent="0">
+                        <a:buNone/>
+                      </a:pPr>
+                      <a:r>
+                        <a:rPr lang="en-US" sz="900"/>
+                        <a:t> 工作内容 </a:t>
+                      </a:r>
+                      <a:endParaRPr lang="en-US" altLang="en-US" sz="900"/>
+                    </a:p>
+                  </a:txBody>
+                  <a:tcPr marL="68580" marR="68580" marT="0" marB="0" vert="horz" anchor="ctr" anchorCtr="0"/>
+                </a:tc>
+                <a:tc gridSpan="2">
+                  <a:txBody>
+                    <a:bodyPr/>
+                    <a:p>
+                      <a:pPr indent="0">
+                        <a:buNone/>
+                      </a:pPr>
+                      <a:r>
+                        <a:rPr lang="en-US" sz="900"/>
+                        <a:t>完善后端代码</a:t>
+                      </a:r>
+                      <a:endParaRPr lang="en-US" altLang="en-US" sz="900"/>
+                    </a:p>
+                  </a:txBody>
+                  <a:tcPr marL="68580" marR="68580" marT="0" marB="0" vert="horz" anchor="ctr" anchorCtr="0"/>
+                </a:tc>
+                <a:tc hMerge="1">
+                  <a:tcPr/>
+                </a:tc>
+                <a:tc gridSpan="6">
+                  <a:txBody>
+                    <a:bodyPr/>
+                    <a:p>
+                      <a:pPr indent="0">
+                        <a:buNone/>
+                      </a:pPr>
+                      <a:r>
+                        <a:rPr lang="en-US" sz="900"/>
+                        <a:t>职员是否认同该工作内容？R认同 □不认同 □其他</a:t>
+                      </a:r>
+                      <a:endParaRPr lang="en-US" altLang="en-US" sz="900"/>
+                    </a:p>
+                  </a:txBody>
+                  <a:tcPr marL="68580" marR="68580" marT="0" marB="0" vert="horz" anchor="ctr" anchorCtr="0"/>
+                </a:tc>
+                <a:tc hMerge="1">
+                  <a:tcPr/>
+                </a:tc>
+                <a:tc hMerge="1">
+                  <a:tcPr/>
+                </a:tc>
+                <a:tc hMerge="1">
+                  <a:tcPr/>
+                </a:tc>
+                <a:tc hMerge="1">
+                  <a:tcPr/>
+                </a:tc>
+                <a:tc hMerge="1">
+                  <a:tcPr/>
+                </a:tc>
+              </a:tr>
+              <a:tr h="393700">
+                <a:tc>
+                  <a:txBody>
+                    <a:bodyPr/>
+                    <a:p>
+                      <a:pPr indent="0">
+                        <a:buNone/>
+                      </a:pPr>
+                      <a:r>
+                        <a:rPr lang="en-US" sz="900"/>
+                        <a:t> 工作目标完成时间 </a:t>
+                      </a:r>
+                      <a:endParaRPr lang="en-US" altLang="en-US" sz="900"/>
+                    </a:p>
+                  </a:txBody>
+                  <a:tcPr marL="68580" marR="68580" marT="0" marB="0" vert="horz" anchor="ctr" anchorCtr="0"/>
+                </a:tc>
+                <a:tc gridSpan="2">
+                  <a:txBody>
+                    <a:bodyPr/>
+                    <a:p>
+                      <a:pPr indent="0">
+                        <a:buNone/>
+                      </a:pPr>
+                      <a:r>
+                        <a:rPr lang="en-US" sz="1000"/>
+                        <a:t>2021/12/12 0：00</a:t>
+                      </a:r>
+                      <a:endParaRPr lang="en-US" altLang="en-US" sz="1000"/>
+                    </a:p>
+                  </a:txBody>
+                  <a:tcPr marL="68580" marR="68580" marT="0" marB="0" vert="horz" anchor="ctr" anchorCtr="0"/>
+                </a:tc>
+                <a:tc hMerge="1">
+                  <a:tcPr/>
+                </a:tc>
+                <a:tc gridSpan="6">
+                  <a:txBody>
+                    <a:bodyPr/>
+                    <a:p>
+                      <a:pPr indent="0">
+                        <a:buNone/>
+                      </a:pPr>
+                      <a:r>
+                        <a:rPr lang="en-US" sz="900"/>
+                        <a:t>职员是否认同该工作目标？R认同 □不认同 □其他</a:t>
+                      </a:r>
+                      <a:endParaRPr lang="en-US" altLang="en-US" sz="900"/>
+                    </a:p>
+                  </a:txBody>
+                  <a:tcPr marL="68580" marR="68580" marT="0" marB="0" vert="horz" anchor="ctr" anchorCtr="0"/>
+                </a:tc>
+                <a:tc hMerge="1">
+                  <a:tcPr/>
+                </a:tc>
+                <a:tc hMerge="1">
+                  <a:tcPr/>
+                </a:tc>
+                <a:tc hMerge="1">
+                  <a:tcPr/>
+                </a:tc>
+                <a:tc hMerge="1">
+                  <a:tcPr/>
+                </a:tc>
+                <a:tc hMerge="1">
+                  <a:tcPr/>
+                </a:tc>
+              </a:tr>
+              <a:tr h="269240">
+                <a:tc>
+                  <a:txBody>
+                    <a:bodyPr/>
+                    <a:p>
+                      <a:pPr indent="0">
+                        <a:buNone/>
+                      </a:pPr>
+                      <a:r>
+                        <a:rPr lang="en-US" sz="900"/>
+                        <a:t>评价方法</a:t>
+                      </a:r>
+                      <a:endParaRPr lang="en-US" altLang="en-US" sz="900"/>
+                    </a:p>
+                  </a:txBody>
+                  <a:tcPr marL="68580" marR="68580" marT="0" marB="0" vert="horz" anchor="ctr" anchorCtr="0"/>
+                </a:tc>
+                <a:tc gridSpan="2">
+                  <a:txBody>
+                    <a:bodyPr/>
+                    <a:p>
+                      <a:pPr indent="0">
+                        <a:buNone/>
+                      </a:pPr>
+                      <a:r>
+                        <a:rPr lang="en-US" sz="1000"/>
+                        <a:t>运行情况</a:t>
+                      </a:r>
+                      <a:endParaRPr lang="en-US" altLang="en-US" sz="1000"/>
+                    </a:p>
+                  </a:txBody>
+                  <a:tcPr marL="68580" marR="68580" marT="0" marB="0" vert="horz" anchor="ctr" anchorCtr="0"/>
+                </a:tc>
+                <a:tc hMerge="1">
+                  <a:tcPr/>
+                </a:tc>
+                <a:tc gridSpan="6">
+                  <a:txBody>
+                    <a:bodyPr/>
+                    <a:p>
+                      <a:pPr indent="0">
+                        <a:buNone/>
+                      </a:pPr>
+                      <a:r>
+                        <a:rPr lang="en-US" sz="900"/>
+                        <a:t>职员是否认同该评价方法？R认同 □不认同 □其他</a:t>
+                      </a:r>
+                      <a:endParaRPr lang="en-US" altLang="en-US" sz="900"/>
+                    </a:p>
+                  </a:txBody>
+                  <a:tcPr marL="68580" marR="68580" marT="0" marB="0" vert="horz" anchor="ctr" anchorCtr="0"/>
+                </a:tc>
+                <a:tc hMerge="1">
+                  <a:tcPr/>
+                </a:tc>
+                <a:tc hMerge="1">
+                  <a:tcPr/>
+                </a:tc>
+                <a:tc hMerge="1">
+                  <a:tcPr/>
+                </a:tc>
+                <a:tc hMerge="1">
+                  <a:tcPr/>
+                </a:tc>
+                <a:tc hMerge="1">
+                  <a:tcPr/>
+                </a:tc>
+              </a:tr>
+              <a:tr h="262890">
+                <a:tc rowSpan="2">
+                  <a:txBody>
+                    <a:bodyPr/>
+                    <a:p>
+                      <a:pPr indent="0">
+                        <a:buNone/>
+                      </a:pPr>
+                      <a:r>
+                        <a:rPr lang="en-US" sz="900"/>
+                        <a:t>评价结果</a:t>
+                      </a:r>
+                      <a:endParaRPr lang="en-US" altLang="en-US" sz="900"/>
+                    </a:p>
+                  </a:txBody>
+                  <a:tcPr marL="68580" marR="68580" marT="0" marB="0" vert="horz" anchor="ctr" anchorCtr="0"/>
+                </a:tc>
+                <a:tc rowSpan="2" gridSpan="2">
+                  <a:txBody>
+                    <a:bodyPr/>
+                    <a:p>
+                      <a:pPr indent="0">
+                        <a:buNone/>
+                      </a:pPr>
+                      <a:r>
+                        <a:rPr lang="en-US" sz="1000"/>
+                        <a:t> </a:t>
+                      </a:r>
+                      <a:endParaRPr lang="en-US" altLang="en-US" sz="1000"/>
+                    </a:p>
+                  </a:txBody>
+                  <a:tcPr marL="68580" marR="68580" marT="0" marB="0" vert="horz" anchor="ctr" anchorCtr="0"/>
+                </a:tc>
+                <a:tc rowSpan="2" hMerge="1">
+                  <a:tcPr/>
+                </a:tc>
+                <a:tc>
+                  <a:txBody>
+                    <a:bodyPr/>
+                    <a:p>
+                      <a:pPr indent="0">
+                        <a:buNone/>
+                      </a:pPr>
+                      <a:r>
+                        <a:rPr lang="en-US" sz="900"/>
+                        <a:t>优秀</a:t>
+                      </a:r>
+                      <a:endParaRPr lang="en-US" altLang="en-US" sz="900"/>
+                    </a:p>
+                  </a:txBody>
+                  <a:tcPr marL="68580" marR="68580" marT="0" marB="0" vert="horz" anchor="ctr" anchorCtr="0"/>
+                </a:tc>
+                <a:tc gridSpan="2">
+                  <a:txBody>
+                    <a:bodyPr/>
+                    <a:p>
+                      <a:pPr indent="0">
+                        <a:buNone/>
+                      </a:pPr>
+                      <a:r>
+                        <a:rPr lang="en-US" sz="900"/>
+                        <a:t>良好</a:t>
+                      </a:r>
+                      <a:endParaRPr lang="en-US" altLang="en-US" sz="900"/>
+                    </a:p>
+                  </a:txBody>
+                  <a:tcPr marL="68580" marR="68580" marT="0" marB="0" vert="horz" anchor="ctr" anchorCtr="0"/>
+                </a:tc>
+                <a:tc hMerge="1">
+                  <a:tcPr/>
+                </a:tc>
+                <a:tc>
+                  <a:txBody>
+                    <a:bodyPr/>
+                    <a:p>
+                      <a:pPr indent="0">
+                        <a:buNone/>
+                      </a:pPr>
+                      <a:r>
+                        <a:rPr lang="en-US" sz="900"/>
+                        <a:t>合格</a:t>
+                      </a:r>
+                      <a:endParaRPr lang="en-US" altLang="en-US" sz="900"/>
+                    </a:p>
+                  </a:txBody>
+                  <a:tcPr marL="68580" marR="68580" marT="0" marB="0" vert="horz" anchor="ctr" anchorCtr="0"/>
+                </a:tc>
+                <a:tc>
+                  <a:txBody>
+                    <a:bodyPr/>
+                    <a:p>
+                      <a:pPr indent="0">
+                        <a:buNone/>
+                      </a:pPr>
+                      <a:r>
+                        <a:rPr lang="en-US" sz="900"/>
+                        <a:t>待改进</a:t>
+                      </a:r>
+                      <a:endParaRPr lang="en-US" altLang="en-US" sz="900"/>
+                    </a:p>
+                  </a:txBody>
+                  <a:tcPr marL="68580" marR="68580" marT="0" marB="0" vert="horz" anchor="ctr" anchorCtr="0"/>
+                </a:tc>
+                <a:tc>
+                  <a:txBody>
+                    <a:bodyPr/>
+                    <a:p>
+                      <a:pPr indent="0">
+                        <a:buNone/>
+                      </a:pPr>
+                      <a:r>
+                        <a:rPr lang="en-US" sz="900"/>
+                        <a:t>未完成</a:t>
+                      </a:r>
+                      <a:endParaRPr lang="en-US" altLang="en-US" sz="900"/>
+                    </a:p>
+                  </a:txBody>
+                  <a:tcPr marL="68580" marR="68580" marT="0" marB="0" vert="horz" anchor="ctr" anchorCtr="0"/>
+                </a:tc>
+              </a:tr>
+              <a:tr h="224790">
+                <a:tc vMerge="1">
+                  <a:tcPr/>
+                </a:tc>
+                <a:tc vMerge="1" gridSpan="2">
+                  <a:tcPr/>
+                </a:tc>
+                <a:tc vMerge="1" hMerge="1">
+                  <a:tcPr/>
+                </a:tc>
+                <a:tc>
+                  <a:txBody>
+                    <a:bodyPr/>
+                    <a:p>
+                      <a:pPr indent="0">
+                        <a:buNone/>
+                      </a:pPr>
+                      <a:r>
+                        <a:rPr lang="en-US" sz="900"/>
+                        <a:t> </a:t>
+                      </a:r>
+                      <a:endParaRPr lang="en-US" altLang="en-US" sz="900"/>
+                    </a:p>
+                  </a:txBody>
+                  <a:tcPr marL="68580" marR="68580" marT="0" marB="0" vert="horz" anchor="ctr" anchorCtr="0"/>
+                </a:tc>
+                <a:tc gridSpan="2">
+                  <a:txBody>
+                    <a:bodyPr/>
+                    <a:p>
+                      <a:pPr indent="0">
+                        <a:buNone/>
+                      </a:pPr>
+                      <a:r>
+                        <a:rPr lang="en-US" sz="900"/>
+                        <a:t>1</a:t>
+                      </a:r>
+                      <a:endParaRPr lang="en-US" altLang="en-US" sz="900"/>
+                    </a:p>
+                  </a:txBody>
+                  <a:tcPr marL="68580" marR="68580" marT="0" marB="0" vert="horz" anchor="ctr" anchorCtr="0"/>
+                </a:tc>
+                <a:tc hMerge="1">
+                  <a:tcPr/>
+                </a:tc>
+                <a:tc>
+                  <a:txBody>
+                    <a:bodyPr/>
+                    <a:p>
+                      <a:pPr indent="0">
+                        <a:buNone/>
+                      </a:pPr>
+                      <a:r>
+                        <a:rPr lang="en-US" sz="900"/>
+                        <a:t> </a:t>
+                      </a:r>
+                      <a:endParaRPr lang="en-US" altLang="en-US" sz="900"/>
+                    </a:p>
+                  </a:txBody>
+                  <a:tcPr marL="68580" marR="68580" marT="0" marB="0" vert="horz" anchor="ctr" anchorCtr="0"/>
+                </a:tc>
+                <a:tc>
+                  <a:txBody>
+                    <a:bodyPr/>
+                    <a:p>
+                      <a:pPr indent="0">
+                        <a:buNone/>
+                      </a:pPr>
+                      <a:r>
+                        <a:rPr lang="en-US" sz="900"/>
+                        <a:t> </a:t>
+                      </a:r>
+                      <a:endParaRPr lang="en-US" altLang="en-US" sz="900"/>
+                    </a:p>
+                  </a:txBody>
+                  <a:tcPr marL="68580" marR="68580" marT="0" marB="0" vert="horz" anchor="ctr" anchorCtr="0"/>
+                </a:tc>
+                <a:tc>
+                  <a:txBody>
+                    <a:bodyPr/>
+                    <a:p>
+                      <a:pPr indent="0">
+                        <a:buNone/>
+                      </a:pPr>
+                      <a:r>
+                        <a:rPr lang="en-US" sz="900"/>
+                        <a:t> </a:t>
+                      </a:r>
+                      <a:endParaRPr lang="en-US" altLang="en-US" sz="900"/>
+                    </a:p>
+                  </a:txBody>
+                  <a:tcPr marL="68580" marR="68580" marT="0" marB="0" vert="horz" anchor="ctr" anchorCtr="0"/>
+                </a:tc>
+              </a:tr>
+              <a:tr h="224155">
+                <a:tc gridSpan="3">
+                  <a:txBody>
+                    <a:bodyPr/>
+                    <a:p>
+                      <a:pPr indent="0">
+                        <a:buNone/>
+                      </a:pPr>
+                      <a:r>
+                        <a:rPr lang="en-US" sz="900"/>
+                        <a:t>直属上级或正式员工是否就该工作与你进行沟通</a:t>
+                      </a:r>
+                      <a:endParaRPr lang="en-US" altLang="en-US" sz="900"/>
+                    </a:p>
+                  </a:txBody>
+                  <a:tcPr marL="68580" marR="68580" marT="0" marB="0" vert="horz" anchor="ctr" anchorCtr="0"/>
+                </a:tc>
+                <a:tc hMerge="1">
+                  <a:tcPr/>
+                </a:tc>
+                <a:tc hMerge="1">
+                  <a:tcPr/>
+                </a:tc>
+                <a:tc gridSpan="6">
+                  <a:txBody>
+                    <a:bodyPr/>
+                    <a:p>
+                      <a:pPr indent="0">
+                        <a:buNone/>
+                      </a:pPr>
+                      <a:r>
+                        <a:rPr lang="en-US" sz="900"/>
+                        <a:t>£沟通 □未沟通</a:t>
+                      </a:r>
+                      <a:endParaRPr lang="en-US" altLang="en-US" sz="900"/>
+                    </a:p>
+                  </a:txBody>
+                  <a:tcPr marL="68580" marR="68580" marT="0" marB="0" vert="horz" anchor="ctr" anchorCtr="0"/>
+                </a:tc>
+                <a:tc hMerge="1">
+                  <a:tcPr/>
+                </a:tc>
+                <a:tc hMerge="1">
+                  <a:tcPr/>
+                </a:tc>
+                <a:tc hMerge="1">
+                  <a:tcPr/>
+                </a:tc>
+                <a:tc hMerge="1">
+                  <a:tcPr/>
+                </a:tc>
+                <a:tc hMerge="1">
+                  <a:tcPr/>
+                </a:tc>
+              </a:tr>
+            </a:tbl>
+          </a:graphicData>
+        </a:graphic>
+      </p:graphicFrame>
+    </p:spTree>
+  </p:cSld>
+  <p:clrMapOvr>
+    <a:masterClrMapping/>
+  </p:clrMapOvr>
+  <mc:AlternateContent xmlns:mc="http://schemas.openxmlformats.org/markup-compatibility/2006">
+    <mc:Choice xmlns:p14="http://schemas.microsoft.com/office/powerpoint/2010/main" Requires="p14">
+      <p:transition spd="slow" p14:dur="1000" advClick="0">
+        <p:cover dir="lu"/>
+      </p:transition>
+    </mc:Choice>
+    <mc:Fallback>
+      <p:transition spd="slow" advClick="0">
+        <p:cover dir="lu"/>
+      </p:transition>
+    </mc:Fallback>
+  </mc:AlternateContent>
+  <p:timing>
+    <p:tnLst>
+      <p:par>
+        <p:cTn id="1" dur="indefinite" restart="never" nodeType="tmRoot"/>
+      </p:par>
+    </p:tnLst>
+  </p:timing>
+</p:sld>
+</file>
+
+<file path=ppt/slides/slide26.xml><?xml version="1.0" encoding="utf-8"?>
+<p:sld xmlns:a="http://schemas.openxmlformats.org/drawingml/2006/main" xmlns:r="http://schemas.openxmlformats.org/officeDocument/2006/relationships" xmlns:p="http://schemas.openxmlformats.org/presentationml/2006/main">
+  <p:cSld>
+    <p:spTree>
+      <p:nvGrpSpPr>
+        <p:cNvPr id="1" name=""/>
+        <p:cNvGrpSpPr/>
+        <p:nvPr/>
+      </p:nvGrpSpPr>
+      <p:grpSpPr>
+        <a:xfrm>
+          <a:off x="0" y="0"/>
+          <a:ext cx="0" cy="0"/>
+          <a:chOff x="0" y="0"/>
+          <a:chExt cx="0" cy="0"/>
+        </a:xfrm>
+      </p:grpSpPr>
+      <p:grpSp>
+        <p:nvGrpSpPr>
+          <p:cNvPr id="6" name="组合 5"/>
+          <p:cNvGrpSpPr/>
+          <p:nvPr/>
+        </p:nvGrpSpPr>
+        <p:grpSpPr>
+          <a:xfrm>
+            <a:off x="1189355" y="269240"/>
+            <a:ext cx="6793230" cy="529590"/>
+            <a:chOff x="1873" y="424"/>
+            <a:chExt cx="10698" cy="834"/>
+          </a:xfrm>
+        </p:grpSpPr>
+        <p:sp>
+          <p:nvSpPr>
+            <p:cNvPr id="13" name="矩形 12"/>
+            <p:cNvSpPr/>
+            <p:nvPr/>
+          </p:nvSpPr>
+          <p:spPr>
+            <a:xfrm>
+              <a:off x="1873" y="424"/>
+              <a:ext cx="2266" cy="756"/>
+            </a:xfrm>
+            <a:prstGeom prst="rect">
+              <a:avLst/>
+            </a:prstGeom>
+            <a:solidFill>
+              <a:srgbClr val="F6F6F6"/>
+            </a:solidFill>
+            <a:ln>
+              <a:noFill/>
+            </a:ln>
+          </p:spPr>
+          <p:style>
+            <a:lnRef idx="2">
+              <a:schemeClr val="accent1">
+                <a:shade val="50000"/>
+              </a:schemeClr>
+            </a:lnRef>
+            <a:fillRef idx="1">
+              <a:schemeClr val="accent1"/>
+            </a:fillRef>
+            <a:effectRef idx="0">
+              <a:schemeClr val="accent1"/>
+            </a:effectRef>
+            <a:fontRef idx="minor">
+              <a:schemeClr val="lt1"/>
+            </a:fontRef>
+          </p:style>
+          <p:txBody>
+            <a:bodyPr rtlCol="0" anchor="ctr"/>
+            <a:p>
+              <a:pPr algn="ctr"/>
+              <a:endParaRPr lang="zh-CN" altLang="en-US"/>
+            </a:p>
+          </p:txBody>
+        </p:sp>
+        <p:sp>
+          <p:nvSpPr>
+            <p:cNvPr id="7" name="矩形 6"/>
+            <p:cNvSpPr/>
+            <p:nvPr/>
+          </p:nvSpPr>
+          <p:spPr>
+            <a:xfrm>
+              <a:off x="1984" y="535"/>
+              <a:ext cx="10587" cy="723"/>
+            </a:xfrm>
+            <a:prstGeom prst="rect">
+              <a:avLst/>
+            </a:prstGeom>
+          </p:spPr>
+          <p:txBody>
+            <a:bodyPr wrap="square" lIns="91400" tIns="45699" rIns="91400" bIns="45699">
+              <a:spAutoFit/>
+            </a:bodyPr>
+            <a:p>
+              <a:pPr lvl="0" defTabSz="914400">
+                <a:defRPr/>
+              </a:pPr>
+              <a:r>
+                <a:rPr lang="zh-CN" sz="2400" dirty="0">
+                  <a:solidFill>
+                    <a:schemeClr val="accent1"/>
+                  </a:solidFill>
+                  <a:latin typeface="微软雅黑" panose="020B0503020204020204" pitchFamily="34" charset="-122"/>
+                  <a:ea typeface="微软雅黑" panose="020B0503020204020204" pitchFamily="34" charset="-122"/>
+                  <a:sym typeface="+mn-ea"/>
+                </a:rPr>
+                <a:t>小组分工</a:t>
+              </a:r>
+              <a:endParaRPr lang="zh-CN" sz="2400" kern="0" dirty="0">
+                <a:solidFill>
+                  <a:schemeClr val="accent1"/>
+                </a:solidFill>
+                <a:latin typeface="微软雅黑" panose="020B0503020204020204" pitchFamily="34" charset="-122"/>
+                <a:ea typeface="微软雅黑" panose="020B0503020204020204" pitchFamily="34" charset="-122"/>
+                <a:sym typeface="+mn-ea"/>
+              </a:endParaRPr>
+            </a:p>
+          </p:txBody>
+        </p:sp>
+      </p:grpSp>
+      <p:graphicFrame>
+        <p:nvGraphicFramePr>
+          <p:cNvPr id="3" name="表格 2"/>
+          <p:cNvGraphicFramePr/>
+          <p:nvPr>
+            <p:custDataLst>
+              <p:tags r:id="rId1"/>
+            </p:custDataLst>
+          </p:nvPr>
+        </p:nvGraphicFramePr>
+        <p:xfrm>
+          <a:off x="4035425" y="268605"/>
+          <a:ext cx="6641465" cy="6061075"/>
+        </p:xfrm>
+        <a:graphic>
+          <a:graphicData uri="http://schemas.openxmlformats.org/drawingml/2006/table">
+            <a:tbl>
+              <a:tblPr firstRow="1" bandRow="1">
+                <a:tableStyleId>{3B4B98B0-60AC-42C2-AFA5-B58CD77FA1E5}</a:tableStyleId>
+              </a:tblPr>
+              <a:tblGrid>
+                <a:gridCol w="831850"/>
+                <a:gridCol w="1453515"/>
+                <a:gridCol w="1513840"/>
+                <a:gridCol w="458470"/>
+                <a:gridCol w="20320"/>
+                <a:gridCol w="458470"/>
+                <a:gridCol w="571500"/>
+                <a:gridCol w="662305"/>
+                <a:gridCol w="671195"/>
+              </a:tblGrid>
+              <a:tr h="227965">
+                <a:tc gridSpan="2">
+                  <a:txBody>
+                    <a:bodyPr/>
+                    <a:p>
+                      <a:pPr indent="0" algn="ctr">
+                        <a:buNone/>
+                      </a:pPr>
+                      <a:r>
+                        <a:rPr lang="en-US" sz="1000"/>
+                        <a:t>姓 名</a:t>
+                      </a:r>
+                      <a:endParaRPr lang="en-US" altLang="en-US" sz="1000"/>
+                    </a:p>
+                  </a:txBody>
+                  <a:tcPr marL="68580" marR="68580" marT="0" marB="0" vert="horz" anchor="ctr" anchorCtr="0"/>
+                </a:tc>
+                <a:tc hMerge="1">
+                  <a:tcPr/>
+                </a:tc>
+                <a:tc gridSpan="7">
+                  <a:txBody>
+                    <a:bodyPr/>
+                    <a:p>
+                      <a:pPr indent="0" algn="ctr">
+                        <a:buNone/>
+                      </a:pPr>
+                      <a:r>
+                        <a:rPr lang="en-US" sz="1000"/>
+                        <a:t>李东泽</a:t>
+                      </a:r>
+                      <a:endParaRPr lang="en-US" altLang="en-US" sz="1000"/>
+                    </a:p>
+                  </a:txBody>
+                  <a:tcPr marL="68580" marR="68580" marT="0" marB="0" vert="horz" anchor="ctr" anchorCtr="0"/>
+                </a:tc>
+                <a:tc hMerge="1">
+                  <a:tcPr/>
+                </a:tc>
+                <a:tc hMerge="1">
+                  <a:tcPr/>
+                </a:tc>
+                <a:tc hMerge="1">
+                  <a:tcPr/>
+                </a:tc>
+                <a:tc hMerge="1">
+                  <a:tcPr/>
+                </a:tc>
+                <a:tc hMerge="1">
+                  <a:tcPr/>
+                </a:tc>
+                <a:tc hMerge="1">
+                  <a:tcPr/>
+                </a:tc>
+              </a:tr>
+              <a:tr h="227965">
+                <a:tc gridSpan="9">
+                  <a:txBody>
+                    <a:bodyPr/>
+                    <a:p>
+                      <a:pPr indent="0" algn="ctr">
+                        <a:buNone/>
+                      </a:pPr>
+                      <a:r>
+                        <a:rPr lang="en-US" sz="900"/>
+                        <a:t>工 作 安 排</a:t>
+                      </a:r>
+                      <a:endParaRPr lang="en-US" altLang="en-US" sz="900"/>
+                    </a:p>
+                  </a:txBody>
+                  <a:tcPr marL="68580" marR="68580" marT="0" marB="0" vert="horz" anchor="ctr" anchorCtr="0"/>
+                </a:tc>
+                <a:tc hMerge="1">
+                  <a:tcPr/>
+                </a:tc>
+                <a:tc hMerge="1">
+                  <a:tcPr/>
+                </a:tc>
+                <a:tc hMerge="1">
+                  <a:tcPr/>
+                </a:tc>
+                <a:tc hMerge="1">
+                  <a:tcPr/>
+                </a:tc>
+                <a:tc hMerge="1">
+                  <a:tcPr/>
+                </a:tc>
+                <a:tc hMerge="1">
+                  <a:tcPr/>
+                </a:tc>
+                <a:tc hMerge="1">
+                  <a:tcPr/>
+                </a:tc>
+                <a:tc hMerge="1">
+                  <a:tcPr/>
+                </a:tc>
+              </a:tr>
+              <a:tr h="227965">
+                <a:tc gridSpan="3">
+                  <a:txBody>
+                    <a:bodyPr/>
+                    <a:p>
+                      <a:pPr indent="0" algn="ctr">
+                        <a:buNone/>
+                      </a:pPr>
+                      <a:r>
+                        <a:rPr lang="en-US" sz="1000"/>
+                        <a:t>工作任务一</a:t>
+                      </a:r>
+                      <a:endParaRPr lang="en-US" altLang="en-US" sz="1000"/>
+                    </a:p>
+                  </a:txBody>
+                  <a:tcPr marL="68580" marR="68580" marT="0" marB="0" vert="horz" anchor="ctr" anchorCtr="0"/>
+                </a:tc>
+                <a:tc hMerge="1">
+                  <a:tcPr/>
+                </a:tc>
+                <a:tc hMerge="1">
+                  <a:tcPr/>
+                </a:tc>
+                <a:tc gridSpan="6">
+                  <a:txBody>
+                    <a:bodyPr/>
+                    <a:p>
+                      <a:pPr indent="0" algn="ctr">
+                        <a:buNone/>
+                      </a:pPr>
+                      <a:r>
+                        <a:rPr lang="en-US" sz="1000"/>
+                        <a:t>完成情况</a:t>
+                      </a:r>
+                      <a:endParaRPr lang="en-US" altLang="en-US" sz="1000"/>
+                    </a:p>
+                  </a:txBody>
+                  <a:tcPr marL="68580" marR="68580" marT="0" marB="0" vert="horz" anchor="ctr" anchorCtr="0"/>
+                </a:tc>
+                <a:tc hMerge="1">
+                  <a:tcPr/>
+                </a:tc>
+                <a:tc hMerge="1">
+                  <a:tcPr/>
+                </a:tc>
+                <a:tc hMerge="1">
+                  <a:tcPr/>
+                </a:tc>
+                <a:tc hMerge="1">
+                  <a:tcPr/>
+                </a:tc>
+                <a:tc hMerge="1">
+                  <a:tcPr/>
+                </a:tc>
+              </a:tr>
+              <a:tr h="273685">
+                <a:tc>
+                  <a:txBody>
+                    <a:bodyPr/>
+                    <a:p>
+                      <a:pPr indent="0">
+                        <a:buNone/>
+                      </a:pPr>
+                      <a:r>
+                        <a:rPr lang="en-US" sz="900"/>
+                        <a:t> 工作内容 </a:t>
+                      </a:r>
+                      <a:endParaRPr lang="en-US" altLang="en-US" sz="900"/>
+                    </a:p>
+                  </a:txBody>
+                  <a:tcPr marL="68580" marR="68580" marT="0" marB="0" vert="horz" anchor="ctr" anchorCtr="0"/>
+                </a:tc>
+                <a:tc gridSpan="2">
+                  <a:txBody>
+                    <a:bodyPr/>
+                    <a:p>
+                      <a:pPr indent="0">
+                        <a:buNone/>
+                      </a:pPr>
+                      <a:r>
+                        <a:rPr lang="en-US" sz="1000"/>
+                        <a:t>完善前端代码</a:t>
+                      </a:r>
+                      <a:endParaRPr lang="en-US" altLang="en-US" sz="1000"/>
+                    </a:p>
+                  </a:txBody>
+                  <a:tcPr marL="68580" marR="68580" marT="0" marB="0" vert="horz" anchor="ctr" anchorCtr="0"/>
+                </a:tc>
+                <a:tc hMerge="1">
+                  <a:tcPr/>
+                </a:tc>
+                <a:tc gridSpan="6">
+                  <a:txBody>
+                    <a:bodyPr/>
+                    <a:p>
+                      <a:pPr indent="0">
+                        <a:buNone/>
+                      </a:pPr>
+                      <a:r>
+                        <a:rPr lang="en-US" sz="900"/>
+                        <a:t>职员是否认同该工作内容？R认同 □不认同 □其他</a:t>
+                      </a:r>
+                      <a:endParaRPr lang="en-US" altLang="en-US" sz="900"/>
+                    </a:p>
+                  </a:txBody>
+                  <a:tcPr marL="68580" marR="68580" marT="0" marB="0" vert="horz" anchor="ctr" anchorCtr="0"/>
+                </a:tc>
+                <a:tc hMerge="1">
+                  <a:tcPr/>
+                </a:tc>
+                <a:tc hMerge="1">
+                  <a:tcPr/>
+                </a:tc>
+                <a:tc hMerge="1">
+                  <a:tcPr/>
+                </a:tc>
+                <a:tc hMerge="1">
+                  <a:tcPr/>
+                </a:tc>
+                <a:tc hMerge="1">
+                  <a:tcPr/>
+                </a:tc>
+              </a:tr>
+              <a:tr h="393700">
+                <a:tc>
+                  <a:txBody>
+                    <a:bodyPr/>
+                    <a:p>
+                      <a:pPr indent="0">
+                        <a:buNone/>
+                      </a:pPr>
+                      <a:r>
+                        <a:rPr lang="en-US" sz="900"/>
+                        <a:t> 工作目标完成时间 </a:t>
+                      </a:r>
+                      <a:endParaRPr lang="en-US" altLang="en-US" sz="900"/>
+                    </a:p>
+                  </a:txBody>
+                  <a:tcPr marL="68580" marR="68580" marT="0" marB="0" vert="horz" anchor="ctr" anchorCtr="0"/>
+                </a:tc>
+                <a:tc gridSpan="2">
+                  <a:txBody>
+                    <a:bodyPr/>
+                    <a:p>
+                      <a:pPr indent="0">
+                        <a:buNone/>
+                      </a:pPr>
+                      <a:r>
+                        <a:rPr lang="en-US" sz="1000"/>
+                        <a:t>2021/12/12 10：00</a:t>
+                      </a:r>
+                      <a:endParaRPr lang="en-US" altLang="en-US" sz="1000"/>
+                    </a:p>
+                  </a:txBody>
+                  <a:tcPr marL="68580" marR="68580" marT="0" marB="0" vert="horz" anchor="ctr" anchorCtr="0"/>
+                </a:tc>
+                <a:tc hMerge="1">
+                  <a:tcPr/>
+                </a:tc>
+                <a:tc gridSpan="6">
+                  <a:txBody>
+                    <a:bodyPr/>
+                    <a:p>
+                      <a:pPr indent="0">
+                        <a:buNone/>
+                      </a:pPr>
+                      <a:r>
+                        <a:rPr lang="en-US" sz="900"/>
+                        <a:t>职员是否认同该工作目标？R认同 □不认同 □其他</a:t>
+                      </a:r>
+                      <a:endParaRPr lang="en-US" altLang="en-US" sz="900"/>
+                    </a:p>
+                  </a:txBody>
+                  <a:tcPr marL="68580" marR="68580" marT="0" marB="0" vert="horz" anchor="ctr" anchorCtr="0"/>
+                </a:tc>
+                <a:tc hMerge="1">
+                  <a:tcPr/>
+                </a:tc>
+                <a:tc hMerge="1">
+                  <a:tcPr/>
+                </a:tc>
+                <a:tc hMerge="1">
+                  <a:tcPr/>
+                </a:tc>
+                <a:tc hMerge="1">
+                  <a:tcPr/>
+                </a:tc>
+                <a:tc hMerge="1">
+                  <a:tcPr/>
+                </a:tc>
+              </a:tr>
+              <a:tr h="273050">
+                <a:tc>
+                  <a:txBody>
+                    <a:bodyPr/>
+                    <a:p>
+                      <a:pPr indent="0">
+                        <a:buNone/>
+                      </a:pPr>
+                      <a:r>
+                        <a:rPr lang="en-US" sz="900"/>
+                        <a:t>评价方法</a:t>
+                      </a:r>
+                      <a:endParaRPr lang="en-US" altLang="en-US" sz="900"/>
+                    </a:p>
+                  </a:txBody>
+                  <a:tcPr marL="68580" marR="68580" marT="0" marB="0" vert="horz" anchor="ctr" anchorCtr="0"/>
+                </a:tc>
+                <a:tc gridSpan="2">
+                  <a:txBody>
+                    <a:bodyPr/>
+                    <a:p>
+                      <a:pPr indent="0">
+                        <a:buNone/>
+                      </a:pPr>
+                      <a:r>
+                        <a:rPr lang="en-US" sz="1000"/>
+                        <a:t>查看运行情况</a:t>
+                      </a:r>
+                      <a:endParaRPr lang="en-US" altLang="en-US" sz="1000"/>
+                    </a:p>
+                  </a:txBody>
+                  <a:tcPr marL="68580" marR="68580" marT="0" marB="0" vert="horz" anchor="ctr" anchorCtr="0"/>
+                </a:tc>
+                <a:tc hMerge="1">
+                  <a:tcPr/>
+                </a:tc>
+                <a:tc gridSpan="6">
+                  <a:txBody>
+                    <a:bodyPr/>
+                    <a:p>
+                      <a:pPr indent="0">
+                        <a:buNone/>
+                      </a:pPr>
+                      <a:r>
+                        <a:rPr lang="en-US" sz="900"/>
+                        <a:t>职员是否认同该评价方法？R认同 □不认同 □其他</a:t>
+                      </a:r>
+                      <a:endParaRPr lang="en-US" altLang="en-US" sz="900"/>
+                    </a:p>
+                  </a:txBody>
+                  <a:tcPr marL="68580" marR="68580" marT="0" marB="0" vert="horz" anchor="ctr" anchorCtr="0"/>
+                </a:tc>
+                <a:tc hMerge="1">
+                  <a:tcPr/>
+                </a:tc>
+                <a:tc hMerge="1">
+                  <a:tcPr/>
+                </a:tc>
+                <a:tc hMerge="1">
+                  <a:tcPr/>
+                </a:tc>
+                <a:tc hMerge="1">
+                  <a:tcPr/>
+                </a:tc>
+                <a:tc hMerge="1">
+                  <a:tcPr/>
+                </a:tc>
+              </a:tr>
+              <a:tr h="262255">
+                <a:tc rowSpan="2">
+                  <a:txBody>
+                    <a:bodyPr/>
+                    <a:p>
+                      <a:pPr indent="0">
+                        <a:buNone/>
+                      </a:pPr>
+                      <a:r>
+                        <a:rPr lang="en-US" sz="900"/>
+                        <a:t>评价结果</a:t>
+                      </a:r>
+                      <a:endParaRPr lang="en-US" altLang="en-US" sz="900"/>
+                    </a:p>
+                  </a:txBody>
+                  <a:tcPr marL="68580" marR="68580" marT="0" marB="0" vert="horz" anchor="ctr" anchorCtr="0"/>
+                </a:tc>
+                <a:tc rowSpan="2" gridSpan="2">
+                  <a:txBody>
+                    <a:bodyPr/>
+                    <a:p>
+                      <a:pPr indent="0">
+                        <a:buNone/>
+                      </a:pPr>
+                      <a:r>
+                        <a:rPr lang="en-US" sz="1000"/>
+                        <a:t> </a:t>
+                      </a:r>
+                      <a:endParaRPr lang="en-US" altLang="en-US" sz="1000"/>
+                    </a:p>
+                  </a:txBody>
+                  <a:tcPr marL="68580" marR="68580" marT="0" marB="0" vert="horz" anchor="ctr" anchorCtr="0"/>
+                </a:tc>
+                <a:tc rowSpan="2" hMerge="1">
+                  <a:tcPr/>
+                </a:tc>
+                <a:tc gridSpan="2">
+                  <a:txBody>
+                    <a:bodyPr/>
+                    <a:p>
+                      <a:pPr indent="0">
+                        <a:buNone/>
+                      </a:pPr>
+                      <a:r>
+                        <a:rPr lang="en-US" sz="900"/>
+                        <a:t>优秀</a:t>
+                      </a:r>
+                      <a:endParaRPr lang="en-US" altLang="en-US" sz="900"/>
+                    </a:p>
+                  </a:txBody>
+                  <a:tcPr marL="68580" marR="68580" marT="0" marB="0" vert="horz" anchor="ctr" anchorCtr="0"/>
+                </a:tc>
+                <a:tc hMerge="1">
+                  <a:tcPr/>
+                </a:tc>
+                <a:tc>
+                  <a:txBody>
+                    <a:bodyPr/>
+                    <a:p>
+                      <a:pPr indent="0">
+                        <a:buNone/>
+                      </a:pPr>
+                      <a:r>
+                        <a:rPr lang="en-US" sz="900"/>
+                        <a:t>良好</a:t>
+                      </a:r>
+                      <a:endParaRPr lang="en-US" altLang="en-US" sz="900"/>
+                    </a:p>
+                  </a:txBody>
+                  <a:tcPr marL="68580" marR="68580" marT="0" marB="0" vert="horz" anchor="ctr" anchorCtr="0"/>
+                </a:tc>
+                <a:tc>
+                  <a:txBody>
+                    <a:bodyPr/>
+                    <a:p>
+                      <a:pPr indent="0">
+                        <a:buNone/>
+                      </a:pPr>
+                      <a:r>
+                        <a:rPr lang="en-US" sz="900"/>
+                        <a:t>合格</a:t>
+                      </a:r>
+                      <a:endParaRPr lang="en-US" altLang="en-US" sz="900"/>
+                    </a:p>
+                  </a:txBody>
+                  <a:tcPr marL="68580" marR="68580" marT="0" marB="0" vert="horz" anchor="ctr" anchorCtr="0"/>
+                </a:tc>
+                <a:tc>
+                  <a:txBody>
+                    <a:bodyPr/>
+                    <a:p>
+                      <a:pPr indent="0">
+                        <a:buNone/>
+                      </a:pPr>
+                      <a:r>
+                        <a:rPr lang="en-US" sz="900"/>
+                        <a:t>待改进</a:t>
+                      </a:r>
+                      <a:endParaRPr lang="en-US" altLang="en-US" sz="900"/>
+                    </a:p>
+                  </a:txBody>
+                  <a:tcPr marL="68580" marR="68580" marT="0" marB="0" vert="horz" anchor="ctr" anchorCtr="0"/>
+                </a:tc>
+                <a:tc>
+                  <a:txBody>
+                    <a:bodyPr/>
+                    <a:p>
+                      <a:pPr indent="0">
+                        <a:buNone/>
+                      </a:pPr>
+                      <a:r>
+                        <a:rPr lang="en-US" sz="900"/>
+                        <a:t>未完成</a:t>
+                      </a:r>
+                      <a:endParaRPr lang="en-US" altLang="en-US" sz="900"/>
+                    </a:p>
+                  </a:txBody>
+                  <a:tcPr marL="68580" marR="68580" marT="0" marB="0" vert="horz" anchor="ctr" anchorCtr="0"/>
+                </a:tc>
+              </a:tr>
+              <a:tr h="227965">
+                <a:tc vMerge="1">
+                  <a:tcPr/>
+                </a:tc>
+                <a:tc vMerge="1" gridSpan="2">
+                  <a:tcPr/>
+                </a:tc>
+                <a:tc vMerge="1" hMerge="1">
+                  <a:tcPr/>
+                </a:tc>
+                <a:tc gridSpan="2">
+                  <a:txBody>
+                    <a:bodyPr/>
+                    <a:p>
+                      <a:pPr indent="0">
+                        <a:buNone/>
+                      </a:pPr>
+                      <a:r>
+                        <a:rPr lang="en-US" sz="1000"/>
+                        <a:t> </a:t>
+                      </a:r>
+                      <a:endParaRPr lang="en-US" altLang="en-US" sz="1000"/>
+                    </a:p>
+                  </a:txBody>
+                  <a:tcPr marL="68580" marR="68580" marT="0" marB="0" vert="horz" anchor="ctr" anchorCtr="0"/>
+                </a:tc>
+                <a:tc hMerge="1">
+                  <a:tcPr/>
+                </a:tc>
+                <a:tc>
+                  <a:txBody>
+                    <a:bodyPr/>
+                    <a:p>
+                      <a:pPr indent="0">
+                        <a:buNone/>
+                      </a:pPr>
+                      <a:r>
+                        <a:rPr lang="en-US" sz="1000"/>
+                        <a:t>1</a:t>
+                      </a:r>
+                      <a:endParaRPr lang="en-US" altLang="en-US" sz="1000"/>
+                    </a:p>
+                  </a:txBody>
+                  <a:tcPr marL="68580" marR="68580" marT="0" marB="0" vert="horz" anchor="ctr" anchorCtr="0"/>
+                </a:tc>
+                <a:tc>
+                  <a:txBody>
+                    <a:bodyPr/>
+                    <a:p>
+                      <a:pPr indent="0">
+                        <a:buNone/>
+                      </a:pPr>
+                      <a:r>
+                        <a:rPr lang="en-US" sz="1000"/>
+                        <a:t> </a:t>
+                      </a:r>
+                      <a:endParaRPr lang="en-US" altLang="en-US" sz="1000"/>
+                    </a:p>
+                  </a:txBody>
+                  <a:tcPr marL="68580" marR="68580" marT="0" marB="0" vert="horz" anchor="ctr" anchorCtr="0"/>
+                </a:tc>
+                <a:tc>
+                  <a:txBody>
+                    <a:bodyPr/>
+                    <a:p>
+                      <a:pPr indent="0">
+                        <a:buNone/>
+                      </a:pPr>
+                      <a:r>
+                        <a:rPr lang="en-US" sz="1000"/>
+                        <a:t> </a:t>
+                      </a:r>
+                      <a:endParaRPr lang="en-US" altLang="en-US" sz="1000"/>
+                    </a:p>
+                  </a:txBody>
+                  <a:tcPr marL="68580" marR="68580" marT="0" marB="0" vert="horz" anchor="ctr" anchorCtr="0"/>
+                </a:tc>
+                <a:tc>
+                  <a:txBody>
+                    <a:bodyPr/>
+                    <a:p>
+                      <a:pPr indent="0">
+                        <a:buNone/>
+                      </a:pPr>
+                      <a:r>
+                        <a:rPr lang="en-US" sz="1000"/>
+                        <a:t> </a:t>
+                      </a:r>
+                      <a:endParaRPr lang="en-US" altLang="en-US" sz="1000"/>
+                    </a:p>
+                  </a:txBody>
+                  <a:tcPr marL="68580" marR="68580" marT="0" marB="0" vert="horz" anchor="ctr" anchorCtr="0"/>
+                </a:tc>
+              </a:tr>
+              <a:tr h="227965">
+                <a:tc gridSpan="3">
+                  <a:txBody>
+                    <a:bodyPr/>
+                    <a:p>
+                      <a:pPr indent="0">
+                        <a:buNone/>
+                      </a:pPr>
+                      <a:r>
+                        <a:rPr lang="en-US" sz="900"/>
+                        <a:t>直属上级或正式员工是否就该工作与你进行沟通</a:t>
+                      </a:r>
+                      <a:endParaRPr lang="en-US" altLang="en-US" sz="900"/>
+                    </a:p>
+                  </a:txBody>
+                  <a:tcPr marL="68580" marR="68580" marT="0" marB="0" vert="horz" anchor="ctr" anchorCtr="0"/>
+                </a:tc>
+                <a:tc hMerge="1">
+                  <a:tcPr/>
+                </a:tc>
+                <a:tc hMerge="1">
+                  <a:tcPr/>
+                </a:tc>
+                <a:tc gridSpan="6">
+                  <a:txBody>
+                    <a:bodyPr/>
+                    <a:p>
+                      <a:pPr indent="0">
+                        <a:buNone/>
+                      </a:pPr>
+                      <a:r>
+                        <a:rPr lang="en-US" sz="900"/>
+                        <a:t>□沟通 </a:t>
+                      </a:r>
+                      <a:endParaRPr lang="en-US" altLang="en-US" sz="900"/>
+                    </a:p>
+                  </a:txBody>
+                  <a:tcPr marL="68580" marR="68580" marT="0" marB="0" vert="horz" anchor="ctr" anchorCtr="0"/>
+                </a:tc>
+                <a:tc hMerge="1">
+                  <a:tcPr/>
+                </a:tc>
+                <a:tc hMerge="1">
+                  <a:tcPr/>
+                </a:tc>
+                <a:tc hMerge="1">
+                  <a:tcPr/>
+                </a:tc>
+                <a:tc hMerge="1">
+                  <a:tcPr/>
+                </a:tc>
+                <a:tc hMerge="1">
+                  <a:tcPr/>
+                </a:tc>
+              </a:tr>
+              <a:tr h="229235">
+                <a:tc gridSpan="3">
+                  <a:txBody>
+                    <a:bodyPr/>
+                    <a:p>
+                      <a:pPr indent="0" algn="ctr">
+                        <a:buNone/>
+                      </a:pPr>
+                      <a:r>
+                        <a:rPr lang="en-US" sz="1000"/>
+                        <a:t>工作任务二</a:t>
+                      </a:r>
+                      <a:endParaRPr lang="en-US" altLang="en-US" sz="1000"/>
+                    </a:p>
+                  </a:txBody>
+                  <a:tcPr marL="68580" marR="68580" marT="0" marB="0" vert="horz" anchor="ctr" anchorCtr="0"/>
+                </a:tc>
+                <a:tc hMerge="1">
+                  <a:tcPr/>
+                </a:tc>
+                <a:tc hMerge="1">
+                  <a:tcPr/>
+                </a:tc>
+                <a:tc gridSpan="6">
+                  <a:txBody>
+                    <a:bodyPr/>
+                    <a:p>
+                      <a:pPr indent="0" algn="ctr">
+                        <a:buNone/>
+                      </a:pPr>
+                      <a:r>
+                        <a:rPr lang="en-US" sz="1000"/>
+                        <a:t>完成情况</a:t>
+                      </a:r>
+                      <a:endParaRPr lang="en-US" altLang="en-US" sz="1000"/>
+                    </a:p>
+                  </a:txBody>
+                  <a:tcPr marL="68580" marR="68580" marT="0" marB="0" vert="horz" anchor="ctr" anchorCtr="0"/>
+                </a:tc>
+                <a:tc hMerge="1">
+                  <a:tcPr/>
+                </a:tc>
+                <a:tc hMerge="1">
+                  <a:tcPr/>
+                </a:tc>
+                <a:tc hMerge="1">
+                  <a:tcPr/>
+                </a:tc>
+                <a:tc hMerge="1">
+                  <a:tcPr/>
+                </a:tc>
+                <a:tc hMerge="1">
+                  <a:tcPr/>
+                </a:tc>
+              </a:tr>
+              <a:tr h="273050">
+                <a:tc>
+                  <a:txBody>
+                    <a:bodyPr/>
+                    <a:p>
+                      <a:pPr indent="0">
+                        <a:buNone/>
+                      </a:pPr>
+                      <a:r>
+                        <a:rPr lang="en-US" sz="900"/>
+                        <a:t> 工作内容 </a:t>
+                      </a:r>
+                      <a:endParaRPr lang="en-US" altLang="en-US" sz="900"/>
+                    </a:p>
+                  </a:txBody>
+                  <a:tcPr marL="68580" marR="68580" marT="0" marB="0" vert="horz" anchor="ctr" anchorCtr="0"/>
+                </a:tc>
+                <a:tc gridSpan="2">
+                  <a:txBody>
+                    <a:bodyPr/>
+                    <a:p>
+                      <a:pPr indent="0">
+                        <a:buNone/>
+                      </a:pPr>
+                      <a:r>
+                        <a:rPr lang="en-US" sz="900"/>
+                        <a:t>完善后端代码</a:t>
+                      </a:r>
+                      <a:endParaRPr lang="en-US" altLang="en-US" sz="900"/>
+                    </a:p>
+                  </a:txBody>
+                  <a:tcPr marL="68580" marR="68580" marT="0" marB="0" vert="horz" anchor="ctr" anchorCtr="0"/>
+                </a:tc>
+                <a:tc hMerge="1">
+                  <a:tcPr/>
+                </a:tc>
+                <a:tc gridSpan="6">
+                  <a:txBody>
+                    <a:bodyPr/>
+                    <a:p>
+                      <a:pPr indent="0">
+                        <a:buNone/>
+                      </a:pPr>
+                      <a:r>
+                        <a:rPr lang="en-US" sz="900"/>
+                        <a:t>职员是否认同该工作内容？R认同 □不认同 □其他</a:t>
+                      </a:r>
+                      <a:endParaRPr lang="en-US" altLang="en-US" sz="900"/>
+                    </a:p>
+                  </a:txBody>
+                  <a:tcPr marL="68580" marR="68580" marT="0" marB="0" vert="horz" anchor="ctr" anchorCtr="0"/>
+                </a:tc>
+                <a:tc hMerge="1">
+                  <a:tcPr/>
+                </a:tc>
+                <a:tc hMerge="1">
+                  <a:tcPr/>
+                </a:tc>
+                <a:tc hMerge="1">
+                  <a:tcPr/>
+                </a:tc>
+                <a:tc hMerge="1">
+                  <a:tcPr/>
+                </a:tc>
+                <a:tc hMerge="1">
+                  <a:tcPr/>
+                </a:tc>
+              </a:tr>
+              <a:tr h="393700">
+                <a:tc>
+                  <a:txBody>
+                    <a:bodyPr/>
+                    <a:p>
+                      <a:pPr indent="0">
+                        <a:buNone/>
+                      </a:pPr>
+                      <a:r>
+                        <a:rPr lang="en-US" sz="900"/>
+                        <a:t> 工作目标完成时间 </a:t>
+                      </a:r>
+                      <a:endParaRPr lang="en-US" altLang="en-US" sz="900"/>
+                    </a:p>
+                  </a:txBody>
+                  <a:tcPr marL="68580" marR="68580" marT="0" marB="0" vert="horz" anchor="ctr" anchorCtr="0"/>
+                </a:tc>
+                <a:tc gridSpan="2">
+                  <a:txBody>
+                    <a:bodyPr/>
+                    <a:p>
+                      <a:pPr indent="0">
+                        <a:buNone/>
+                      </a:pPr>
+                      <a:r>
+                        <a:rPr lang="en-US" sz="1000"/>
+                        <a:t>2021/12/12 0：00</a:t>
+                      </a:r>
+                      <a:endParaRPr lang="en-US" altLang="en-US" sz="1000"/>
+                    </a:p>
+                  </a:txBody>
+                  <a:tcPr marL="68580" marR="68580" marT="0" marB="0" vert="horz" anchor="ctr" anchorCtr="0"/>
+                </a:tc>
+                <a:tc hMerge="1">
+                  <a:tcPr/>
+                </a:tc>
+                <a:tc gridSpan="6">
+                  <a:txBody>
+                    <a:bodyPr/>
+                    <a:p>
+                      <a:pPr indent="0">
+                        <a:buNone/>
+                      </a:pPr>
+                      <a:r>
+                        <a:rPr lang="en-US" sz="900"/>
+                        <a:t>职员是否认同该工作目标？R认同 □不认同 □其他</a:t>
+                      </a:r>
+                      <a:endParaRPr lang="en-US" altLang="en-US" sz="900"/>
+                    </a:p>
+                  </a:txBody>
+                  <a:tcPr marL="68580" marR="68580" marT="0" marB="0" vert="horz" anchor="ctr" anchorCtr="0"/>
+                </a:tc>
+                <a:tc hMerge="1">
+                  <a:tcPr/>
+                </a:tc>
+                <a:tc hMerge="1">
+                  <a:tcPr/>
+                </a:tc>
+                <a:tc hMerge="1">
+                  <a:tcPr/>
+                </a:tc>
+                <a:tc hMerge="1">
+                  <a:tcPr/>
+                </a:tc>
+                <a:tc hMerge="1">
+                  <a:tcPr/>
+                </a:tc>
+              </a:tr>
+              <a:tr h="273050">
+                <a:tc>
+                  <a:txBody>
+                    <a:bodyPr/>
+                    <a:p>
+                      <a:pPr indent="0">
+                        <a:buNone/>
+                      </a:pPr>
+                      <a:r>
+                        <a:rPr lang="en-US" sz="900"/>
+                        <a:t>评价方法</a:t>
+                      </a:r>
+                      <a:endParaRPr lang="en-US" altLang="en-US" sz="900"/>
+                    </a:p>
+                  </a:txBody>
+                  <a:tcPr marL="68580" marR="68580" marT="0" marB="0" vert="horz" anchor="ctr" anchorCtr="0"/>
+                </a:tc>
+                <a:tc gridSpan="2">
+                  <a:txBody>
+                    <a:bodyPr/>
+                    <a:p>
+                      <a:pPr indent="0">
+                        <a:buNone/>
+                      </a:pPr>
+                      <a:r>
+                        <a:rPr lang="en-US" sz="1000"/>
+                        <a:t>查看服务器情况</a:t>
+                      </a:r>
+                      <a:endParaRPr lang="en-US" altLang="en-US" sz="1000"/>
+                    </a:p>
+                  </a:txBody>
+                  <a:tcPr marL="68580" marR="68580" marT="0" marB="0" vert="horz" anchor="ctr" anchorCtr="0"/>
+                </a:tc>
+                <a:tc hMerge="1">
+                  <a:tcPr/>
+                </a:tc>
+                <a:tc gridSpan="6">
+                  <a:txBody>
+                    <a:bodyPr/>
+                    <a:p>
+                      <a:pPr indent="0">
+                        <a:buNone/>
+                      </a:pPr>
+                      <a:r>
+                        <a:rPr lang="en-US" sz="900"/>
+                        <a:t>职员是否认同该评价方法？R认同 □不认同 □其他</a:t>
+                      </a:r>
+                      <a:endParaRPr lang="en-US" altLang="en-US" sz="900"/>
+                    </a:p>
+                  </a:txBody>
+                  <a:tcPr marL="68580" marR="68580" marT="0" marB="0" vert="horz" anchor="ctr" anchorCtr="0"/>
+                </a:tc>
+                <a:tc hMerge="1">
+                  <a:tcPr/>
+                </a:tc>
+                <a:tc hMerge="1">
+                  <a:tcPr/>
+                </a:tc>
+                <a:tc hMerge="1">
+                  <a:tcPr/>
+                </a:tc>
+                <a:tc hMerge="1">
+                  <a:tcPr/>
+                </a:tc>
+                <a:tc hMerge="1">
+                  <a:tcPr/>
+                </a:tc>
+              </a:tr>
+              <a:tr h="262255">
+                <a:tc rowSpan="2">
+                  <a:txBody>
+                    <a:bodyPr/>
+                    <a:p>
+                      <a:pPr indent="0">
+                        <a:buNone/>
+                      </a:pPr>
+                      <a:r>
+                        <a:rPr lang="en-US" sz="900"/>
+                        <a:t>评价结果</a:t>
+                      </a:r>
+                      <a:endParaRPr lang="en-US" altLang="en-US" sz="900"/>
+                    </a:p>
+                  </a:txBody>
+                  <a:tcPr marL="68580" marR="68580" marT="0" marB="0" vert="horz" anchor="ctr" anchorCtr="0"/>
+                </a:tc>
+                <a:tc rowSpan="2" gridSpan="2">
+                  <a:txBody>
+                    <a:bodyPr/>
+                    <a:p>
+                      <a:pPr indent="0">
+                        <a:buNone/>
+                      </a:pPr>
+                      <a:r>
+                        <a:rPr lang="en-US" sz="1000"/>
+                        <a:t> </a:t>
+                      </a:r>
+                      <a:endParaRPr lang="en-US" altLang="en-US" sz="1000"/>
+                    </a:p>
+                  </a:txBody>
+                  <a:tcPr marL="68580" marR="68580" marT="0" marB="0" vert="horz" anchor="ctr" anchorCtr="0"/>
+                </a:tc>
+                <a:tc rowSpan="2" hMerge="1">
+                  <a:tcPr/>
+                </a:tc>
+                <a:tc gridSpan="2">
+                  <a:txBody>
+                    <a:bodyPr/>
+                    <a:p>
+                      <a:pPr indent="0">
+                        <a:buNone/>
+                      </a:pPr>
+                      <a:r>
+                        <a:rPr lang="en-US" sz="900"/>
+                        <a:t>优秀</a:t>
+                      </a:r>
+                      <a:endParaRPr lang="en-US" altLang="en-US" sz="900"/>
+                    </a:p>
+                  </a:txBody>
+                  <a:tcPr marL="68580" marR="68580" marT="0" marB="0" vert="horz" anchor="ctr" anchorCtr="0"/>
+                </a:tc>
+                <a:tc hMerge="1">
+                  <a:tcPr/>
+                </a:tc>
+                <a:tc>
+                  <a:txBody>
+                    <a:bodyPr/>
+                    <a:p>
+                      <a:pPr indent="0">
+                        <a:buNone/>
+                      </a:pPr>
+                      <a:r>
+                        <a:rPr lang="en-US" sz="900"/>
+                        <a:t>良好</a:t>
+                      </a:r>
+                      <a:endParaRPr lang="en-US" altLang="en-US" sz="900"/>
+                    </a:p>
+                  </a:txBody>
+                  <a:tcPr marL="68580" marR="68580" marT="0" marB="0" vert="horz" anchor="ctr" anchorCtr="0"/>
+                </a:tc>
+                <a:tc>
+                  <a:txBody>
+                    <a:bodyPr/>
+                    <a:p>
+                      <a:pPr indent="0">
+                        <a:buNone/>
+                      </a:pPr>
+                      <a:r>
+                        <a:rPr lang="en-US" sz="900"/>
+                        <a:t>合格</a:t>
+                      </a:r>
+                      <a:endParaRPr lang="en-US" altLang="en-US" sz="900"/>
+                    </a:p>
+                  </a:txBody>
+                  <a:tcPr marL="68580" marR="68580" marT="0" marB="0" vert="horz" anchor="ctr" anchorCtr="0"/>
+                </a:tc>
+                <a:tc>
+                  <a:txBody>
+                    <a:bodyPr/>
+                    <a:p>
+                      <a:pPr indent="0">
+                        <a:buNone/>
+                      </a:pPr>
+                      <a:r>
+                        <a:rPr lang="en-US" sz="900"/>
+                        <a:t>待改进</a:t>
+                      </a:r>
+                      <a:endParaRPr lang="en-US" altLang="en-US" sz="900"/>
+                    </a:p>
+                  </a:txBody>
+                  <a:tcPr marL="68580" marR="68580" marT="0" marB="0" vert="horz" anchor="ctr" anchorCtr="0"/>
+                </a:tc>
+                <a:tc>
+                  <a:txBody>
+                    <a:bodyPr/>
+                    <a:p>
+                      <a:pPr indent="0">
+                        <a:buNone/>
+                      </a:pPr>
+                      <a:r>
+                        <a:rPr lang="en-US" sz="900"/>
+                        <a:t>未完成</a:t>
+                      </a:r>
+                      <a:endParaRPr lang="en-US" altLang="en-US" sz="900"/>
+                    </a:p>
+                  </a:txBody>
+                  <a:tcPr marL="68580" marR="68580" marT="0" marB="0" vert="horz" anchor="ctr" anchorCtr="0"/>
+                </a:tc>
+              </a:tr>
+              <a:tr h="228600">
+                <a:tc vMerge="1">
+                  <a:tcPr/>
+                </a:tc>
+                <a:tc vMerge="1" gridSpan="2">
+                  <a:tcPr/>
+                </a:tc>
+                <a:tc vMerge="1" hMerge="1">
+                  <a:tcPr/>
+                </a:tc>
+                <a:tc gridSpan="2">
+                  <a:txBody>
+                    <a:bodyPr/>
+                    <a:p>
+                      <a:pPr indent="0">
+                        <a:buNone/>
+                      </a:pPr>
+                      <a:r>
+                        <a:rPr lang="en-US" sz="1000"/>
+                        <a:t> </a:t>
+                      </a:r>
+                      <a:endParaRPr lang="en-US" altLang="en-US" sz="1000"/>
+                    </a:p>
+                  </a:txBody>
+                  <a:tcPr marL="68580" marR="68580" marT="0" marB="0" vert="horz" anchor="ctr" anchorCtr="0"/>
+                </a:tc>
+                <a:tc hMerge="1">
+                  <a:tcPr/>
+                </a:tc>
+                <a:tc>
+                  <a:txBody>
+                    <a:bodyPr/>
+                    <a:p>
+                      <a:pPr indent="0">
+                        <a:buNone/>
+                      </a:pPr>
+                      <a:r>
+                        <a:rPr lang="en-US" sz="1000"/>
+                        <a:t>1</a:t>
+                      </a:r>
+                      <a:endParaRPr lang="en-US" altLang="en-US" sz="1000"/>
+                    </a:p>
+                  </a:txBody>
+                  <a:tcPr marL="68580" marR="68580" marT="0" marB="0" vert="horz" anchor="ctr" anchorCtr="0"/>
+                </a:tc>
+                <a:tc>
+                  <a:txBody>
+                    <a:bodyPr/>
+                    <a:p>
+                      <a:pPr indent="0">
+                        <a:buNone/>
+                      </a:pPr>
+                      <a:r>
+                        <a:rPr lang="en-US" sz="1000"/>
+                        <a:t> </a:t>
+                      </a:r>
+                      <a:endParaRPr lang="en-US" altLang="en-US" sz="1000"/>
+                    </a:p>
+                  </a:txBody>
+                  <a:tcPr marL="68580" marR="68580" marT="0" marB="0" vert="horz" anchor="ctr" anchorCtr="0"/>
+                </a:tc>
+                <a:tc>
+                  <a:txBody>
+                    <a:bodyPr/>
+                    <a:p>
+                      <a:pPr indent="0">
+                        <a:buNone/>
+                      </a:pPr>
+                      <a:r>
+                        <a:rPr lang="en-US" sz="1000"/>
+                        <a:t> </a:t>
+                      </a:r>
+                      <a:endParaRPr lang="en-US" altLang="en-US" sz="1000"/>
+                    </a:p>
+                  </a:txBody>
+                  <a:tcPr marL="68580" marR="68580" marT="0" marB="0" vert="horz" anchor="ctr" anchorCtr="0"/>
+                </a:tc>
+                <a:tc>
+                  <a:txBody>
+                    <a:bodyPr/>
+                    <a:p>
+                      <a:pPr indent="0">
+                        <a:buNone/>
+                      </a:pPr>
+                      <a:r>
+                        <a:rPr lang="en-US" sz="1000"/>
+                        <a:t> </a:t>
+                      </a:r>
+                      <a:endParaRPr lang="en-US" altLang="en-US" sz="1000"/>
+                    </a:p>
+                  </a:txBody>
+                  <a:tcPr marL="68580" marR="68580" marT="0" marB="0" vert="horz" anchor="ctr" anchorCtr="0"/>
+                </a:tc>
+              </a:tr>
+              <a:tr h="227965">
+                <a:tc gridSpan="3">
+                  <a:txBody>
+                    <a:bodyPr/>
+                    <a:p>
+                      <a:pPr indent="0">
+                        <a:buNone/>
+                      </a:pPr>
+                      <a:r>
+                        <a:rPr lang="en-US" sz="1000"/>
+                        <a:t>直属上级或正式员工是否就该工作与你进行沟通</a:t>
+                      </a:r>
+                      <a:endParaRPr lang="en-US" altLang="en-US" sz="1000"/>
+                    </a:p>
+                  </a:txBody>
+                  <a:tcPr marL="68580" marR="68580" marT="0" marB="0" vert="horz" anchor="ctr" anchorCtr="0"/>
+                </a:tc>
+                <a:tc hMerge="1">
+                  <a:tcPr/>
+                </a:tc>
+                <a:tc hMerge="1">
+                  <a:tcPr/>
+                </a:tc>
+                <a:tc gridSpan="6">
+                  <a:txBody>
+                    <a:bodyPr/>
+                    <a:p>
+                      <a:pPr indent="0">
+                        <a:buNone/>
+                      </a:pPr>
+                      <a:r>
+                        <a:rPr lang="en-US" sz="900"/>
+                        <a:t>□沟通 </a:t>
+                      </a:r>
+                      <a:endParaRPr lang="en-US" altLang="en-US" sz="900"/>
+                    </a:p>
+                  </a:txBody>
+                  <a:tcPr marL="68580" marR="68580" marT="0" marB="0" vert="horz" anchor="ctr" anchorCtr="0"/>
+                </a:tc>
+                <a:tc hMerge="1">
+                  <a:tcPr/>
+                </a:tc>
+                <a:tc hMerge="1">
+                  <a:tcPr/>
+                </a:tc>
+                <a:tc hMerge="1">
+                  <a:tcPr/>
+                </a:tc>
+                <a:tc hMerge="1">
+                  <a:tcPr/>
+                </a:tc>
+                <a:tc hMerge="1">
+                  <a:tcPr/>
+                </a:tc>
+              </a:tr>
+              <a:tr h="227965">
+                <a:tc gridSpan="3">
+                  <a:txBody>
+                    <a:bodyPr/>
+                    <a:p>
+                      <a:pPr indent="0" algn="ctr">
+                        <a:buNone/>
+                      </a:pPr>
+                      <a:r>
+                        <a:rPr lang="en-US" sz="1000"/>
+                        <a:t>工作任务三</a:t>
+                      </a:r>
+                      <a:endParaRPr lang="en-US" altLang="en-US" sz="1000"/>
+                    </a:p>
+                  </a:txBody>
+                  <a:tcPr marL="68580" marR="68580" marT="0" marB="0" vert="horz" anchor="ctr" anchorCtr="0"/>
+                </a:tc>
+                <a:tc hMerge="1">
+                  <a:tcPr/>
+                </a:tc>
+                <a:tc hMerge="1">
+                  <a:tcPr/>
+                </a:tc>
+                <a:tc gridSpan="6">
+                  <a:txBody>
+                    <a:bodyPr/>
+                    <a:p>
+                      <a:pPr indent="0" algn="ctr">
+                        <a:buNone/>
+                      </a:pPr>
+                      <a:r>
+                        <a:rPr lang="en-US" sz="1000"/>
+                        <a:t>完成情况</a:t>
+                      </a:r>
+                      <a:endParaRPr lang="en-US" altLang="en-US" sz="1000"/>
+                    </a:p>
+                  </a:txBody>
+                  <a:tcPr marL="68580" marR="68580" marT="0" marB="0" vert="horz" anchor="ctr" anchorCtr="0"/>
+                </a:tc>
+                <a:tc hMerge="1">
+                  <a:tcPr/>
+                </a:tc>
+                <a:tc hMerge="1">
+                  <a:tcPr/>
+                </a:tc>
+                <a:tc hMerge="1">
+                  <a:tcPr/>
+                </a:tc>
+                <a:tc hMerge="1">
+                  <a:tcPr/>
+                </a:tc>
+                <a:tc hMerge="1">
+                  <a:tcPr/>
+                </a:tc>
+              </a:tr>
+              <a:tr h="262255">
+                <a:tc>
+                  <a:txBody>
+                    <a:bodyPr/>
+                    <a:p>
+                      <a:pPr indent="0">
+                        <a:buNone/>
+                      </a:pPr>
+                      <a:r>
+                        <a:rPr lang="en-US" sz="900"/>
+                        <a:t> 工作内容 </a:t>
+                      </a:r>
+                      <a:endParaRPr lang="en-US" altLang="en-US" sz="900"/>
+                    </a:p>
+                  </a:txBody>
+                  <a:tcPr marL="68580" marR="68580" marT="0" marB="0" vert="horz" anchor="ctr" anchorCtr="0"/>
+                </a:tc>
+                <a:tc gridSpan="2">
+                  <a:txBody>
+                    <a:bodyPr/>
+                    <a:p>
+                      <a:pPr indent="0">
+                        <a:buNone/>
+                      </a:pPr>
+                      <a:r>
+                        <a:rPr lang="en-US" sz="1000"/>
+                        <a:t> </a:t>
+                      </a:r>
+                      <a:endParaRPr lang="en-US" altLang="en-US" sz="1000"/>
+                    </a:p>
+                  </a:txBody>
+                  <a:tcPr marL="68580" marR="68580" marT="0" marB="0" vert="horz" anchor="ctr" anchorCtr="0"/>
+                </a:tc>
+                <a:tc hMerge="1">
+                  <a:tcPr/>
+                </a:tc>
+                <a:tc gridSpan="6">
+                  <a:txBody>
+                    <a:bodyPr/>
+                    <a:p>
+                      <a:pPr indent="0">
+                        <a:buNone/>
+                      </a:pPr>
+                      <a:r>
+                        <a:rPr lang="en-US" sz="900"/>
+                        <a:t>职员是否认同该工作内容？□认同 </a:t>
+                      </a:r>
+                      <a:endParaRPr lang="en-US" altLang="en-US" sz="900"/>
+                    </a:p>
+                  </a:txBody>
+                  <a:tcPr marL="68580" marR="68580" marT="0" marB="0" vert="horz" anchor="ctr" anchorCtr="0"/>
+                </a:tc>
+                <a:tc hMerge="1">
+                  <a:tcPr/>
+                </a:tc>
+                <a:tc hMerge="1">
+                  <a:tcPr/>
+                </a:tc>
+                <a:tc hMerge="1">
+                  <a:tcPr/>
+                </a:tc>
+                <a:tc hMerge="1">
+                  <a:tcPr/>
+                </a:tc>
+                <a:tc hMerge="1">
+                  <a:tcPr/>
+                </a:tc>
+              </a:tr>
+              <a:tr h="393700">
+                <a:tc>
+                  <a:txBody>
+                    <a:bodyPr/>
+                    <a:p>
+                      <a:pPr indent="0">
+                        <a:buNone/>
+                      </a:pPr>
+                      <a:r>
+                        <a:rPr lang="en-US" sz="900"/>
+                        <a:t> 工作目标完成时间 </a:t>
+                      </a:r>
+                      <a:endParaRPr lang="en-US" altLang="en-US" sz="900"/>
+                    </a:p>
+                  </a:txBody>
+                  <a:tcPr marL="68580" marR="68580" marT="0" marB="0" vert="horz" anchor="ctr" anchorCtr="0"/>
+                </a:tc>
+                <a:tc gridSpan="2">
+                  <a:txBody>
+                    <a:bodyPr/>
+                    <a:p>
+                      <a:pPr indent="0">
+                        <a:buNone/>
+                      </a:pPr>
+                      <a:r>
+                        <a:rPr lang="en-US" sz="1000"/>
+                        <a:t> </a:t>
+                      </a:r>
+                      <a:endParaRPr lang="en-US" altLang="en-US" sz="1000"/>
+                    </a:p>
+                  </a:txBody>
+                  <a:tcPr marL="68580" marR="68580" marT="0" marB="0" vert="horz" anchor="ctr" anchorCtr="0"/>
+                </a:tc>
+                <a:tc hMerge="1">
+                  <a:tcPr/>
+                </a:tc>
+                <a:tc gridSpan="6">
+                  <a:txBody>
+                    <a:bodyPr/>
+                    <a:p>
+                      <a:pPr indent="0">
+                        <a:buNone/>
+                      </a:pPr>
+                      <a:r>
+                        <a:rPr lang="en-US" sz="900"/>
+                        <a:t>职员是否认同该工作目标？□认同 </a:t>
+                      </a:r>
+                      <a:endParaRPr lang="en-US" altLang="en-US" sz="900"/>
+                    </a:p>
+                  </a:txBody>
+                  <a:tcPr marL="68580" marR="68580" marT="0" marB="0" vert="horz" anchor="ctr" anchorCtr="0"/>
+                </a:tc>
+                <a:tc hMerge="1">
+                  <a:tcPr/>
+                </a:tc>
+                <a:tc hMerge="1">
+                  <a:tcPr/>
+                </a:tc>
+                <a:tc hMerge="1">
+                  <a:tcPr/>
+                </a:tc>
+                <a:tc hMerge="1">
+                  <a:tcPr/>
+                </a:tc>
+                <a:tc hMerge="1">
+                  <a:tcPr/>
+                </a:tc>
+              </a:tr>
+              <a:tr h="228600">
+                <a:tc>
+                  <a:txBody>
+                    <a:bodyPr/>
+                    <a:p>
+                      <a:pPr indent="0">
+                        <a:buNone/>
+                      </a:pPr>
+                      <a:r>
+                        <a:rPr lang="en-US" sz="900"/>
+                        <a:t>评价方法</a:t>
+                      </a:r>
+                      <a:endParaRPr lang="en-US" altLang="en-US" sz="900"/>
+                    </a:p>
+                  </a:txBody>
+                  <a:tcPr marL="68580" marR="68580" marT="0" marB="0" vert="horz" anchor="ctr" anchorCtr="0"/>
+                </a:tc>
+                <a:tc gridSpan="2">
+                  <a:txBody>
+                    <a:bodyPr/>
+                    <a:p>
+                      <a:pPr indent="0">
+                        <a:buNone/>
+                      </a:pPr>
+                      <a:r>
+                        <a:rPr lang="en-US" sz="1000"/>
+                        <a:t> </a:t>
+                      </a:r>
+                      <a:endParaRPr lang="en-US" altLang="en-US" sz="1000"/>
+                    </a:p>
+                  </a:txBody>
+                  <a:tcPr marL="68580" marR="68580" marT="0" marB="0" vert="horz" anchor="ctr" anchorCtr="0"/>
+                </a:tc>
+                <a:tc hMerge="1">
+                  <a:tcPr/>
+                </a:tc>
+                <a:tc gridSpan="6">
+                  <a:txBody>
+                    <a:bodyPr/>
+                    <a:p>
+                      <a:pPr indent="0">
+                        <a:buNone/>
+                      </a:pPr>
+                      <a:r>
+                        <a:rPr lang="en-US" sz="900"/>
+                        <a:t>职员是否认同该评价方法？□认同 </a:t>
+                      </a:r>
+                      <a:endParaRPr lang="en-US" altLang="en-US" sz="900"/>
+                    </a:p>
+                  </a:txBody>
+                  <a:tcPr marL="68580" marR="68580" marT="0" marB="0" vert="horz" anchor="ctr" anchorCtr="0"/>
+                </a:tc>
+                <a:tc hMerge="1">
+                  <a:tcPr/>
+                </a:tc>
+                <a:tc hMerge="1">
+                  <a:tcPr/>
+                </a:tc>
+                <a:tc hMerge="1">
+                  <a:tcPr/>
+                </a:tc>
+                <a:tc hMerge="1">
+                  <a:tcPr/>
+                </a:tc>
+                <a:tc hMerge="1">
+                  <a:tcPr/>
+                </a:tc>
+              </a:tr>
+              <a:tr h="262255">
+                <a:tc rowSpan="2">
+                  <a:txBody>
+                    <a:bodyPr/>
+                    <a:p>
+                      <a:pPr indent="0">
+                        <a:buNone/>
+                      </a:pPr>
+                      <a:r>
+                        <a:rPr lang="en-US" sz="900"/>
+                        <a:t>评价结果</a:t>
+                      </a:r>
+                      <a:endParaRPr lang="en-US" altLang="en-US" sz="900"/>
+                    </a:p>
+                  </a:txBody>
+                  <a:tcPr marL="68580" marR="68580" marT="0" marB="0" vert="horz" anchor="ctr" anchorCtr="0"/>
+                </a:tc>
+                <a:tc rowSpan="2" gridSpan="2">
+                  <a:txBody>
+                    <a:bodyPr/>
+                    <a:p>
+                      <a:pPr indent="0">
+                        <a:buNone/>
+                      </a:pPr>
+                      <a:r>
+                        <a:rPr lang="en-US" sz="1000"/>
+                        <a:t> </a:t>
+                      </a:r>
+                      <a:endParaRPr lang="en-US" altLang="en-US" sz="1000"/>
+                    </a:p>
+                  </a:txBody>
+                  <a:tcPr marL="68580" marR="68580" marT="0" marB="0" vert="horz" anchor="ctr" anchorCtr="0"/>
+                </a:tc>
+                <a:tc rowSpan="2" hMerge="1">
+                  <a:tcPr/>
+                </a:tc>
+                <a:tc>
+                  <a:txBody>
+                    <a:bodyPr/>
+                    <a:p>
+                      <a:pPr indent="0">
+                        <a:buNone/>
+                      </a:pPr>
+                      <a:r>
+                        <a:rPr lang="en-US" sz="900"/>
+                        <a:t>优秀</a:t>
+                      </a:r>
+                      <a:endParaRPr lang="en-US" altLang="en-US" sz="900"/>
+                    </a:p>
+                  </a:txBody>
+                  <a:tcPr marL="68580" marR="68580" marT="0" marB="0" vert="horz" anchor="ctr" anchorCtr="0"/>
+                </a:tc>
+                <a:tc gridSpan="2">
+                  <a:txBody>
+                    <a:bodyPr/>
+                    <a:p>
+                      <a:pPr indent="0">
+                        <a:buNone/>
+                      </a:pPr>
+                      <a:r>
+                        <a:rPr lang="en-US" sz="900"/>
+                        <a:t>良好</a:t>
+                      </a:r>
+                      <a:endParaRPr lang="en-US" altLang="en-US" sz="900"/>
+                    </a:p>
+                  </a:txBody>
+                  <a:tcPr marL="68580" marR="68580" marT="0" marB="0" vert="horz" anchor="ctr" anchorCtr="0"/>
+                </a:tc>
+                <a:tc hMerge="1">
+                  <a:tcPr/>
+                </a:tc>
+                <a:tc>
+                  <a:txBody>
+                    <a:bodyPr/>
+                    <a:p>
+                      <a:pPr indent="0">
+                        <a:buNone/>
+                      </a:pPr>
+                      <a:r>
+                        <a:rPr lang="en-US" sz="900"/>
+                        <a:t>合格</a:t>
+                      </a:r>
+                      <a:endParaRPr lang="en-US" altLang="en-US" sz="900"/>
+                    </a:p>
+                  </a:txBody>
+                  <a:tcPr marL="68580" marR="68580" marT="0" marB="0" vert="horz" anchor="ctr" anchorCtr="0"/>
+                </a:tc>
+                <a:tc>
+                  <a:txBody>
+                    <a:bodyPr/>
+                    <a:p>
+                      <a:pPr indent="0">
+                        <a:buNone/>
+                      </a:pPr>
+                      <a:r>
+                        <a:rPr lang="en-US" sz="900"/>
+                        <a:t>待改进</a:t>
+                      </a:r>
+                      <a:endParaRPr lang="en-US" altLang="en-US" sz="900"/>
+                    </a:p>
+                  </a:txBody>
+                  <a:tcPr marL="68580" marR="68580" marT="0" marB="0" vert="horz" anchor="ctr" anchorCtr="0"/>
+                </a:tc>
+                <a:tc>
+                  <a:txBody>
+                    <a:bodyPr/>
+                    <a:p>
+                      <a:pPr indent="0">
+                        <a:buNone/>
+                      </a:pPr>
+                      <a:r>
+                        <a:rPr lang="en-US" sz="900"/>
+                        <a:t>未完成</a:t>
+                      </a:r>
+                      <a:endParaRPr lang="en-US" altLang="en-US" sz="900"/>
+                    </a:p>
+                  </a:txBody>
+                  <a:tcPr marL="68580" marR="68580" marT="0" marB="0" vert="horz" anchor="ctr" anchorCtr="0"/>
+                </a:tc>
+              </a:tr>
+              <a:tr h="227965">
+                <a:tc vMerge="1">
+                  <a:tcPr/>
+                </a:tc>
+                <a:tc vMerge="1" gridSpan="2">
+                  <a:tcPr/>
+                </a:tc>
+                <a:tc vMerge="1" hMerge="1">
+                  <a:tcPr/>
+                </a:tc>
+                <a:tc>
+                  <a:txBody>
+                    <a:bodyPr/>
+                    <a:p>
+                      <a:pPr indent="0">
+                        <a:buNone/>
+                      </a:pPr>
+                      <a:r>
+                        <a:rPr lang="en-US" sz="900"/>
+                        <a:t> </a:t>
+                      </a:r>
+                      <a:endParaRPr lang="en-US" altLang="en-US" sz="900"/>
+                    </a:p>
+                  </a:txBody>
+                  <a:tcPr marL="68580" marR="68580" marT="0" marB="0" vert="horz" anchor="ctr" anchorCtr="0"/>
+                </a:tc>
+                <a:tc gridSpan="2">
+                  <a:txBody>
+                    <a:bodyPr/>
+                    <a:p>
+                      <a:pPr indent="0">
+                        <a:buNone/>
+                      </a:pPr>
+                      <a:r>
+                        <a:rPr lang="en-US" sz="900"/>
+                        <a:t> </a:t>
+                      </a:r>
+                      <a:endParaRPr lang="en-US" altLang="en-US" sz="900"/>
+                    </a:p>
+                  </a:txBody>
+                  <a:tcPr marL="68580" marR="68580" marT="0" marB="0" vert="horz" anchor="ctr" anchorCtr="0"/>
+                </a:tc>
+                <a:tc hMerge="1">
+                  <a:tcPr/>
+                </a:tc>
+                <a:tc>
+                  <a:txBody>
+                    <a:bodyPr/>
+                    <a:p>
+                      <a:pPr indent="0">
+                        <a:buNone/>
+                      </a:pPr>
+                      <a:r>
+                        <a:rPr lang="en-US" sz="900"/>
+                        <a:t> </a:t>
+                      </a:r>
+                      <a:endParaRPr lang="en-US" altLang="en-US" sz="900"/>
+                    </a:p>
+                  </a:txBody>
+                  <a:tcPr marL="68580" marR="68580" marT="0" marB="0" vert="horz" anchor="ctr" anchorCtr="0"/>
+                </a:tc>
+                <a:tc>
+                  <a:txBody>
+                    <a:bodyPr/>
+                    <a:p>
+                      <a:pPr indent="0">
+                        <a:buNone/>
+                      </a:pPr>
+                      <a:r>
+                        <a:rPr lang="en-US" sz="900"/>
+                        <a:t> </a:t>
+                      </a:r>
+                      <a:endParaRPr lang="en-US" altLang="en-US" sz="900"/>
+                    </a:p>
+                  </a:txBody>
+                  <a:tcPr marL="68580" marR="68580" marT="0" marB="0" vert="horz" anchor="ctr" anchorCtr="0"/>
+                </a:tc>
+                <a:tc>
+                  <a:txBody>
+                    <a:bodyPr/>
+                    <a:p>
+                      <a:pPr indent="0">
+                        <a:buNone/>
+                      </a:pPr>
+                      <a:r>
+                        <a:rPr lang="en-US" sz="900"/>
+                        <a:t> </a:t>
+                      </a:r>
+                      <a:endParaRPr lang="en-US" altLang="en-US" sz="900"/>
+                    </a:p>
+                  </a:txBody>
+                  <a:tcPr marL="68580" marR="68580" marT="0" marB="0" vert="horz" anchor="ctr" anchorCtr="0"/>
+                </a:tc>
+              </a:tr>
+              <a:tr h="227965">
+                <a:tc gridSpan="3">
+                  <a:txBody>
+                    <a:bodyPr/>
+                    <a:p>
+                      <a:pPr indent="0">
+                        <a:buNone/>
+                      </a:pPr>
+                      <a:r>
+                        <a:rPr lang="en-US" sz="900"/>
+                        <a:t>直属上级或正式员工是否就该工作与你进行沟通</a:t>
+                      </a:r>
+                      <a:endParaRPr lang="en-US" altLang="en-US" sz="900"/>
+                    </a:p>
+                  </a:txBody>
+                  <a:tcPr marL="68580" marR="68580" marT="0" marB="0" vert="horz" anchor="ctr" anchorCtr="0"/>
+                </a:tc>
+                <a:tc hMerge="1">
+                  <a:tcPr/>
+                </a:tc>
+                <a:tc hMerge="1">
+                  <a:tcPr/>
+                </a:tc>
+                <a:tc gridSpan="6">
+                  <a:txBody>
+                    <a:bodyPr/>
+                    <a:p>
+                      <a:pPr indent="0">
+                        <a:buNone/>
+                      </a:pPr>
+                      <a:r>
+                        <a:rPr lang="en-US" sz="900"/>
+                        <a:t>£沟通 □未沟通</a:t>
+                      </a:r>
+                      <a:endParaRPr lang="en-US" altLang="en-US" sz="900"/>
+                    </a:p>
+                  </a:txBody>
+                  <a:tcPr marL="68580" marR="68580" marT="0" marB="0" vert="horz" anchor="ctr" anchorCtr="0"/>
+                </a:tc>
+                <a:tc hMerge="1">
+                  <a:tcPr/>
+                </a:tc>
+                <a:tc hMerge="1">
+                  <a:tcPr/>
+                </a:tc>
+                <a:tc hMerge="1">
+                  <a:tcPr/>
+                </a:tc>
+                <a:tc hMerge="1">
+                  <a:tcPr/>
+                </a:tc>
+                <a:tc hMerge="1">
+                  <a:tcPr/>
+                </a:tc>
+              </a:tr>
+            </a:tbl>
+          </a:graphicData>
+        </a:graphic>
+      </p:graphicFrame>
+    </p:spTree>
+  </p:cSld>
+  <p:clrMapOvr>
+    <a:masterClrMapping/>
+  </p:clrMapOvr>
+  <mc:AlternateContent xmlns:mc="http://schemas.openxmlformats.org/markup-compatibility/2006">
+    <mc:Choice xmlns:p14="http://schemas.microsoft.com/office/powerpoint/2010/main" Requires="p14">
+      <p:transition spd="slow" p14:dur="1000" advClick="0">
+        <p:cover dir="lu"/>
+      </p:transition>
+    </mc:Choice>
+    <mc:Fallback>
+      <p:transition spd="slow" advClick="0">
+        <p:cover dir="lu"/>
+      </p:transition>
+    </mc:Fallback>
+  </mc:AlternateContent>
+  <p:timing>
+    <p:tnLst>
+      <p:par>
+        <p:cTn id="1" dur="indefinite" restart="never" nodeType="tmRoot"/>
+      </p:par>
+    </p:tnLst>
+  </p:timing>
+</p:sld>
+</file>
+
+<file path=ppt/slides/slide27.xml><?xml version="1.0" encoding="utf-8"?>
+<p:sld xmlns:a="http://schemas.openxmlformats.org/drawingml/2006/main" xmlns:r="http://schemas.openxmlformats.org/officeDocument/2006/relationships" xmlns:p="http://schemas.openxmlformats.org/presentationml/2006/main">
+  <p:cSld>
+    <p:spTree>
+      <p:nvGrpSpPr>
+        <p:cNvPr id="1" name=""/>
+        <p:cNvGrpSpPr/>
+        <p:nvPr/>
+      </p:nvGrpSpPr>
+      <p:grpSpPr>
+        <a:xfrm>
+          <a:off x="0" y="0"/>
+          <a:ext cx="0" cy="0"/>
+          <a:chOff x="0" y="0"/>
+          <a:chExt cx="0" cy="0"/>
+        </a:xfrm>
+      </p:grpSpPr>
+      <p:grpSp>
+        <p:nvGrpSpPr>
+          <p:cNvPr id="6" name="组合 5"/>
+          <p:cNvGrpSpPr/>
+          <p:nvPr/>
+        </p:nvGrpSpPr>
+        <p:grpSpPr>
+          <a:xfrm>
+            <a:off x="1189355" y="269240"/>
+            <a:ext cx="6793230" cy="529590"/>
+            <a:chOff x="1873" y="424"/>
+            <a:chExt cx="10698" cy="834"/>
+          </a:xfrm>
+        </p:grpSpPr>
+        <p:sp>
+          <p:nvSpPr>
+            <p:cNvPr id="13" name="矩形 12"/>
+            <p:cNvSpPr/>
+            <p:nvPr/>
+          </p:nvSpPr>
+          <p:spPr>
+            <a:xfrm>
+              <a:off x="1873" y="424"/>
+              <a:ext cx="2266" cy="756"/>
+            </a:xfrm>
+            <a:prstGeom prst="rect">
+              <a:avLst/>
+            </a:prstGeom>
+            <a:solidFill>
+              <a:srgbClr val="F6F6F6"/>
+            </a:solidFill>
+            <a:ln>
+              <a:noFill/>
+            </a:ln>
+          </p:spPr>
+          <p:style>
+            <a:lnRef idx="2">
+              <a:schemeClr val="accent1">
+                <a:shade val="50000"/>
+              </a:schemeClr>
+            </a:lnRef>
+            <a:fillRef idx="1">
+              <a:schemeClr val="accent1"/>
+            </a:fillRef>
+            <a:effectRef idx="0">
+              <a:schemeClr val="accent1"/>
+            </a:effectRef>
+            <a:fontRef idx="minor">
+              <a:schemeClr val="lt1"/>
+            </a:fontRef>
+          </p:style>
+          <p:txBody>
+            <a:bodyPr rtlCol="0" anchor="ctr"/>
+            <a:p>
+              <a:pPr algn="ctr"/>
+              <a:endParaRPr lang="zh-CN" altLang="en-US"/>
+            </a:p>
+          </p:txBody>
+        </p:sp>
+        <p:sp>
+          <p:nvSpPr>
+            <p:cNvPr id="7" name="矩形 6"/>
+            <p:cNvSpPr/>
+            <p:nvPr/>
+          </p:nvSpPr>
+          <p:spPr>
+            <a:xfrm>
+              <a:off x="1984" y="535"/>
+              <a:ext cx="10587" cy="723"/>
+            </a:xfrm>
+            <a:prstGeom prst="rect">
+              <a:avLst/>
+            </a:prstGeom>
+          </p:spPr>
+          <p:txBody>
+            <a:bodyPr wrap="square" lIns="91400" tIns="45699" rIns="91400" bIns="45699">
+              <a:spAutoFit/>
+            </a:bodyPr>
+            <a:p>
+              <a:pPr lvl="0" defTabSz="914400">
+                <a:defRPr/>
+              </a:pPr>
+              <a:r>
+                <a:rPr lang="zh-CN" sz="2400" dirty="0">
+                  <a:solidFill>
+                    <a:schemeClr val="accent1"/>
+                  </a:solidFill>
+                  <a:latin typeface="微软雅黑" panose="020B0503020204020204" pitchFamily="34" charset="-122"/>
+                  <a:ea typeface="微软雅黑" panose="020B0503020204020204" pitchFamily="34" charset="-122"/>
+                  <a:sym typeface="+mn-ea"/>
+                </a:rPr>
+                <a:t>小组分工</a:t>
+              </a:r>
+              <a:endParaRPr lang="zh-CN" sz="2400" kern="0" dirty="0">
+                <a:solidFill>
+                  <a:schemeClr val="accent1"/>
+                </a:solidFill>
+                <a:latin typeface="微软雅黑" panose="020B0503020204020204" pitchFamily="34" charset="-122"/>
+                <a:ea typeface="微软雅黑" panose="020B0503020204020204" pitchFamily="34" charset="-122"/>
+                <a:sym typeface="+mn-ea"/>
+              </a:endParaRPr>
+            </a:p>
+          </p:txBody>
+        </p:sp>
+      </p:grpSp>
+      <p:graphicFrame>
+        <p:nvGraphicFramePr>
+          <p:cNvPr id="3" name="表格 2"/>
+          <p:cNvGraphicFramePr/>
+          <p:nvPr>
+            <p:custDataLst>
+              <p:tags r:id="rId1"/>
+            </p:custDataLst>
+          </p:nvPr>
+        </p:nvGraphicFramePr>
+        <p:xfrm>
+          <a:off x="4035425" y="340360"/>
+          <a:ext cx="6297295" cy="5989320"/>
+        </p:xfrm>
+        <a:graphic>
+          <a:graphicData uri="http://schemas.openxmlformats.org/drawingml/2006/table">
+            <a:tbl>
+              <a:tblPr firstRow="1" bandRow="1">
+                <a:tableStyleId>{3B4B98B0-60AC-42C2-AFA5-B58CD77FA1E5}</a:tableStyleId>
+              </a:tblPr>
+              <a:tblGrid>
+                <a:gridCol w="788670"/>
+                <a:gridCol w="1362075"/>
+                <a:gridCol w="1451610"/>
+                <a:gridCol w="434975"/>
+                <a:gridCol w="19050"/>
+                <a:gridCol w="434975"/>
+                <a:gridCol w="541655"/>
+                <a:gridCol w="627380"/>
+                <a:gridCol w="636905"/>
+              </a:tblGrid>
+              <a:tr h="225425">
+                <a:tc gridSpan="2">
+                  <a:txBody>
+                    <a:bodyPr/>
+                    <a:p>
+                      <a:pPr indent="0" algn="ctr">
+                        <a:buNone/>
+                      </a:pPr>
+                      <a:r>
+                        <a:rPr lang="en-US" sz="1000"/>
+                        <a:t>姓 名</a:t>
+                      </a:r>
+                      <a:endParaRPr lang="en-US" altLang="en-US" sz="1000"/>
+                    </a:p>
+                  </a:txBody>
+                  <a:tcPr marL="68580" marR="68580" marT="0" marB="0" vert="horz" anchor="ctr" anchorCtr="0"/>
+                </a:tc>
+                <a:tc hMerge="1">
+                  <a:tcPr/>
+                </a:tc>
+                <a:tc gridSpan="7">
+                  <a:txBody>
+                    <a:bodyPr/>
+                    <a:p>
+                      <a:pPr indent="0" algn="ctr">
+                        <a:buNone/>
+                      </a:pPr>
+                      <a:r>
+                        <a:rPr lang="en-US" sz="1000"/>
+                        <a:t>梁晓勇</a:t>
+                      </a:r>
+                      <a:endParaRPr lang="en-US" altLang="en-US" sz="1000"/>
+                    </a:p>
+                  </a:txBody>
+                  <a:tcPr marL="68580" marR="68580" marT="0" marB="0" vert="horz" anchor="ctr" anchorCtr="0"/>
+                </a:tc>
+                <a:tc hMerge="1">
+                  <a:tcPr/>
+                </a:tc>
+                <a:tc hMerge="1">
+                  <a:tcPr/>
+                </a:tc>
+                <a:tc hMerge="1">
+                  <a:tcPr/>
+                </a:tc>
+                <a:tc hMerge="1">
+                  <a:tcPr/>
+                </a:tc>
+                <a:tc hMerge="1">
+                  <a:tcPr/>
+                </a:tc>
+                <a:tc hMerge="1">
+                  <a:tcPr/>
+                </a:tc>
+              </a:tr>
+              <a:tr h="224790">
+                <a:tc gridSpan="9">
+                  <a:txBody>
+                    <a:bodyPr/>
+                    <a:p>
+                      <a:pPr indent="0" algn="ctr">
+                        <a:buNone/>
+                      </a:pPr>
+                      <a:r>
+                        <a:rPr lang="en-US" sz="900"/>
+                        <a:t>工 作 安 排</a:t>
+                      </a:r>
+                      <a:endParaRPr lang="en-US" altLang="en-US" sz="900"/>
+                    </a:p>
+                  </a:txBody>
+                  <a:tcPr marL="68580" marR="68580" marT="0" marB="0" vert="horz" anchor="ctr" anchorCtr="0"/>
+                </a:tc>
+                <a:tc hMerge="1">
+                  <a:tcPr/>
+                </a:tc>
+                <a:tc hMerge="1">
+                  <a:tcPr/>
+                </a:tc>
+                <a:tc hMerge="1">
+                  <a:tcPr/>
+                </a:tc>
+                <a:tc hMerge="1">
+                  <a:tcPr/>
+                </a:tc>
+                <a:tc hMerge="1">
+                  <a:tcPr/>
+                </a:tc>
+                <a:tc hMerge="1">
+                  <a:tcPr/>
+                </a:tc>
+                <a:tc hMerge="1">
+                  <a:tcPr/>
+                </a:tc>
+                <a:tc hMerge="1">
+                  <a:tcPr/>
+                </a:tc>
+              </a:tr>
+              <a:tr h="225425">
+                <a:tc gridSpan="3">
+                  <a:txBody>
+                    <a:bodyPr/>
+                    <a:p>
+                      <a:pPr indent="0" algn="ctr">
+                        <a:buNone/>
+                      </a:pPr>
+                      <a:r>
+                        <a:rPr lang="en-US" sz="1000"/>
+                        <a:t>工作任务一</a:t>
+                      </a:r>
+                      <a:endParaRPr lang="en-US" altLang="en-US" sz="1000"/>
+                    </a:p>
+                  </a:txBody>
+                  <a:tcPr marL="68580" marR="68580" marT="0" marB="0" vert="horz" anchor="ctr" anchorCtr="0"/>
+                </a:tc>
+                <a:tc hMerge="1">
+                  <a:tcPr/>
+                </a:tc>
+                <a:tc hMerge="1">
+                  <a:tcPr/>
+                </a:tc>
+                <a:tc gridSpan="6">
+                  <a:txBody>
+                    <a:bodyPr/>
+                    <a:p>
+                      <a:pPr indent="0" algn="ctr">
+                        <a:buNone/>
+                      </a:pPr>
+                      <a:r>
+                        <a:rPr lang="en-US" sz="1000"/>
+                        <a:t>完成情况</a:t>
+                      </a:r>
+                      <a:endParaRPr lang="en-US" altLang="en-US" sz="1000"/>
+                    </a:p>
+                  </a:txBody>
+                  <a:tcPr marL="68580" marR="68580" marT="0" marB="0" vert="horz" anchor="ctr" anchorCtr="0"/>
+                </a:tc>
+                <a:tc hMerge="1">
+                  <a:tcPr/>
+                </a:tc>
+                <a:tc hMerge="1">
+                  <a:tcPr/>
+                </a:tc>
+                <a:tc hMerge="1">
+                  <a:tcPr/>
+                </a:tc>
+                <a:tc hMerge="1">
+                  <a:tcPr/>
+                </a:tc>
+                <a:tc hMerge="1">
+                  <a:tcPr/>
+                </a:tc>
+              </a:tr>
+              <a:tr h="271145">
+                <a:tc>
+                  <a:txBody>
+                    <a:bodyPr/>
+                    <a:p>
+                      <a:pPr indent="0">
+                        <a:buNone/>
+                      </a:pPr>
+                      <a:r>
+                        <a:rPr lang="en-US" sz="900"/>
+                        <a:t> 工作内容 </a:t>
+                      </a:r>
+                      <a:endParaRPr lang="en-US" altLang="en-US" sz="900"/>
+                    </a:p>
+                  </a:txBody>
+                  <a:tcPr marL="68580" marR="68580" marT="0" marB="0" vert="horz" anchor="ctr" anchorCtr="0"/>
+                </a:tc>
+                <a:tc gridSpan="2">
+                  <a:txBody>
+                    <a:bodyPr/>
+                    <a:p>
+                      <a:pPr indent="0">
+                        <a:buNone/>
+                      </a:pPr>
+                      <a:r>
+                        <a:rPr lang="en-US" sz="1000"/>
+                        <a:t>完善前端代码</a:t>
+                      </a:r>
+                      <a:endParaRPr lang="en-US" altLang="en-US" sz="1000"/>
+                    </a:p>
+                  </a:txBody>
+                  <a:tcPr marL="68580" marR="68580" marT="0" marB="0" vert="horz" anchor="ctr" anchorCtr="0"/>
+                </a:tc>
+                <a:tc hMerge="1">
+                  <a:tcPr/>
+                </a:tc>
+                <a:tc gridSpan="6">
+                  <a:txBody>
+                    <a:bodyPr/>
+                    <a:p>
+                      <a:pPr indent="0">
+                        <a:buNone/>
+                      </a:pPr>
+                      <a:r>
+                        <a:rPr lang="en-US" sz="900"/>
+                        <a:t>职员是否认同该工作内容？R认同 □不认同 □其他</a:t>
+                      </a:r>
+                      <a:endParaRPr lang="en-US" altLang="en-US" sz="900"/>
+                    </a:p>
+                  </a:txBody>
+                  <a:tcPr marL="68580" marR="68580" marT="0" marB="0" vert="horz" anchor="ctr" anchorCtr="0"/>
+                </a:tc>
+                <a:tc hMerge="1">
+                  <a:tcPr/>
+                </a:tc>
+                <a:tc hMerge="1">
+                  <a:tcPr/>
+                </a:tc>
+                <a:tc hMerge="1">
+                  <a:tcPr/>
+                </a:tc>
+                <a:tc hMerge="1">
+                  <a:tcPr/>
+                </a:tc>
+                <a:tc hMerge="1">
+                  <a:tcPr/>
+                </a:tc>
+              </a:tr>
+              <a:tr h="388620">
+                <a:tc>
+                  <a:txBody>
+                    <a:bodyPr/>
+                    <a:p>
+                      <a:pPr indent="0">
+                        <a:buNone/>
+                      </a:pPr>
+                      <a:r>
+                        <a:rPr lang="en-US" sz="900"/>
+                        <a:t> 工作目标完成时间 </a:t>
+                      </a:r>
+                      <a:endParaRPr lang="en-US" altLang="en-US" sz="900"/>
+                    </a:p>
+                  </a:txBody>
+                  <a:tcPr marL="68580" marR="68580" marT="0" marB="0" vert="horz" anchor="ctr" anchorCtr="0"/>
+                </a:tc>
+                <a:tc gridSpan="2">
+                  <a:txBody>
+                    <a:bodyPr/>
+                    <a:p>
+                      <a:pPr indent="0">
+                        <a:buNone/>
+                      </a:pPr>
+                      <a:r>
+                        <a:rPr lang="en-US" sz="1000"/>
+                        <a:t>2021/12/12 0：00</a:t>
+                      </a:r>
+                      <a:endParaRPr lang="en-US" altLang="en-US" sz="1000"/>
+                    </a:p>
+                  </a:txBody>
+                  <a:tcPr marL="68580" marR="68580" marT="0" marB="0" vert="horz" anchor="ctr" anchorCtr="0"/>
+                </a:tc>
+                <a:tc hMerge="1">
+                  <a:tcPr/>
+                </a:tc>
+                <a:tc gridSpan="6">
+                  <a:txBody>
+                    <a:bodyPr/>
+                    <a:p>
+                      <a:pPr indent="0">
+                        <a:buNone/>
+                      </a:pPr>
+                      <a:r>
+                        <a:rPr lang="en-US" sz="900"/>
+                        <a:t>职员是否认同该工作目标？R认同 □不认同 □其他</a:t>
+                      </a:r>
+                      <a:endParaRPr lang="en-US" altLang="en-US" sz="900"/>
+                    </a:p>
+                  </a:txBody>
+                  <a:tcPr marL="68580" marR="68580" marT="0" marB="0" vert="horz" anchor="ctr" anchorCtr="0"/>
+                </a:tc>
+                <a:tc hMerge="1">
+                  <a:tcPr/>
+                </a:tc>
+                <a:tc hMerge="1">
+                  <a:tcPr/>
+                </a:tc>
+                <a:tc hMerge="1">
+                  <a:tcPr/>
+                </a:tc>
+                <a:tc hMerge="1">
+                  <a:tcPr/>
+                </a:tc>
+                <a:tc hMerge="1">
+                  <a:tcPr/>
+                </a:tc>
+              </a:tr>
+              <a:tr h="269875">
+                <a:tc>
+                  <a:txBody>
+                    <a:bodyPr/>
+                    <a:p>
+                      <a:pPr indent="0">
+                        <a:buNone/>
+                      </a:pPr>
+                      <a:r>
+                        <a:rPr lang="en-US" sz="900"/>
+                        <a:t>评价方法</a:t>
+                      </a:r>
+                      <a:endParaRPr lang="en-US" altLang="en-US" sz="900"/>
+                    </a:p>
+                  </a:txBody>
+                  <a:tcPr marL="68580" marR="68580" marT="0" marB="0" vert="horz" anchor="ctr" anchorCtr="0"/>
+                </a:tc>
+                <a:tc gridSpan="2">
+                  <a:txBody>
+                    <a:bodyPr/>
+                    <a:p>
+                      <a:pPr indent="0">
+                        <a:buNone/>
+                      </a:pPr>
+                      <a:r>
+                        <a:rPr lang="en-US" sz="1000"/>
+                        <a:t>查看运行情况</a:t>
+                      </a:r>
+                      <a:endParaRPr lang="en-US" altLang="en-US" sz="1000"/>
+                    </a:p>
+                  </a:txBody>
+                  <a:tcPr marL="68580" marR="68580" marT="0" marB="0" vert="horz" anchor="ctr" anchorCtr="0"/>
+                </a:tc>
+                <a:tc hMerge="1">
+                  <a:tcPr/>
+                </a:tc>
+                <a:tc gridSpan="6">
+                  <a:txBody>
+                    <a:bodyPr/>
+                    <a:p>
+                      <a:pPr indent="0">
+                        <a:buNone/>
+                      </a:pPr>
+                      <a:r>
+                        <a:rPr lang="en-US" sz="900"/>
+                        <a:t>职员是否认同该评价方法？R认同 □不认同 □其他</a:t>
+                      </a:r>
+                      <a:endParaRPr lang="en-US" altLang="en-US" sz="900"/>
+                    </a:p>
+                  </a:txBody>
+                  <a:tcPr marL="68580" marR="68580" marT="0" marB="0" vert="horz" anchor="ctr" anchorCtr="0"/>
+                </a:tc>
+                <a:tc hMerge="1">
+                  <a:tcPr/>
+                </a:tc>
+                <a:tc hMerge="1">
+                  <a:tcPr/>
+                </a:tc>
+                <a:tc hMerge="1">
+                  <a:tcPr/>
+                </a:tc>
+                <a:tc hMerge="1">
+                  <a:tcPr/>
+                </a:tc>
+                <a:tc hMerge="1">
+                  <a:tcPr/>
+                </a:tc>
+              </a:tr>
+              <a:tr h="259080">
+                <a:tc rowSpan="2">
+                  <a:txBody>
+                    <a:bodyPr/>
+                    <a:p>
+                      <a:pPr indent="0">
+                        <a:buNone/>
+                      </a:pPr>
+                      <a:r>
+                        <a:rPr lang="en-US" sz="900"/>
+                        <a:t>评价结果</a:t>
+                      </a:r>
+                      <a:endParaRPr lang="en-US" altLang="en-US" sz="900"/>
+                    </a:p>
+                  </a:txBody>
+                  <a:tcPr marL="68580" marR="68580" marT="0" marB="0" vert="horz" anchor="ctr" anchorCtr="0"/>
+                </a:tc>
+                <a:tc rowSpan="2" gridSpan="2">
+                  <a:txBody>
+                    <a:bodyPr/>
+                    <a:p>
+                      <a:pPr indent="0">
+                        <a:buNone/>
+                      </a:pPr>
+                      <a:r>
+                        <a:rPr lang="en-US" sz="1000"/>
+                        <a:t> </a:t>
+                      </a:r>
+                      <a:endParaRPr lang="en-US" altLang="en-US" sz="1000"/>
+                    </a:p>
+                  </a:txBody>
+                  <a:tcPr marL="68580" marR="68580" marT="0" marB="0" vert="horz" anchor="ctr" anchorCtr="0"/>
+                </a:tc>
+                <a:tc rowSpan="2" hMerge="1">
+                  <a:tcPr/>
+                </a:tc>
+                <a:tc gridSpan="2">
+                  <a:txBody>
+                    <a:bodyPr/>
+                    <a:p>
+                      <a:pPr indent="0">
+                        <a:buNone/>
+                      </a:pPr>
+                      <a:r>
+                        <a:rPr lang="en-US" sz="900"/>
+                        <a:t>优秀</a:t>
+                      </a:r>
+                      <a:endParaRPr lang="en-US" altLang="en-US" sz="900"/>
+                    </a:p>
+                  </a:txBody>
+                  <a:tcPr marL="68580" marR="68580" marT="0" marB="0" vert="horz" anchor="ctr" anchorCtr="0"/>
+                </a:tc>
+                <a:tc hMerge="1">
+                  <a:tcPr/>
+                </a:tc>
+                <a:tc>
+                  <a:txBody>
+                    <a:bodyPr/>
+                    <a:p>
+                      <a:pPr indent="0">
+                        <a:buNone/>
+                      </a:pPr>
+                      <a:r>
+                        <a:rPr lang="en-US" sz="900"/>
+                        <a:t>良好</a:t>
+                      </a:r>
+                      <a:endParaRPr lang="en-US" altLang="en-US" sz="900"/>
+                    </a:p>
+                  </a:txBody>
+                  <a:tcPr marL="68580" marR="68580" marT="0" marB="0" vert="horz" anchor="ctr" anchorCtr="0"/>
+                </a:tc>
+                <a:tc>
+                  <a:txBody>
+                    <a:bodyPr/>
+                    <a:p>
+                      <a:pPr indent="0">
+                        <a:buNone/>
+                      </a:pPr>
+                      <a:r>
+                        <a:rPr lang="en-US" sz="900"/>
+                        <a:t>合格</a:t>
+                      </a:r>
+                      <a:endParaRPr lang="en-US" altLang="en-US" sz="900"/>
+                    </a:p>
+                  </a:txBody>
+                  <a:tcPr marL="68580" marR="68580" marT="0" marB="0" vert="horz" anchor="ctr" anchorCtr="0"/>
+                </a:tc>
+                <a:tc>
+                  <a:txBody>
+                    <a:bodyPr/>
+                    <a:p>
+                      <a:pPr indent="0">
+                        <a:buNone/>
+                      </a:pPr>
+                      <a:r>
+                        <a:rPr lang="en-US" sz="900"/>
+                        <a:t>待改进</a:t>
+                      </a:r>
+                      <a:endParaRPr lang="en-US" altLang="en-US" sz="900"/>
+                    </a:p>
+                  </a:txBody>
+                  <a:tcPr marL="68580" marR="68580" marT="0" marB="0" vert="horz" anchor="ctr" anchorCtr="0"/>
+                </a:tc>
+                <a:tc>
+                  <a:txBody>
+                    <a:bodyPr/>
+                    <a:p>
+                      <a:pPr indent="0">
+                        <a:buNone/>
+                      </a:pPr>
+                      <a:r>
+                        <a:rPr lang="en-US" sz="900"/>
+                        <a:t>未完成</a:t>
+                      </a:r>
+                      <a:endParaRPr lang="en-US" altLang="en-US" sz="900"/>
+                    </a:p>
+                  </a:txBody>
+                  <a:tcPr marL="68580" marR="68580" marT="0" marB="0" vert="horz" anchor="ctr" anchorCtr="0"/>
+                </a:tc>
+              </a:tr>
+              <a:tr h="225425">
+                <a:tc vMerge="1">
+                  <a:tcPr/>
+                </a:tc>
+                <a:tc vMerge="1" gridSpan="2">
+                  <a:tcPr/>
+                </a:tc>
+                <a:tc vMerge="1" hMerge="1">
+                  <a:tcPr/>
+                </a:tc>
+                <a:tc gridSpan="2">
+                  <a:txBody>
+                    <a:bodyPr/>
+                    <a:p>
+                      <a:pPr indent="0">
+                        <a:buNone/>
+                      </a:pPr>
+                      <a:r>
+                        <a:rPr lang="en-US" sz="1000"/>
+                        <a:t> </a:t>
+                      </a:r>
+                      <a:endParaRPr lang="en-US" altLang="en-US" sz="1000"/>
+                    </a:p>
+                  </a:txBody>
+                  <a:tcPr marL="68580" marR="68580" marT="0" marB="0" vert="horz" anchor="ctr" anchorCtr="0"/>
+                </a:tc>
+                <a:tc hMerge="1">
+                  <a:tcPr/>
+                </a:tc>
+                <a:tc>
+                  <a:txBody>
+                    <a:bodyPr/>
+                    <a:p>
+                      <a:pPr indent="0">
+                        <a:buNone/>
+                      </a:pPr>
+                      <a:r>
+                        <a:rPr lang="en-US" sz="1000"/>
+                        <a:t>1</a:t>
+                      </a:r>
+                      <a:endParaRPr lang="en-US" altLang="en-US" sz="1000"/>
+                    </a:p>
+                  </a:txBody>
+                  <a:tcPr marL="68580" marR="68580" marT="0" marB="0" vert="horz" anchor="ctr" anchorCtr="0"/>
+                </a:tc>
+                <a:tc>
+                  <a:txBody>
+                    <a:bodyPr/>
+                    <a:p>
+                      <a:pPr indent="0">
+                        <a:buNone/>
+                      </a:pPr>
+                      <a:r>
+                        <a:rPr lang="en-US" sz="1000"/>
+                        <a:t> </a:t>
+                      </a:r>
+                      <a:endParaRPr lang="en-US" altLang="en-US" sz="1000"/>
+                    </a:p>
+                  </a:txBody>
+                  <a:tcPr marL="68580" marR="68580" marT="0" marB="0" vert="horz" anchor="ctr" anchorCtr="0"/>
+                </a:tc>
+                <a:tc>
+                  <a:txBody>
+                    <a:bodyPr/>
+                    <a:p>
+                      <a:pPr indent="0">
+                        <a:buNone/>
+                      </a:pPr>
+                      <a:r>
+                        <a:rPr lang="en-US" sz="1000"/>
+                        <a:t> </a:t>
+                      </a:r>
+                      <a:endParaRPr lang="en-US" altLang="en-US" sz="1000"/>
+                    </a:p>
+                  </a:txBody>
+                  <a:tcPr marL="68580" marR="68580" marT="0" marB="0" vert="horz" anchor="ctr" anchorCtr="0"/>
+                </a:tc>
+                <a:tc>
+                  <a:txBody>
+                    <a:bodyPr/>
+                    <a:p>
+                      <a:pPr indent="0">
+                        <a:buNone/>
+                      </a:pPr>
+                      <a:r>
+                        <a:rPr lang="en-US" sz="1000"/>
+                        <a:t> </a:t>
+                      </a:r>
+                      <a:endParaRPr lang="en-US" altLang="en-US" sz="1000"/>
+                    </a:p>
+                  </a:txBody>
+                  <a:tcPr marL="68580" marR="68580" marT="0" marB="0" vert="horz" anchor="ctr" anchorCtr="0"/>
+                </a:tc>
+              </a:tr>
+              <a:tr h="225425">
+                <a:tc gridSpan="3">
+                  <a:txBody>
+                    <a:bodyPr/>
+                    <a:p>
+                      <a:pPr indent="0">
+                        <a:buNone/>
+                      </a:pPr>
+                      <a:r>
+                        <a:rPr lang="en-US" sz="900"/>
+                        <a:t>直属上级或正式员工是否就该工作与你进行沟通</a:t>
+                      </a:r>
+                      <a:endParaRPr lang="en-US" altLang="en-US" sz="900"/>
+                    </a:p>
+                  </a:txBody>
+                  <a:tcPr marL="68580" marR="68580" marT="0" marB="0" vert="horz" anchor="ctr" anchorCtr="0"/>
+                </a:tc>
+                <a:tc hMerge="1">
+                  <a:tcPr/>
+                </a:tc>
+                <a:tc hMerge="1">
+                  <a:tcPr/>
+                </a:tc>
+                <a:tc gridSpan="6">
+                  <a:txBody>
+                    <a:bodyPr/>
+                    <a:p>
+                      <a:pPr indent="0">
+                        <a:buNone/>
+                      </a:pPr>
+                      <a:r>
+                        <a:rPr lang="en-US" sz="900"/>
+                        <a:t>□沟通 </a:t>
+                      </a:r>
+                      <a:endParaRPr lang="en-US" altLang="en-US" sz="900"/>
+                    </a:p>
+                  </a:txBody>
+                  <a:tcPr marL="68580" marR="68580" marT="0" marB="0" vert="horz" anchor="ctr" anchorCtr="0"/>
+                </a:tc>
+                <a:tc hMerge="1">
+                  <a:tcPr/>
+                </a:tc>
+                <a:tc hMerge="1">
+                  <a:tcPr/>
+                </a:tc>
+                <a:tc hMerge="1">
+                  <a:tcPr/>
+                </a:tc>
+                <a:tc hMerge="1">
+                  <a:tcPr/>
+                </a:tc>
+                <a:tc hMerge="1">
+                  <a:tcPr/>
+                </a:tc>
+              </a:tr>
+              <a:tr h="226060">
+                <a:tc gridSpan="3">
+                  <a:txBody>
+                    <a:bodyPr/>
+                    <a:p>
+                      <a:pPr indent="0" algn="ctr">
+                        <a:buNone/>
+                      </a:pPr>
+                      <a:r>
+                        <a:rPr lang="en-US" sz="1000"/>
+                        <a:t>工作任务二</a:t>
+                      </a:r>
+                      <a:endParaRPr lang="en-US" altLang="en-US" sz="1000"/>
+                    </a:p>
+                  </a:txBody>
+                  <a:tcPr marL="68580" marR="68580" marT="0" marB="0" vert="horz" anchor="ctr" anchorCtr="0"/>
+                </a:tc>
+                <a:tc hMerge="1">
+                  <a:tcPr/>
+                </a:tc>
+                <a:tc hMerge="1">
+                  <a:tcPr/>
+                </a:tc>
+                <a:tc gridSpan="6">
+                  <a:txBody>
+                    <a:bodyPr/>
+                    <a:p>
+                      <a:pPr indent="0" algn="ctr">
+                        <a:buNone/>
+                      </a:pPr>
+                      <a:r>
+                        <a:rPr lang="en-US" sz="1000"/>
+                        <a:t>完成情况</a:t>
+                      </a:r>
+                      <a:endParaRPr lang="en-US" altLang="en-US" sz="1000"/>
+                    </a:p>
+                  </a:txBody>
+                  <a:tcPr marL="68580" marR="68580" marT="0" marB="0" vert="horz" anchor="ctr" anchorCtr="0"/>
+                </a:tc>
+                <a:tc hMerge="1">
+                  <a:tcPr/>
+                </a:tc>
+                <a:tc hMerge="1">
+                  <a:tcPr/>
+                </a:tc>
+                <a:tc hMerge="1">
+                  <a:tcPr/>
+                </a:tc>
+                <a:tc hMerge="1">
+                  <a:tcPr/>
+                </a:tc>
+                <a:tc hMerge="1">
+                  <a:tcPr/>
+                </a:tc>
+              </a:tr>
+              <a:tr h="269875">
+                <a:tc>
+                  <a:txBody>
+                    <a:bodyPr/>
+                    <a:p>
+                      <a:pPr indent="0">
+                        <a:buNone/>
+                      </a:pPr>
+                      <a:r>
+                        <a:rPr lang="en-US" sz="900"/>
+                        <a:t> 工作内容 </a:t>
+                      </a:r>
+                      <a:endParaRPr lang="en-US" altLang="en-US" sz="900"/>
+                    </a:p>
+                  </a:txBody>
+                  <a:tcPr marL="68580" marR="68580" marT="0" marB="0" vert="horz" anchor="ctr" anchorCtr="0"/>
+                </a:tc>
+                <a:tc gridSpan="2">
+                  <a:txBody>
+                    <a:bodyPr/>
+                    <a:p>
+                      <a:pPr indent="0">
+                        <a:buNone/>
+                      </a:pPr>
+                      <a:r>
+                        <a:rPr lang="en-US" sz="900"/>
+                        <a:t>完善后端代码</a:t>
+                      </a:r>
+                      <a:endParaRPr lang="en-US" altLang="en-US" sz="900"/>
+                    </a:p>
+                  </a:txBody>
+                  <a:tcPr marL="68580" marR="68580" marT="0" marB="0" vert="horz" anchor="ctr" anchorCtr="0"/>
+                </a:tc>
+                <a:tc hMerge="1">
+                  <a:tcPr/>
+                </a:tc>
+                <a:tc gridSpan="6">
+                  <a:txBody>
+                    <a:bodyPr/>
+                    <a:p>
+                      <a:pPr indent="0">
+                        <a:buNone/>
+                      </a:pPr>
+                      <a:r>
+                        <a:rPr lang="en-US" sz="900"/>
+                        <a:t>职员是否认同该工作内容？R认同 □不认同 □其他</a:t>
+                      </a:r>
+                      <a:endParaRPr lang="en-US" altLang="en-US" sz="900"/>
+                    </a:p>
+                  </a:txBody>
+                  <a:tcPr marL="68580" marR="68580" marT="0" marB="0" vert="horz" anchor="ctr" anchorCtr="0"/>
+                </a:tc>
+                <a:tc hMerge="1">
+                  <a:tcPr/>
+                </a:tc>
+                <a:tc hMerge="1">
+                  <a:tcPr/>
+                </a:tc>
+                <a:tc hMerge="1">
+                  <a:tcPr/>
+                </a:tc>
+                <a:tc hMerge="1">
+                  <a:tcPr/>
+                </a:tc>
+                <a:tc hMerge="1">
+                  <a:tcPr/>
+                </a:tc>
+              </a:tr>
+              <a:tr h="388620">
+                <a:tc>
+                  <a:txBody>
+                    <a:bodyPr/>
+                    <a:p>
+                      <a:pPr indent="0">
+                        <a:buNone/>
+                      </a:pPr>
+                      <a:r>
+                        <a:rPr lang="en-US" sz="900"/>
+                        <a:t> 工作目标完成时间 </a:t>
+                      </a:r>
+                      <a:endParaRPr lang="en-US" altLang="en-US" sz="900"/>
+                    </a:p>
+                  </a:txBody>
+                  <a:tcPr marL="68580" marR="68580" marT="0" marB="0" vert="horz" anchor="ctr" anchorCtr="0"/>
+                </a:tc>
+                <a:tc gridSpan="2">
+                  <a:txBody>
+                    <a:bodyPr/>
+                    <a:p>
+                      <a:pPr indent="0">
+                        <a:buNone/>
+                      </a:pPr>
+                      <a:r>
+                        <a:rPr lang="en-US" sz="1000"/>
+                        <a:t>2021/12/12 10：00</a:t>
+                      </a:r>
+                      <a:endParaRPr lang="en-US" altLang="en-US" sz="1000"/>
+                    </a:p>
+                  </a:txBody>
+                  <a:tcPr marL="68580" marR="68580" marT="0" marB="0" vert="horz" anchor="ctr" anchorCtr="0"/>
+                </a:tc>
+                <a:tc hMerge="1">
+                  <a:tcPr/>
+                </a:tc>
+                <a:tc gridSpan="6">
+                  <a:txBody>
+                    <a:bodyPr/>
+                    <a:p>
+                      <a:pPr indent="0">
+                        <a:buNone/>
+                      </a:pPr>
+                      <a:r>
+                        <a:rPr lang="en-US" sz="900"/>
+                        <a:t>职员是否认同该工作目标？R认同 □不认同 □其他</a:t>
+                      </a:r>
+                      <a:endParaRPr lang="en-US" altLang="en-US" sz="900"/>
+                    </a:p>
+                  </a:txBody>
+                  <a:tcPr marL="68580" marR="68580" marT="0" marB="0" vert="horz" anchor="ctr" anchorCtr="0"/>
+                </a:tc>
+                <a:tc hMerge="1">
+                  <a:tcPr/>
+                </a:tc>
+                <a:tc hMerge="1">
+                  <a:tcPr/>
+                </a:tc>
+                <a:tc hMerge="1">
+                  <a:tcPr/>
+                </a:tc>
+                <a:tc hMerge="1">
+                  <a:tcPr/>
+                </a:tc>
+                <a:tc hMerge="1">
+                  <a:tcPr/>
+                </a:tc>
+              </a:tr>
+              <a:tr h="269875">
+                <a:tc>
+                  <a:txBody>
+                    <a:bodyPr/>
+                    <a:p>
+                      <a:pPr indent="0">
+                        <a:buNone/>
+                      </a:pPr>
+                      <a:r>
+                        <a:rPr lang="en-US" sz="900"/>
+                        <a:t>评价方法</a:t>
+                      </a:r>
+                      <a:endParaRPr lang="en-US" altLang="en-US" sz="900"/>
+                    </a:p>
+                  </a:txBody>
+                  <a:tcPr marL="68580" marR="68580" marT="0" marB="0" vert="horz" anchor="ctr" anchorCtr="0"/>
+                </a:tc>
+                <a:tc gridSpan="2">
+                  <a:txBody>
+                    <a:bodyPr/>
+                    <a:p>
+                      <a:pPr indent="0">
+                        <a:buNone/>
+                      </a:pPr>
+                      <a:r>
+                        <a:rPr lang="en-US" sz="1000"/>
+                        <a:t>查看服务器情况</a:t>
+                      </a:r>
+                      <a:endParaRPr lang="en-US" altLang="en-US" sz="1000"/>
+                    </a:p>
+                  </a:txBody>
+                  <a:tcPr marL="68580" marR="68580" marT="0" marB="0" vert="horz" anchor="ctr" anchorCtr="0"/>
+                </a:tc>
+                <a:tc hMerge="1">
+                  <a:tcPr/>
+                </a:tc>
+                <a:tc gridSpan="6">
+                  <a:txBody>
+                    <a:bodyPr/>
+                    <a:p>
+                      <a:pPr indent="0">
+                        <a:buNone/>
+                      </a:pPr>
+                      <a:r>
+                        <a:rPr lang="en-US" sz="900"/>
+                        <a:t>职员是否认同该评价方法？R认同 □不认同 □其他</a:t>
+                      </a:r>
+                      <a:endParaRPr lang="en-US" altLang="en-US" sz="900"/>
+                    </a:p>
+                  </a:txBody>
+                  <a:tcPr marL="68580" marR="68580" marT="0" marB="0" vert="horz" anchor="ctr" anchorCtr="0"/>
+                </a:tc>
+                <a:tc hMerge="1">
+                  <a:tcPr/>
+                </a:tc>
+                <a:tc hMerge="1">
+                  <a:tcPr/>
+                </a:tc>
+                <a:tc hMerge="1">
+                  <a:tcPr/>
+                </a:tc>
+                <a:tc hMerge="1">
+                  <a:tcPr/>
+                </a:tc>
+                <a:tc hMerge="1">
+                  <a:tcPr/>
+                </a:tc>
+              </a:tr>
+              <a:tr h="259715">
+                <a:tc rowSpan="2">
+                  <a:txBody>
+                    <a:bodyPr/>
+                    <a:p>
+                      <a:pPr indent="0">
+                        <a:buNone/>
+                      </a:pPr>
+                      <a:r>
+                        <a:rPr lang="en-US" sz="900"/>
+                        <a:t>评价结果</a:t>
+                      </a:r>
+                      <a:endParaRPr lang="en-US" altLang="en-US" sz="900"/>
+                    </a:p>
+                  </a:txBody>
+                  <a:tcPr marL="68580" marR="68580" marT="0" marB="0" vert="horz" anchor="ctr" anchorCtr="0"/>
+                </a:tc>
+                <a:tc rowSpan="2" gridSpan="2">
+                  <a:txBody>
+                    <a:bodyPr/>
+                    <a:p>
+                      <a:pPr indent="0">
+                        <a:buNone/>
+                      </a:pPr>
+                      <a:r>
+                        <a:rPr lang="en-US" sz="1000"/>
+                        <a:t> </a:t>
+                      </a:r>
+                      <a:endParaRPr lang="en-US" altLang="en-US" sz="1000"/>
+                    </a:p>
+                  </a:txBody>
+                  <a:tcPr marL="68580" marR="68580" marT="0" marB="0" vert="horz" anchor="ctr" anchorCtr="0"/>
+                </a:tc>
+                <a:tc rowSpan="2" hMerge="1">
+                  <a:tcPr/>
+                </a:tc>
+                <a:tc gridSpan="2">
+                  <a:txBody>
+                    <a:bodyPr/>
+                    <a:p>
+                      <a:pPr indent="0">
+                        <a:buNone/>
+                      </a:pPr>
+                      <a:r>
+                        <a:rPr lang="en-US" sz="900"/>
+                        <a:t>优秀</a:t>
+                      </a:r>
+                      <a:endParaRPr lang="en-US" altLang="en-US" sz="900"/>
+                    </a:p>
+                  </a:txBody>
+                  <a:tcPr marL="68580" marR="68580" marT="0" marB="0" vert="horz" anchor="ctr" anchorCtr="0"/>
+                </a:tc>
+                <a:tc hMerge="1">
+                  <a:tcPr/>
+                </a:tc>
+                <a:tc>
+                  <a:txBody>
+                    <a:bodyPr/>
+                    <a:p>
+                      <a:pPr indent="0">
+                        <a:buNone/>
+                      </a:pPr>
+                      <a:r>
+                        <a:rPr lang="en-US" sz="900"/>
+                        <a:t>良好</a:t>
+                      </a:r>
+                      <a:endParaRPr lang="en-US" altLang="en-US" sz="900"/>
+                    </a:p>
+                  </a:txBody>
+                  <a:tcPr marL="68580" marR="68580" marT="0" marB="0" vert="horz" anchor="ctr" anchorCtr="0"/>
+                </a:tc>
+                <a:tc>
+                  <a:txBody>
+                    <a:bodyPr/>
+                    <a:p>
+                      <a:pPr indent="0">
+                        <a:buNone/>
+                      </a:pPr>
+                      <a:r>
+                        <a:rPr lang="en-US" sz="900"/>
+                        <a:t>合格</a:t>
+                      </a:r>
+                      <a:endParaRPr lang="en-US" altLang="en-US" sz="900"/>
+                    </a:p>
+                  </a:txBody>
+                  <a:tcPr marL="68580" marR="68580" marT="0" marB="0" vert="horz" anchor="ctr" anchorCtr="0"/>
+                </a:tc>
+                <a:tc>
+                  <a:txBody>
+                    <a:bodyPr/>
+                    <a:p>
+                      <a:pPr indent="0">
+                        <a:buNone/>
+                      </a:pPr>
+                      <a:r>
+                        <a:rPr lang="en-US" sz="900"/>
+                        <a:t>待改进</a:t>
+                      </a:r>
+                      <a:endParaRPr lang="en-US" altLang="en-US" sz="900"/>
+                    </a:p>
+                  </a:txBody>
+                  <a:tcPr marL="68580" marR="68580" marT="0" marB="0" vert="horz" anchor="ctr" anchorCtr="0"/>
+                </a:tc>
+                <a:tc>
+                  <a:txBody>
+                    <a:bodyPr/>
+                    <a:p>
+                      <a:pPr indent="0">
+                        <a:buNone/>
+                      </a:pPr>
+                      <a:r>
+                        <a:rPr lang="en-US" sz="900"/>
+                        <a:t>未完成</a:t>
+                      </a:r>
+                      <a:endParaRPr lang="en-US" altLang="en-US" sz="900"/>
+                    </a:p>
+                  </a:txBody>
+                  <a:tcPr marL="68580" marR="68580" marT="0" marB="0" vert="horz" anchor="ctr" anchorCtr="0"/>
+                </a:tc>
+              </a:tr>
+              <a:tr h="225425">
+                <a:tc vMerge="1">
+                  <a:tcPr/>
+                </a:tc>
+                <a:tc vMerge="1" gridSpan="2">
+                  <a:tcPr/>
+                </a:tc>
+                <a:tc vMerge="1" hMerge="1">
+                  <a:tcPr/>
+                </a:tc>
+                <a:tc gridSpan="2">
+                  <a:txBody>
+                    <a:bodyPr/>
+                    <a:p>
+                      <a:pPr indent="0">
+                        <a:buNone/>
+                      </a:pPr>
+                      <a:r>
+                        <a:rPr lang="en-US" sz="1000"/>
+                        <a:t> </a:t>
+                      </a:r>
+                      <a:endParaRPr lang="en-US" altLang="en-US" sz="1000"/>
+                    </a:p>
+                  </a:txBody>
+                  <a:tcPr marL="68580" marR="68580" marT="0" marB="0" vert="horz" anchor="ctr" anchorCtr="0"/>
+                </a:tc>
+                <a:tc hMerge="1">
+                  <a:tcPr/>
+                </a:tc>
+                <a:tc>
+                  <a:txBody>
+                    <a:bodyPr/>
+                    <a:p>
+                      <a:pPr indent="0">
+                        <a:buNone/>
+                      </a:pPr>
+                      <a:r>
+                        <a:rPr lang="en-US" sz="1000"/>
+                        <a:t>1</a:t>
+                      </a:r>
+                      <a:endParaRPr lang="en-US" altLang="en-US" sz="1000"/>
+                    </a:p>
+                  </a:txBody>
+                  <a:tcPr marL="68580" marR="68580" marT="0" marB="0" vert="horz" anchor="ctr" anchorCtr="0"/>
+                </a:tc>
+                <a:tc>
+                  <a:txBody>
+                    <a:bodyPr/>
+                    <a:p>
+                      <a:pPr indent="0">
+                        <a:buNone/>
+                      </a:pPr>
+                      <a:r>
+                        <a:rPr lang="en-US" sz="1000"/>
+                        <a:t> </a:t>
+                      </a:r>
+                      <a:endParaRPr lang="en-US" altLang="en-US" sz="1000"/>
+                    </a:p>
+                  </a:txBody>
+                  <a:tcPr marL="68580" marR="68580" marT="0" marB="0" vert="horz" anchor="ctr" anchorCtr="0"/>
+                </a:tc>
+                <a:tc>
+                  <a:txBody>
+                    <a:bodyPr/>
+                    <a:p>
+                      <a:pPr indent="0">
+                        <a:buNone/>
+                      </a:pPr>
+                      <a:r>
+                        <a:rPr lang="en-US" sz="1000"/>
+                        <a:t> </a:t>
+                      </a:r>
+                      <a:endParaRPr lang="en-US" altLang="en-US" sz="1000"/>
+                    </a:p>
+                  </a:txBody>
+                  <a:tcPr marL="68580" marR="68580" marT="0" marB="0" vert="horz" anchor="ctr" anchorCtr="0"/>
+                </a:tc>
+                <a:tc>
+                  <a:txBody>
+                    <a:bodyPr/>
+                    <a:p>
+                      <a:pPr indent="0">
+                        <a:buNone/>
+                      </a:pPr>
+                      <a:r>
+                        <a:rPr lang="en-US" sz="1000"/>
+                        <a:t> </a:t>
+                      </a:r>
+                      <a:endParaRPr lang="en-US" altLang="en-US" sz="1000"/>
+                    </a:p>
+                  </a:txBody>
+                  <a:tcPr marL="68580" marR="68580" marT="0" marB="0" vert="horz" anchor="ctr" anchorCtr="0"/>
+                </a:tc>
+              </a:tr>
+              <a:tr h="225425">
+                <a:tc gridSpan="3">
+                  <a:txBody>
+                    <a:bodyPr/>
+                    <a:p>
+                      <a:pPr indent="0">
+                        <a:buNone/>
+                      </a:pPr>
+                      <a:r>
+                        <a:rPr lang="en-US" sz="1000"/>
+                        <a:t>直属上级或</a:t>
+                      </a:r>
+                      <a:r>
+                        <a:rPr lang="en-US" sz="900"/>
+                        <a:t>正式员工是否就该工作与你进行沟通</a:t>
+                      </a:r>
+                      <a:endParaRPr lang="en-US" altLang="en-US" sz="900"/>
+                    </a:p>
+                  </a:txBody>
+                  <a:tcPr marL="68580" marR="68580" marT="0" marB="0" vert="horz" anchor="ctr" anchorCtr="0"/>
+                </a:tc>
+                <a:tc hMerge="1">
+                  <a:tcPr/>
+                </a:tc>
+                <a:tc hMerge="1">
+                  <a:tcPr/>
+                </a:tc>
+                <a:tc gridSpan="6">
+                  <a:txBody>
+                    <a:bodyPr/>
+                    <a:p>
+                      <a:pPr indent="0">
+                        <a:buNone/>
+                      </a:pPr>
+                      <a:r>
+                        <a:rPr lang="en-US" sz="900"/>
+                        <a:t>□沟通 </a:t>
+                      </a:r>
+                      <a:endParaRPr lang="en-US" altLang="en-US" sz="900"/>
+                    </a:p>
+                  </a:txBody>
+                  <a:tcPr marL="68580" marR="68580" marT="0" marB="0" vert="horz" anchor="ctr" anchorCtr="0"/>
+                </a:tc>
+                <a:tc hMerge="1">
+                  <a:tcPr/>
+                </a:tc>
+                <a:tc hMerge="1">
+                  <a:tcPr/>
+                </a:tc>
+                <a:tc hMerge="1">
+                  <a:tcPr/>
+                </a:tc>
+                <a:tc hMerge="1">
+                  <a:tcPr/>
+                </a:tc>
+                <a:tc hMerge="1">
+                  <a:tcPr/>
+                </a:tc>
+              </a:tr>
+              <a:tr h="225425">
+                <a:tc gridSpan="3">
+                  <a:txBody>
+                    <a:bodyPr/>
+                    <a:p>
+                      <a:pPr indent="0" algn="ctr">
+                        <a:buNone/>
+                      </a:pPr>
+                      <a:r>
+                        <a:rPr lang="en-US" sz="1000"/>
+                        <a:t>工作任务三</a:t>
+                      </a:r>
+                      <a:endParaRPr lang="en-US" altLang="en-US" sz="1000"/>
+                    </a:p>
+                  </a:txBody>
+                  <a:tcPr marL="68580" marR="68580" marT="0" marB="0" vert="horz" anchor="ctr" anchorCtr="0"/>
+                </a:tc>
+                <a:tc hMerge="1">
+                  <a:tcPr/>
+                </a:tc>
+                <a:tc hMerge="1">
+                  <a:tcPr/>
+                </a:tc>
+                <a:tc gridSpan="6">
+                  <a:txBody>
+                    <a:bodyPr/>
+                    <a:p>
+                      <a:pPr indent="0" algn="ctr">
+                        <a:buNone/>
+                      </a:pPr>
+                      <a:r>
+                        <a:rPr lang="en-US" sz="1000"/>
+                        <a:t>完成情况</a:t>
+                      </a:r>
+                      <a:endParaRPr lang="en-US" altLang="en-US" sz="1000"/>
+                    </a:p>
+                  </a:txBody>
+                  <a:tcPr marL="68580" marR="68580" marT="0" marB="0" vert="horz" anchor="ctr" anchorCtr="0"/>
+                </a:tc>
+                <a:tc hMerge="1">
+                  <a:tcPr/>
+                </a:tc>
+                <a:tc hMerge="1">
+                  <a:tcPr/>
+                </a:tc>
+                <a:tc hMerge="1">
+                  <a:tcPr/>
+                </a:tc>
+                <a:tc hMerge="1">
+                  <a:tcPr/>
+                </a:tc>
+                <a:tc hMerge="1">
+                  <a:tcPr/>
+                </a:tc>
+              </a:tr>
+              <a:tr h="259080">
+                <a:tc>
+                  <a:txBody>
+                    <a:bodyPr/>
+                    <a:p>
+                      <a:pPr indent="0">
+                        <a:buNone/>
+                      </a:pPr>
+                      <a:r>
+                        <a:rPr lang="en-US" sz="900"/>
+                        <a:t> 工作内容 </a:t>
+                      </a:r>
+                      <a:endParaRPr lang="en-US" altLang="en-US" sz="900"/>
+                    </a:p>
+                  </a:txBody>
+                  <a:tcPr marL="68580" marR="68580" marT="0" marB="0" vert="horz" anchor="ctr" anchorCtr="0"/>
+                </a:tc>
+                <a:tc gridSpan="2">
+                  <a:txBody>
+                    <a:bodyPr/>
+                    <a:p>
+                      <a:pPr indent="0">
+                        <a:buNone/>
+                      </a:pPr>
+                      <a:r>
+                        <a:rPr lang="en-US" sz="1000"/>
+                        <a:t> </a:t>
+                      </a:r>
+                      <a:endParaRPr lang="en-US" altLang="en-US" sz="1000"/>
+                    </a:p>
+                  </a:txBody>
+                  <a:tcPr marL="68580" marR="68580" marT="0" marB="0" vert="horz" anchor="ctr" anchorCtr="0"/>
+                </a:tc>
+                <a:tc hMerge="1">
+                  <a:tcPr/>
+                </a:tc>
+                <a:tc gridSpan="6">
+                  <a:txBody>
+                    <a:bodyPr/>
+                    <a:p>
+                      <a:pPr indent="0">
+                        <a:buNone/>
+                      </a:pPr>
+                      <a:r>
+                        <a:rPr lang="en-US" sz="900"/>
+                        <a:t>职员是否认同该工作内容？□认同 </a:t>
+                      </a:r>
+                      <a:endParaRPr lang="en-US" altLang="en-US" sz="900"/>
+                    </a:p>
+                  </a:txBody>
+                  <a:tcPr marL="68580" marR="68580" marT="0" marB="0" vert="horz" anchor="ctr" anchorCtr="0"/>
+                </a:tc>
+                <a:tc hMerge="1">
+                  <a:tcPr/>
+                </a:tc>
+                <a:tc hMerge="1">
+                  <a:tcPr/>
+                </a:tc>
+                <a:tc hMerge="1">
+                  <a:tcPr/>
+                </a:tc>
+                <a:tc hMerge="1">
+                  <a:tcPr/>
+                </a:tc>
+                <a:tc hMerge="1">
+                  <a:tcPr/>
+                </a:tc>
+              </a:tr>
+              <a:tr h="388620">
+                <a:tc>
+                  <a:txBody>
+                    <a:bodyPr/>
+                    <a:p>
+                      <a:pPr indent="0">
+                        <a:buNone/>
+                      </a:pPr>
+                      <a:r>
+                        <a:rPr lang="en-US" sz="900"/>
+                        <a:t> 工作目标完成时间 </a:t>
+                      </a:r>
+                      <a:endParaRPr lang="en-US" altLang="en-US" sz="900"/>
+                    </a:p>
+                  </a:txBody>
+                  <a:tcPr marL="68580" marR="68580" marT="0" marB="0" vert="horz" anchor="ctr" anchorCtr="0"/>
+                </a:tc>
+                <a:tc gridSpan="2">
+                  <a:txBody>
+                    <a:bodyPr/>
+                    <a:p>
+                      <a:pPr indent="0">
+                        <a:buNone/>
+                      </a:pPr>
+                      <a:r>
+                        <a:rPr lang="en-US" sz="1000"/>
+                        <a:t> </a:t>
+                      </a:r>
+                      <a:endParaRPr lang="en-US" altLang="en-US" sz="1000"/>
+                    </a:p>
+                  </a:txBody>
+                  <a:tcPr marL="68580" marR="68580" marT="0" marB="0" vert="horz" anchor="ctr" anchorCtr="0"/>
+                </a:tc>
+                <a:tc hMerge="1">
+                  <a:tcPr/>
+                </a:tc>
+                <a:tc gridSpan="6">
+                  <a:txBody>
+                    <a:bodyPr/>
+                    <a:p>
+                      <a:pPr indent="0">
+                        <a:buNone/>
+                      </a:pPr>
+                      <a:r>
+                        <a:rPr lang="en-US" sz="900"/>
+                        <a:t>职员是否认同该工作目标？□认同 </a:t>
+                      </a:r>
+                      <a:endParaRPr lang="en-US" altLang="en-US" sz="900"/>
+                    </a:p>
+                  </a:txBody>
+                  <a:tcPr marL="68580" marR="68580" marT="0" marB="0" vert="horz" anchor="ctr" anchorCtr="0"/>
+                </a:tc>
+                <a:tc hMerge="1">
+                  <a:tcPr/>
+                </a:tc>
+                <a:tc hMerge="1">
+                  <a:tcPr/>
+                </a:tc>
+                <a:tc hMerge="1">
+                  <a:tcPr/>
+                </a:tc>
+                <a:tc hMerge="1">
+                  <a:tcPr/>
+                </a:tc>
+                <a:tc hMerge="1">
+                  <a:tcPr/>
+                </a:tc>
+              </a:tr>
+              <a:tr h="226060">
+                <a:tc>
+                  <a:txBody>
+                    <a:bodyPr/>
+                    <a:p>
+                      <a:pPr indent="0">
+                        <a:buNone/>
+                      </a:pPr>
+                      <a:r>
+                        <a:rPr lang="en-US" sz="900"/>
+                        <a:t>评价方法</a:t>
+                      </a:r>
+                      <a:endParaRPr lang="en-US" altLang="en-US" sz="900"/>
+                    </a:p>
+                  </a:txBody>
+                  <a:tcPr marL="68580" marR="68580" marT="0" marB="0" vert="horz" anchor="ctr" anchorCtr="0"/>
+                </a:tc>
+                <a:tc gridSpan="2">
+                  <a:txBody>
+                    <a:bodyPr/>
+                    <a:p>
+                      <a:pPr indent="0">
+                        <a:buNone/>
+                      </a:pPr>
+                      <a:r>
+                        <a:rPr lang="en-US" sz="1000"/>
+                        <a:t> </a:t>
+                      </a:r>
+                      <a:endParaRPr lang="en-US" altLang="en-US" sz="1000"/>
+                    </a:p>
+                  </a:txBody>
+                  <a:tcPr marL="68580" marR="68580" marT="0" marB="0" vert="horz" anchor="ctr" anchorCtr="0"/>
+                </a:tc>
+                <a:tc hMerge="1">
+                  <a:tcPr/>
+                </a:tc>
+                <a:tc gridSpan="6">
+                  <a:txBody>
+                    <a:bodyPr/>
+                    <a:p>
+                      <a:pPr indent="0">
+                        <a:buNone/>
+                      </a:pPr>
+                      <a:r>
+                        <a:rPr lang="en-US" sz="900"/>
+                        <a:t>职员是否认同该评价方法？□认同 </a:t>
+                      </a:r>
+                      <a:endParaRPr lang="en-US" altLang="en-US" sz="900"/>
+                    </a:p>
+                  </a:txBody>
+                  <a:tcPr marL="68580" marR="68580" marT="0" marB="0" vert="horz" anchor="ctr" anchorCtr="0"/>
+                </a:tc>
+                <a:tc hMerge="1">
+                  <a:tcPr/>
+                </a:tc>
+                <a:tc hMerge="1">
+                  <a:tcPr/>
+                </a:tc>
+                <a:tc hMerge="1">
+                  <a:tcPr/>
+                </a:tc>
+                <a:tc hMerge="1">
+                  <a:tcPr/>
+                </a:tc>
+                <a:tc hMerge="1">
+                  <a:tcPr/>
+                </a:tc>
+              </a:tr>
+              <a:tr h="259715">
+                <a:tc rowSpan="2">
+                  <a:txBody>
+                    <a:bodyPr/>
+                    <a:p>
+                      <a:pPr indent="0">
+                        <a:buNone/>
+                      </a:pPr>
+                      <a:r>
+                        <a:rPr lang="en-US" sz="900"/>
+                        <a:t>评价结果</a:t>
+                      </a:r>
+                      <a:endParaRPr lang="en-US" altLang="en-US" sz="900"/>
+                    </a:p>
+                  </a:txBody>
+                  <a:tcPr marL="68580" marR="68580" marT="0" marB="0" vert="horz" anchor="ctr" anchorCtr="0"/>
+                </a:tc>
+                <a:tc rowSpan="2" gridSpan="2">
+                  <a:txBody>
+                    <a:bodyPr/>
+                    <a:p>
+                      <a:pPr indent="0">
+                        <a:buNone/>
+                      </a:pPr>
+                      <a:r>
+                        <a:rPr lang="en-US" sz="1000"/>
+                        <a:t> </a:t>
+                      </a:r>
+                      <a:endParaRPr lang="en-US" altLang="en-US" sz="1000"/>
+                    </a:p>
+                  </a:txBody>
+                  <a:tcPr marL="68580" marR="68580" marT="0" marB="0" vert="horz" anchor="ctr" anchorCtr="0"/>
+                </a:tc>
+                <a:tc rowSpan="2" hMerge="1">
+                  <a:tcPr/>
+                </a:tc>
+                <a:tc>
+                  <a:txBody>
+                    <a:bodyPr/>
+                    <a:p>
+                      <a:pPr indent="0">
+                        <a:buNone/>
+                      </a:pPr>
+                      <a:r>
+                        <a:rPr lang="en-US" sz="900"/>
+                        <a:t>优秀</a:t>
+                      </a:r>
+                      <a:endParaRPr lang="en-US" altLang="en-US" sz="900"/>
+                    </a:p>
+                  </a:txBody>
+                  <a:tcPr marL="68580" marR="68580" marT="0" marB="0" vert="horz" anchor="ctr" anchorCtr="0"/>
+                </a:tc>
+                <a:tc gridSpan="2">
+                  <a:txBody>
+                    <a:bodyPr/>
+                    <a:p>
+                      <a:pPr indent="0">
+                        <a:buNone/>
+                      </a:pPr>
+                      <a:r>
+                        <a:rPr lang="en-US" sz="900"/>
+                        <a:t>良好</a:t>
+                      </a:r>
+                      <a:endParaRPr lang="en-US" altLang="en-US" sz="900"/>
+                    </a:p>
+                  </a:txBody>
+                  <a:tcPr marL="68580" marR="68580" marT="0" marB="0" vert="horz" anchor="ctr" anchorCtr="0"/>
+                </a:tc>
+                <a:tc hMerge="1">
+                  <a:tcPr/>
+                </a:tc>
+                <a:tc>
+                  <a:txBody>
+                    <a:bodyPr/>
+                    <a:p>
+                      <a:pPr indent="0">
+                        <a:buNone/>
+                      </a:pPr>
+                      <a:r>
+                        <a:rPr lang="en-US" sz="900"/>
+                        <a:t>合格</a:t>
+                      </a:r>
+                      <a:endParaRPr lang="en-US" altLang="en-US" sz="900"/>
+                    </a:p>
+                  </a:txBody>
+                  <a:tcPr marL="68580" marR="68580" marT="0" marB="0" vert="horz" anchor="ctr" anchorCtr="0"/>
+                </a:tc>
+                <a:tc>
+                  <a:txBody>
+                    <a:bodyPr/>
+                    <a:p>
+                      <a:pPr indent="0">
+                        <a:buNone/>
+                      </a:pPr>
+                      <a:r>
+                        <a:rPr lang="en-US" sz="900"/>
+                        <a:t>待改进</a:t>
+                      </a:r>
+                      <a:endParaRPr lang="en-US" altLang="en-US" sz="900"/>
+                    </a:p>
+                  </a:txBody>
+                  <a:tcPr marL="68580" marR="68580" marT="0" marB="0" vert="horz" anchor="ctr" anchorCtr="0"/>
+                </a:tc>
+                <a:tc>
+                  <a:txBody>
+                    <a:bodyPr/>
+                    <a:p>
+                      <a:pPr indent="0">
+                        <a:buNone/>
+                      </a:pPr>
+                      <a:r>
+                        <a:rPr lang="en-US" sz="900"/>
+                        <a:t>未完成</a:t>
+                      </a:r>
+                      <a:endParaRPr lang="en-US" altLang="en-US" sz="900"/>
+                    </a:p>
+                  </a:txBody>
+                  <a:tcPr marL="68580" marR="68580" marT="0" marB="0" vert="horz" anchor="ctr" anchorCtr="0"/>
+                </a:tc>
+              </a:tr>
+              <a:tr h="224790">
+                <a:tc vMerge="1">
+                  <a:tcPr/>
+                </a:tc>
+                <a:tc vMerge="1" gridSpan="2">
+                  <a:tcPr/>
+                </a:tc>
+                <a:tc vMerge="1" hMerge="1">
+                  <a:tcPr/>
+                </a:tc>
+                <a:tc>
+                  <a:txBody>
+                    <a:bodyPr/>
+                    <a:p>
+                      <a:pPr indent="0">
+                        <a:buNone/>
+                      </a:pPr>
+                      <a:r>
+                        <a:rPr lang="en-US" sz="900"/>
+                        <a:t> </a:t>
+                      </a:r>
+                      <a:endParaRPr lang="en-US" altLang="en-US" sz="900"/>
+                    </a:p>
+                  </a:txBody>
+                  <a:tcPr marL="68580" marR="68580" marT="0" marB="0" vert="horz" anchor="ctr" anchorCtr="0"/>
+                </a:tc>
+                <a:tc gridSpan="2">
+                  <a:txBody>
+                    <a:bodyPr/>
+                    <a:p>
+                      <a:pPr indent="0">
+                        <a:buNone/>
+                      </a:pPr>
+                      <a:r>
+                        <a:rPr lang="en-US" sz="900"/>
+                        <a:t> </a:t>
+                      </a:r>
+                      <a:endParaRPr lang="en-US" altLang="en-US" sz="900"/>
+                    </a:p>
+                  </a:txBody>
+                  <a:tcPr marL="68580" marR="68580" marT="0" marB="0" vert="horz" anchor="ctr" anchorCtr="0"/>
+                </a:tc>
+                <a:tc hMerge="1">
+                  <a:tcPr/>
+                </a:tc>
+                <a:tc>
+                  <a:txBody>
+                    <a:bodyPr/>
+                    <a:p>
+                      <a:pPr indent="0">
+                        <a:buNone/>
+                      </a:pPr>
+                      <a:r>
+                        <a:rPr lang="en-US" sz="900"/>
+                        <a:t> </a:t>
+                      </a:r>
+                      <a:endParaRPr lang="en-US" altLang="en-US" sz="900"/>
+                    </a:p>
+                  </a:txBody>
+                  <a:tcPr marL="68580" marR="68580" marT="0" marB="0" vert="horz" anchor="ctr" anchorCtr="0"/>
+                </a:tc>
+                <a:tc>
+                  <a:txBody>
+                    <a:bodyPr/>
+                    <a:p>
+                      <a:pPr indent="0">
+                        <a:buNone/>
+                      </a:pPr>
+                      <a:r>
+                        <a:rPr lang="en-US" sz="900"/>
+                        <a:t> </a:t>
+                      </a:r>
+                      <a:endParaRPr lang="en-US" altLang="en-US" sz="900"/>
+                    </a:p>
+                  </a:txBody>
+                  <a:tcPr marL="68580" marR="68580" marT="0" marB="0" vert="horz" anchor="ctr" anchorCtr="0"/>
+                </a:tc>
+                <a:tc>
+                  <a:txBody>
+                    <a:bodyPr/>
+                    <a:p>
+                      <a:pPr indent="0">
+                        <a:buNone/>
+                      </a:pPr>
+                      <a:r>
+                        <a:rPr lang="en-US" sz="900"/>
+                        <a:t> </a:t>
+                      </a:r>
+                      <a:endParaRPr lang="en-US" altLang="en-US" sz="900"/>
+                    </a:p>
+                  </a:txBody>
+                  <a:tcPr marL="68580" marR="68580" marT="0" marB="0" vert="horz" anchor="ctr" anchorCtr="0"/>
+                </a:tc>
+              </a:tr>
+              <a:tr h="225425">
+                <a:tc gridSpan="3">
+                  <a:txBody>
+                    <a:bodyPr/>
+                    <a:p>
+                      <a:pPr indent="0">
+                        <a:buNone/>
+                      </a:pPr>
+                      <a:r>
+                        <a:rPr lang="en-US" sz="900"/>
+                        <a:t>直属上级或正式员工是否就该工作与你进行沟通</a:t>
+                      </a:r>
+                      <a:endParaRPr lang="en-US" altLang="en-US" sz="900"/>
+                    </a:p>
+                  </a:txBody>
+                  <a:tcPr marL="68580" marR="68580" marT="0" marB="0" vert="horz" anchor="ctr" anchorCtr="0"/>
+                </a:tc>
+                <a:tc hMerge="1">
+                  <a:tcPr/>
+                </a:tc>
+                <a:tc hMerge="1">
+                  <a:tcPr/>
+                </a:tc>
+                <a:tc gridSpan="6">
+                  <a:txBody>
+                    <a:bodyPr/>
+                    <a:p>
+                      <a:pPr indent="0">
+                        <a:buNone/>
+                      </a:pPr>
+                      <a:r>
+                        <a:rPr lang="en-US" sz="900"/>
+                        <a:t>£沟通 □未沟通</a:t>
+                      </a:r>
+                      <a:endParaRPr lang="en-US" altLang="en-US" sz="900"/>
+                    </a:p>
+                  </a:txBody>
+                  <a:tcPr marL="68580" marR="68580" marT="0" marB="0" vert="horz" anchor="ctr" anchorCtr="0"/>
+                </a:tc>
+                <a:tc hMerge="1">
+                  <a:tcPr/>
+                </a:tc>
+                <a:tc hMerge="1">
+                  <a:tcPr/>
+                </a:tc>
+                <a:tc hMerge="1">
+                  <a:tcPr/>
+                </a:tc>
+                <a:tc hMerge="1">
+                  <a:tcPr/>
+                </a:tc>
+                <a:tc hMerge="1">
+                  <a:tcPr/>
+                </a:tc>
+              </a:tr>
+            </a:tbl>
+          </a:graphicData>
+        </a:graphic>
+      </p:graphicFrame>
+    </p:spTree>
+  </p:cSld>
+  <p:clrMapOvr>
+    <a:masterClrMapping/>
+  </p:clrMapOvr>
+  <mc:AlternateContent xmlns:mc="http://schemas.openxmlformats.org/markup-compatibility/2006">
+    <mc:Choice xmlns:p14="http://schemas.microsoft.com/office/powerpoint/2010/main" Requires="p14">
+      <p:transition spd="slow" p14:dur="1000" advClick="0">
+        <p:cover dir="lu"/>
+      </p:transition>
+    </mc:Choice>
+    <mc:Fallback>
+      <p:transition spd="slow" advClick="0">
+        <p:cover dir="lu"/>
+      </p:transition>
+    </mc:Fallback>
+  </mc:AlternateContent>
+  <p:timing>
+    <p:tnLst>
+      <p:par>
+        <p:cTn id="1" dur="indefinite" restart="never" nodeType="tmRoot"/>
+      </p:par>
+    </p:tnLst>
+  </p:timing>
+</p:sld>
+</file>
+
+<file path=ppt/slides/slide28.xml><?xml version="1.0" encoding="utf-8"?>
+<p:sld xmlns:a="http://schemas.openxmlformats.org/drawingml/2006/main" xmlns:r="http://schemas.openxmlformats.org/officeDocument/2006/relationships" xmlns:p="http://schemas.openxmlformats.org/presentationml/2006/main">
+  <p:cSld>
+    <p:spTree>
+      <p:nvGrpSpPr>
+        <p:cNvPr id="1" name=""/>
+        <p:cNvGrpSpPr/>
+        <p:nvPr/>
+      </p:nvGrpSpPr>
+      <p:grpSpPr>
+        <a:xfrm>
+          <a:off x="0" y="0"/>
+          <a:ext cx="0" cy="0"/>
+          <a:chOff x="0" y="0"/>
+          <a:chExt cx="0" cy="0"/>
+        </a:xfrm>
+      </p:grpSpPr>
+      <p:grpSp>
+        <p:nvGrpSpPr>
+          <p:cNvPr id="6" name="组合 5"/>
+          <p:cNvGrpSpPr/>
+          <p:nvPr/>
+        </p:nvGrpSpPr>
+        <p:grpSpPr>
+          <a:xfrm>
+            <a:off x="1189355" y="269240"/>
+            <a:ext cx="6793230" cy="529590"/>
+            <a:chOff x="1873" y="424"/>
+            <a:chExt cx="10698" cy="834"/>
+          </a:xfrm>
+        </p:grpSpPr>
+        <p:sp>
+          <p:nvSpPr>
+            <p:cNvPr id="13" name="矩形 12"/>
+            <p:cNvSpPr/>
+            <p:nvPr/>
+          </p:nvSpPr>
+          <p:spPr>
+            <a:xfrm>
+              <a:off x="1873" y="424"/>
+              <a:ext cx="2266" cy="756"/>
+            </a:xfrm>
+            <a:prstGeom prst="rect">
+              <a:avLst/>
+            </a:prstGeom>
+            <a:solidFill>
+              <a:srgbClr val="F6F6F6"/>
+            </a:solidFill>
+            <a:ln>
+              <a:noFill/>
+            </a:ln>
+          </p:spPr>
+          <p:style>
+            <a:lnRef idx="2">
+              <a:schemeClr val="accent1">
+                <a:shade val="50000"/>
+              </a:schemeClr>
+            </a:lnRef>
+            <a:fillRef idx="1">
+              <a:schemeClr val="accent1"/>
+            </a:fillRef>
+            <a:effectRef idx="0">
+              <a:schemeClr val="accent1"/>
+            </a:effectRef>
+            <a:fontRef idx="minor">
+              <a:schemeClr val="lt1"/>
+            </a:fontRef>
+          </p:style>
+          <p:txBody>
+            <a:bodyPr rtlCol="0" anchor="ctr"/>
+            <a:p>
+              <a:pPr algn="ctr"/>
+              <a:endParaRPr lang="zh-CN" altLang="en-US"/>
+            </a:p>
+          </p:txBody>
+        </p:sp>
+        <p:sp>
+          <p:nvSpPr>
+            <p:cNvPr id="7" name="矩形 6"/>
+            <p:cNvSpPr/>
+            <p:nvPr/>
+          </p:nvSpPr>
+          <p:spPr>
+            <a:xfrm>
+              <a:off x="1984" y="535"/>
+              <a:ext cx="10587" cy="723"/>
+            </a:xfrm>
+            <a:prstGeom prst="rect">
+              <a:avLst/>
+            </a:prstGeom>
+          </p:spPr>
+          <p:txBody>
+            <a:bodyPr wrap="square" lIns="91400" tIns="45699" rIns="91400" bIns="45699">
+              <a:spAutoFit/>
+            </a:bodyPr>
+            <a:p>
+              <a:pPr lvl="0" defTabSz="914400">
+                <a:defRPr/>
+              </a:pPr>
+              <a:r>
+                <a:rPr lang="zh-CN" sz="2400" dirty="0">
+                  <a:solidFill>
+                    <a:schemeClr val="accent1"/>
+                  </a:solidFill>
+                  <a:latin typeface="微软雅黑" panose="020B0503020204020204" pitchFamily="34" charset="-122"/>
+                  <a:ea typeface="微软雅黑" panose="020B0503020204020204" pitchFamily="34" charset="-122"/>
+                  <a:sym typeface="+mn-ea"/>
+                </a:rPr>
+                <a:t>小组分工</a:t>
+              </a:r>
+              <a:endParaRPr lang="zh-CN" sz="2400" kern="0" dirty="0">
+                <a:solidFill>
+                  <a:schemeClr val="accent1"/>
+                </a:solidFill>
+                <a:latin typeface="微软雅黑" panose="020B0503020204020204" pitchFamily="34" charset="-122"/>
+                <a:ea typeface="微软雅黑" panose="020B0503020204020204" pitchFamily="34" charset="-122"/>
+                <a:sym typeface="+mn-ea"/>
+              </a:endParaRPr>
+            </a:p>
+          </p:txBody>
+        </p:sp>
+      </p:grpSp>
+      <p:sp>
+        <p:nvSpPr>
+          <p:cNvPr id="156" name="文本框 155"/>
+          <p:cNvSpPr txBox="1"/>
+          <p:nvPr/>
+        </p:nvSpPr>
+        <p:spPr>
+          <a:xfrm>
+            <a:off x="3032125" y="3786505"/>
+            <a:ext cx="6127750" cy="829945"/>
+          </a:xfrm>
+          <a:prstGeom prst="rect">
+            <a:avLst/>
+          </a:prstGeom>
+          <a:noFill/>
+          <a:ln w="9525">
+            <a:noFill/>
+          </a:ln>
+        </p:spPr>
+        <p:txBody>
+          <a:bodyPr wrap="square">
+            <a:spAutoFit/>
+          </a:bodyPr>
+          <a:p>
+            <a:pPr indent="0" algn="r"/>
+            <a:r>
+              <a:rPr lang="zh-CN" sz="1200" b="1">
+                <a:latin typeface="Times New Roman" panose="02020603050405020304" pitchFamily="18" charset="0"/>
+                <a:ea typeface="宋体" panose="02010600030101010101" pitchFamily="2" charset="-122"/>
+              </a:rPr>
+              <a:t>（等级情况：</a:t>
+            </a:r>
+            <a:r>
+              <a:rPr lang="en-US" sz="1200" b="1">
+                <a:latin typeface="Times New Roman" panose="02020603050405020304" pitchFamily="18" charset="0"/>
+                <a:ea typeface="宋体" panose="02010600030101010101" pitchFamily="2" charset="-122"/>
+              </a:rPr>
+              <a:t>5-&gt;</a:t>
+            </a:r>
+            <a:r>
+              <a:rPr lang="zh-CN" sz="1200" b="1">
+                <a:latin typeface="Times New Roman" panose="02020603050405020304" pitchFamily="18" charset="0"/>
+                <a:ea typeface="宋体" panose="02010600030101010101" pitchFamily="2" charset="-122"/>
+              </a:rPr>
+              <a:t>优， </a:t>
+            </a:r>
+            <a:r>
+              <a:rPr lang="en-US" sz="1200" b="1">
+                <a:latin typeface="Times New Roman" panose="02020603050405020304" pitchFamily="18" charset="0"/>
+                <a:ea typeface="宋体" panose="02010600030101010101" pitchFamily="2" charset="-122"/>
+              </a:rPr>
+              <a:t>4-&gt;</a:t>
+            </a:r>
+            <a:r>
+              <a:rPr lang="zh-CN" sz="1200" b="1">
+                <a:latin typeface="Times New Roman" panose="02020603050405020304" pitchFamily="18" charset="0"/>
+                <a:ea typeface="宋体" panose="02010600030101010101" pitchFamily="2" charset="-122"/>
+              </a:rPr>
+              <a:t>良， </a:t>
+            </a:r>
+            <a:r>
+              <a:rPr lang="en-US" sz="1200" b="1">
+                <a:latin typeface="Times New Roman" panose="02020603050405020304" pitchFamily="18" charset="0"/>
+                <a:ea typeface="宋体" panose="02010600030101010101" pitchFamily="2" charset="-122"/>
+              </a:rPr>
+              <a:t>3-&gt;</a:t>
+            </a:r>
+            <a:r>
+              <a:rPr lang="zh-CN" sz="1200" b="1">
+                <a:latin typeface="Times New Roman" panose="02020603050405020304" pitchFamily="18" charset="0"/>
+                <a:ea typeface="宋体" panose="02010600030101010101" pitchFamily="2" charset="-122"/>
+              </a:rPr>
+              <a:t>及格， </a:t>
+            </a:r>
+            <a:r>
+              <a:rPr lang="en-US" sz="1200" b="1">
+                <a:latin typeface="Times New Roman" panose="02020603050405020304" pitchFamily="18" charset="0"/>
+                <a:ea typeface="宋体" panose="02010600030101010101" pitchFamily="2" charset="-122"/>
+              </a:rPr>
+              <a:t>2-&gt;</a:t>
+            </a:r>
+            <a:r>
+              <a:rPr lang="zh-CN" sz="1200" b="1">
+                <a:latin typeface="Times New Roman" panose="02020603050405020304" pitchFamily="18" charset="0"/>
+                <a:ea typeface="宋体" panose="02010600030101010101" pitchFamily="2" charset="-122"/>
+              </a:rPr>
+              <a:t>不及格， </a:t>
+            </a:r>
+            <a:r>
+              <a:rPr lang="en-US" sz="1200" b="1">
+                <a:latin typeface="Times New Roman" panose="02020603050405020304" pitchFamily="18" charset="0"/>
+                <a:ea typeface="宋体" panose="02010600030101010101" pitchFamily="2" charset="-122"/>
+              </a:rPr>
+              <a:t>1-&gt;</a:t>
+            </a:r>
+            <a:r>
+              <a:rPr lang="zh-CN" sz="1200" b="1">
+                <a:latin typeface="Times New Roman" panose="02020603050405020304" pitchFamily="18" charset="0"/>
+                <a:ea typeface="宋体" panose="02010600030101010101" pitchFamily="2" charset="-122"/>
+              </a:rPr>
+              <a:t>未完成）</a:t>
+            </a:r>
+            <a:r>
+              <a:rPr lang="zh-CN" b="1">
+                <a:latin typeface="Times New Roman" panose="02020603050405020304" pitchFamily="18" charset="0"/>
+                <a:ea typeface="宋体" panose="02010600030101010101" pitchFamily="2" charset="-122"/>
+              </a:rPr>
+              <a:t>+总评基准分计算公式：完成等级</a:t>
+            </a:r>
+            <a:r>
+              <a:rPr lang="en-US" b="1">
+                <a:latin typeface="Times New Roman" panose="02020603050405020304" pitchFamily="18" charset="0"/>
+                <a:ea typeface="宋体" panose="02010600030101010101" pitchFamily="2" charset="-122"/>
+              </a:rPr>
+              <a:t>/</a:t>
+            </a:r>
+            <a:r>
+              <a:rPr lang="zh-CN" b="1">
+                <a:latin typeface="Times New Roman" panose="02020603050405020304" pitchFamily="18" charset="0"/>
+                <a:ea typeface="宋体" panose="02010600030101010101" pitchFamily="2" charset="-122"/>
+              </a:rPr>
+              <a:t>总完成等级 </a:t>
+            </a:r>
+            <a:r>
+              <a:rPr lang="en-US" b="1">
+                <a:latin typeface="Times New Roman" panose="02020603050405020304" pitchFamily="18" charset="0"/>
+                <a:ea typeface="宋体" panose="02010600030101010101" pitchFamily="2" charset="-122"/>
+              </a:rPr>
+              <a:t>*100 + 5</a:t>
+            </a:r>
+            <a:r>
+              <a:rPr lang="zh-CN" b="1">
+                <a:latin typeface="Times New Roman" panose="02020603050405020304" pitchFamily="18" charset="0"/>
+                <a:ea typeface="宋体" panose="02010600030101010101" pitchFamily="2" charset="-122"/>
+              </a:rPr>
+              <a:t>+总评分计算公式：总评基准分</a:t>
+            </a:r>
+            <a:r>
+              <a:rPr lang="en-US" b="1">
+                <a:latin typeface="Times New Roman" panose="02020603050405020304" pitchFamily="18" charset="0"/>
+                <a:ea typeface="宋体" panose="02010600030101010101" pitchFamily="2" charset="-122"/>
+              </a:rPr>
+              <a:t>+</a:t>
+            </a:r>
+            <a:r>
+              <a:rPr lang="zh-CN" b="1">
+                <a:latin typeface="Times New Roman" panose="02020603050405020304" pitchFamily="18" charset="0"/>
+                <a:ea typeface="宋体" panose="02010600030101010101" pitchFamily="2" charset="-122"/>
+              </a:rPr>
+              <a:t>任务难度酌情给分</a:t>
+            </a:r>
+            <a:endParaRPr lang="zh-CN" altLang="en-US"/>
+          </a:p>
+        </p:txBody>
+      </p:sp>
+      <p:graphicFrame>
+        <p:nvGraphicFramePr>
+          <p:cNvPr id="2" name="表格 1"/>
+          <p:cNvGraphicFramePr/>
+          <p:nvPr>
+            <p:custDataLst>
+              <p:tags r:id="rId1"/>
+            </p:custDataLst>
+          </p:nvPr>
+        </p:nvGraphicFramePr>
+        <p:xfrm>
+          <a:off x="3267710" y="2527300"/>
+          <a:ext cx="0" cy="0"/>
+        </p:xfrm>
+        <a:graphic>
+          <a:graphicData uri="http://schemas.openxmlformats.org/drawingml/2006/table">
+            <a:tbl>
+              <a:tblPr firstRow="1" bandRow="1">
+                <a:tableStyleId>{5940675A-B579-460E-94D1-54222C63F5DA}</a:tableStyleId>
+              </a:tblPr>
+              <a:tblGrid>
+                <a:gridCol w="2041525"/>
+                <a:gridCol w="2043113"/>
+                <a:gridCol w="2043112"/>
+              </a:tblGrid>
+              <a:tr h="274320">
+                <a:tc>
+                  <a:txBody>
+                    <a:bodyPr/>
+                    <a:p>
+                      <a:pPr indent="0" algn="ctr">
+                        <a:buNone/>
+                      </a:pPr>
+                      <a:r>
+                        <a:rPr lang="en-US" b="1">
+                          <a:latin typeface="宋体" panose="02010600030101010101" pitchFamily="2" charset="-122"/>
+                          <a:ea typeface="宋体" panose="02010600030101010101" pitchFamily="2" charset="-122"/>
+                          <a:cs typeface="宋体" panose="02010600030101010101" pitchFamily="2" charset="-122"/>
+                        </a:rPr>
+                        <a:t>姓名</a:t>
+                      </a:r>
+                      <a:endParaRPr lang="en-US" altLang="en-US" b="1">
+                        <a:latin typeface="宋体" panose="02010600030101010101" pitchFamily="2" charset="-122"/>
+                        <a:ea typeface="宋体" panose="02010600030101010101" pitchFamily="2" charset="-122"/>
+                        <a:cs typeface="宋体" panose="02010600030101010101" pitchFamily="2" charset="-122"/>
+                      </a:endParaRPr>
+                    </a:p>
+                  </a:txBody>
+                  <a:tcPr marL="68580" marR="68580" marT="0" marB="0" vert="horz" anchor="t" anchorCtr="0">
+                    <a:lnL w="19050" cap="flat" cmpd="sng">
+                      <a:solidFill>
+                        <a:srgbClr val="080000"/>
+                      </a:solidFill>
+                      <a:prstDash val="solid"/>
+                      <a:headEnd type="none" w="med" len="med"/>
+                      <a:tailEnd type="none" w="med" len="med"/>
+                    </a:lnL>
+                    <a:lnR w="19050" cap="flat" cmpd="sng">
+                      <a:solidFill>
+                        <a:srgbClr val="080000"/>
+                      </a:solidFill>
+                      <a:prstDash val="solid"/>
+                      <a:headEnd type="none" w="med" len="med"/>
+                      <a:tailEnd type="none" w="med" len="med"/>
+                    </a:lnR>
+                    <a:lnT w="19050" cap="flat" cmpd="sng">
+                      <a:solidFill>
+                        <a:srgbClr val="080000"/>
+                      </a:solidFill>
+                      <a:prstDash val="solid"/>
+                      <a:headEnd type="none" w="med" len="med"/>
+                      <a:tailEnd type="none" w="med" len="med"/>
+                    </a:lnT>
+                    <a:lnB w="19050" cap="flat" cmpd="sng">
+                      <a:solidFill>
+                        <a:srgbClr val="080000"/>
+                      </a:solidFill>
+                      <a:prstDash val="solid"/>
+                      <a:headEnd type="none" w="med" len="med"/>
+                      <a:tailEnd type="none" w="med" len="med"/>
+                    </a:lnB>
+                    <a:lnTlToBr>
+                      <a:noFill/>
+                    </a:lnTlToBr>
+                    <a:lnBlToTr>
+                      <a:noFill/>
+                    </a:lnBlToTr>
+                    <a:noFill/>
+                  </a:tcPr>
+                </a:tc>
+                <a:tc>
+                  <a:txBody>
+                    <a:bodyPr/>
+                    <a:p>
+                      <a:pPr indent="0" algn="ctr">
+                        <a:buNone/>
+                      </a:pPr>
+                      <a:r>
+                        <a:rPr lang="en-US" b="1">
+                          <a:latin typeface="宋体" panose="02010600030101010101" pitchFamily="2" charset="-122"/>
+                          <a:ea typeface="宋体" panose="02010600030101010101" pitchFamily="2" charset="-122"/>
+                          <a:cs typeface="宋体" panose="02010600030101010101" pitchFamily="2" charset="-122"/>
+                        </a:rPr>
+                        <a:t>完成等级</a:t>
+                      </a:r>
+                      <a:endParaRPr lang="en-US" altLang="en-US" b="1">
+                        <a:latin typeface="宋体" panose="02010600030101010101" pitchFamily="2" charset="-122"/>
+                        <a:ea typeface="宋体" panose="02010600030101010101" pitchFamily="2" charset="-122"/>
+                        <a:cs typeface="宋体" panose="02010600030101010101" pitchFamily="2" charset="-122"/>
+                      </a:endParaRPr>
+                    </a:p>
+                  </a:txBody>
+                  <a:tcPr marL="68580" marR="68580" marT="0" marB="0" vert="horz" anchor="t" anchorCtr="0">
+                    <a:lnL w="19050" cap="flat" cmpd="sng">
+                      <a:solidFill>
+                        <a:srgbClr val="080000"/>
+                      </a:solidFill>
+                      <a:prstDash val="solid"/>
+                      <a:headEnd type="none" w="med" len="med"/>
+                      <a:tailEnd type="none" w="med" len="med"/>
+                    </a:lnL>
+                    <a:lnR w="19050" cap="flat" cmpd="sng">
+                      <a:solidFill>
+                        <a:srgbClr val="080000"/>
+                      </a:solidFill>
+                      <a:prstDash val="solid"/>
+                      <a:headEnd type="none" w="med" len="med"/>
+                      <a:tailEnd type="none" w="med" len="med"/>
+                    </a:lnR>
+                    <a:lnT w="19050" cap="flat" cmpd="sng">
+                      <a:solidFill>
+                        <a:srgbClr val="080000"/>
+                      </a:solidFill>
+                      <a:prstDash val="solid"/>
+                      <a:headEnd type="none" w="med" len="med"/>
+                      <a:tailEnd type="none" w="med" len="med"/>
+                    </a:lnT>
+                    <a:lnB w="19050" cap="flat" cmpd="sng">
+                      <a:solidFill>
+                        <a:srgbClr val="080000"/>
+                      </a:solidFill>
+                      <a:prstDash val="solid"/>
+                      <a:headEnd type="none" w="med" len="med"/>
+                      <a:tailEnd type="none" w="med" len="med"/>
+                    </a:lnB>
+                    <a:lnTlToBr>
+                      <a:noFill/>
+                    </a:lnTlToBr>
+                    <a:lnBlToTr>
+                      <a:noFill/>
+                    </a:lnBlToTr>
+                    <a:noFill/>
+                  </a:tcPr>
+                </a:tc>
+                <a:tc>
+                  <a:txBody>
+                    <a:bodyPr/>
+                    <a:p>
+                      <a:pPr indent="0" algn="ctr">
+                        <a:buNone/>
+                      </a:pPr>
+                      <a:r>
+                        <a:rPr lang="en-US" b="1">
+                          <a:latin typeface="宋体" panose="02010600030101010101" pitchFamily="2" charset="-122"/>
+                          <a:ea typeface="宋体" panose="02010600030101010101" pitchFamily="2" charset="-122"/>
+                          <a:cs typeface="宋体" panose="02010600030101010101" pitchFamily="2" charset="-122"/>
+                        </a:rPr>
+                        <a:t>总评分</a:t>
+                      </a:r>
+                      <a:endParaRPr lang="en-US" altLang="en-US" b="1">
+                        <a:latin typeface="宋体" panose="02010600030101010101" pitchFamily="2" charset="-122"/>
+                        <a:ea typeface="宋体" panose="02010600030101010101" pitchFamily="2" charset="-122"/>
+                        <a:cs typeface="宋体" panose="02010600030101010101" pitchFamily="2" charset="-122"/>
+                      </a:endParaRPr>
+                    </a:p>
+                  </a:txBody>
+                  <a:tcPr marL="68580" marR="68580" marT="0" marB="0" vert="horz" anchor="t" anchorCtr="0">
+                    <a:lnL w="19050" cap="flat" cmpd="sng">
+                      <a:solidFill>
+                        <a:srgbClr val="080000"/>
+                      </a:solidFill>
+                      <a:prstDash val="solid"/>
+                      <a:headEnd type="none" w="med" len="med"/>
+                      <a:tailEnd type="none" w="med" len="med"/>
+                    </a:lnL>
+                    <a:lnR w="19050" cap="flat" cmpd="sng">
+                      <a:solidFill>
+                        <a:srgbClr val="080000"/>
+                      </a:solidFill>
+                      <a:prstDash val="solid"/>
+                      <a:headEnd type="none" w="med" len="med"/>
+                      <a:tailEnd type="none" w="med" len="med"/>
+                    </a:lnR>
+                    <a:lnT w="19050" cap="flat" cmpd="sng">
+                      <a:solidFill>
+                        <a:srgbClr val="080000"/>
+                      </a:solidFill>
+                      <a:prstDash val="solid"/>
+                      <a:headEnd type="none" w="med" len="med"/>
+                      <a:tailEnd type="none" w="med" len="med"/>
+                    </a:lnT>
+                    <a:lnB w="19050" cap="flat" cmpd="sng">
+                      <a:solidFill>
+                        <a:srgbClr val="080000"/>
+                      </a:solidFill>
+                      <a:prstDash val="solid"/>
+                      <a:headEnd type="none" w="med" len="med"/>
+                      <a:tailEnd type="none" w="med" len="med"/>
+                    </a:lnB>
+                    <a:lnTlToBr>
+                      <a:noFill/>
+                    </a:lnTlToBr>
+                    <a:lnBlToTr>
+                      <a:noFill/>
+                    </a:lnBlToTr>
+                    <a:noFill/>
+                  </a:tcPr>
+                </a:tc>
+              </a:tr>
+              <a:tr h="0">
+                <a:tc>
+                  <a:txBody>
+                    <a:bodyPr/>
+                    <a:p>
+                      <a:pPr indent="0" algn="ctr">
+                        <a:buNone/>
+                      </a:pPr>
+                      <a:r>
+                        <a:rPr lang="en-US" b="0">
+                          <a:latin typeface="宋体" panose="02010600030101010101" pitchFamily="2" charset="-122"/>
+                          <a:ea typeface="宋体" panose="02010600030101010101" pitchFamily="2" charset="-122"/>
+                          <a:cs typeface="宋体" panose="02010600030101010101" pitchFamily="2" charset="-122"/>
+                        </a:rPr>
+                        <a:t>黄依豪</a:t>
+                      </a:r>
+                      <a:endParaRPr lang="en-US" altLang="en-US" b="0">
+                        <a:latin typeface="宋体" panose="02010600030101010101" pitchFamily="2" charset="-122"/>
+                        <a:ea typeface="宋体" panose="02010600030101010101" pitchFamily="2" charset="-122"/>
+                        <a:cs typeface="宋体" panose="02010600030101010101" pitchFamily="2" charset="-122"/>
+                      </a:endParaRPr>
+                    </a:p>
+                  </a:txBody>
+                  <a:tcPr marL="68580" marR="68580" marT="0" marB="0" vert="horz" anchor="t" anchorCtr="0">
+                    <a:lnL w="19050" cap="flat" cmpd="sng">
+                      <a:solidFill>
+                        <a:srgbClr val="080000"/>
+                      </a:solidFill>
+                      <a:prstDash val="solid"/>
+                      <a:headEnd type="none" w="med" len="med"/>
+                      <a:tailEnd type="none" w="med" len="med"/>
+                    </a:lnL>
+                    <a:lnR w="19050" cap="flat" cmpd="sng">
+                      <a:solidFill>
+                        <a:srgbClr val="080000"/>
+                      </a:solidFill>
+                      <a:prstDash val="solid"/>
+                      <a:headEnd type="none" w="med" len="med"/>
+                      <a:tailEnd type="none" w="med" len="med"/>
+                    </a:lnR>
+                    <a:lnT w="19050" cap="flat" cmpd="sng">
+                      <a:solidFill>
+                        <a:srgbClr val="080000"/>
+                      </a:solidFill>
+                      <a:prstDash val="solid"/>
+                      <a:headEnd type="none" w="med" len="med"/>
+                      <a:tailEnd type="none" w="med" len="med"/>
+                    </a:lnT>
+                    <a:lnB w="19050" cap="flat" cmpd="sng">
+                      <a:solidFill>
+                        <a:srgbClr val="080000"/>
+                      </a:solidFill>
+                      <a:prstDash val="solid"/>
+                      <a:headEnd type="none" w="med" len="med"/>
+                      <a:tailEnd type="none" w="med" len="med"/>
+                    </a:lnB>
+                    <a:lnTlToBr>
+                      <a:noFill/>
+                    </a:lnTlToBr>
+                    <a:lnBlToTr>
+                      <a:noFill/>
+                    </a:lnBlToTr>
+                    <a:noFill/>
+                  </a:tcPr>
+                </a:tc>
+                <a:tc>
+                  <a:txBody>
+                    <a:bodyPr/>
+                    <a:p>
+                      <a:pPr indent="0" algn="ctr">
+                        <a:buNone/>
+                      </a:pPr>
+                      <a:r>
+                        <a:rPr lang="en-US" b="1">
+                          <a:latin typeface="宋体" panose="02010600030101010101" pitchFamily="2" charset="-122"/>
+                          <a:ea typeface="宋体" panose="02010600030101010101" pitchFamily="2" charset="-122"/>
+                          <a:cs typeface="宋体" panose="02010600030101010101" pitchFamily="2" charset="-122"/>
+                        </a:rPr>
+                        <a:t>（5+4+4）/3</a:t>
+                      </a:r>
+                      <a:endParaRPr lang="en-US" altLang="en-US" b="1">
+                        <a:latin typeface="宋体" panose="02010600030101010101" pitchFamily="2" charset="-122"/>
+                        <a:ea typeface="宋体" panose="02010600030101010101" pitchFamily="2" charset="-122"/>
+                        <a:cs typeface="宋体" panose="02010600030101010101" pitchFamily="2" charset="-122"/>
+                      </a:endParaRPr>
+                    </a:p>
+                  </a:txBody>
+                  <a:tcPr marL="68580" marR="68580" marT="0" marB="0" vert="horz" anchor="t" anchorCtr="0">
+                    <a:lnL w="19050" cap="flat" cmpd="sng">
+                      <a:solidFill>
+                        <a:srgbClr val="080000"/>
+                      </a:solidFill>
+                      <a:prstDash val="solid"/>
+                      <a:headEnd type="none" w="med" len="med"/>
+                      <a:tailEnd type="none" w="med" len="med"/>
+                    </a:lnL>
+                    <a:lnR w="19050" cap="flat" cmpd="sng">
+                      <a:solidFill>
+                        <a:srgbClr val="080000"/>
+                      </a:solidFill>
+                      <a:prstDash val="solid"/>
+                      <a:headEnd type="none" w="med" len="med"/>
+                      <a:tailEnd type="none" w="med" len="med"/>
+                    </a:lnR>
+                    <a:lnT w="19050" cap="flat" cmpd="sng">
+                      <a:solidFill>
+                        <a:srgbClr val="080000"/>
+                      </a:solidFill>
+                      <a:prstDash val="solid"/>
+                      <a:headEnd type="none" w="med" len="med"/>
+                      <a:tailEnd type="none" w="med" len="med"/>
+                    </a:lnT>
+                    <a:lnB w="19050" cap="flat" cmpd="sng">
+                      <a:solidFill>
+                        <a:srgbClr val="080000"/>
+                      </a:solidFill>
+                      <a:prstDash val="solid"/>
+                      <a:headEnd type="none" w="med" len="med"/>
+                      <a:tailEnd type="none" w="med" len="med"/>
+                    </a:lnB>
+                    <a:lnTlToBr>
+                      <a:noFill/>
+                    </a:lnTlToBr>
+                    <a:lnBlToTr>
+                      <a:noFill/>
+                    </a:lnBlToTr>
+                    <a:noFill/>
+                  </a:tcPr>
+                </a:tc>
+                <a:tc>
+                  <a:txBody>
+                    <a:bodyPr/>
+                    <a:p>
+                      <a:pPr indent="0" algn="ctr">
+                        <a:buNone/>
+                      </a:pPr>
+                      <a:r>
+                        <a:rPr lang="en-US" b="1">
+                          <a:latin typeface="宋体" panose="02010600030101010101" pitchFamily="2" charset="-122"/>
+                          <a:ea typeface="宋体" panose="02010600030101010101" pitchFamily="2" charset="-122"/>
+                          <a:cs typeface="宋体" panose="02010600030101010101" pitchFamily="2" charset="-122"/>
+                        </a:rPr>
+                        <a:t>89</a:t>
+                      </a:r>
+                      <a:endParaRPr lang="en-US" altLang="en-US" b="1">
+                        <a:latin typeface="宋体" panose="02010600030101010101" pitchFamily="2" charset="-122"/>
+                        <a:ea typeface="宋体" panose="02010600030101010101" pitchFamily="2" charset="-122"/>
+                        <a:cs typeface="宋体" panose="02010600030101010101" pitchFamily="2" charset="-122"/>
+                      </a:endParaRPr>
+                    </a:p>
+                  </a:txBody>
+                  <a:tcPr marL="68580" marR="68580" marT="0" marB="0" vert="horz" anchor="t" anchorCtr="0">
+                    <a:lnL w="19050" cap="flat" cmpd="sng">
+                      <a:solidFill>
+                        <a:srgbClr val="080000"/>
+                      </a:solidFill>
+                      <a:prstDash val="solid"/>
+                      <a:headEnd type="none" w="med" len="med"/>
+                      <a:tailEnd type="none" w="med" len="med"/>
+                    </a:lnL>
+                    <a:lnR w="19050" cap="flat" cmpd="sng">
+                      <a:solidFill>
+                        <a:srgbClr val="080000"/>
+                      </a:solidFill>
+                      <a:prstDash val="solid"/>
+                      <a:headEnd type="none" w="med" len="med"/>
+                      <a:tailEnd type="none" w="med" len="med"/>
+                    </a:lnR>
+                    <a:lnT w="19050" cap="flat" cmpd="sng">
+                      <a:solidFill>
+                        <a:srgbClr val="080000"/>
+                      </a:solidFill>
+                      <a:prstDash val="solid"/>
+                      <a:headEnd type="none" w="med" len="med"/>
+                      <a:tailEnd type="none" w="med" len="med"/>
+                    </a:lnT>
+                    <a:lnB w="19050" cap="flat" cmpd="sng">
+                      <a:solidFill>
+                        <a:srgbClr val="080000"/>
+                      </a:solidFill>
+                      <a:prstDash val="solid"/>
+                      <a:headEnd type="none" w="med" len="med"/>
+                      <a:tailEnd type="none" w="med" len="med"/>
+                    </a:lnB>
+                    <a:lnTlToBr>
+                      <a:noFill/>
+                    </a:lnTlToBr>
+                    <a:lnBlToTr>
+                      <a:noFill/>
+                    </a:lnBlToTr>
+                    <a:noFill/>
+                  </a:tcPr>
+                </a:tc>
+              </a:tr>
+              <a:tr h="0">
+                <a:tc>
+                  <a:txBody>
+                    <a:bodyPr/>
+                    <a:p>
+                      <a:pPr indent="0" algn="ctr">
+                        <a:buNone/>
+                      </a:pPr>
+                      <a:r>
+                        <a:rPr lang="en-US" b="0">
+                          <a:latin typeface="宋体" panose="02010600030101010101" pitchFamily="2" charset="-122"/>
+                          <a:ea typeface="宋体" panose="02010600030101010101" pitchFamily="2" charset="-122"/>
+                          <a:cs typeface="宋体" panose="02010600030101010101" pitchFamily="2" charset="-122"/>
+                        </a:rPr>
+                        <a:t>李东泽</a:t>
+                      </a:r>
+                      <a:endParaRPr lang="en-US" altLang="en-US" b="0">
+                        <a:latin typeface="宋体" panose="02010600030101010101" pitchFamily="2" charset="-122"/>
+                        <a:ea typeface="宋体" panose="02010600030101010101" pitchFamily="2" charset="-122"/>
+                        <a:cs typeface="宋体" panose="02010600030101010101" pitchFamily="2" charset="-122"/>
+                      </a:endParaRPr>
+                    </a:p>
+                  </a:txBody>
+                  <a:tcPr marL="68580" marR="68580" marT="0" marB="0" vert="horz" anchor="t" anchorCtr="0">
+                    <a:lnL w="19050" cap="flat" cmpd="sng">
+                      <a:solidFill>
+                        <a:srgbClr val="080000"/>
+                      </a:solidFill>
+                      <a:prstDash val="solid"/>
+                      <a:headEnd type="none" w="med" len="med"/>
+                      <a:tailEnd type="none" w="med" len="med"/>
+                    </a:lnL>
+                    <a:lnR w="19050" cap="flat" cmpd="sng">
+                      <a:solidFill>
+                        <a:srgbClr val="080000"/>
+                      </a:solidFill>
+                      <a:prstDash val="solid"/>
+                      <a:headEnd type="none" w="med" len="med"/>
+                      <a:tailEnd type="none" w="med" len="med"/>
+                    </a:lnR>
+                    <a:lnT w="19050" cap="flat" cmpd="sng">
+                      <a:solidFill>
+                        <a:srgbClr val="080000"/>
+                      </a:solidFill>
+                      <a:prstDash val="solid"/>
+                      <a:headEnd type="none" w="med" len="med"/>
+                      <a:tailEnd type="none" w="med" len="med"/>
+                    </a:lnT>
+                    <a:lnB w="19050" cap="flat" cmpd="sng">
+                      <a:solidFill>
+                        <a:srgbClr val="080000"/>
+                      </a:solidFill>
+                      <a:prstDash val="solid"/>
+                      <a:headEnd type="none" w="med" len="med"/>
+                      <a:tailEnd type="none" w="med" len="med"/>
+                    </a:lnB>
+                    <a:lnTlToBr>
+                      <a:noFill/>
+                    </a:lnTlToBr>
+                    <a:lnBlToTr>
+                      <a:noFill/>
+                    </a:lnBlToTr>
+                    <a:noFill/>
+                  </a:tcPr>
+                </a:tc>
+                <a:tc>
+                  <a:txBody>
+                    <a:bodyPr/>
+                    <a:p>
+                      <a:pPr indent="0" algn="ctr">
+                        <a:buNone/>
+                      </a:pPr>
+                      <a:r>
+                        <a:rPr lang="en-US" b="1">
+                          <a:latin typeface="宋体" panose="02010600030101010101" pitchFamily="2" charset="-122"/>
+                          <a:ea typeface="宋体" panose="02010600030101010101" pitchFamily="2" charset="-122"/>
+                          <a:cs typeface="宋体" panose="02010600030101010101" pitchFamily="2" charset="-122"/>
+                        </a:rPr>
+                        <a:t>（4+4）/2</a:t>
+                      </a:r>
+                      <a:endParaRPr lang="en-US" altLang="en-US" b="1">
+                        <a:latin typeface="宋体" panose="02010600030101010101" pitchFamily="2" charset="-122"/>
+                        <a:ea typeface="宋体" panose="02010600030101010101" pitchFamily="2" charset="-122"/>
+                        <a:cs typeface="宋体" panose="02010600030101010101" pitchFamily="2" charset="-122"/>
+                      </a:endParaRPr>
+                    </a:p>
+                  </a:txBody>
+                  <a:tcPr marL="68580" marR="68580" marT="0" marB="0" vert="horz" anchor="t" anchorCtr="0">
+                    <a:lnL w="19050" cap="flat" cmpd="sng">
+                      <a:solidFill>
+                        <a:srgbClr val="080000"/>
+                      </a:solidFill>
+                      <a:prstDash val="solid"/>
+                      <a:headEnd type="none" w="med" len="med"/>
+                      <a:tailEnd type="none" w="med" len="med"/>
+                    </a:lnL>
+                    <a:lnR w="19050" cap="flat" cmpd="sng">
+                      <a:solidFill>
+                        <a:srgbClr val="080000"/>
+                      </a:solidFill>
+                      <a:prstDash val="solid"/>
+                      <a:headEnd type="none" w="med" len="med"/>
+                      <a:tailEnd type="none" w="med" len="med"/>
+                    </a:lnR>
+                    <a:lnT w="19050" cap="flat" cmpd="sng">
+                      <a:solidFill>
+                        <a:srgbClr val="080000"/>
+                      </a:solidFill>
+                      <a:prstDash val="solid"/>
+                      <a:headEnd type="none" w="med" len="med"/>
+                      <a:tailEnd type="none" w="med" len="med"/>
+                    </a:lnT>
+                    <a:lnB w="19050" cap="flat" cmpd="sng">
+                      <a:solidFill>
+                        <a:srgbClr val="080000"/>
+                      </a:solidFill>
+                      <a:prstDash val="solid"/>
+                      <a:headEnd type="none" w="med" len="med"/>
+                      <a:tailEnd type="none" w="med" len="med"/>
+                    </a:lnB>
+                    <a:lnTlToBr>
+                      <a:noFill/>
+                    </a:lnTlToBr>
+                    <a:lnBlToTr>
+                      <a:noFill/>
+                    </a:lnBlToTr>
+                    <a:noFill/>
+                  </a:tcPr>
+                </a:tc>
+                <a:tc>
+                  <a:txBody>
+                    <a:bodyPr/>
+                    <a:p>
+                      <a:pPr indent="0" algn="ctr">
+                        <a:buNone/>
+                      </a:pPr>
+                      <a:r>
+                        <a:rPr lang="en-US" b="1">
+                          <a:latin typeface="宋体" panose="02010600030101010101" pitchFamily="2" charset="-122"/>
+                          <a:ea typeface="宋体" panose="02010600030101010101" pitchFamily="2" charset="-122"/>
+                          <a:cs typeface="宋体" panose="02010600030101010101" pitchFamily="2" charset="-122"/>
+                        </a:rPr>
+                        <a:t>86</a:t>
+                      </a:r>
+                      <a:endParaRPr lang="en-US" altLang="en-US" b="1">
+                        <a:latin typeface="宋体" panose="02010600030101010101" pitchFamily="2" charset="-122"/>
+                        <a:ea typeface="宋体" panose="02010600030101010101" pitchFamily="2" charset="-122"/>
+                        <a:cs typeface="宋体" panose="02010600030101010101" pitchFamily="2" charset="-122"/>
+                      </a:endParaRPr>
+                    </a:p>
+                  </a:txBody>
+                  <a:tcPr marL="68580" marR="68580" marT="0" marB="0" vert="horz" anchor="t" anchorCtr="0">
+                    <a:lnL w="19050" cap="flat" cmpd="sng">
+                      <a:solidFill>
+                        <a:srgbClr val="080000"/>
+                      </a:solidFill>
+                      <a:prstDash val="solid"/>
+                      <a:headEnd type="none" w="med" len="med"/>
+                      <a:tailEnd type="none" w="med" len="med"/>
+                    </a:lnL>
+                    <a:lnR w="19050" cap="flat" cmpd="sng">
+                      <a:solidFill>
+                        <a:srgbClr val="080000"/>
+                      </a:solidFill>
+                      <a:prstDash val="solid"/>
+                      <a:headEnd type="none" w="med" len="med"/>
+                      <a:tailEnd type="none" w="med" len="med"/>
+                    </a:lnR>
+                    <a:lnT w="19050" cap="flat" cmpd="sng">
+                      <a:solidFill>
+                        <a:srgbClr val="080000"/>
+                      </a:solidFill>
+                      <a:prstDash val="solid"/>
+                      <a:headEnd type="none" w="med" len="med"/>
+                      <a:tailEnd type="none" w="med" len="med"/>
+                    </a:lnT>
+                    <a:lnB w="19050" cap="flat" cmpd="sng">
+                      <a:solidFill>
+                        <a:srgbClr val="080000"/>
+                      </a:solidFill>
+                      <a:prstDash val="solid"/>
+                      <a:headEnd type="none" w="med" len="med"/>
+                      <a:tailEnd type="none" w="med" len="med"/>
+                    </a:lnB>
+                    <a:lnTlToBr>
+                      <a:noFill/>
+                    </a:lnTlToBr>
+                    <a:lnBlToTr>
+                      <a:noFill/>
+                    </a:lnBlToTr>
+                    <a:noFill/>
+                  </a:tcPr>
+                </a:tc>
+              </a:tr>
+              <a:tr h="0">
+                <a:tc>
+                  <a:txBody>
+                    <a:bodyPr/>
+                    <a:p>
+                      <a:pPr indent="0" algn="ctr">
+                        <a:buNone/>
+                      </a:pPr>
+                      <a:r>
+                        <a:rPr lang="en-US" b="0">
+                          <a:latin typeface="宋体" panose="02010600030101010101" pitchFamily="2" charset="-122"/>
+                          <a:ea typeface="宋体" panose="02010600030101010101" pitchFamily="2" charset="-122"/>
+                          <a:cs typeface="宋体" panose="02010600030101010101" pitchFamily="2" charset="-122"/>
+                        </a:rPr>
+                        <a:t>梁晓勇</a:t>
+                      </a:r>
+                      <a:endParaRPr lang="en-US" altLang="en-US" b="0">
+                        <a:latin typeface="宋体" panose="02010600030101010101" pitchFamily="2" charset="-122"/>
+                        <a:ea typeface="宋体" panose="02010600030101010101" pitchFamily="2" charset="-122"/>
+                        <a:cs typeface="宋体" panose="02010600030101010101" pitchFamily="2" charset="-122"/>
+                      </a:endParaRPr>
+                    </a:p>
+                  </a:txBody>
+                  <a:tcPr marL="68580" marR="68580" marT="0" marB="0" vert="horz" anchor="t" anchorCtr="0">
+                    <a:lnL w="19050" cap="flat" cmpd="sng">
+                      <a:solidFill>
+                        <a:srgbClr val="080000"/>
+                      </a:solidFill>
+                      <a:prstDash val="solid"/>
+                      <a:headEnd type="none" w="med" len="med"/>
+                      <a:tailEnd type="none" w="med" len="med"/>
+                    </a:lnL>
+                    <a:lnR w="19050" cap="flat" cmpd="sng">
+                      <a:solidFill>
+                        <a:srgbClr val="080000"/>
+                      </a:solidFill>
+                      <a:prstDash val="solid"/>
+                      <a:headEnd type="none" w="med" len="med"/>
+                      <a:tailEnd type="none" w="med" len="med"/>
+                    </a:lnR>
+                    <a:lnT w="19050" cap="flat" cmpd="sng">
+                      <a:solidFill>
+                        <a:srgbClr val="080000"/>
+                      </a:solidFill>
+                      <a:prstDash val="solid"/>
+                      <a:headEnd type="none" w="med" len="med"/>
+                      <a:tailEnd type="none" w="med" len="med"/>
+                    </a:lnT>
+                    <a:lnB w="19050" cap="flat" cmpd="sng">
+                      <a:solidFill>
+                        <a:srgbClr val="080000"/>
+                      </a:solidFill>
+                      <a:prstDash val="solid"/>
+                      <a:headEnd type="none" w="med" len="med"/>
+                      <a:tailEnd type="none" w="med" len="med"/>
+                    </a:lnB>
+                    <a:lnTlToBr>
+                      <a:noFill/>
+                    </a:lnTlToBr>
+                    <a:lnBlToTr>
+                      <a:noFill/>
+                    </a:lnBlToTr>
+                    <a:noFill/>
+                  </a:tcPr>
+                </a:tc>
+                <a:tc>
+                  <a:txBody>
+                    <a:bodyPr/>
+                    <a:p>
+                      <a:pPr indent="0" algn="ctr">
+                        <a:buNone/>
+                      </a:pPr>
+                      <a:r>
+                        <a:rPr lang="en-US" b="1">
+                          <a:latin typeface="宋体" panose="02010600030101010101" pitchFamily="2" charset="-122"/>
+                          <a:ea typeface="宋体" panose="02010600030101010101" pitchFamily="2" charset="-122"/>
+                          <a:cs typeface="宋体" panose="02010600030101010101" pitchFamily="2" charset="-122"/>
+                        </a:rPr>
+                        <a:t>（4+4）/2</a:t>
+                      </a:r>
+                      <a:endParaRPr lang="en-US" altLang="en-US" b="1">
+                        <a:latin typeface="宋体" panose="02010600030101010101" pitchFamily="2" charset="-122"/>
+                        <a:ea typeface="宋体" panose="02010600030101010101" pitchFamily="2" charset="-122"/>
+                        <a:cs typeface="宋体" panose="02010600030101010101" pitchFamily="2" charset="-122"/>
+                      </a:endParaRPr>
+                    </a:p>
+                  </a:txBody>
+                  <a:tcPr marL="68580" marR="68580" marT="0" marB="0" vert="horz" anchor="t" anchorCtr="0">
+                    <a:lnL w="19050" cap="flat" cmpd="sng">
+                      <a:solidFill>
+                        <a:srgbClr val="080000"/>
+                      </a:solidFill>
+                      <a:prstDash val="solid"/>
+                      <a:headEnd type="none" w="med" len="med"/>
+                      <a:tailEnd type="none" w="med" len="med"/>
+                    </a:lnL>
+                    <a:lnR w="19050" cap="flat" cmpd="sng">
+                      <a:solidFill>
+                        <a:srgbClr val="080000"/>
+                      </a:solidFill>
+                      <a:prstDash val="solid"/>
+                      <a:headEnd type="none" w="med" len="med"/>
+                      <a:tailEnd type="none" w="med" len="med"/>
+                    </a:lnR>
+                    <a:lnT w="19050" cap="flat" cmpd="sng">
+                      <a:solidFill>
+                        <a:srgbClr val="080000"/>
+                      </a:solidFill>
+                      <a:prstDash val="solid"/>
+                      <a:headEnd type="none" w="med" len="med"/>
+                      <a:tailEnd type="none" w="med" len="med"/>
+                    </a:lnT>
+                    <a:lnB w="19050" cap="flat" cmpd="sng">
+                      <a:solidFill>
+                        <a:srgbClr val="080000"/>
+                      </a:solidFill>
+                      <a:prstDash val="solid"/>
+                      <a:headEnd type="none" w="med" len="med"/>
+                      <a:tailEnd type="none" w="med" len="med"/>
+                    </a:lnB>
+                    <a:lnTlToBr>
+                      <a:noFill/>
+                    </a:lnTlToBr>
+                    <a:lnBlToTr>
+                      <a:noFill/>
+                    </a:lnBlToTr>
+                    <a:noFill/>
+                  </a:tcPr>
+                </a:tc>
+                <a:tc>
+                  <a:txBody>
+                    <a:bodyPr/>
+                    <a:p>
+                      <a:pPr indent="0" algn="ctr">
+                        <a:buNone/>
+                      </a:pPr>
+                      <a:r>
+                        <a:rPr lang="en-US" b="1">
+                          <a:latin typeface="宋体" panose="02010600030101010101" pitchFamily="2" charset="-122"/>
+                          <a:ea typeface="宋体" panose="02010600030101010101" pitchFamily="2" charset="-122"/>
+                          <a:cs typeface="宋体" panose="02010600030101010101" pitchFamily="2" charset="-122"/>
+                        </a:rPr>
+                        <a:t>85</a:t>
+                      </a:r>
+                      <a:endParaRPr lang="en-US" altLang="en-US" b="1">
+                        <a:latin typeface="宋体" panose="02010600030101010101" pitchFamily="2" charset="-122"/>
+                        <a:ea typeface="宋体" panose="02010600030101010101" pitchFamily="2" charset="-122"/>
+                        <a:cs typeface="宋体" panose="02010600030101010101" pitchFamily="2" charset="-122"/>
+                      </a:endParaRPr>
+                    </a:p>
+                  </a:txBody>
+                  <a:tcPr marL="68580" marR="68580" marT="0" marB="0" vert="horz" anchor="t" anchorCtr="0">
+                    <a:lnL w="19050" cap="flat" cmpd="sng">
+                      <a:solidFill>
+                        <a:srgbClr val="080000"/>
+                      </a:solidFill>
+                      <a:prstDash val="solid"/>
+                      <a:headEnd type="none" w="med" len="med"/>
+                      <a:tailEnd type="none" w="med" len="med"/>
+                    </a:lnL>
+                    <a:lnR w="19050" cap="flat" cmpd="sng">
+                      <a:solidFill>
+                        <a:srgbClr val="080000"/>
+                      </a:solidFill>
+                      <a:prstDash val="solid"/>
+                      <a:headEnd type="none" w="med" len="med"/>
+                      <a:tailEnd type="none" w="med" len="med"/>
+                    </a:lnR>
+                    <a:lnT w="19050" cap="flat" cmpd="sng">
+                      <a:solidFill>
+                        <a:srgbClr val="080000"/>
+                      </a:solidFill>
+                      <a:prstDash val="solid"/>
+                      <a:headEnd type="none" w="med" len="med"/>
+                      <a:tailEnd type="none" w="med" len="med"/>
+                    </a:lnT>
+                    <a:lnB w="19050" cap="flat" cmpd="sng">
+                      <a:solidFill>
+                        <a:srgbClr val="080000"/>
+                      </a:solidFill>
+                      <a:prstDash val="solid"/>
+                      <a:headEnd type="none" w="med" len="med"/>
+                      <a:tailEnd type="none" w="med" len="med"/>
+                    </a:lnB>
+                    <a:lnTlToBr>
+                      <a:noFill/>
+                    </a:lnTlToBr>
+                    <a:lnBlToTr>
+                      <a:noFill/>
+                    </a:lnBlToTr>
+                    <a:noFill/>
+                  </a:tcPr>
+                </a:tc>
+              </a:tr>
+            </a:tbl>
+          </a:graphicData>
+        </a:graphic>
+      </p:graphicFrame>
+    </p:spTree>
+  </p:cSld>
+  <p:clrMapOvr>
+    <a:masterClrMapping/>
+  </p:clrMapOvr>
+  <mc:AlternateContent xmlns:mc="http://schemas.openxmlformats.org/markup-compatibility/2006">
+    <mc:Choice xmlns:p14="http://schemas.microsoft.com/office/powerpoint/2010/main" Requires="p14">
+      <p:transition spd="slow" p14:dur="1000" advClick="0">
+        <p:cover dir="lu"/>
+      </p:transition>
+    </mc:Choice>
+    <mc:Fallback>
+      <p:transition spd="slow" advClick="0">
+        <p:cover dir="lu"/>
+      </p:transition>
+    </mc:Fallback>
+  </mc:AlternateContent>
+  <p:timing>
+    <p:tnLst>
+      <p:par>
+        <p:cTn id="1" dur="indefinite" restart="never" nodeType="tmRoot"/>
+      </p:par>
+    </p:tnLst>
+  </p:timing>
+</p:sld>
+</file>
+
+<file path=ppt/slides/slide29.xml><?xml version="1.0" encoding="utf-8"?>
+<p:sld xmlns:a="http://schemas.openxmlformats.org/drawingml/2006/main" xmlns:r="http://schemas.openxmlformats.org/officeDocument/2006/relationships" xmlns:p="http://schemas.openxmlformats.org/presentationml/2006/main">
+  <p:cSld>
+    <p:spTree>
+      <p:nvGrpSpPr>
+        <p:cNvPr id="1" name=""/>
+        <p:cNvGrpSpPr/>
+        <p:nvPr/>
+      </p:nvGrpSpPr>
+      <p:grpSpPr>
+        <a:xfrm>
+          <a:off x="0" y="0"/>
+          <a:ext cx="0" cy="0"/>
+          <a:chOff x="0" y="0"/>
+          <a:chExt cx="0" cy="0"/>
+        </a:xfrm>
+      </p:grpSpPr>
+      <p:cxnSp>
+        <p:nvCxnSpPr>
+          <p:cNvPr id="36" name="Straight Connector 35"/>
+          <p:cNvCxnSpPr/>
+          <p:nvPr/>
+        </p:nvCxnSpPr>
+        <p:spPr>
+          <a:xfrm flipH="1" flipV="1">
+            <a:off x="406400" y="1122045"/>
+            <a:ext cx="3498215" cy="23495"/>
+          </a:xfrm>
+          <a:prstGeom prst="line">
+            <a:avLst/>
+          </a:prstGeom>
+          <a:ln>
+            <a:solidFill>
+              <a:schemeClr val="accent3"/>
+            </a:solidFill>
+            <a:tailEnd type="oval" w="lg" len="lg"/>
+          </a:ln>
+        </p:spPr>
+        <p:style>
+          <a:lnRef idx="1">
+            <a:schemeClr val="accent1"/>
+          </a:lnRef>
+          <a:fillRef idx="0">
+            <a:schemeClr val="accent1"/>
+          </a:fillRef>
+          <a:effectRef idx="0">
+            <a:schemeClr val="accent1"/>
+          </a:effectRef>
+          <a:fontRef idx="minor">
+            <a:schemeClr val="tx1"/>
+          </a:fontRef>
+        </p:style>
+      </p:cxnSp>
+      <p:cxnSp>
+        <p:nvCxnSpPr>
+          <p:cNvPr id="38" name="Straight Connector 37"/>
+          <p:cNvCxnSpPr/>
+          <p:nvPr/>
+        </p:nvCxnSpPr>
+        <p:spPr>
+          <a:xfrm flipH="1" flipV="1">
+            <a:off x="171450" y="6420485"/>
+            <a:ext cx="5923915" cy="38100"/>
+          </a:xfrm>
+          <a:prstGeom prst="line">
+            <a:avLst/>
+          </a:prstGeom>
+          <a:ln>
+            <a:solidFill>
+              <a:schemeClr val="accent3"/>
+            </a:solidFill>
+            <a:tailEnd type="oval" w="lg" len="lg"/>
+          </a:ln>
+        </p:spPr>
+        <p:style>
+          <a:lnRef idx="1">
+            <a:schemeClr val="accent1"/>
+          </a:lnRef>
+          <a:fillRef idx="0">
+            <a:schemeClr val="accent1"/>
+          </a:fillRef>
+          <a:effectRef idx="0">
+            <a:schemeClr val="accent1"/>
+          </a:effectRef>
+          <a:fontRef idx="minor">
+            <a:schemeClr val="tx1"/>
+          </a:fontRef>
+        </p:style>
+      </p:cxnSp>
+      <p:grpSp>
+        <p:nvGrpSpPr>
+          <p:cNvPr id="6" name="组合 5"/>
+          <p:cNvGrpSpPr/>
+          <p:nvPr/>
+        </p:nvGrpSpPr>
+        <p:grpSpPr>
+          <a:xfrm>
+            <a:off x="1189355" y="269240"/>
+            <a:ext cx="6793230" cy="529590"/>
+            <a:chOff x="1873" y="424"/>
+            <a:chExt cx="10698" cy="834"/>
+          </a:xfrm>
+        </p:grpSpPr>
+        <p:sp>
+          <p:nvSpPr>
+            <p:cNvPr id="13" name="矩形 12"/>
+            <p:cNvSpPr/>
+            <p:nvPr/>
+          </p:nvSpPr>
+          <p:spPr>
+            <a:xfrm>
+              <a:off x="1873" y="424"/>
+              <a:ext cx="2266" cy="756"/>
+            </a:xfrm>
+            <a:prstGeom prst="rect">
+              <a:avLst/>
+            </a:prstGeom>
+            <a:solidFill>
+              <a:srgbClr val="F6F6F6"/>
+            </a:solidFill>
+            <a:ln>
+              <a:noFill/>
+            </a:ln>
+          </p:spPr>
+          <p:style>
+            <a:lnRef idx="2">
+              <a:schemeClr val="accent1">
+                <a:shade val="50000"/>
+              </a:schemeClr>
+            </a:lnRef>
+            <a:fillRef idx="1">
+              <a:schemeClr val="accent1"/>
+            </a:fillRef>
+            <a:effectRef idx="0">
+              <a:schemeClr val="accent1"/>
+            </a:effectRef>
+            <a:fontRef idx="minor">
+              <a:schemeClr val="lt1"/>
+            </a:fontRef>
+          </p:style>
+          <p:txBody>
+            <a:bodyPr rtlCol="0" anchor="ctr"/>
+            <a:p>
+              <a:pPr algn="ctr"/>
+              <a:endParaRPr lang="zh-CN" altLang="en-US"/>
+            </a:p>
+          </p:txBody>
+        </p:sp>
+        <p:sp>
+          <p:nvSpPr>
+            <p:cNvPr id="7" name="矩形 6"/>
+            <p:cNvSpPr/>
+            <p:nvPr/>
+          </p:nvSpPr>
+          <p:spPr>
+            <a:xfrm>
+              <a:off x="1984" y="535"/>
+              <a:ext cx="10587" cy="723"/>
+            </a:xfrm>
+            <a:prstGeom prst="rect">
+              <a:avLst/>
+            </a:prstGeom>
+          </p:spPr>
+          <p:txBody>
+            <a:bodyPr wrap="square" lIns="91400" tIns="45699" rIns="91400" bIns="45699">
+              <a:spAutoFit/>
+            </a:bodyPr>
+            <a:p>
+              <a:pPr lvl="0" defTabSz="914400">
+                <a:defRPr/>
+              </a:pPr>
+              <a:r>
+                <a:rPr lang="zh-CN" sz="2400" dirty="0">
+                  <a:solidFill>
+                    <a:schemeClr val="accent1"/>
+                  </a:solidFill>
+                  <a:latin typeface="微软雅黑" panose="020B0503020204020204" pitchFamily="34" charset="-122"/>
+                  <a:ea typeface="微软雅黑" panose="020B0503020204020204" pitchFamily="34" charset="-122"/>
+                  <a:sym typeface="+mn-ea"/>
+                </a:rPr>
+                <a:t>配置管理工具</a:t>
+              </a:r>
+              <a:endParaRPr lang="zh-CN" sz="2400" kern="0" dirty="0">
+                <a:solidFill>
+                  <a:schemeClr val="accent1"/>
+                </a:solidFill>
+                <a:latin typeface="微软雅黑" panose="020B0503020204020204" pitchFamily="34" charset="-122"/>
+                <a:ea typeface="微软雅黑" panose="020B0503020204020204" pitchFamily="34" charset="-122"/>
+                <a:sym typeface="+mn-ea"/>
+              </a:endParaRPr>
+            </a:p>
+          </p:txBody>
+        </p:sp>
+      </p:grpSp>
+      <p:pic>
+        <p:nvPicPr>
+          <p:cNvPr id="3" name="图片 2"/>
+          <p:cNvPicPr>
+            <a:picLocks noChangeAspect="1"/>
+          </p:cNvPicPr>
+          <p:nvPr/>
+        </p:nvPicPr>
+        <p:blipFill>
+          <a:blip r:embed="rId1"/>
+          <a:stretch>
+            <a:fillRect/>
+          </a:stretch>
+        </p:blipFill>
+        <p:spPr>
+          <a:xfrm>
+            <a:off x="8829675" y="1891665"/>
+            <a:ext cx="3000375" cy="3333750"/>
+          </a:xfrm>
+          <a:prstGeom prst="rect">
+            <a:avLst/>
+          </a:prstGeom>
+        </p:spPr>
+      </p:pic>
+      <p:pic>
+        <p:nvPicPr>
+          <p:cNvPr id="2" name="图片 1"/>
+          <p:cNvPicPr>
+            <a:picLocks noChangeAspect="1"/>
+          </p:cNvPicPr>
+          <p:nvPr/>
+        </p:nvPicPr>
+        <p:blipFill>
+          <a:blip r:embed="rId2"/>
+          <a:stretch>
+            <a:fillRect/>
+          </a:stretch>
+        </p:blipFill>
+        <p:spPr>
+          <a:xfrm>
+            <a:off x="1050290" y="1238885"/>
+            <a:ext cx="6932295" cy="5030470"/>
+          </a:xfrm>
+          <a:prstGeom prst="rect">
+            <a:avLst/>
+          </a:prstGeom>
+        </p:spPr>
+      </p:pic>
+    </p:spTree>
+  </p:cSld>
+  <p:clrMapOvr>
+    <a:masterClrMapping/>
+  </p:clrMapOvr>
+  <mc:AlternateContent xmlns:mc="http://schemas.openxmlformats.org/markup-compatibility/2006">
+    <mc:Choice xmlns:p14="http://schemas.microsoft.com/office/powerpoint/2010/main" Requires="p14">
+      <p:transition spd="slow" p14:dur="1000" advClick="0">
+        <p:cover dir="lu"/>
+      </p:transition>
+    </mc:Choice>
+    <mc:Fallback>
+      <p:transition spd="slow" advClick="0">
+        <p:cover dir="lu"/>
+      </p:transition>
+    </mc:Fallback>
+  </mc:AlternateContent>
+  <p:timing>
+    <p:tnLst>
+      <p:par>
+        <p:cTn id="1" dur="indefinite" restart="never" nodeType="tmRoot">
+          <p:childTnLst>
+            <p:seq concurrent="1" nextAc="seek">
+              <p:cTn id="2" dur="indefinite" nodeType="mainSeq">
+                <p:childTnLst>
+                  <p:par>
+                    <p:cTn id="3" fill="hold">
+                      <p:stCondLst>
+                        <p:cond delay="indefinite"/>
+                        <p:cond evt="onBegin" delay="0">
+                          <p:tn val="2"/>
+                        </p:cond>
+                      </p:stCondLst>
+                      <p:childTnLst>
+                        <p:par>
+                          <p:cTn id="4" fill="hold">
+                            <p:stCondLst>
+                              <p:cond delay="0"/>
+                            </p:stCondLst>
+                            <p:childTnLst>
+                              <p:par>
+                                <p:cTn id="5" presetID="22" presetClass="entr" presetSubtype="4" fill="hold" nodeType="withEffect">
+                                  <p:stCondLst>
+                                    <p:cond delay="2000"/>
+                                  </p:stCondLst>
+                                  <p:childTnLst>
+                                    <p:set>
+                                      <p:cBhvr>
+                                        <p:cTn id="6" dur="1" fill="hold">
+                                          <p:stCondLst>
+                                            <p:cond delay="0"/>
+                                          </p:stCondLst>
+                                        </p:cTn>
+                                        <p:tgtEl>
+                                          <p:spTgt spid="36"/>
+                                        </p:tgtEl>
+                                        <p:attrNameLst>
+                                          <p:attrName>style.visibility</p:attrName>
+                                        </p:attrNameLst>
+                                      </p:cBhvr>
+                                      <p:to>
+                                        <p:strVal val="visible"/>
+                                      </p:to>
+                                    </p:set>
+                                    <p:animEffect transition="in" filter="wipe(down)">
+                                      <p:cBhvr>
+                                        <p:cTn id="7" dur="500"/>
+                                        <p:tgtEl>
+                                          <p:spTgt spid="36"/>
+                                        </p:tgtEl>
+                                      </p:cBhvr>
+                                    </p:animEffect>
+                                  </p:childTnLst>
+                                </p:cTn>
+                              </p:par>
+                              <p:par>
+                                <p:cTn id="8" presetID="22" presetClass="entr" presetSubtype="4" fill="hold" nodeType="withEffect">
+                                  <p:stCondLst>
+                                    <p:cond delay="4000"/>
+                                  </p:stCondLst>
+                                  <p:childTnLst>
+                                    <p:set>
+                                      <p:cBhvr>
+                                        <p:cTn id="9" dur="1" fill="hold">
+                                          <p:stCondLst>
+                                            <p:cond delay="0"/>
+                                          </p:stCondLst>
+                                        </p:cTn>
+                                        <p:tgtEl>
+                                          <p:spTgt spid="38"/>
+                                        </p:tgtEl>
+                                        <p:attrNameLst>
+                                          <p:attrName>style.visibility</p:attrName>
+                                        </p:attrNameLst>
+                                      </p:cBhvr>
+                                      <p:to>
+                                        <p:strVal val="visible"/>
+                                      </p:to>
+                                    </p:set>
+                                    <p:animEffect transition="in" filter="wipe(down)">
+                                      <p:cBhvr>
+                                        <p:cTn id="10" dur="500"/>
+                                        <p:tgtEl>
+                                          <p:spTgt spid="38"/>
+                                        </p:tgtEl>
+                                      </p:cBhvr>
+                                    </p:animEffect>
+                                  </p:childTnLst>
+                                </p:cTn>
+                              </p:par>
+                            </p:childTnLst>
+                          </p:cTn>
+                        </p:par>
+                      </p:childTnLst>
+                    </p:cTn>
+                  </p:par>
+                </p:childTnLst>
+              </p:cTn>
+              <p:prevCondLst>
+                <p:cond evt="onPrev" delay="0">
+                  <p:tgtEl>
+                    <p:sldTgt/>
+                  </p:tgtEl>
+                </p:cond>
+              </p:prevCondLst>
+              <p:nextCondLst>
+                <p:cond evt="onNext" delay="0">
+                  <p:tgtEl>
+                    <p:sldTgt/>
+                  </p:tgtEl>
+                </p:cond>
+              </p:nextCondLst>
+            </p:seq>
+          </p:childTnLst>
+        </p:cTn>
+      </p:par>
+    </p:tnLst>
   </p:timing>
 </p:sld>
 </file>
@@ -20739,6 +28275,595 @@
       <p:bldP spid="74" grpId="0" bldLvl="0" animBg="1"/>
       <p:bldP spid="78" grpId="0"/>
       <p:bldP spid="26" grpId="0"/>
+    </p:bldLst>
+  </p:timing>
+</p:sld>
+</file>
+
+<file path=ppt/slides/slide30.xml><?xml version="1.0" encoding="utf-8"?>
+<p:sld xmlns:a="http://schemas.openxmlformats.org/drawingml/2006/main" xmlns:r="http://schemas.openxmlformats.org/officeDocument/2006/relationships" xmlns:p="http://schemas.openxmlformats.org/presentationml/2006/main">
+  <p:cSld>
+    <p:spTree>
+      <p:nvGrpSpPr>
+        <p:cNvPr id="1" name=""/>
+        <p:cNvGrpSpPr/>
+        <p:nvPr/>
+      </p:nvGrpSpPr>
+      <p:grpSpPr>
+        <a:xfrm>
+          <a:off x="0" y="0"/>
+          <a:ext cx="0" cy="0"/>
+          <a:chOff x="0" y="0"/>
+          <a:chExt cx="0" cy="0"/>
+        </a:xfrm>
+      </p:grpSpPr>
+      <p:sp>
+        <p:nvSpPr>
+          <p:cNvPr id="3" name="矩形 2"/>
+          <p:cNvSpPr/>
+          <p:nvPr/>
+        </p:nvSpPr>
+        <p:spPr>
+          <a:xfrm>
+            <a:off x="1" y="0"/>
+            <a:ext cx="12192000" cy="6858000"/>
+          </a:xfrm>
+          <a:prstGeom prst="rect">
+            <a:avLst/>
+          </a:prstGeom>
+          <a:solidFill>
+            <a:srgbClr val="F6F6F6"/>
+          </a:solidFill>
+          <a:ln>
+            <a:noFill/>
+          </a:ln>
+        </p:spPr>
+        <p:style>
+          <a:lnRef idx="2">
+            <a:schemeClr val="accent1">
+              <a:shade val="50000"/>
+            </a:schemeClr>
+          </a:lnRef>
+          <a:fillRef idx="1">
+            <a:schemeClr val="accent1"/>
+          </a:fillRef>
+          <a:effectRef idx="0">
+            <a:schemeClr val="accent1"/>
+          </a:effectRef>
+          <a:fontRef idx="minor">
+            <a:schemeClr val="lt1"/>
+          </a:fontRef>
+        </p:style>
+        <p:txBody>
+          <a:bodyPr rtlCol="0" anchor="ctr"/>
+          <a:lstStyle/>
+          <a:p>
+            <a:pPr algn="ctr"/>
+            <a:endParaRPr lang="zh-CN" altLang="en-US"/>
+          </a:p>
+        </p:txBody>
+      </p:sp>
+      <p:pic>
+        <p:nvPicPr>
+          <p:cNvPr id="9" name="图片 8"/>
+          <p:cNvPicPr>
+            <a:picLocks noChangeAspect="1"/>
+          </p:cNvPicPr>
+          <p:nvPr/>
+        </p:nvPicPr>
+        <p:blipFill rotWithShape="1">
+          <a:blip r:embed="rId1">
+            <a:extLst>
+              <a:ext uri="{28A0092B-C50C-407E-A947-70E740481C1C}">
+                <a14:useLocalDpi xmlns:a14="http://schemas.microsoft.com/office/drawing/2010/main" val="0"/>
+              </a:ext>
+            </a:extLst>
+          </a:blip>
+          <a:srcRect t="1" b="9206"/>
+          <a:stretch>
+            <a:fillRect/>
+          </a:stretch>
+        </p:blipFill>
+        <p:spPr>
+          <a:xfrm rot="16200000">
+            <a:off x="6925266" y="1499518"/>
+            <a:ext cx="6752664" cy="3772929"/>
+          </a:xfrm>
+          <a:prstGeom prst="rect">
+            <a:avLst/>
+          </a:prstGeom>
+          <a:solidFill>
+            <a:srgbClr val="F6F6F6"/>
+          </a:solidFill>
+        </p:spPr>
+      </p:pic>
+      <p:sp>
+        <p:nvSpPr>
+          <p:cNvPr id="5" name="文本框 3"/>
+          <p:cNvSpPr txBox="1"/>
+          <p:nvPr/>
+        </p:nvSpPr>
+        <p:spPr>
+          <a:xfrm>
+            <a:off x="1159426" y="2462615"/>
+            <a:ext cx="7719524" cy="1314178"/>
+          </a:xfrm>
+          <a:prstGeom prst="rect">
+            <a:avLst/>
+          </a:prstGeom>
+          <a:noFill/>
+        </p:spPr>
+        <p:txBody>
+          <a:bodyPr wrap="square" lIns="91412" tIns="45706" rIns="91412" bIns="45706" rtlCol="0">
+            <a:spAutoFit/>
+          </a:bodyPr>
+          <a:lstStyle/>
+          <a:p>
+            <a:pPr>
+              <a:lnSpc>
+                <a:spcPct val="150000"/>
+              </a:lnSpc>
+            </a:pPr>
+            <a:r>
+              <a:rPr lang="zh-CN" altLang="en-US" sz="6000" dirty="0">
+                <a:solidFill>
+                  <a:schemeClr val="tx1">
+                    <a:lumMod val="75000"/>
+                    <a:lumOff val="25000"/>
+                  </a:schemeClr>
+                </a:solidFill>
+                <a:latin typeface="微软雅黑" panose="020B0503020204020204" pitchFamily="34" charset="-122"/>
+                <a:ea typeface="微软雅黑" panose="020B0503020204020204" pitchFamily="34" charset="-122"/>
+                <a:cs typeface="Candara Light" panose="020E0502030303020204" charset="0"/>
+              </a:rPr>
+              <a:t>演讲完毕   谢谢观看</a:t>
+            </a:r>
+            <a:endParaRPr lang="id-ID" altLang="zh-CN" sz="6000" dirty="0">
+              <a:solidFill>
+                <a:schemeClr val="tx1">
+                  <a:lumMod val="75000"/>
+                  <a:lumOff val="25000"/>
+                </a:schemeClr>
+              </a:solidFill>
+              <a:latin typeface="微软雅黑" panose="020B0503020204020204" pitchFamily="34" charset="-122"/>
+              <a:ea typeface="微软雅黑" panose="020B0503020204020204" pitchFamily="34" charset="-122"/>
+              <a:cs typeface="Candara Light" panose="020E0502030303020204" charset="0"/>
+            </a:endParaRPr>
+          </a:p>
+        </p:txBody>
+      </p:sp>
+      <p:sp>
+        <p:nvSpPr>
+          <p:cNvPr id="7" name="文本框 5"/>
+          <p:cNvSpPr txBox="1"/>
+          <p:nvPr/>
+        </p:nvSpPr>
+        <p:spPr>
+          <a:xfrm>
+            <a:off x="3127512" y="4888220"/>
+            <a:ext cx="3018948" cy="274320"/>
+          </a:xfrm>
+          <a:prstGeom prst="rect">
+            <a:avLst/>
+          </a:prstGeom>
+          <a:solidFill>
+            <a:schemeClr val="accent2"/>
+          </a:solidFill>
+          <a:ln>
+            <a:noFill/>
+          </a:ln>
+        </p:spPr>
+        <p:txBody>
+          <a:bodyPr wrap="square" lIns="91412" tIns="45706" rIns="91412" bIns="45706" rtlCol="0">
+            <a:spAutoFit/>
+          </a:bodyPr>
+          <a:lstStyle/>
+          <a:p>
+            <a:pPr algn="ctr"/>
+            <a:r>
+              <a:rPr lang="zh-CN" altLang="en-US" sz="1200" dirty="0">
+                <a:solidFill>
+                  <a:schemeClr val="bg1"/>
+                </a:solidFill>
+                <a:latin typeface="锐字云字库美黑体1.0" panose="02010604000000000000" charset="-122"/>
+                <a:ea typeface="锐字云字库美黑体1.0" panose="02010604000000000000" charset="-122"/>
+              </a:rPr>
+              <a:t>汇报组：</a:t>
+            </a:r>
+            <a:r>
+              <a:rPr lang="en-US" altLang="zh-CN" sz="1200" dirty="0">
+                <a:solidFill>
+                  <a:schemeClr val="bg1"/>
+                </a:solidFill>
+                <a:latin typeface="锐字云字库美黑体1.0" panose="02010604000000000000" charset="-122"/>
+                <a:ea typeface="锐字云字库美黑体1.0" panose="02010604000000000000" charset="-122"/>
+              </a:rPr>
+              <a:t>G005</a:t>
+            </a:r>
+            <a:r>
+              <a:rPr lang="zh-CN" altLang="en-US" sz="1200" dirty="0">
+                <a:solidFill>
+                  <a:schemeClr val="bg1"/>
+                </a:solidFill>
+                <a:latin typeface="锐字云字库美黑体1.0" panose="02010604000000000000" charset="-122"/>
+                <a:ea typeface="锐字云字库美黑体1.0" panose="02010604000000000000" charset="-122"/>
+              </a:rPr>
+              <a:t>      时间：</a:t>
+            </a:r>
+            <a:r>
+              <a:rPr lang="en-US" altLang="zh-CN" sz="1200" dirty="0">
+                <a:solidFill>
+                  <a:schemeClr val="bg1"/>
+                </a:solidFill>
+                <a:latin typeface="锐字云字库美黑体1.0" panose="02010604000000000000" charset="-122"/>
+                <a:ea typeface="锐字云字库美黑体1.0" panose="02010604000000000000" charset="-122"/>
+              </a:rPr>
+              <a:t>2021</a:t>
+            </a:r>
+            <a:r>
+              <a:rPr lang="zh-CN" altLang="en-US" sz="1200" dirty="0">
+                <a:solidFill>
+                  <a:schemeClr val="bg1"/>
+                </a:solidFill>
+                <a:latin typeface="锐字云字库美黑体1.0" panose="02010604000000000000" charset="-122"/>
+                <a:ea typeface="锐字云字库美黑体1.0" panose="02010604000000000000" charset="-122"/>
+              </a:rPr>
+              <a:t>年</a:t>
+            </a:r>
+            <a:r>
+              <a:rPr lang="en-US" altLang="zh-CN" sz="1200" dirty="0">
+                <a:solidFill>
+                  <a:schemeClr val="bg1"/>
+                </a:solidFill>
+                <a:latin typeface="锐字云字库美黑体1.0" panose="02010604000000000000" charset="-122"/>
+                <a:ea typeface="锐字云字库美黑体1.0" panose="02010604000000000000" charset="-122"/>
+              </a:rPr>
+              <a:t>11</a:t>
+            </a:r>
+            <a:r>
+              <a:rPr lang="zh-CN" altLang="en-US" sz="1200" dirty="0">
+                <a:solidFill>
+                  <a:schemeClr val="bg1"/>
+                </a:solidFill>
+                <a:latin typeface="锐字云字库美黑体1.0" panose="02010604000000000000" charset="-122"/>
+                <a:ea typeface="锐字云字库美黑体1.0" panose="02010604000000000000" charset="-122"/>
+              </a:rPr>
+              <a:t>月</a:t>
+            </a:r>
+            <a:endParaRPr lang="zh-CN" altLang="zh-CN" sz="1200" dirty="0">
+              <a:solidFill>
+                <a:schemeClr val="bg1"/>
+              </a:solidFill>
+              <a:latin typeface="锐字云字库美黑体1.0" panose="02010604000000000000" charset="-122"/>
+              <a:ea typeface="锐字云字库美黑体1.0" panose="02010604000000000000" charset="-122"/>
+            </a:endParaRPr>
+          </a:p>
+        </p:txBody>
+      </p:sp>
+    </p:spTree>
+  </p:cSld>
+  <p:clrMapOvr>
+    <a:masterClrMapping/>
+  </p:clrMapOvr>
+  <mc:AlternateContent xmlns:mc="http://schemas.openxmlformats.org/markup-compatibility/2006">
+    <mc:Choice xmlns:p14="http://schemas.microsoft.com/office/powerpoint/2010/main" Requires="p14">
+      <p:transition spd="slow" p14:dur="1000" advClick="0">
+        <p:cover dir="lu"/>
+      </p:transition>
+    </mc:Choice>
+    <mc:Fallback>
+      <p:transition spd="slow" advClick="0">
+        <p:cover dir="lu"/>
+      </p:transition>
+    </mc:Fallback>
+  </mc:AlternateContent>
+  <p:timing>
+    <p:tnLst>
+      <p:par>
+        <p:cTn id="1" dur="indefinite" restart="never" nodeType="tmRoot">
+          <p:childTnLst>
+            <p:seq concurrent="1" nextAc="seek">
+              <p:cTn id="2" dur="indefinite" nodeType="mainSeq">
+                <p:childTnLst>
+                  <p:par>
+                    <p:cTn id="3" fill="hold">
+                      <p:stCondLst>
+                        <p:cond delay="indefinite"/>
+                        <p:cond evt="onBegin" delay="0">
+                          <p:tn val="2"/>
+                        </p:cond>
+                      </p:stCondLst>
+                      <p:childTnLst>
+                        <p:par>
+                          <p:cTn id="4" fill="hold">
+                            <p:stCondLst>
+                              <p:cond delay="0"/>
+                            </p:stCondLst>
+                            <p:childTnLst>
+                              <p:par>
+                                <p:cTn id="5" presetID="2" presetClass="entr" presetSubtype="2" fill="hold" nodeType="withEffect">
+                                  <p:stCondLst>
+                                    <p:cond delay="0"/>
+                                  </p:stCondLst>
+                                  <p:childTnLst>
+                                    <p:set>
+                                      <p:cBhvr>
+                                        <p:cTn id="6" dur="1" fill="hold">
+                                          <p:stCondLst>
+                                            <p:cond delay="0"/>
+                                          </p:stCondLst>
+                                        </p:cTn>
+                                        <p:tgtEl>
+                                          <p:spTgt spid="9"/>
+                                        </p:tgtEl>
+                                        <p:attrNameLst>
+                                          <p:attrName>style.visibility</p:attrName>
+                                        </p:attrNameLst>
+                                      </p:cBhvr>
+                                      <p:to>
+                                        <p:strVal val="visible"/>
+                                      </p:to>
+                                    </p:set>
+                                    <p:anim calcmode="lin" valueType="num">
+                                      <p:cBhvr additive="base">
+                                        <p:cTn id="7" dur="500" fill="hold"/>
+                                        <p:tgtEl>
+                                          <p:spTgt spid="9"/>
+                                        </p:tgtEl>
+                                        <p:attrNameLst>
+                                          <p:attrName>ppt_x</p:attrName>
+                                        </p:attrNameLst>
+                                      </p:cBhvr>
+                                      <p:tavLst>
+                                        <p:tav tm="0">
+                                          <p:val>
+                                            <p:strVal val="1+#ppt_w/2"/>
+                                          </p:val>
+                                        </p:tav>
+                                        <p:tav tm="100000">
+                                          <p:val>
+                                            <p:strVal val="#ppt_x"/>
+                                          </p:val>
+                                        </p:tav>
+                                      </p:tavLst>
+                                    </p:anim>
+                                    <p:anim calcmode="lin" valueType="num">
+                                      <p:cBhvr additive="base">
+                                        <p:cTn id="8" dur="500" fill="hold"/>
+                                        <p:tgtEl>
+                                          <p:spTgt spid="9"/>
+                                        </p:tgtEl>
+                                        <p:attrNameLst>
+                                          <p:attrName>ppt_y</p:attrName>
+                                        </p:attrNameLst>
+                                      </p:cBhvr>
+                                      <p:tavLst>
+                                        <p:tav tm="0">
+                                          <p:val>
+                                            <p:strVal val="#ppt_y"/>
+                                          </p:val>
+                                        </p:tav>
+                                        <p:tav tm="100000">
+                                          <p:val>
+                                            <p:strVal val="#ppt_y"/>
+                                          </p:val>
+                                        </p:tav>
+                                      </p:tavLst>
+                                    </p:anim>
+                                  </p:childTnLst>
+                                </p:cTn>
+                              </p:par>
+                            </p:childTnLst>
+                          </p:cTn>
+                        </p:par>
+                        <p:par>
+                          <p:cTn id="9" fill="hold">
+                            <p:stCondLst>
+                              <p:cond delay="500"/>
+                            </p:stCondLst>
+                            <p:childTnLst>
+                              <p:par>
+                                <p:cTn id="10" presetID="56" presetClass="entr" presetSubtype="0" fill="hold" grpId="0" nodeType="afterEffect">
+                                  <p:stCondLst>
+                                    <p:cond delay="0"/>
+                                  </p:stCondLst>
+                                  <p:iterate type="lt">
+                                    <p:tmPct val="10000"/>
+                                  </p:iterate>
+                                  <p:childTnLst>
+                                    <p:set>
+                                      <p:cBhvr>
+                                        <p:cTn id="11" dur="1" fill="hold">
+                                          <p:stCondLst>
+                                            <p:cond delay="0"/>
+                                          </p:stCondLst>
+                                        </p:cTn>
+                                        <p:tgtEl>
+                                          <p:spTgt spid="5"/>
+                                        </p:tgtEl>
+                                        <p:attrNameLst>
+                                          <p:attrName>style.visibility</p:attrName>
+                                        </p:attrNameLst>
+                                      </p:cBhvr>
+                                      <p:to>
+                                        <p:strVal val="visible"/>
+                                      </p:to>
+                                    </p:set>
+                                    <p:anim by="(-#ppt_w*2)" calcmode="lin" valueType="num">
+                                      <p:cBhvr rctx="PPT">
+                                        <p:cTn id="12" dur="500" autoRev="1" fill="hold">
+                                          <p:stCondLst>
+                                            <p:cond delay="0"/>
+                                          </p:stCondLst>
+                                        </p:cTn>
+                                        <p:tgtEl>
+                                          <p:spTgt spid="5"/>
+                                        </p:tgtEl>
+                                        <p:attrNameLst>
+                                          <p:attrName>ppt_w</p:attrName>
+                                        </p:attrNameLst>
+                                      </p:cBhvr>
+                                    </p:anim>
+                                    <p:anim by="(#ppt_w*0.50)" calcmode="lin" valueType="num">
+                                      <p:cBhvr>
+                                        <p:cTn id="13" dur="500" decel="50000" autoRev="1" fill="hold">
+                                          <p:stCondLst>
+                                            <p:cond delay="0"/>
+                                          </p:stCondLst>
+                                        </p:cTn>
+                                        <p:tgtEl>
+                                          <p:spTgt spid="5"/>
+                                        </p:tgtEl>
+                                        <p:attrNameLst>
+                                          <p:attrName>ppt_x</p:attrName>
+                                        </p:attrNameLst>
+                                      </p:cBhvr>
+                                    </p:anim>
+                                    <p:anim from="(-#ppt_h/2)" to="(#ppt_y)" calcmode="lin" valueType="num">
+                                      <p:cBhvr>
+                                        <p:cTn id="14" dur="1000" fill="hold">
+                                          <p:stCondLst>
+                                            <p:cond delay="0"/>
+                                          </p:stCondLst>
+                                        </p:cTn>
+                                        <p:tgtEl>
+                                          <p:spTgt spid="5"/>
+                                        </p:tgtEl>
+                                        <p:attrNameLst>
+                                          <p:attrName>ppt_y</p:attrName>
+                                        </p:attrNameLst>
+                                      </p:cBhvr>
+                                    </p:anim>
+                                    <p:animRot by="21600000">
+                                      <p:cBhvr>
+                                        <p:cTn id="15" dur="1000" fill="hold">
+                                          <p:stCondLst>
+                                            <p:cond delay="0"/>
+                                          </p:stCondLst>
+                                        </p:cTn>
+                                        <p:tgtEl>
+                                          <p:spTgt spid="5"/>
+                                        </p:tgtEl>
+                                        <p:attrNameLst>
+                                          <p:attrName>r</p:attrName>
+                                        </p:attrNameLst>
+                                      </p:cBhvr>
+                                    </p:animRot>
+                                  </p:childTnLst>
+                                </p:cTn>
+                              </p:par>
+                            </p:childTnLst>
+                          </p:cTn>
+                        </p:par>
+                        <p:par>
+                          <p:cTn id="16" fill="hold">
+                            <p:stCondLst>
+                              <p:cond delay="2000"/>
+                            </p:stCondLst>
+                            <p:childTnLst>
+                              <p:par>
+                                <p:cTn id="17" presetID="2" presetClass="entr" presetSubtype="8" fill="hold" grpId="0" nodeType="afterEffect">
+                                  <p:stCondLst>
+                                    <p:cond delay="0"/>
+                                  </p:stCondLst>
+                                  <p:childTnLst>
+                                    <p:set>
+                                      <p:cBhvr>
+                                        <p:cTn id="18" dur="1" fill="hold">
+                                          <p:stCondLst>
+                                            <p:cond delay="0"/>
+                                          </p:stCondLst>
+                                        </p:cTn>
+                                        <p:tgtEl>
+                                          <p:spTgt spid="7"/>
+                                        </p:tgtEl>
+                                        <p:attrNameLst>
+                                          <p:attrName>style.visibility</p:attrName>
+                                        </p:attrNameLst>
+                                      </p:cBhvr>
+                                      <p:to>
+                                        <p:strVal val="visible"/>
+                                      </p:to>
+                                    </p:set>
+                                    <p:anim calcmode="lin" valueType="num">
+                                      <p:cBhvr additive="base">
+                                        <p:cTn id="19" dur="500" fill="hold"/>
+                                        <p:tgtEl>
+                                          <p:spTgt spid="7"/>
+                                        </p:tgtEl>
+                                        <p:attrNameLst>
+                                          <p:attrName>ppt_x</p:attrName>
+                                        </p:attrNameLst>
+                                      </p:cBhvr>
+                                      <p:tavLst>
+                                        <p:tav tm="0">
+                                          <p:val>
+                                            <p:strVal val="0-#ppt_w/2"/>
+                                          </p:val>
+                                        </p:tav>
+                                        <p:tav tm="100000">
+                                          <p:val>
+                                            <p:strVal val="#ppt_x"/>
+                                          </p:val>
+                                        </p:tav>
+                                      </p:tavLst>
+                                    </p:anim>
+                                    <p:anim calcmode="lin" valueType="num">
+                                      <p:cBhvr additive="base">
+                                        <p:cTn id="20" dur="500" fill="hold"/>
+                                        <p:tgtEl>
+                                          <p:spTgt spid="7"/>
+                                        </p:tgtEl>
+                                        <p:attrNameLst>
+                                          <p:attrName>ppt_y</p:attrName>
+                                        </p:attrNameLst>
+                                      </p:cBhvr>
+                                      <p:tavLst>
+                                        <p:tav tm="0">
+                                          <p:val>
+                                            <p:strVal val="#ppt_y"/>
+                                          </p:val>
+                                        </p:tav>
+                                        <p:tav tm="100000">
+                                          <p:val>
+                                            <p:strVal val="#ppt_y"/>
+                                          </p:val>
+                                        </p:tav>
+                                      </p:tavLst>
+                                    </p:anim>
+                                  </p:childTnLst>
+                                </p:cTn>
+                              </p:par>
+                            </p:childTnLst>
+                          </p:cTn>
+                        </p:par>
+                      </p:childTnLst>
+                    </p:cTn>
+                  </p:par>
+                </p:childTnLst>
+              </p:cTn>
+              <p:prevCondLst>
+                <p:cond evt="onPrev" delay="0">
+                  <p:tgtEl>
+                    <p:sldTgt/>
+                  </p:tgtEl>
+                </p:cond>
+              </p:prevCondLst>
+              <p:nextCondLst>
+                <p:cond evt="onNext" delay="0">
+                  <p:tgtEl>
+                    <p:sldTgt/>
+                  </p:tgtEl>
+                </p:cond>
+              </p:nextCondLst>
+            </p:seq>
+          </p:childTnLst>
+        </p:cTn>
+      </p:par>
+    </p:tnLst>
+    <p:bldLst>
+      <p:bldP spid="5" grpId="0"/>
+      <p:bldP spid="7" grpId="0" bldLvl="0" animBg="1"/>
     </p:bldLst>
   </p:timing>
 </p:sld>
@@ -23886,6 +32011,126 @@
           </a:fontRef>
         </p:style>
       </p:cxnSp>
+      <p:pic>
+        <p:nvPicPr>
+          <p:cNvPr id="3" name="图片 2"/>
+          <p:cNvPicPr>
+            <a:picLocks noChangeAspect="1"/>
+          </p:cNvPicPr>
+          <p:nvPr/>
+        </p:nvPicPr>
+        <p:blipFill>
+          <a:blip r:embed="rId2"/>
+          <a:stretch>
+            <a:fillRect/>
+          </a:stretch>
+        </p:blipFill>
+        <p:spPr>
+          <a:xfrm>
+            <a:off x="5071110" y="339725"/>
+            <a:ext cx="3507105" cy="6229350"/>
+          </a:xfrm>
+          <a:prstGeom prst="rect">
+            <a:avLst/>
+          </a:prstGeom>
+        </p:spPr>
+      </p:pic>
+      <p:pic>
+        <p:nvPicPr>
+          <p:cNvPr id="21" name="图片 20"/>
+          <p:cNvPicPr>
+            <a:picLocks noChangeAspect="1"/>
+          </p:cNvPicPr>
+          <p:nvPr/>
+        </p:nvPicPr>
+        <p:blipFill>
+          <a:blip r:embed="rId3"/>
+          <a:stretch>
+            <a:fillRect/>
+          </a:stretch>
+        </p:blipFill>
+        <p:spPr>
+          <a:xfrm>
+            <a:off x="5076825" y="339725"/>
+            <a:ext cx="3512185" cy="6229985"/>
+          </a:xfrm>
+          <a:prstGeom prst="rect">
+            <a:avLst/>
+          </a:prstGeom>
+        </p:spPr>
+      </p:pic>
+      <p:pic>
+        <p:nvPicPr>
+          <p:cNvPr id="22" name="图片 21"/>
+          <p:cNvPicPr>
+            <a:picLocks noChangeAspect="1"/>
+          </p:cNvPicPr>
+          <p:nvPr/>
+        </p:nvPicPr>
+        <p:blipFill>
+          <a:blip r:embed="rId4"/>
+          <a:stretch>
+            <a:fillRect/>
+          </a:stretch>
+        </p:blipFill>
+        <p:spPr>
+          <a:xfrm>
+            <a:off x="5074920" y="339725"/>
+            <a:ext cx="3510915" cy="6243320"/>
+          </a:xfrm>
+          <a:prstGeom prst="rect">
+            <a:avLst/>
+          </a:prstGeom>
+        </p:spPr>
+      </p:pic>
+      <p:pic>
+        <p:nvPicPr>
+          <p:cNvPr id="23" name="图片 22"/>
+          <p:cNvPicPr>
+            <a:picLocks noChangeAspect="1"/>
+          </p:cNvPicPr>
+          <p:nvPr/>
+        </p:nvPicPr>
+        <p:blipFill>
+          <a:blip r:embed="rId5"/>
+          <a:stretch>
+            <a:fillRect/>
+          </a:stretch>
+        </p:blipFill>
+        <p:spPr>
+          <a:xfrm>
+            <a:off x="5094605" y="339725"/>
+            <a:ext cx="3483610" cy="6229350"/>
+          </a:xfrm>
+          <a:prstGeom prst="rect">
+            <a:avLst/>
+          </a:prstGeom>
+        </p:spPr>
+      </p:pic>
+      <p:pic>
+        <p:nvPicPr>
+          <p:cNvPr id="24" name="图片 23"/>
+          <p:cNvPicPr>
+            <a:picLocks noChangeAspect="1"/>
+          </p:cNvPicPr>
+          <p:nvPr/>
+        </p:nvPicPr>
+        <p:blipFill>
+          <a:blip r:embed="rId6"/>
+          <a:stretch>
+            <a:fillRect/>
+          </a:stretch>
+        </p:blipFill>
+        <p:spPr>
+          <a:xfrm>
+            <a:off x="5074285" y="339725"/>
+            <a:ext cx="3503930" cy="6229350"/>
+          </a:xfrm>
+          <a:prstGeom prst="rect">
+            <a:avLst/>
+          </a:prstGeom>
+        </p:spPr>
+      </p:pic>
     </p:spTree>
   </p:cSld>
   <p:clrMapOvr>
@@ -24477,6 +32722,271 @@
                                         <p:cTn id="52" dur="500"/>
                                         <p:tgtEl>
                                           <p:spTgt spid="19"/>
+                                        </p:tgtEl>
+                                      </p:cBhvr>
+                                    </p:animEffect>
+                                  </p:childTnLst>
+                                </p:cTn>
+                              </p:par>
+                            </p:childTnLst>
+                          </p:cTn>
+                        </p:par>
+                      </p:childTnLst>
+                    </p:cTn>
+                  </p:par>
+                  <p:par>
+                    <p:cTn id="53" fill="hold">
+                      <p:stCondLst>
+                        <p:cond delay="indefinite"/>
+                      </p:stCondLst>
+                      <p:childTnLst>
+                        <p:par>
+                          <p:cTn id="54" fill="hold">
+                            <p:stCondLst>
+                              <p:cond delay="0"/>
+                            </p:stCondLst>
+                            <p:childTnLst>
+                              <p:par>
+                                <p:cTn id="55" presetID="10" presetClass="entr" presetSubtype="0" fill="hold" nodeType="clickEffect">
+                                  <p:stCondLst>
+                                    <p:cond delay="0"/>
+                                  </p:stCondLst>
+                                  <p:childTnLst>
+                                    <p:set>
+                                      <p:cBhvr>
+                                        <p:cTn id="56" dur="1" fill="hold">
+                                          <p:stCondLst>
+                                            <p:cond delay="0"/>
+                                          </p:stCondLst>
+                                        </p:cTn>
+                                        <p:tgtEl>
+                                          <p:spTgt spid="3"/>
+                                        </p:tgtEl>
+                                        <p:attrNameLst>
+                                          <p:attrName>style.visibility</p:attrName>
+                                        </p:attrNameLst>
+                                      </p:cBhvr>
+                                      <p:to>
+                                        <p:strVal val="visible"/>
+                                      </p:to>
+                                    </p:set>
+                                    <p:animEffect transition="in" filter="fade">
+                                      <p:cBhvr>
+                                        <p:cTn id="57" dur="500"/>
+                                        <p:tgtEl>
+                                          <p:spTgt spid="3"/>
+                                        </p:tgtEl>
+                                      </p:cBhvr>
+                                    </p:animEffect>
+                                  </p:childTnLst>
+                                </p:cTn>
+                              </p:par>
+                            </p:childTnLst>
+                          </p:cTn>
+                        </p:par>
+                      </p:childTnLst>
+                    </p:cTn>
+                  </p:par>
+                  <p:par>
+                    <p:cTn id="58" fill="hold">
+                      <p:stCondLst>
+                        <p:cond delay="indefinite"/>
+                      </p:stCondLst>
+                      <p:childTnLst>
+                        <p:par>
+                          <p:cTn id="59" fill="hold">
+                            <p:stCondLst>
+                              <p:cond delay="0"/>
+                            </p:stCondLst>
+                            <p:childTnLst>
+                              <p:par>
+                                <p:cTn id="60" presetID="10" presetClass="entr" presetSubtype="0" fill="hold" nodeType="clickEffect">
+                                  <p:stCondLst>
+                                    <p:cond delay="0"/>
+                                  </p:stCondLst>
+                                  <p:childTnLst>
+                                    <p:set>
+                                      <p:cBhvr>
+                                        <p:cTn id="61" dur="1" fill="hold">
+                                          <p:stCondLst>
+                                            <p:cond delay="0"/>
+                                          </p:stCondLst>
+                                        </p:cTn>
+                                        <p:tgtEl>
+                                          <p:spTgt spid="21"/>
+                                        </p:tgtEl>
+                                        <p:attrNameLst>
+                                          <p:attrName>style.visibility</p:attrName>
+                                        </p:attrNameLst>
+                                      </p:cBhvr>
+                                      <p:to>
+                                        <p:strVal val="visible"/>
+                                      </p:to>
+                                    </p:set>
+                                    <p:animEffect transition="in" filter="fade">
+                                      <p:cBhvr>
+                                        <p:cTn id="62" dur="500"/>
+                                        <p:tgtEl>
+                                          <p:spTgt spid="21"/>
+                                        </p:tgtEl>
+                                      </p:cBhvr>
+                                    </p:animEffect>
+                                  </p:childTnLst>
+                                </p:cTn>
+                              </p:par>
+                            </p:childTnLst>
+                          </p:cTn>
+                        </p:par>
+                      </p:childTnLst>
+                    </p:cTn>
+                  </p:par>
+                  <p:par>
+                    <p:cTn id="63" fill="hold">
+                      <p:stCondLst>
+                        <p:cond delay="indefinite"/>
+                      </p:stCondLst>
+                      <p:childTnLst>
+                        <p:par>
+                          <p:cTn id="64" fill="hold">
+                            <p:stCondLst>
+                              <p:cond delay="0"/>
+                            </p:stCondLst>
+                            <p:childTnLst>
+                              <p:par>
+                                <p:cTn id="65" presetID="10" presetClass="entr" presetSubtype="0" fill="hold" nodeType="clickEffect">
+                                  <p:stCondLst>
+                                    <p:cond delay="0"/>
+                                  </p:stCondLst>
+                                  <p:childTnLst>
+                                    <p:set>
+                                      <p:cBhvr>
+                                        <p:cTn id="66" dur="1" fill="hold">
+                                          <p:stCondLst>
+                                            <p:cond delay="0"/>
+                                          </p:stCondLst>
+                                        </p:cTn>
+                                        <p:tgtEl>
+                                          <p:spTgt spid="22"/>
+                                        </p:tgtEl>
+                                        <p:attrNameLst>
+                                          <p:attrName>style.visibility</p:attrName>
+                                        </p:attrNameLst>
+                                      </p:cBhvr>
+                                      <p:to>
+                                        <p:strVal val="visible"/>
+                                      </p:to>
+                                    </p:set>
+                                    <p:animEffect transition="in" filter="fade">
+                                      <p:cBhvr>
+                                        <p:cTn id="67" dur="500"/>
+                                        <p:tgtEl>
+                                          <p:spTgt spid="22"/>
+                                        </p:tgtEl>
+                                      </p:cBhvr>
+                                    </p:animEffect>
+                                  </p:childTnLst>
+                                </p:cTn>
+                              </p:par>
+                            </p:childTnLst>
+                          </p:cTn>
+                        </p:par>
+                      </p:childTnLst>
+                    </p:cTn>
+                  </p:par>
+                  <p:par>
+                    <p:cTn id="68" fill="hold">
+                      <p:stCondLst>
+                        <p:cond delay="indefinite"/>
+                      </p:stCondLst>
+                      <p:childTnLst>
+                        <p:par>
+                          <p:cTn id="69" fill="hold">
+                            <p:stCondLst>
+                              <p:cond delay="0"/>
+                            </p:stCondLst>
+                            <p:childTnLst>
+                              <p:par>
+                                <p:cTn id="70" presetID="10" presetClass="entr" presetSubtype="0" fill="hold" nodeType="clickEffect">
+                                  <p:stCondLst>
+                                    <p:cond delay="0"/>
+                                  </p:stCondLst>
+                                  <p:childTnLst>
+                                    <p:set>
+                                      <p:cBhvr>
+                                        <p:cTn id="71" dur="1" fill="hold">
+                                          <p:stCondLst>
+                                            <p:cond delay="0"/>
+                                          </p:stCondLst>
+                                        </p:cTn>
+                                        <p:tgtEl>
+                                          <p:spTgt spid="23"/>
+                                        </p:tgtEl>
+                                        <p:attrNameLst>
+                                          <p:attrName>style.visibility</p:attrName>
+                                        </p:attrNameLst>
+                                      </p:cBhvr>
+                                      <p:to>
+                                        <p:strVal val="visible"/>
+                                      </p:to>
+                                    </p:set>
+                                    <p:animEffect transition="in" filter="fade">
+                                      <p:cBhvr>
+                                        <p:cTn id="72" dur="500"/>
+                                        <p:tgtEl>
+                                          <p:spTgt spid="23"/>
+                                        </p:tgtEl>
+                                      </p:cBhvr>
+                                    </p:animEffect>
+                                  </p:childTnLst>
+                                </p:cTn>
+                              </p:par>
+                            </p:childTnLst>
+                          </p:cTn>
+                        </p:par>
+                      </p:childTnLst>
+                    </p:cTn>
+                  </p:par>
+                  <p:par>
+                    <p:cTn id="73" fill="hold">
+                      <p:stCondLst>
+                        <p:cond delay="indefinite"/>
+                      </p:stCondLst>
+                      <p:childTnLst>
+                        <p:par>
+                          <p:cTn id="74" fill="hold">
+                            <p:stCondLst>
+                              <p:cond delay="0"/>
+                            </p:stCondLst>
+                            <p:childTnLst>
+                              <p:par>
+                                <p:cTn id="75" presetID="10" presetClass="entr" presetSubtype="0" fill="hold" nodeType="clickEffect">
+                                  <p:stCondLst>
+                                    <p:cond delay="0"/>
+                                  </p:stCondLst>
+                                  <p:childTnLst>
+                                    <p:set>
+                                      <p:cBhvr>
+                                        <p:cTn id="76" dur="1" fill="hold">
+                                          <p:stCondLst>
+                                            <p:cond delay="0"/>
+                                          </p:stCondLst>
+                                        </p:cTn>
+                                        <p:tgtEl>
+                                          <p:spTgt spid="24"/>
+                                        </p:tgtEl>
+                                        <p:attrNameLst>
+                                          <p:attrName>style.visibility</p:attrName>
+                                        </p:attrNameLst>
+                                      </p:cBhvr>
+                                      <p:to>
+                                        <p:strVal val="visible"/>
+                                      </p:to>
+                                    </p:set>
+                                    <p:animEffect transition="in" filter="fade">
+                                      <p:cBhvr>
+                                        <p:cTn id="77" dur="500"/>
+                                        <p:tgtEl>
+                                          <p:spTgt spid="24"/>
                                         </p:tgtEl>
                                       </p:cBhvr>
                                     </p:animEffect>
@@ -25550,6 +34060,38 @@
 </file>
 
 <file path=ppt/tags/tag1.xml><?xml version="1.0" encoding="utf-8"?>
+<p:tagLst xmlns:p="http://schemas.openxmlformats.org/presentationml/2006/main">
+  <p:tag name="KSO_WM_UNIT_PLACING_PICTURE_USER_VIEWPORT" val="{&quot;height&quot;:11055,&quot;width&quot;:6165}"/>
+</p:tagLst>
+</file>
+
+<file path=ppt/tags/tag2.xml><?xml version="1.0" encoding="utf-8"?>
+<p:tagLst xmlns:p="http://schemas.openxmlformats.org/presentationml/2006/main">
+  <p:tag name="KSO_WM_UNIT_TABLE_BEAUTIFY" val="smartTable{eaa0c987-ccac-4c95-bd9e-6187a9de8864}"/>
+  <p:tag name="TABLE_ENDDRAG_ORIGIN_RECT" val="492*476"/>
+  <p:tag name="TABLE_ENDDRAG_RECT" val="320*21*492*476"/>
+</p:tagLst>
+</file>
+
+<file path=ppt/tags/tag3.xml><?xml version="1.0" encoding="utf-8"?>
+<p:tagLst xmlns:p="http://schemas.openxmlformats.org/presentationml/2006/main">
+  <p:tag name="KSO_WM_UNIT_TABLE_BEAUTIFY" val="smartTable{9a187c9a-ab9c-48ae-9ad7-500e6c7aa231}"/>
+</p:tagLst>
+</file>
+
+<file path=ppt/tags/tag4.xml><?xml version="1.0" encoding="utf-8"?>
+<p:tagLst xmlns:p="http://schemas.openxmlformats.org/presentationml/2006/main">
+  <p:tag name="KSO_WM_UNIT_TABLE_BEAUTIFY" val="smartTable{ead46a16-a0d9-483a-9726-bfaf04ab9b43}"/>
+</p:tagLst>
+</file>
+
+<file path=ppt/tags/tag5.xml><?xml version="1.0" encoding="utf-8"?>
+<p:tagLst xmlns:p="http://schemas.openxmlformats.org/presentationml/2006/main">
+  <p:tag name="KSO_WM_UNIT_TABLE_BEAUTIFY" val="smartTable{1d77713a-f8b9-44b8-9c74-3566e29d8964}"/>
+</p:tagLst>
+</file>
+
+<file path=ppt/tags/tag6.xml><?xml version="1.0" encoding="utf-8"?>
 <p:tagLst xmlns:p="http://schemas.openxmlformats.org/presentationml/2006/main">
   <p:tag name="ISPRING_PRESENTATION_TITLE" val="炫彩气泡简洁大气商业计划书PPT模板"/>
   <p:tag name="ISPRING_ULTRA_SCORM_COURSE_ID" val="B6BCA88A-A948-49FB-87E9-F1B64DACEF6F"/>

--- a/[8]实现与测试/SE2021-G005-成果演示.pptx
+++ b/[8]实现与测试/SE2021-G005-成果演示.pptx
@@ -8,7 +8,7 @@
     <p:notesMasterId r:id="rId4"/>
   </p:notesMasterIdLst>
   <p:handoutMasterIdLst>
-    <p:handoutMasterId r:id="rId34"/>
+    <p:handoutMasterId r:id="rId28"/>
   </p:handoutMasterIdLst>
   <p:sldIdLst>
     <p:sldId id="317" r:id="rId3"/>
@@ -34,18 +34,12 @@
     <p:sldId id="652" r:id="rId24"/>
     <p:sldId id="653" r:id="rId25"/>
     <p:sldId id="654" r:id="rId26"/>
-    <p:sldId id="661" r:id="rId27"/>
-    <p:sldId id="662" r:id="rId28"/>
-    <p:sldId id="663" r:id="rId29"/>
-    <p:sldId id="664" r:id="rId30"/>
-    <p:sldId id="665" r:id="rId31"/>
-    <p:sldId id="666" r:id="rId32"/>
-    <p:sldId id="427" r:id="rId33"/>
+    <p:sldId id="427" r:id="rId27"/>
   </p:sldIdLst>
   <p:sldSz cx="12192000" cy="6858000"/>
   <p:notesSz cx="6858000" cy="9144000"/>
   <p:custDataLst>
-    <p:tags r:id="rId38"/>
+    <p:tags r:id="rId32"/>
   </p:custDataLst>
   <p:defaultTextStyle>
     <a:defPPr>
@@ -1973,407 +1967,7 @@
           <a:bodyPr/>
           <a:lstStyle/>
           <a:p>
-            <a:fld id="{2EA5A05C-F0C7-42B6-A6FD-D285A38D1488}" type="slidenum">
-              <a:rPr lang="zh-CN" altLang="en-US" smtClean="0"/>
-            </a:fld>
-            <a:endParaRPr lang="zh-CN" altLang="en-US"/>
-          </a:p>
-        </p:txBody>
-      </p:sp>
-    </p:spTree>
-  </p:cSld>
-  <p:clrMapOvr>
-    <a:masterClrMapping/>
-  </p:clrMapOvr>
-</p:notes>
-</file>
-
-<file path=ppt/notesSlides/notesSlide25.xml><?xml version="1.0" encoding="utf-8"?>
-<p:notes xmlns:a="http://schemas.openxmlformats.org/drawingml/2006/main" xmlns:r="http://schemas.openxmlformats.org/officeDocument/2006/relationships" xmlns:p="http://schemas.openxmlformats.org/presentationml/2006/main">
-  <p:cSld>
-    <p:spTree>
-      <p:nvGrpSpPr>
-        <p:cNvPr id="1" name=""/>
-        <p:cNvGrpSpPr/>
-        <p:nvPr/>
-      </p:nvGrpSpPr>
-      <p:grpSpPr>
-        <a:xfrm>
-          <a:off x="0" y="0"/>
-          <a:ext cx="0" cy="0"/>
-          <a:chOff x="0" y="0"/>
-          <a:chExt cx="0" cy="0"/>
-        </a:xfrm>
-      </p:grpSpPr>
-      <p:sp>
-        <p:nvSpPr>
-          <p:cNvPr id="2" name="幻灯片图像占位符 1"/>
-          <p:cNvSpPr>
-            <a:spLocks noGrp="1" noRot="1" noChangeAspect="1"/>
-          </p:cNvSpPr>
-          <p:nvPr>
-            <p:ph type="sldImg"/>
-          </p:nvPr>
-        </p:nvSpPr>
-        <p:spPr/>
-      </p:sp>
-      <p:sp>
-        <p:nvSpPr>
-          <p:cNvPr id="3" name="备注占位符 2"/>
-          <p:cNvSpPr>
-            <a:spLocks noGrp="1"/>
-          </p:cNvSpPr>
-          <p:nvPr>
-            <p:ph type="body" idx="1"/>
-          </p:nvPr>
-        </p:nvSpPr>
-        <p:spPr/>
-        <p:txBody>
-          <a:bodyPr>
-            <a:normAutofit/>
-          </a:bodyPr>
-          <a:lstStyle/>
-          <a:p>
-            <a:endParaRPr lang="zh-CN" altLang="en-US"/>
-          </a:p>
-        </p:txBody>
-      </p:sp>
-      <p:sp>
-        <p:nvSpPr>
-          <p:cNvPr id="4" name="灯片编号占位符 3"/>
-          <p:cNvSpPr>
-            <a:spLocks noGrp="1"/>
-          </p:cNvSpPr>
-          <p:nvPr>
-            <p:ph type="sldNum" sz="quarter" idx="10"/>
-          </p:nvPr>
-        </p:nvSpPr>
-        <p:spPr/>
-        <p:txBody>
-          <a:bodyPr/>
-          <a:lstStyle/>
-          <a:p>
-            <a:fld id="{EFFE4F62-605D-4A72-9B78-2AF5B0B98AE9}" type="slidenum">
-              <a:rPr lang="zh-CN" altLang="en-US" smtClean="0"/>
-            </a:fld>
-            <a:endParaRPr lang="zh-CN" altLang="en-US"/>
-          </a:p>
-        </p:txBody>
-      </p:sp>
-    </p:spTree>
-  </p:cSld>
-  <p:clrMapOvr>
-    <a:masterClrMapping/>
-  </p:clrMapOvr>
-</p:notes>
-</file>
-
-<file path=ppt/notesSlides/notesSlide26.xml><?xml version="1.0" encoding="utf-8"?>
-<p:notes xmlns:a="http://schemas.openxmlformats.org/drawingml/2006/main" xmlns:r="http://schemas.openxmlformats.org/officeDocument/2006/relationships" xmlns:p="http://schemas.openxmlformats.org/presentationml/2006/main">
-  <p:cSld>
-    <p:spTree>
-      <p:nvGrpSpPr>
-        <p:cNvPr id="1" name=""/>
-        <p:cNvGrpSpPr/>
-        <p:nvPr/>
-      </p:nvGrpSpPr>
-      <p:grpSpPr>
-        <a:xfrm>
-          <a:off x="0" y="0"/>
-          <a:ext cx="0" cy="0"/>
-          <a:chOff x="0" y="0"/>
-          <a:chExt cx="0" cy="0"/>
-        </a:xfrm>
-      </p:grpSpPr>
-      <p:sp>
-        <p:nvSpPr>
-          <p:cNvPr id="2" name="幻灯片图像占位符 1"/>
-          <p:cNvSpPr>
-            <a:spLocks noGrp="1" noRot="1" noChangeAspect="1"/>
-          </p:cNvSpPr>
-          <p:nvPr>
-            <p:ph type="sldImg"/>
-          </p:nvPr>
-        </p:nvSpPr>
-        <p:spPr/>
-      </p:sp>
-      <p:sp>
-        <p:nvSpPr>
-          <p:cNvPr id="3" name="备注占位符 2"/>
-          <p:cNvSpPr>
-            <a:spLocks noGrp="1"/>
-          </p:cNvSpPr>
-          <p:nvPr>
-            <p:ph type="body" idx="1"/>
-          </p:nvPr>
-        </p:nvSpPr>
-        <p:spPr/>
-        <p:txBody>
-          <a:bodyPr>
-            <a:normAutofit/>
-          </a:bodyPr>
-          <a:lstStyle/>
-          <a:p>
-            <a:endParaRPr lang="zh-CN" altLang="en-US"/>
-          </a:p>
-        </p:txBody>
-      </p:sp>
-      <p:sp>
-        <p:nvSpPr>
-          <p:cNvPr id="4" name="灯片编号占位符 3"/>
-          <p:cNvSpPr>
-            <a:spLocks noGrp="1"/>
-          </p:cNvSpPr>
-          <p:nvPr>
-            <p:ph type="sldNum" sz="quarter" idx="10"/>
-          </p:nvPr>
-        </p:nvSpPr>
-        <p:spPr/>
-        <p:txBody>
-          <a:bodyPr/>
-          <a:lstStyle/>
-          <a:p>
-            <a:fld id="{EFFE4F62-605D-4A72-9B78-2AF5B0B98AE9}" type="slidenum">
-              <a:rPr lang="zh-CN" altLang="en-US" smtClean="0"/>
-            </a:fld>
-            <a:endParaRPr lang="zh-CN" altLang="en-US"/>
-          </a:p>
-        </p:txBody>
-      </p:sp>
-    </p:spTree>
-  </p:cSld>
-  <p:clrMapOvr>
-    <a:masterClrMapping/>
-  </p:clrMapOvr>
-</p:notes>
-</file>
-
-<file path=ppt/notesSlides/notesSlide27.xml><?xml version="1.0" encoding="utf-8"?>
-<p:notes xmlns:a="http://schemas.openxmlformats.org/drawingml/2006/main" xmlns:r="http://schemas.openxmlformats.org/officeDocument/2006/relationships" xmlns:p="http://schemas.openxmlformats.org/presentationml/2006/main">
-  <p:cSld>
-    <p:spTree>
-      <p:nvGrpSpPr>
-        <p:cNvPr id="1" name=""/>
-        <p:cNvGrpSpPr/>
-        <p:nvPr/>
-      </p:nvGrpSpPr>
-      <p:grpSpPr>
-        <a:xfrm>
-          <a:off x="0" y="0"/>
-          <a:ext cx="0" cy="0"/>
-          <a:chOff x="0" y="0"/>
-          <a:chExt cx="0" cy="0"/>
-        </a:xfrm>
-      </p:grpSpPr>
-      <p:sp>
-        <p:nvSpPr>
-          <p:cNvPr id="2" name="幻灯片图像占位符 1"/>
-          <p:cNvSpPr>
-            <a:spLocks noGrp="1" noRot="1" noChangeAspect="1"/>
-          </p:cNvSpPr>
-          <p:nvPr>
-            <p:ph type="sldImg"/>
-          </p:nvPr>
-        </p:nvSpPr>
-        <p:spPr/>
-      </p:sp>
-      <p:sp>
-        <p:nvSpPr>
-          <p:cNvPr id="3" name="备注占位符 2"/>
-          <p:cNvSpPr>
-            <a:spLocks noGrp="1"/>
-          </p:cNvSpPr>
-          <p:nvPr>
-            <p:ph type="body" idx="1"/>
-          </p:nvPr>
-        </p:nvSpPr>
-        <p:spPr/>
-        <p:txBody>
-          <a:bodyPr>
-            <a:normAutofit/>
-          </a:bodyPr>
-          <a:lstStyle/>
-          <a:p>
-            <a:endParaRPr lang="zh-CN" altLang="en-US"/>
-          </a:p>
-        </p:txBody>
-      </p:sp>
-      <p:sp>
-        <p:nvSpPr>
-          <p:cNvPr id="4" name="灯片编号占位符 3"/>
-          <p:cNvSpPr>
-            <a:spLocks noGrp="1"/>
-          </p:cNvSpPr>
-          <p:nvPr>
-            <p:ph type="sldNum" sz="quarter" idx="10"/>
-          </p:nvPr>
-        </p:nvSpPr>
-        <p:spPr/>
-        <p:txBody>
-          <a:bodyPr/>
-          <a:lstStyle/>
-          <a:p>
-            <a:fld id="{EFFE4F62-605D-4A72-9B78-2AF5B0B98AE9}" type="slidenum">
-              <a:rPr lang="zh-CN" altLang="en-US" smtClean="0"/>
-            </a:fld>
-            <a:endParaRPr lang="zh-CN" altLang="en-US"/>
-          </a:p>
-        </p:txBody>
-      </p:sp>
-    </p:spTree>
-  </p:cSld>
-  <p:clrMapOvr>
-    <a:masterClrMapping/>
-  </p:clrMapOvr>
-</p:notes>
-</file>
-
-<file path=ppt/notesSlides/notesSlide28.xml><?xml version="1.0" encoding="utf-8"?>
-<p:notes xmlns:a="http://schemas.openxmlformats.org/drawingml/2006/main" xmlns:r="http://schemas.openxmlformats.org/officeDocument/2006/relationships" xmlns:p="http://schemas.openxmlformats.org/presentationml/2006/main">
-  <p:cSld>
-    <p:spTree>
-      <p:nvGrpSpPr>
-        <p:cNvPr id="1" name=""/>
-        <p:cNvGrpSpPr/>
-        <p:nvPr/>
-      </p:nvGrpSpPr>
-      <p:grpSpPr>
-        <a:xfrm>
-          <a:off x="0" y="0"/>
-          <a:ext cx="0" cy="0"/>
-          <a:chOff x="0" y="0"/>
-          <a:chExt cx="0" cy="0"/>
-        </a:xfrm>
-      </p:grpSpPr>
-      <p:sp>
-        <p:nvSpPr>
-          <p:cNvPr id="2" name="幻灯片图像占位符 1"/>
-          <p:cNvSpPr>
-            <a:spLocks noGrp="1" noRot="1" noChangeAspect="1"/>
-          </p:cNvSpPr>
-          <p:nvPr>
-            <p:ph type="sldImg"/>
-          </p:nvPr>
-        </p:nvSpPr>
-        <p:spPr/>
-      </p:sp>
-      <p:sp>
-        <p:nvSpPr>
-          <p:cNvPr id="3" name="备注占位符 2"/>
-          <p:cNvSpPr>
-            <a:spLocks noGrp="1"/>
-          </p:cNvSpPr>
-          <p:nvPr>
-            <p:ph type="body" idx="1"/>
-          </p:nvPr>
-        </p:nvSpPr>
-        <p:spPr/>
-        <p:txBody>
-          <a:bodyPr>
-            <a:normAutofit/>
-          </a:bodyPr>
-          <a:lstStyle/>
-          <a:p>
-            <a:endParaRPr lang="zh-CN" altLang="en-US"/>
-          </a:p>
-        </p:txBody>
-      </p:sp>
-      <p:sp>
-        <p:nvSpPr>
-          <p:cNvPr id="4" name="灯片编号占位符 3"/>
-          <p:cNvSpPr>
-            <a:spLocks noGrp="1"/>
-          </p:cNvSpPr>
-          <p:nvPr>
-            <p:ph type="sldNum" sz="quarter" idx="10"/>
-          </p:nvPr>
-        </p:nvSpPr>
-        <p:spPr/>
-        <p:txBody>
-          <a:bodyPr/>
-          <a:lstStyle/>
-          <a:p>
-            <a:fld id="{EFFE4F62-605D-4A72-9B78-2AF5B0B98AE9}" type="slidenum">
-              <a:rPr lang="zh-CN" altLang="en-US" smtClean="0"/>
-            </a:fld>
-            <a:endParaRPr lang="zh-CN" altLang="en-US"/>
-          </a:p>
-        </p:txBody>
-      </p:sp>
-    </p:spTree>
-  </p:cSld>
-  <p:clrMapOvr>
-    <a:masterClrMapping/>
-  </p:clrMapOvr>
-</p:notes>
-</file>
-
-<file path=ppt/notesSlides/notesSlide29.xml><?xml version="1.0" encoding="utf-8"?>
-<p:notes xmlns:a="http://schemas.openxmlformats.org/drawingml/2006/main" xmlns:r="http://schemas.openxmlformats.org/officeDocument/2006/relationships" xmlns:p="http://schemas.openxmlformats.org/presentationml/2006/main">
-  <p:cSld>
-    <p:spTree>
-      <p:nvGrpSpPr>
-        <p:cNvPr id="1" name=""/>
-        <p:cNvGrpSpPr/>
-        <p:nvPr/>
-      </p:nvGrpSpPr>
-      <p:grpSpPr>
-        <a:xfrm>
-          <a:off x="0" y="0"/>
-          <a:ext cx="0" cy="0"/>
-          <a:chOff x="0" y="0"/>
-          <a:chExt cx="0" cy="0"/>
-        </a:xfrm>
-      </p:grpSpPr>
-      <p:sp>
-        <p:nvSpPr>
-          <p:cNvPr id="2" name="幻灯片图像占位符 1"/>
-          <p:cNvSpPr>
-            <a:spLocks noGrp="1" noRot="1" noChangeAspect="1"/>
-          </p:cNvSpPr>
-          <p:nvPr>
-            <p:ph type="sldImg"/>
-          </p:nvPr>
-        </p:nvSpPr>
-        <p:spPr/>
-      </p:sp>
-      <p:sp>
-        <p:nvSpPr>
-          <p:cNvPr id="3" name="备注占位符 2"/>
-          <p:cNvSpPr>
-            <a:spLocks noGrp="1"/>
-          </p:cNvSpPr>
-          <p:nvPr>
-            <p:ph type="body" idx="1"/>
-          </p:nvPr>
-        </p:nvSpPr>
-        <p:spPr/>
-        <p:txBody>
-          <a:bodyPr>
-            <a:normAutofit/>
-          </a:bodyPr>
-          <a:lstStyle/>
-          <a:p>
-            <a:endParaRPr lang="zh-CN" altLang="en-US"/>
-          </a:p>
-        </p:txBody>
-      </p:sp>
-      <p:sp>
-        <p:nvSpPr>
-          <p:cNvPr id="4" name="灯片编号占位符 3"/>
-          <p:cNvSpPr>
-            <a:spLocks noGrp="1"/>
-          </p:cNvSpPr>
-          <p:nvPr>
-            <p:ph type="sldNum" sz="quarter" idx="10"/>
-          </p:nvPr>
-        </p:nvSpPr>
-        <p:spPr/>
-        <p:txBody>
-          <a:bodyPr/>
-          <a:lstStyle/>
-          <a:p>
-            <a:fld id="{EFFE4F62-605D-4A72-9B78-2AF5B0B98AE9}" type="slidenum">
+            <a:fld id="{277E94B9-1F08-48DF-B7B6-E879767F1CA5}" type="slidenum">
               <a:rPr lang="zh-CN" altLang="en-US" smtClean="0"/>
             </a:fld>
             <a:endParaRPr lang="zh-CN" altLang="en-US"/>
@@ -2452,84 +2046,6 @@
           <a:lstStyle/>
           <a:p>
             <a:fld id="{2EA5A05C-F0C7-42B6-A6FD-D285A38D1488}" type="slidenum">
-              <a:rPr lang="zh-CN" altLang="en-US" smtClean="0"/>
-            </a:fld>
-            <a:endParaRPr lang="zh-CN" altLang="en-US"/>
-          </a:p>
-        </p:txBody>
-      </p:sp>
-    </p:spTree>
-  </p:cSld>
-  <p:clrMapOvr>
-    <a:masterClrMapping/>
-  </p:clrMapOvr>
-</p:notes>
-</file>
-
-<file path=ppt/notesSlides/notesSlide30.xml><?xml version="1.0" encoding="utf-8"?>
-<p:notes xmlns:a="http://schemas.openxmlformats.org/drawingml/2006/main" xmlns:r="http://schemas.openxmlformats.org/officeDocument/2006/relationships" xmlns:p="http://schemas.openxmlformats.org/presentationml/2006/main">
-  <p:cSld>
-    <p:spTree>
-      <p:nvGrpSpPr>
-        <p:cNvPr id="1" name=""/>
-        <p:cNvGrpSpPr/>
-        <p:nvPr/>
-      </p:nvGrpSpPr>
-      <p:grpSpPr>
-        <a:xfrm>
-          <a:off x="0" y="0"/>
-          <a:ext cx="0" cy="0"/>
-          <a:chOff x="0" y="0"/>
-          <a:chExt cx="0" cy="0"/>
-        </a:xfrm>
-      </p:grpSpPr>
-      <p:sp>
-        <p:nvSpPr>
-          <p:cNvPr id="2" name="幻灯片图像占位符 1"/>
-          <p:cNvSpPr>
-            <a:spLocks noGrp="1" noRot="1" noChangeAspect="1"/>
-          </p:cNvSpPr>
-          <p:nvPr>
-            <p:ph type="sldImg"/>
-          </p:nvPr>
-        </p:nvSpPr>
-        <p:spPr/>
-      </p:sp>
-      <p:sp>
-        <p:nvSpPr>
-          <p:cNvPr id="3" name="备注占位符 2"/>
-          <p:cNvSpPr>
-            <a:spLocks noGrp="1"/>
-          </p:cNvSpPr>
-          <p:nvPr>
-            <p:ph type="body" idx="1"/>
-          </p:nvPr>
-        </p:nvSpPr>
-        <p:spPr/>
-        <p:txBody>
-          <a:bodyPr/>
-          <a:lstStyle/>
-          <a:p>
-            <a:endParaRPr lang="zh-CN" altLang="en-US"/>
-          </a:p>
-        </p:txBody>
-      </p:sp>
-      <p:sp>
-        <p:nvSpPr>
-          <p:cNvPr id="4" name="灯片编号占位符 3"/>
-          <p:cNvSpPr>
-            <a:spLocks noGrp="1"/>
-          </p:cNvSpPr>
-          <p:nvPr>
-            <p:ph type="sldNum" sz="quarter" idx="10"/>
-          </p:nvPr>
-        </p:nvSpPr>
-        <p:spPr/>
-        <p:txBody>
-          <a:bodyPr/>
-          <a:lstStyle/>
-          <a:p>
-            <a:fld id="{277E94B9-1F08-48DF-B7B6-E879767F1CA5}" type="slidenum">
               <a:rPr lang="zh-CN" altLang="en-US" smtClean="0"/>
             </a:fld>
             <a:endParaRPr lang="zh-CN" altLang="en-US"/>
@@ -9567,6 +9083,30 @@
           <a:chExt cx="0" cy="0"/>
         </a:xfrm>
       </p:grpSpPr>
+      <p:pic>
+        <p:nvPicPr>
+          <p:cNvPr id="2" name="图片 1"/>
+          <p:cNvPicPr>
+            <a:picLocks noChangeAspect="1"/>
+          </p:cNvPicPr>
+          <p:nvPr/>
+        </p:nvPicPr>
+        <p:blipFill>
+          <a:blip r:embed="rId1"/>
+          <a:stretch>
+            <a:fillRect/>
+          </a:stretch>
+        </p:blipFill>
+        <p:spPr>
+          <a:xfrm>
+            <a:off x="5606415" y="278130"/>
+            <a:ext cx="3550920" cy="6302375"/>
+          </a:xfrm>
+          <a:prstGeom prst="rect">
+            <a:avLst/>
+          </a:prstGeom>
+        </p:spPr>
+      </p:pic>
       <p:grpSp>
         <p:nvGrpSpPr>
           <p:cNvPr id="14" name="组合 13"/>
@@ -9725,7 +9265,7 @@
         <p:spPr>
           <a:xfrm flipH="1" flipV="1">
             <a:off x="4511040" y="3360420"/>
-            <a:ext cx="1517015" cy="451485"/>
+            <a:ext cx="1373505" cy="575945"/>
           </a:xfrm>
           <a:prstGeom prst="line">
             <a:avLst/>
@@ -9749,34 +9289,6 @@
           </a:fontRef>
         </p:style>
       </p:cxnSp>
-      <p:pic>
-        <p:nvPicPr>
-          <p:cNvPr id="3" name="图片 2"/>
-          <p:cNvPicPr>
-            <a:picLocks noChangeAspect="1"/>
-          </p:cNvPicPr>
-          <p:nvPr>
-            <p:custDataLst>
-              <p:tags r:id="rId1"/>
-            </p:custDataLst>
-          </p:nvPr>
-        </p:nvPicPr>
-        <p:blipFill>
-          <a:blip r:embed="rId2"/>
-          <a:stretch>
-            <a:fillRect/>
-          </a:stretch>
-        </p:blipFill>
-        <p:spPr>
-          <a:xfrm>
-            <a:off x="6170295" y="527050"/>
-            <a:ext cx="3300095" cy="5918200"/>
-          </a:xfrm>
-          <a:prstGeom prst="rect">
-            <a:avLst/>
-          </a:prstGeom>
-        </p:spPr>
-      </p:pic>
     </p:spTree>
   </p:cSld>
   <p:clrMapOvr>
@@ -11931,7 +11443,7 @@
       </p:cxnSp>
       <p:pic>
         <p:nvPicPr>
-          <p:cNvPr id="2" name="图片 1"/>
+          <p:cNvPr id="10" name="图片 9"/>
           <p:cNvPicPr>
             <a:picLocks noChangeAspect="1"/>
           </p:cNvPicPr>
@@ -11945,8 +11457,8 @@
         </p:blipFill>
         <p:spPr>
           <a:xfrm>
-            <a:off x="4295775" y="482600"/>
-            <a:ext cx="3441700" cy="6115685"/>
+            <a:off x="4729480" y="339725"/>
+            <a:ext cx="3886200" cy="6362700"/>
           </a:xfrm>
           <a:prstGeom prst="rect">
             <a:avLst/>
@@ -12392,7 +11904,7 @@
                                           </p:stCondLst>
                                         </p:cTn>
                                         <p:tgtEl>
-                                          <p:spTgt spid="2"/>
+                                          <p:spTgt spid="10"/>
                                         </p:tgtEl>
                                         <p:attrNameLst>
                                           <p:attrName>style.visibility</p:attrName>
@@ -12406,7 +11918,7 @@
                                       <p:cBhvr>
                                         <p:cTn id="43" dur="500"/>
                                         <p:tgtEl>
-                                          <p:spTgt spid="2"/>
+                                          <p:spTgt spid="10"/>
                                         </p:tgtEl>
                                       </p:cBhvr>
                                     </p:animEffect>
@@ -15084,30 +14596,6 @@
           </p:style>
         </p:cxnSp>
       </p:grpSp>
-      <p:pic>
-        <p:nvPicPr>
-          <p:cNvPr id="4" name="图片 3"/>
-          <p:cNvPicPr>
-            <a:picLocks noChangeAspect="1"/>
-          </p:cNvPicPr>
-          <p:nvPr/>
-        </p:nvPicPr>
-        <p:blipFill>
-          <a:blip r:embed="rId3"/>
-          <a:stretch>
-            <a:fillRect/>
-          </a:stretch>
-        </p:blipFill>
-        <p:spPr>
-          <a:xfrm>
-            <a:off x="5695315" y="257175"/>
-            <a:ext cx="3543300" cy="6330950"/>
-          </a:xfrm>
-          <a:prstGeom prst="rect">
-            <a:avLst/>
-          </a:prstGeom>
-        </p:spPr>
-      </p:pic>
     </p:spTree>
   </p:cSld>
   <p:clrMapOvr>
@@ -15402,59 +14890,6 @@
                                         <p:cTn id="27" dur="500"/>
                                         <p:tgtEl>
                                           <p:spTgt spid="17"/>
-                                        </p:tgtEl>
-                                      </p:cBhvr>
-                                    </p:animEffect>
-                                  </p:childTnLst>
-                                </p:cTn>
-                              </p:par>
-                            </p:childTnLst>
-                          </p:cTn>
-                        </p:par>
-                      </p:childTnLst>
-                    </p:cTn>
-                  </p:par>
-                  <p:par>
-                    <p:cTn id="28" fill="hold">
-                      <p:stCondLst>
-                        <p:cond delay="indefinite"/>
-                      </p:stCondLst>
-                      <p:childTnLst>
-                        <p:par>
-                          <p:cTn id="29" fill="hold">
-                            <p:stCondLst>
-                              <p:cond delay="0"/>
-                            </p:stCondLst>
-                            <p:childTnLst>
-                              <p:par>
-                                <p:cTn id="30" presetID="10" presetClass="entr" presetSubtype="0" fill="hold" nodeType="clickEffect">
-                                  <p:stCondLst>
-                                    <p:cond delay="0"/>
-                                  </p:stCondLst>
-                                  <p:childTnLst>
-                                    <p:set>
-                                      <p:cBhvr>
-                                        <p:cTn id="31" dur="1" fill="hold">
-                                          <p:stCondLst>
-                                            <p:cond delay="0"/>
-                                          </p:stCondLst>
-                                        </p:cTn>
-                                        <p:tgtEl>
-                                          <p:spTgt spid="4"/>
-                                        </p:tgtEl>
-                                        <p:attrNameLst>
-                                          <p:attrName>style.visibility</p:attrName>
-                                        </p:attrNameLst>
-                                      </p:cBhvr>
-                                      <p:to>
-                                        <p:strVal val="visible"/>
-                                      </p:to>
-                                    </p:set>
-                                    <p:animEffect transition="in" filter="fade">
-                                      <p:cBhvr>
-                                        <p:cTn id="32" dur="500"/>
-                                        <p:tgtEl>
-                                          <p:spTgt spid="4"/>
                                         </p:tgtEl>
                                       </p:cBhvr>
                                     </p:animEffect>
@@ -20271,8034 +19706,6 @@
       </p:grpSpPr>
       <p:sp>
         <p:nvSpPr>
-          <p:cNvPr id="8" name="矩形 7"/>
-          <p:cNvSpPr/>
-          <p:nvPr/>
-        </p:nvSpPr>
-        <p:spPr>
-          <a:xfrm>
-            <a:off x="1" y="0"/>
-            <a:ext cx="12192000" cy="6858000"/>
-          </a:xfrm>
-          <a:prstGeom prst="rect">
-            <a:avLst/>
-          </a:prstGeom>
-          <a:solidFill>
-            <a:srgbClr val="F6F6F6"/>
-          </a:solidFill>
-          <a:ln>
-            <a:noFill/>
-          </a:ln>
-        </p:spPr>
-        <p:style>
-          <a:lnRef idx="2">
-            <a:schemeClr val="accent1">
-              <a:shade val="50000"/>
-            </a:schemeClr>
-          </a:lnRef>
-          <a:fillRef idx="1">
-            <a:schemeClr val="accent1"/>
-          </a:fillRef>
-          <a:effectRef idx="0">
-            <a:schemeClr val="accent1"/>
-          </a:effectRef>
-          <a:fontRef idx="minor">
-            <a:schemeClr val="lt1"/>
-          </a:fontRef>
-        </p:style>
-        <p:txBody>
-          <a:bodyPr rtlCol="0" anchor="ctr"/>
-          <a:lstStyle/>
-          <a:p>
-            <a:pPr algn="ctr"/>
-            <a:endParaRPr lang="zh-CN" altLang="en-US"/>
-          </a:p>
-        </p:txBody>
-      </p:sp>
-      <p:sp>
-        <p:nvSpPr>
-          <p:cNvPr id="74" name="Oval 4"/>
-          <p:cNvSpPr/>
-          <p:nvPr/>
-        </p:nvSpPr>
-        <p:spPr>
-          <a:xfrm>
-            <a:off x="5229231" y="1856871"/>
-            <a:ext cx="1679106" cy="1687497"/>
-          </a:xfrm>
-          <a:prstGeom prst="ellipse">
-            <a:avLst/>
-          </a:prstGeom>
-          <a:solidFill>
-            <a:schemeClr val="accent1"/>
-          </a:solidFill>
-          <a:ln>
-            <a:noFill/>
-          </a:ln>
-        </p:spPr>
-        <p:style>
-          <a:lnRef idx="2">
-            <a:schemeClr val="accent1">
-              <a:shade val="50000"/>
-            </a:schemeClr>
-          </a:lnRef>
-          <a:fillRef idx="1">
-            <a:schemeClr val="accent1"/>
-          </a:fillRef>
-          <a:effectRef idx="0">
-            <a:schemeClr val="accent1"/>
-          </a:effectRef>
-          <a:fontRef idx="minor">
-            <a:schemeClr val="lt1"/>
-          </a:fontRef>
-        </p:style>
-        <p:txBody>
-          <a:bodyPr rtlCol="0" anchor="ctr"/>
-          <a:lstStyle/>
-          <a:p>
-            <a:pPr algn="ctr"/>
-            <a:endParaRPr lang="en-US" sz="3200" dirty="0">
-              <a:solidFill>
-                <a:schemeClr val="bg1">
-                  <a:lumMod val="95000"/>
-                </a:schemeClr>
-              </a:solidFill>
-            </a:endParaRPr>
-          </a:p>
-        </p:txBody>
-      </p:sp>
-      <p:sp>
-        <p:nvSpPr>
-          <p:cNvPr id="78" name="矩形 77"/>
-          <p:cNvSpPr/>
-          <p:nvPr/>
-        </p:nvSpPr>
-        <p:spPr>
-          <a:xfrm>
-            <a:off x="5132040" y="3952944"/>
-            <a:ext cx="1807210" cy="582295"/>
-          </a:xfrm>
-          <a:prstGeom prst="rect">
-            <a:avLst/>
-          </a:prstGeom>
-        </p:spPr>
-        <p:txBody>
-          <a:bodyPr wrap="none" lIns="91400" tIns="45699" rIns="91400" bIns="45699">
-            <a:spAutoFit/>
-          </a:bodyPr>
-          <a:lstStyle/>
-          <a:p>
-            <a:pPr lvl="0" algn="l" defTabSz="914400">
-              <a:defRPr/>
-            </a:pPr>
-            <a:r>
-              <a:rPr lang="zh-CN" altLang="en-US" sz="3200" kern="0" dirty="0">
-                <a:solidFill>
-                  <a:schemeClr val="accent1"/>
-                </a:solidFill>
-                <a:latin typeface="微软雅黑" panose="020B0503020204020204" pitchFamily="34" charset="-122"/>
-                <a:ea typeface="微软雅黑" panose="020B0503020204020204" pitchFamily="34" charset="-122"/>
-              </a:rPr>
-              <a:t>小组分工</a:t>
-            </a:r>
-            <a:endParaRPr lang="zh-CN" altLang="en-US" sz="3200" kern="0" dirty="0">
-              <a:solidFill>
-                <a:schemeClr val="accent1"/>
-              </a:solidFill>
-              <a:latin typeface="微软雅黑" panose="020B0503020204020204" pitchFamily="34" charset="-122"/>
-              <a:ea typeface="微软雅黑" panose="020B0503020204020204" pitchFamily="34" charset="-122"/>
-            </a:endParaRPr>
-          </a:p>
-        </p:txBody>
-      </p:sp>
-      <p:sp>
-        <p:nvSpPr>
-          <p:cNvPr id="93" name="TextBox 92"/>
-          <p:cNvSpPr txBox="1"/>
-          <p:nvPr/>
-        </p:nvSpPr>
-        <p:spPr>
-          <a:xfrm>
-            <a:off x="15669497" y="8397551"/>
-            <a:ext cx="1107915" cy="461494"/>
-          </a:xfrm>
-          <a:prstGeom prst="rect">
-            <a:avLst/>
-          </a:prstGeom>
-          <a:noFill/>
-        </p:spPr>
-        <p:txBody>
-          <a:bodyPr wrap="none" lIns="91400" tIns="45699" rIns="91400" bIns="45699" rtlCol="0">
-            <a:spAutoFit/>
-          </a:bodyPr>
-          <a:lstStyle/>
-          <a:p>
-            <a:r>
-              <a:rPr lang="zh-CN" altLang="en-US" sz="2400" dirty="0"/>
-              <a:t>延时符</a:t>
-            </a:r>
-            <a:endParaRPr lang="zh-CN" altLang="en-US" sz="2400" dirty="0"/>
-          </a:p>
-        </p:txBody>
-      </p:sp>
-      <p:sp>
-        <p:nvSpPr>
-          <p:cNvPr id="26" name="矩形 25"/>
-          <p:cNvSpPr/>
-          <p:nvPr/>
-        </p:nvSpPr>
-        <p:spPr>
-          <a:xfrm>
-            <a:off x="5411718" y="2437856"/>
-            <a:ext cx="1368425" cy="569595"/>
-          </a:xfrm>
-          <a:prstGeom prst="rect">
-            <a:avLst/>
-          </a:prstGeom>
-        </p:spPr>
-        <p:txBody>
-          <a:bodyPr wrap="none" lIns="91400" tIns="45699" rIns="91400" bIns="45699">
-            <a:spAutoFit/>
-          </a:bodyPr>
-          <a:lstStyle/>
-          <a:p>
-            <a:pPr algn="ctr">
-              <a:lnSpc>
-                <a:spcPct val="130000"/>
-              </a:lnSpc>
-              <a:defRPr/>
-            </a:pPr>
-            <a:r>
-              <a:rPr lang="en-US" altLang="zh-CN" sz="2400" kern="100" dirty="0">
-                <a:solidFill>
-                  <a:schemeClr val="bg1"/>
-                </a:solidFill>
-                <a:latin typeface="微软雅黑" panose="020B0503020204020204" pitchFamily="34" charset="-122"/>
-                <a:ea typeface="微软雅黑" panose="020B0503020204020204" pitchFamily="34" charset="-122"/>
-                <a:cs typeface="Times New Roman" panose="02020603050405020304" pitchFamily="18" charset="0"/>
-              </a:rPr>
-              <a:t>PART 05</a:t>
-            </a:r>
-            <a:endParaRPr lang="en-US" altLang="zh-CN" sz="2400" kern="100" dirty="0">
-              <a:solidFill>
-                <a:schemeClr val="bg1"/>
-              </a:solidFill>
-              <a:latin typeface="微软雅黑" panose="020B0503020204020204" pitchFamily="34" charset="-122"/>
-              <a:ea typeface="微软雅黑" panose="020B0503020204020204" pitchFamily="34" charset="-122"/>
-              <a:cs typeface="Times New Roman" panose="02020603050405020304" pitchFamily="18" charset="0"/>
-            </a:endParaRPr>
-          </a:p>
-        </p:txBody>
-      </p:sp>
-    </p:spTree>
-  </p:cSld>
-  <p:clrMapOvr>
-    <a:masterClrMapping/>
-  </p:clrMapOvr>
-  <mc:AlternateContent xmlns:mc="http://schemas.openxmlformats.org/markup-compatibility/2006">
-    <mc:Choice xmlns:p14="http://schemas.microsoft.com/office/powerpoint/2010/main" Requires="p14">
-      <p:transition spd="slow" p14:dur="1000" advClick="0">
-        <p:cover dir="lu"/>
-      </p:transition>
-    </mc:Choice>
-    <mc:Fallback>
-      <p:transition spd="slow" advClick="0">
-        <p:cover dir="lu"/>
-      </p:transition>
-    </mc:Fallback>
-  </mc:AlternateContent>
-  <p:timing>
-    <p:tnLst>
-      <p:par>
-        <p:cTn id="1" dur="indefinite" restart="never" nodeType="tmRoot">
-          <p:childTnLst>
-            <p:seq concurrent="1" nextAc="seek">
-              <p:cTn id="2" dur="indefinite" nodeType="mainSeq">
-                <p:childTnLst>
-                  <p:par>
-                    <p:cTn id="3" fill="hold">
-                      <p:stCondLst>
-                        <p:cond delay="indefinite"/>
-                        <p:cond evt="onBegin" delay="0">
-                          <p:tn val="2"/>
-                        </p:cond>
-                      </p:stCondLst>
-                      <p:childTnLst>
-                        <p:par>
-                          <p:cTn id="4" fill="hold">
-                            <p:stCondLst>
-                              <p:cond delay="0"/>
-                            </p:stCondLst>
-                            <p:childTnLst>
-                              <p:par>
-                                <p:cTn id="5" presetID="52" presetClass="entr" presetSubtype="0" fill="hold" grpId="0" nodeType="afterEffect">
-                                  <p:stCondLst>
-                                    <p:cond delay="0"/>
-                                  </p:stCondLst>
-                                  <p:childTnLst>
-                                    <p:set>
-                                      <p:cBhvr>
-                                        <p:cTn id="6" dur="1" fill="hold">
-                                          <p:stCondLst>
-                                            <p:cond delay="0"/>
-                                          </p:stCondLst>
-                                        </p:cTn>
-                                        <p:tgtEl>
-                                          <p:spTgt spid="74"/>
-                                        </p:tgtEl>
-                                        <p:attrNameLst>
-                                          <p:attrName>style.visibility</p:attrName>
-                                        </p:attrNameLst>
-                                      </p:cBhvr>
-                                      <p:to>
-                                        <p:strVal val="visible"/>
-                                      </p:to>
-                                    </p:set>
-                                    <p:animScale>
-                                      <p:cBhvr>
-                                        <p:cTn id="7" dur="1000" decel="50000" fill="hold">
-                                          <p:stCondLst>
-                                            <p:cond delay="0"/>
-                                          </p:stCondLst>
-                                        </p:cTn>
-                                        <p:tgtEl>
-                                          <p:spTgt spid="74"/>
-                                        </p:tgtEl>
-                                      </p:cBhvr>
-                                      <p:from x="250000" y="250000"/>
-                                      <p:to x="100000" y="100000"/>
-                                    </p:animScale>
-                                    <p:animMotion origin="layout" path="M -0.46736 0.92887  C -0.37517 0.88508  -0.02552 0.75279  0.0908 0.66613  C  0.20747 0.57948  0.21649 0.50394  0.23177 0.40825  C 0.24705 0.31256  0.22118 0.15964   0.18264 0.09152  C 0.1441 0.02341  0.03802 0.0  0.0 0.0  " pathEditMode="relative" ptsTypes="">
-                                      <p:cBhvr>
-                                        <p:cTn id="8" dur="1000" decel="50000" fill="hold">
-                                          <p:stCondLst>
-                                            <p:cond delay="0"/>
-                                          </p:stCondLst>
-                                        </p:cTn>
-                                        <p:tgtEl>
-                                          <p:spTgt spid="74"/>
-                                        </p:tgtEl>
-                                        <p:attrNameLst>
-                                          <p:attrName>ppt_x</p:attrName>
-                                          <p:attrName>ppt_y</p:attrName>
-                                        </p:attrNameLst>
-                                      </p:cBhvr>
-                                    </p:animMotion>
-                                    <p:animEffect transition="in" filter="fade">
-                                      <p:cBhvr>
-                                        <p:cTn id="9" dur="1000"/>
-                                        <p:tgtEl>
-                                          <p:spTgt spid="74"/>
-                                        </p:tgtEl>
-                                      </p:cBhvr>
-                                    </p:animEffect>
-                                  </p:childTnLst>
-                                </p:cTn>
-                              </p:par>
-                            </p:childTnLst>
-                          </p:cTn>
-                        </p:par>
-                        <p:par>
-                          <p:cTn id="10" fill="hold">
-                            <p:stCondLst>
-                              <p:cond delay="1000"/>
-                            </p:stCondLst>
-                            <p:childTnLst>
-                              <p:par>
-                                <p:cTn id="11" presetID="22" presetClass="entr" presetSubtype="1" fill="hold" grpId="0" nodeType="afterEffect">
-                                  <p:stCondLst>
-                                    <p:cond delay="0"/>
-                                  </p:stCondLst>
-                                  <p:childTnLst>
-                                    <p:set>
-                                      <p:cBhvr>
-                                        <p:cTn id="12" dur="1" fill="hold">
-                                          <p:stCondLst>
-                                            <p:cond delay="0"/>
-                                          </p:stCondLst>
-                                        </p:cTn>
-                                        <p:tgtEl>
-                                          <p:spTgt spid="26"/>
-                                        </p:tgtEl>
-                                        <p:attrNameLst>
-                                          <p:attrName>style.visibility</p:attrName>
-                                        </p:attrNameLst>
-                                      </p:cBhvr>
-                                      <p:to>
-                                        <p:strVal val="visible"/>
-                                      </p:to>
-                                    </p:set>
-                                    <p:animEffect transition="in" filter="wipe(up)">
-                                      <p:cBhvr>
-                                        <p:cTn id="13" dur="500"/>
-                                        <p:tgtEl>
-                                          <p:spTgt spid="26"/>
-                                        </p:tgtEl>
-                                      </p:cBhvr>
-                                    </p:animEffect>
-                                  </p:childTnLst>
-                                </p:cTn>
-                              </p:par>
-                            </p:childTnLst>
-                          </p:cTn>
-                        </p:par>
-                        <p:par>
-                          <p:cTn id="14" fill="hold">
-                            <p:stCondLst>
-                              <p:cond delay="1500"/>
-                            </p:stCondLst>
-                            <p:childTnLst>
-                              <p:par>
-                                <p:cTn id="15" presetID="22" presetClass="entr" presetSubtype="1" fill="hold" grpId="0" nodeType="afterEffect">
-                                  <p:stCondLst>
-                                    <p:cond delay="0"/>
-                                  </p:stCondLst>
-                                  <p:childTnLst>
-                                    <p:set>
-                                      <p:cBhvr>
-                                        <p:cTn id="16" dur="1" fill="hold">
-                                          <p:stCondLst>
-                                            <p:cond delay="0"/>
-                                          </p:stCondLst>
-                                        </p:cTn>
-                                        <p:tgtEl>
-                                          <p:spTgt spid="78"/>
-                                        </p:tgtEl>
-                                        <p:attrNameLst>
-                                          <p:attrName>style.visibility</p:attrName>
-                                        </p:attrNameLst>
-                                      </p:cBhvr>
-                                      <p:to>
-                                        <p:strVal val="visible"/>
-                                      </p:to>
-                                    </p:set>
-                                    <p:animEffect transition="in" filter="wipe(up)">
-                                      <p:cBhvr>
-                                        <p:cTn id="17" dur="500"/>
-                                        <p:tgtEl>
-                                          <p:spTgt spid="78"/>
-                                        </p:tgtEl>
-                                      </p:cBhvr>
-                                    </p:animEffect>
-                                  </p:childTnLst>
-                                </p:cTn>
-                              </p:par>
-                            </p:childTnLst>
-                          </p:cTn>
-                        </p:par>
-                      </p:childTnLst>
-                    </p:cTn>
-                  </p:par>
-                </p:childTnLst>
-              </p:cTn>
-              <p:prevCondLst>
-                <p:cond evt="onPrev" delay="0">
-                  <p:tgtEl>
-                    <p:sldTgt/>
-                  </p:tgtEl>
-                </p:cond>
-              </p:prevCondLst>
-              <p:nextCondLst>
-                <p:cond evt="onNext" delay="0">
-                  <p:tgtEl>
-                    <p:sldTgt/>
-                  </p:tgtEl>
-                </p:cond>
-              </p:nextCondLst>
-            </p:seq>
-          </p:childTnLst>
-        </p:cTn>
-      </p:par>
-    </p:tnLst>
-    <p:bldLst>
-      <p:bldP spid="74" grpId="0" bldLvl="0" animBg="1"/>
-      <p:bldP spid="78" grpId="0"/>
-      <p:bldP spid="26" grpId="0"/>
-    </p:bldLst>
-  </p:timing>
-</p:sld>
-</file>
-
-<file path=ppt/slides/slide25.xml><?xml version="1.0" encoding="utf-8"?>
-<p:sld xmlns:a="http://schemas.openxmlformats.org/drawingml/2006/main" xmlns:r="http://schemas.openxmlformats.org/officeDocument/2006/relationships" xmlns:p="http://schemas.openxmlformats.org/presentationml/2006/main">
-  <p:cSld>
-    <p:spTree>
-      <p:nvGrpSpPr>
-        <p:cNvPr id="1" name=""/>
-        <p:cNvGrpSpPr/>
-        <p:nvPr/>
-      </p:nvGrpSpPr>
-      <p:grpSpPr>
-        <a:xfrm>
-          <a:off x="0" y="0"/>
-          <a:ext cx="0" cy="0"/>
-          <a:chOff x="0" y="0"/>
-          <a:chExt cx="0" cy="0"/>
-        </a:xfrm>
-      </p:grpSpPr>
-      <p:grpSp>
-        <p:nvGrpSpPr>
-          <p:cNvPr id="6" name="组合 5"/>
-          <p:cNvGrpSpPr/>
-          <p:nvPr/>
-        </p:nvGrpSpPr>
-        <p:grpSpPr>
-          <a:xfrm>
-            <a:off x="1189355" y="269240"/>
-            <a:ext cx="6793230" cy="529590"/>
-            <a:chOff x="1873" y="424"/>
-            <a:chExt cx="10698" cy="834"/>
-          </a:xfrm>
-        </p:grpSpPr>
-        <p:sp>
-          <p:nvSpPr>
-            <p:cNvPr id="13" name="矩形 12"/>
-            <p:cNvSpPr/>
-            <p:nvPr/>
-          </p:nvSpPr>
-          <p:spPr>
-            <a:xfrm>
-              <a:off x="1873" y="424"/>
-              <a:ext cx="2266" cy="756"/>
-            </a:xfrm>
-            <a:prstGeom prst="rect">
-              <a:avLst/>
-            </a:prstGeom>
-            <a:solidFill>
-              <a:srgbClr val="F6F6F6"/>
-            </a:solidFill>
-            <a:ln>
-              <a:noFill/>
-            </a:ln>
-          </p:spPr>
-          <p:style>
-            <a:lnRef idx="2">
-              <a:schemeClr val="accent1">
-                <a:shade val="50000"/>
-              </a:schemeClr>
-            </a:lnRef>
-            <a:fillRef idx="1">
-              <a:schemeClr val="accent1"/>
-            </a:fillRef>
-            <a:effectRef idx="0">
-              <a:schemeClr val="accent1"/>
-            </a:effectRef>
-            <a:fontRef idx="minor">
-              <a:schemeClr val="lt1"/>
-            </a:fontRef>
-          </p:style>
-          <p:txBody>
-            <a:bodyPr rtlCol="0" anchor="ctr"/>
-            <a:p>
-              <a:pPr algn="ctr"/>
-              <a:endParaRPr lang="zh-CN" altLang="en-US"/>
-            </a:p>
-          </p:txBody>
-        </p:sp>
-        <p:sp>
-          <p:nvSpPr>
-            <p:cNvPr id="7" name="矩形 6"/>
-            <p:cNvSpPr/>
-            <p:nvPr/>
-          </p:nvSpPr>
-          <p:spPr>
-            <a:xfrm>
-              <a:off x="1984" y="535"/>
-              <a:ext cx="10587" cy="723"/>
-            </a:xfrm>
-            <a:prstGeom prst="rect">
-              <a:avLst/>
-            </a:prstGeom>
-          </p:spPr>
-          <p:txBody>
-            <a:bodyPr wrap="square" lIns="91400" tIns="45699" rIns="91400" bIns="45699">
-              <a:spAutoFit/>
-            </a:bodyPr>
-            <a:p>
-              <a:pPr lvl="0" defTabSz="914400">
-                <a:defRPr/>
-              </a:pPr>
-              <a:r>
-                <a:rPr lang="zh-CN" sz="2400" dirty="0">
-                  <a:solidFill>
-                    <a:schemeClr val="accent1"/>
-                  </a:solidFill>
-                  <a:latin typeface="微软雅黑" panose="020B0503020204020204" pitchFamily="34" charset="-122"/>
-                  <a:ea typeface="微软雅黑" panose="020B0503020204020204" pitchFamily="34" charset="-122"/>
-                  <a:sym typeface="+mn-ea"/>
-                </a:rPr>
-                <a:t>小组分工</a:t>
-              </a:r>
-              <a:endParaRPr lang="zh-CN" sz="2400" kern="0" dirty="0">
-                <a:solidFill>
-                  <a:schemeClr val="accent1"/>
-                </a:solidFill>
-                <a:latin typeface="微软雅黑" panose="020B0503020204020204" pitchFamily="34" charset="-122"/>
-                <a:ea typeface="微软雅黑" panose="020B0503020204020204" pitchFamily="34" charset="-122"/>
-                <a:sym typeface="+mn-ea"/>
-              </a:endParaRPr>
-            </a:p>
-          </p:txBody>
-        </p:sp>
-      </p:grpSp>
-      <p:graphicFrame>
-        <p:nvGraphicFramePr>
-          <p:cNvPr id="2" name="表格 1"/>
-          <p:cNvGraphicFramePr/>
-          <p:nvPr>
-            <p:custDataLst>
-              <p:tags r:id="rId1"/>
-            </p:custDataLst>
-          </p:nvPr>
-        </p:nvGraphicFramePr>
-        <p:xfrm>
-          <a:off x="4049395" y="400685"/>
-          <a:ext cx="6250940" cy="6056630"/>
-        </p:xfrm>
-        <a:graphic>
-          <a:graphicData uri="http://schemas.openxmlformats.org/drawingml/2006/table">
-            <a:tbl>
-              <a:tblPr firstRow="1" bandRow="1">
-                <a:tableStyleId>{3B4B98B0-60AC-42C2-AFA5-B58CD77FA1E5}</a:tableStyleId>
-              </a:tblPr>
-              <a:tblGrid>
-                <a:gridCol w="783590"/>
-                <a:gridCol w="1509395"/>
-                <a:gridCol w="1282700"/>
-                <a:gridCol w="431165"/>
-                <a:gridCol w="19685"/>
-                <a:gridCol w="431800"/>
-                <a:gridCol w="537210"/>
-                <a:gridCol w="623570"/>
-                <a:gridCol w="631825"/>
-              </a:tblGrid>
-              <a:tr h="224155">
-                <a:tc gridSpan="2">
-                  <a:txBody>
-                    <a:bodyPr/>
-                    <a:p>
-                      <a:pPr indent="0" algn="ctr">
-                        <a:buNone/>
-                      </a:pPr>
-                      <a:r>
-                        <a:rPr lang="en-US" sz="1000"/>
-                        <a:t>姓 名</a:t>
-                      </a:r>
-                      <a:endParaRPr lang="en-US" altLang="en-US" sz="1000"/>
-                    </a:p>
-                  </a:txBody>
-                  <a:tcPr marL="68580" marR="68580" marT="0" marB="0" vert="horz" anchor="ctr" anchorCtr="0"/>
-                </a:tc>
-                <a:tc hMerge="1">
-                  <a:tcPr/>
-                </a:tc>
-                <a:tc gridSpan="7">
-                  <a:txBody>
-                    <a:bodyPr/>
-                    <a:p>
-                      <a:pPr indent="0" algn="ctr">
-                        <a:buNone/>
-                      </a:pPr>
-                      <a:r>
-                        <a:rPr lang="en-US" sz="1000"/>
-                        <a:t>黄依豪</a:t>
-                      </a:r>
-                      <a:endParaRPr lang="en-US" altLang="en-US" sz="1000"/>
-                    </a:p>
-                  </a:txBody>
-                  <a:tcPr marL="68580" marR="68580" marT="0" marB="0" vert="horz" anchor="ctr" anchorCtr="0"/>
-                </a:tc>
-                <a:tc hMerge="1">
-                  <a:tcPr/>
-                </a:tc>
-                <a:tc hMerge="1">
-                  <a:tcPr/>
-                </a:tc>
-                <a:tc hMerge="1">
-                  <a:tcPr/>
-                </a:tc>
-                <a:tc hMerge="1">
-                  <a:tcPr/>
-                </a:tc>
-                <a:tc hMerge="1">
-                  <a:tcPr/>
-                </a:tc>
-                <a:tc hMerge="1">
-                  <a:tcPr/>
-                </a:tc>
-              </a:tr>
-              <a:tr h="224790">
-                <a:tc gridSpan="9">
-                  <a:txBody>
-                    <a:bodyPr/>
-                    <a:p>
-                      <a:pPr indent="0" algn="ctr">
-                        <a:buNone/>
-                      </a:pPr>
-                      <a:r>
-                        <a:rPr lang="en-US" sz="900"/>
-                        <a:t>工 作 安 排</a:t>
-                      </a:r>
-                      <a:endParaRPr lang="en-US" altLang="en-US" sz="900"/>
-                    </a:p>
-                  </a:txBody>
-                  <a:tcPr marL="68580" marR="68580" marT="0" marB="0" vert="horz" anchor="ctr" anchorCtr="0"/>
-                </a:tc>
-                <a:tc hMerge="1">
-                  <a:tcPr/>
-                </a:tc>
-                <a:tc hMerge="1">
-                  <a:tcPr/>
-                </a:tc>
-                <a:tc hMerge="1">
-                  <a:tcPr/>
-                </a:tc>
-                <a:tc hMerge="1">
-                  <a:tcPr/>
-                </a:tc>
-                <a:tc hMerge="1">
-                  <a:tcPr/>
-                </a:tc>
-                <a:tc hMerge="1">
-                  <a:tcPr/>
-                </a:tc>
-                <a:tc hMerge="1">
-                  <a:tcPr/>
-                </a:tc>
-                <a:tc hMerge="1">
-                  <a:tcPr/>
-                </a:tc>
-              </a:tr>
-              <a:tr h="224790">
-                <a:tc gridSpan="3">
-                  <a:txBody>
-                    <a:bodyPr/>
-                    <a:p>
-                      <a:pPr indent="0" algn="ctr">
-                        <a:buNone/>
-                      </a:pPr>
-                      <a:r>
-                        <a:rPr lang="en-US" sz="1000"/>
-                        <a:t>工作任务一</a:t>
-                      </a:r>
-                      <a:endParaRPr lang="en-US" altLang="en-US" sz="1000"/>
-                    </a:p>
-                  </a:txBody>
-                  <a:tcPr marL="68580" marR="68580" marT="0" marB="0" vert="horz" anchor="ctr" anchorCtr="0"/>
-                </a:tc>
-                <a:tc hMerge="1">
-                  <a:tcPr/>
-                </a:tc>
-                <a:tc hMerge="1">
-                  <a:tcPr/>
-                </a:tc>
-                <a:tc gridSpan="6">
-                  <a:txBody>
-                    <a:bodyPr/>
-                    <a:p>
-                      <a:pPr indent="0" algn="ctr">
-                        <a:buNone/>
-                      </a:pPr>
-                      <a:r>
-                        <a:rPr lang="en-US" sz="1000"/>
-                        <a:t>完成情况</a:t>
-                      </a:r>
-                      <a:endParaRPr lang="en-US" altLang="en-US" sz="1000"/>
-                    </a:p>
-                  </a:txBody>
-                  <a:tcPr marL="68580" marR="68580" marT="0" marB="0" vert="horz" anchor="ctr" anchorCtr="0"/>
-                </a:tc>
-                <a:tc hMerge="1">
-                  <a:tcPr/>
-                </a:tc>
-                <a:tc hMerge="1">
-                  <a:tcPr/>
-                </a:tc>
-                <a:tc hMerge="1">
-                  <a:tcPr/>
-                </a:tc>
-                <a:tc hMerge="1">
-                  <a:tcPr/>
-                </a:tc>
-                <a:tc hMerge="1">
-                  <a:tcPr/>
-                </a:tc>
-              </a:tr>
-              <a:tr h="269240">
-                <a:tc>
-                  <a:txBody>
-                    <a:bodyPr/>
-                    <a:p>
-                      <a:pPr indent="0">
-                        <a:buNone/>
-                      </a:pPr>
-                      <a:r>
-                        <a:rPr lang="en-US" sz="900"/>
-                        <a:t> 工作内容 </a:t>
-                      </a:r>
-                      <a:endParaRPr lang="en-US" altLang="en-US" sz="900"/>
-                    </a:p>
-                  </a:txBody>
-                  <a:tcPr marL="68580" marR="68580" marT="0" marB="0" vert="horz" anchor="ctr" anchorCtr="0"/>
-                </a:tc>
-                <a:tc gridSpan="2">
-                  <a:txBody>
-                    <a:bodyPr/>
-                    <a:p>
-                      <a:pPr indent="0">
-                        <a:buNone/>
-                      </a:pPr>
-                      <a:r>
-                        <a:rPr lang="en-US" sz="900"/>
-                        <a:t>制作测试用例</a:t>
-                      </a:r>
-                      <a:endParaRPr lang="en-US" altLang="en-US" sz="900"/>
-                    </a:p>
-                  </a:txBody>
-                  <a:tcPr marL="68580" marR="68580" marT="0" marB="0" vert="horz" anchor="ctr" anchorCtr="0"/>
-                </a:tc>
-                <a:tc hMerge="1">
-                  <a:tcPr/>
-                </a:tc>
-                <a:tc gridSpan="6">
-                  <a:txBody>
-                    <a:bodyPr/>
-                    <a:p>
-                      <a:pPr indent="0">
-                        <a:buNone/>
-                      </a:pPr>
-                      <a:r>
-                        <a:rPr lang="en-US" sz="900"/>
-                        <a:t>职员是否认同该工作内容？R认同 □不认同 □其他</a:t>
-                      </a:r>
-                      <a:endParaRPr lang="en-US" altLang="en-US" sz="900"/>
-                    </a:p>
-                  </a:txBody>
-                  <a:tcPr marL="68580" marR="68580" marT="0" marB="0" vert="horz" anchor="ctr" anchorCtr="0"/>
-                </a:tc>
-                <a:tc hMerge="1">
-                  <a:tcPr/>
-                </a:tc>
-                <a:tc hMerge="1">
-                  <a:tcPr/>
-                </a:tc>
-                <a:tc hMerge="1">
-                  <a:tcPr/>
-                </a:tc>
-                <a:tc hMerge="1">
-                  <a:tcPr/>
-                </a:tc>
-                <a:tc hMerge="1">
-                  <a:tcPr/>
-                </a:tc>
-              </a:tr>
-              <a:tr h="393700">
-                <a:tc>
-                  <a:txBody>
-                    <a:bodyPr/>
-                    <a:p>
-                      <a:pPr indent="0">
-                        <a:buNone/>
-                      </a:pPr>
-                      <a:r>
-                        <a:rPr lang="en-US" sz="900"/>
-                        <a:t> 工作目标完成时间 </a:t>
-                      </a:r>
-                      <a:endParaRPr lang="en-US" altLang="en-US" sz="900"/>
-                    </a:p>
-                  </a:txBody>
-                  <a:tcPr marL="68580" marR="68580" marT="0" marB="0" vert="horz" anchor="ctr" anchorCtr="0"/>
-                </a:tc>
-                <a:tc gridSpan="2">
-                  <a:txBody>
-                    <a:bodyPr/>
-                    <a:p>
-                      <a:pPr indent="0">
-                        <a:buNone/>
-                      </a:pPr>
-                      <a:r>
-                        <a:rPr lang="en-US" sz="1000"/>
-                        <a:t>2021/12/12 0：00</a:t>
-                      </a:r>
-                      <a:endParaRPr lang="en-US" altLang="en-US" sz="1000"/>
-                    </a:p>
-                  </a:txBody>
-                  <a:tcPr marL="68580" marR="68580" marT="0" marB="0" vert="horz" anchor="ctr" anchorCtr="0"/>
-                </a:tc>
-                <a:tc hMerge="1">
-                  <a:tcPr/>
-                </a:tc>
-                <a:tc gridSpan="6">
-                  <a:txBody>
-                    <a:bodyPr/>
-                    <a:p>
-                      <a:pPr indent="0">
-                        <a:buNone/>
-                      </a:pPr>
-                      <a:r>
-                        <a:rPr lang="en-US" sz="900"/>
-                        <a:t>职员是否认同该工作目标？R认同 □不认同 □其他</a:t>
-                      </a:r>
-                      <a:endParaRPr lang="en-US" altLang="en-US" sz="900"/>
-                    </a:p>
-                  </a:txBody>
-                  <a:tcPr marL="68580" marR="68580" marT="0" marB="0" vert="horz" anchor="ctr" anchorCtr="0"/>
-                </a:tc>
-                <a:tc hMerge="1">
-                  <a:tcPr/>
-                </a:tc>
-                <a:tc hMerge="1">
-                  <a:tcPr/>
-                </a:tc>
-                <a:tc hMerge="1">
-                  <a:tcPr/>
-                </a:tc>
-                <a:tc hMerge="1">
-                  <a:tcPr/>
-                </a:tc>
-                <a:tc hMerge="1">
-                  <a:tcPr/>
-                </a:tc>
-              </a:tr>
-              <a:tr h="269875">
-                <a:tc>
-                  <a:txBody>
-                    <a:bodyPr/>
-                    <a:p>
-                      <a:pPr indent="0">
-                        <a:buNone/>
-                      </a:pPr>
-                      <a:r>
-                        <a:rPr lang="en-US" sz="900"/>
-                        <a:t>评价方法</a:t>
-                      </a:r>
-                      <a:endParaRPr lang="en-US" altLang="en-US" sz="900"/>
-                    </a:p>
-                  </a:txBody>
-                  <a:tcPr marL="68580" marR="68580" marT="0" marB="0" vert="horz" anchor="ctr" anchorCtr="0"/>
-                </a:tc>
-                <a:tc gridSpan="2">
-                  <a:txBody>
-                    <a:bodyPr/>
-                    <a:p>
-                      <a:pPr indent="0">
-                        <a:buNone/>
-                      </a:pPr>
-                      <a:r>
-                        <a:rPr lang="en-US" sz="1000"/>
-                        <a:t>测试用例是否完备</a:t>
-                      </a:r>
-                      <a:endParaRPr lang="en-US" altLang="en-US" sz="1000"/>
-                    </a:p>
-                  </a:txBody>
-                  <a:tcPr marL="68580" marR="68580" marT="0" marB="0" vert="horz" anchor="ctr" anchorCtr="0"/>
-                </a:tc>
-                <a:tc hMerge="1">
-                  <a:tcPr/>
-                </a:tc>
-                <a:tc gridSpan="6">
-                  <a:txBody>
-                    <a:bodyPr/>
-                    <a:p>
-                      <a:pPr indent="0">
-                        <a:buNone/>
-                      </a:pPr>
-                      <a:r>
-                        <a:rPr lang="en-US" sz="900"/>
-                        <a:t>职员是否认同该评价方法？R认同 □不认同 □其他</a:t>
-                      </a:r>
-                      <a:endParaRPr lang="en-US" altLang="en-US" sz="900"/>
-                    </a:p>
-                  </a:txBody>
-                  <a:tcPr marL="68580" marR="68580" marT="0" marB="0" vert="horz" anchor="ctr" anchorCtr="0"/>
-                </a:tc>
-                <a:tc hMerge="1">
-                  <a:tcPr/>
-                </a:tc>
-                <a:tc hMerge="1">
-                  <a:tcPr/>
-                </a:tc>
-                <a:tc hMerge="1">
-                  <a:tcPr/>
-                </a:tc>
-                <a:tc hMerge="1">
-                  <a:tcPr/>
-                </a:tc>
-                <a:tc hMerge="1">
-                  <a:tcPr/>
-                </a:tc>
-              </a:tr>
-              <a:tr h="262255">
-                <a:tc rowSpan="2">
-                  <a:txBody>
-                    <a:bodyPr/>
-                    <a:p>
-                      <a:pPr indent="0">
-                        <a:buNone/>
-                      </a:pPr>
-                      <a:r>
-                        <a:rPr lang="en-US" sz="900"/>
-                        <a:t>评价结果</a:t>
-                      </a:r>
-                      <a:endParaRPr lang="en-US" altLang="en-US" sz="900"/>
-                    </a:p>
-                  </a:txBody>
-                  <a:tcPr marL="68580" marR="68580" marT="0" marB="0" vert="horz" anchor="ctr" anchorCtr="0"/>
-                </a:tc>
-                <a:tc rowSpan="2" gridSpan="2">
-                  <a:txBody>
-                    <a:bodyPr/>
-                    <a:p>
-                      <a:pPr indent="0">
-                        <a:buNone/>
-                      </a:pPr>
-                      <a:r>
-                        <a:rPr lang="en-US" sz="1000"/>
-                        <a:t> </a:t>
-                      </a:r>
-                      <a:endParaRPr lang="en-US" altLang="en-US" sz="1000"/>
-                    </a:p>
-                  </a:txBody>
-                  <a:tcPr marL="68580" marR="68580" marT="0" marB="0" vert="horz" anchor="ctr" anchorCtr="0"/>
-                </a:tc>
-                <a:tc rowSpan="2" hMerge="1">
-                  <a:tcPr/>
-                </a:tc>
-                <a:tc gridSpan="2">
-                  <a:txBody>
-                    <a:bodyPr/>
-                    <a:p>
-                      <a:pPr indent="0">
-                        <a:buNone/>
-                      </a:pPr>
-                      <a:r>
-                        <a:rPr lang="en-US" sz="900"/>
-                        <a:t>优秀</a:t>
-                      </a:r>
-                      <a:endParaRPr lang="en-US" altLang="en-US" sz="900"/>
-                    </a:p>
-                  </a:txBody>
-                  <a:tcPr marL="68580" marR="68580" marT="0" marB="0" vert="horz" anchor="ctr" anchorCtr="0"/>
-                </a:tc>
-                <a:tc hMerge="1">
-                  <a:tcPr/>
-                </a:tc>
-                <a:tc>
-                  <a:txBody>
-                    <a:bodyPr/>
-                    <a:p>
-                      <a:pPr indent="0">
-                        <a:buNone/>
-                      </a:pPr>
-                      <a:r>
-                        <a:rPr lang="en-US" sz="900"/>
-                        <a:t>良好</a:t>
-                      </a:r>
-                      <a:endParaRPr lang="en-US" altLang="en-US" sz="900"/>
-                    </a:p>
-                  </a:txBody>
-                  <a:tcPr marL="68580" marR="68580" marT="0" marB="0" vert="horz" anchor="ctr" anchorCtr="0"/>
-                </a:tc>
-                <a:tc>
-                  <a:txBody>
-                    <a:bodyPr/>
-                    <a:p>
-                      <a:pPr indent="0">
-                        <a:buNone/>
-                      </a:pPr>
-                      <a:r>
-                        <a:rPr lang="en-US" sz="900"/>
-                        <a:t>合格</a:t>
-                      </a:r>
-                      <a:endParaRPr lang="en-US" altLang="en-US" sz="900"/>
-                    </a:p>
-                  </a:txBody>
-                  <a:tcPr marL="68580" marR="68580" marT="0" marB="0" vert="horz" anchor="ctr" anchorCtr="0"/>
-                </a:tc>
-                <a:tc>
-                  <a:txBody>
-                    <a:bodyPr/>
-                    <a:p>
-                      <a:pPr indent="0">
-                        <a:buNone/>
-                      </a:pPr>
-                      <a:r>
-                        <a:rPr lang="en-US" sz="900"/>
-                        <a:t>待改进</a:t>
-                      </a:r>
-                      <a:endParaRPr lang="en-US" altLang="en-US" sz="900"/>
-                    </a:p>
-                  </a:txBody>
-                  <a:tcPr marL="68580" marR="68580" marT="0" marB="0" vert="horz" anchor="ctr" anchorCtr="0"/>
-                </a:tc>
-                <a:tc>
-                  <a:txBody>
-                    <a:bodyPr/>
-                    <a:p>
-                      <a:pPr indent="0">
-                        <a:buNone/>
-                      </a:pPr>
-                      <a:r>
-                        <a:rPr lang="en-US" sz="900"/>
-                        <a:t>未完成</a:t>
-                      </a:r>
-                      <a:endParaRPr lang="en-US" altLang="en-US" sz="900"/>
-                    </a:p>
-                  </a:txBody>
-                  <a:tcPr marL="68580" marR="68580" marT="0" marB="0" vert="horz" anchor="ctr" anchorCtr="0"/>
-                </a:tc>
-              </a:tr>
-              <a:tr h="224790">
-                <a:tc vMerge="1">
-                  <a:tcPr/>
-                </a:tc>
-                <a:tc vMerge="1" gridSpan="2">
-                  <a:tcPr/>
-                </a:tc>
-                <a:tc vMerge="1" hMerge="1">
-                  <a:tcPr/>
-                </a:tc>
-                <a:tc gridSpan="2">
-                  <a:txBody>
-                    <a:bodyPr/>
-                    <a:p>
-                      <a:pPr indent="0">
-                        <a:buNone/>
-                      </a:pPr>
-                      <a:r>
-                        <a:rPr lang="en-US" sz="1000"/>
-                        <a:t>1</a:t>
-                      </a:r>
-                      <a:endParaRPr lang="en-US" altLang="en-US" sz="1000"/>
-                    </a:p>
-                  </a:txBody>
-                  <a:tcPr marL="68580" marR="68580" marT="0" marB="0" vert="horz" anchor="ctr" anchorCtr="0"/>
-                </a:tc>
-                <a:tc hMerge="1">
-                  <a:tcPr/>
-                </a:tc>
-                <a:tc>
-                  <a:txBody>
-                    <a:bodyPr/>
-                    <a:p>
-                      <a:pPr indent="0">
-                        <a:buNone/>
-                      </a:pPr>
-                      <a:r>
-                        <a:rPr lang="en-US" sz="1000"/>
-                        <a:t> </a:t>
-                      </a:r>
-                      <a:endParaRPr lang="en-US" altLang="en-US" sz="1000"/>
-                    </a:p>
-                  </a:txBody>
-                  <a:tcPr marL="68580" marR="68580" marT="0" marB="0" vert="horz" anchor="ctr" anchorCtr="0"/>
-                </a:tc>
-                <a:tc>
-                  <a:txBody>
-                    <a:bodyPr/>
-                    <a:p>
-                      <a:pPr indent="0">
-                        <a:buNone/>
-                      </a:pPr>
-                      <a:r>
-                        <a:rPr lang="en-US" sz="1000"/>
-                        <a:t> </a:t>
-                      </a:r>
-                      <a:endParaRPr lang="en-US" altLang="en-US" sz="1000"/>
-                    </a:p>
-                  </a:txBody>
-                  <a:tcPr marL="68580" marR="68580" marT="0" marB="0" vert="horz" anchor="ctr" anchorCtr="0"/>
-                </a:tc>
-                <a:tc>
-                  <a:txBody>
-                    <a:bodyPr/>
-                    <a:p>
-                      <a:pPr indent="0">
-                        <a:buNone/>
-                      </a:pPr>
-                      <a:r>
-                        <a:rPr lang="en-US" sz="1000"/>
-                        <a:t> </a:t>
-                      </a:r>
-                      <a:endParaRPr lang="en-US" altLang="en-US" sz="1000"/>
-                    </a:p>
-                  </a:txBody>
-                  <a:tcPr marL="68580" marR="68580" marT="0" marB="0" vert="horz" anchor="ctr" anchorCtr="0"/>
-                </a:tc>
-                <a:tc>
-                  <a:txBody>
-                    <a:bodyPr/>
-                    <a:p>
-                      <a:pPr indent="0">
-                        <a:buNone/>
-                      </a:pPr>
-                      <a:r>
-                        <a:rPr lang="en-US" sz="1000"/>
-                        <a:t> </a:t>
-                      </a:r>
-                      <a:endParaRPr lang="en-US" altLang="en-US" sz="1000"/>
-                    </a:p>
-                  </a:txBody>
-                  <a:tcPr marL="68580" marR="68580" marT="0" marB="0" vert="horz" anchor="ctr" anchorCtr="0"/>
-                </a:tc>
-              </a:tr>
-              <a:tr h="224790">
-                <a:tc gridSpan="3">
-                  <a:txBody>
-                    <a:bodyPr/>
-                    <a:p>
-                      <a:pPr indent="0">
-                        <a:buNone/>
-                      </a:pPr>
-                      <a:r>
-                        <a:rPr lang="en-US" sz="900"/>
-                        <a:t>直属上级或正式员工是否就该工作与你进行沟通</a:t>
-                      </a:r>
-                      <a:endParaRPr lang="en-US" altLang="en-US" sz="900"/>
-                    </a:p>
-                  </a:txBody>
-                  <a:tcPr marL="68580" marR="68580" marT="0" marB="0" vert="horz" anchor="ctr" anchorCtr="0"/>
-                </a:tc>
-                <a:tc hMerge="1">
-                  <a:tcPr/>
-                </a:tc>
-                <a:tc hMerge="1">
-                  <a:tcPr/>
-                </a:tc>
-                <a:tc gridSpan="6">
-                  <a:txBody>
-                    <a:bodyPr/>
-                    <a:p>
-                      <a:pPr indent="0">
-                        <a:buNone/>
-                      </a:pPr>
-                      <a:r>
-                        <a:rPr lang="en-US" sz="900"/>
-                        <a:t>□沟通 </a:t>
-                      </a:r>
-                      <a:endParaRPr lang="en-US" altLang="en-US" sz="900"/>
-                    </a:p>
-                  </a:txBody>
-                  <a:tcPr marL="68580" marR="68580" marT="0" marB="0" vert="horz" anchor="ctr" anchorCtr="0"/>
-                </a:tc>
-                <a:tc hMerge="1">
-                  <a:tcPr/>
-                </a:tc>
-                <a:tc hMerge="1">
-                  <a:tcPr/>
-                </a:tc>
-                <a:tc hMerge="1">
-                  <a:tcPr/>
-                </a:tc>
-                <a:tc hMerge="1">
-                  <a:tcPr/>
-                </a:tc>
-                <a:tc hMerge="1">
-                  <a:tcPr/>
-                </a:tc>
-              </a:tr>
-              <a:tr h="224790">
-                <a:tc gridSpan="3">
-                  <a:txBody>
-                    <a:bodyPr/>
-                    <a:p>
-                      <a:pPr indent="0" algn="ctr">
-                        <a:buNone/>
-                      </a:pPr>
-                      <a:r>
-                        <a:rPr lang="en-US" sz="1000"/>
-                        <a:t>工作任务二</a:t>
-                      </a:r>
-                      <a:endParaRPr lang="en-US" altLang="en-US" sz="1000"/>
-                    </a:p>
-                  </a:txBody>
-                  <a:tcPr marL="68580" marR="68580" marT="0" marB="0" vert="horz" anchor="ctr" anchorCtr="0"/>
-                </a:tc>
-                <a:tc hMerge="1">
-                  <a:tcPr/>
-                </a:tc>
-                <a:tc hMerge="1">
-                  <a:tcPr/>
-                </a:tc>
-                <a:tc gridSpan="6">
-                  <a:txBody>
-                    <a:bodyPr/>
-                    <a:p>
-                      <a:pPr indent="0" algn="ctr">
-                        <a:buNone/>
-                      </a:pPr>
-                      <a:r>
-                        <a:rPr lang="en-US" sz="1000"/>
-                        <a:t>完成情况</a:t>
-                      </a:r>
-                      <a:endParaRPr lang="en-US" altLang="en-US" sz="1000"/>
-                    </a:p>
-                  </a:txBody>
-                  <a:tcPr marL="68580" marR="68580" marT="0" marB="0" vert="horz" anchor="ctr" anchorCtr="0"/>
-                </a:tc>
-                <a:tc hMerge="1">
-                  <a:tcPr/>
-                </a:tc>
-                <a:tc hMerge="1">
-                  <a:tcPr/>
-                </a:tc>
-                <a:tc hMerge="1">
-                  <a:tcPr/>
-                </a:tc>
-                <a:tc hMerge="1">
-                  <a:tcPr/>
-                </a:tc>
-                <a:tc hMerge="1">
-                  <a:tcPr/>
-                </a:tc>
-              </a:tr>
-              <a:tr h="269240">
-                <a:tc>
-                  <a:txBody>
-                    <a:bodyPr/>
-                    <a:p>
-                      <a:pPr indent="0">
-                        <a:buNone/>
-                      </a:pPr>
-                      <a:r>
-                        <a:rPr lang="en-US" sz="900"/>
-                        <a:t> 工作内容 </a:t>
-                      </a:r>
-                      <a:endParaRPr lang="en-US" altLang="en-US" sz="900"/>
-                    </a:p>
-                  </a:txBody>
-                  <a:tcPr marL="68580" marR="68580" marT="0" marB="0" vert="horz" anchor="ctr" anchorCtr="0"/>
-                </a:tc>
-                <a:tc gridSpan="2">
-                  <a:txBody>
-                    <a:bodyPr/>
-                    <a:p>
-                      <a:pPr indent="0">
-                        <a:buNone/>
-                      </a:pPr>
-                      <a:r>
-                        <a:rPr lang="en-US" sz="900"/>
-                        <a:t>使用单元测试工具测试</a:t>
-                      </a:r>
-                      <a:endParaRPr lang="en-US" altLang="en-US" sz="900"/>
-                    </a:p>
-                  </a:txBody>
-                  <a:tcPr marL="68580" marR="68580" marT="0" marB="0" vert="horz" anchor="ctr" anchorCtr="0"/>
-                </a:tc>
-                <a:tc hMerge="1">
-                  <a:tcPr/>
-                </a:tc>
-                <a:tc gridSpan="6">
-                  <a:txBody>
-                    <a:bodyPr/>
-                    <a:p>
-                      <a:pPr indent="0">
-                        <a:buNone/>
-                      </a:pPr>
-                      <a:r>
-                        <a:rPr lang="en-US" sz="900"/>
-                        <a:t>职员是否认同该工作内容？R认同 □不认同 □其他</a:t>
-                      </a:r>
-                      <a:endParaRPr lang="en-US" altLang="en-US" sz="900"/>
-                    </a:p>
-                  </a:txBody>
-                  <a:tcPr marL="68580" marR="68580" marT="0" marB="0" vert="horz" anchor="ctr" anchorCtr="0"/>
-                </a:tc>
-                <a:tc hMerge="1">
-                  <a:tcPr/>
-                </a:tc>
-                <a:tc hMerge="1">
-                  <a:tcPr/>
-                </a:tc>
-                <a:tc hMerge="1">
-                  <a:tcPr/>
-                </a:tc>
-                <a:tc hMerge="1">
-                  <a:tcPr/>
-                </a:tc>
-                <a:tc hMerge="1">
-                  <a:tcPr/>
-                </a:tc>
-              </a:tr>
-              <a:tr h="394335">
-                <a:tc>
-                  <a:txBody>
-                    <a:bodyPr/>
-                    <a:p>
-                      <a:pPr indent="0">
-                        <a:buNone/>
-                      </a:pPr>
-                      <a:r>
-                        <a:rPr lang="en-US" sz="900"/>
-                        <a:t> 工作目标完成时间 </a:t>
-                      </a:r>
-                      <a:endParaRPr lang="en-US" altLang="en-US" sz="900"/>
-                    </a:p>
-                  </a:txBody>
-                  <a:tcPr marL="68580" marR="68580" marT="0" marB="0" vert="horz" anchor="ctr" anchorCtr="0"/>
-                </a:tc>
-                <a:tc gridSpan="2">
-                  <a:txBody>
-                    <a:bodyPr/>
-                    <a:p>
-                      <a:pPr indent="0">
-                        <a:buNone/>
-                      </a:pPr>
-                      <a:r>
-                        <a:rPr lang="en-US" sz="1000"/>
-                        <a:t>2021/12/12 0：00</a:t>
-                      </a:r>
-                      <a:endParaRPr lang="en-US" altLang="en-US" sz="1000"/>
-                    </a:p>
-                  </a:txBody>
-                  <a:tcPr marL="68580" marR="68580" marT="0" marB="0" vert="horz" anchor="ctr" anchorCtr="0"/>
-                </a:tc>
-                <a:tc hMerge="1">
-                  <a:tcPr/>
-                </a:tc>
-                <a:tc gridSpan="6">
-                  <a:txBody>
-                    <a:bodyPr/>
-                    <a:p>
-                      <a:pPr indent="0">
-                        <a:buNone/>
-                      </a:pPr>
-                      <a:r>
-                        <a:rPr lang="en-US" sz="900"/>
-                        <a:t>职员是否认同该工作目标？R认同 □不认同 □其他</a:t>
-                      </a:r>
-                      <a:endParaRPr lang="en-US" altLang="en-US" sz="900"/>
-                    </a:p>
-                  </a:txBody>
-                  <a:tcPr marL="68580" marR="68580" marT="0" marB="0" vert="horz" anchor="ctr" anchorCtr="0"/>
-                </a:tc>
-                <a:tc hMerge="1">
-                  <a:tcPr/>
-                </a:tc>
-                <a:tc hMerge="1">
-                  <a:tcPr/>
-                </a:tc>
-                <a:tc hMerge="1">
-                  <a:tcPr/>
-                </a:tc>
-                <a:tc hMerge="1">
-                  <a:tcPr/>
-                </a:tc>
-                <a:tc hMerge="1">
-                  <a:tcPr/>
-                </a:tc>
-              </a:tr>
-              <a:tr h="269240">
-                <a:tc>
-                  <a:txBody>
-                    <a:bodyPr/>
-                    <a:p>
-                      <a:pPr indent="0">
-                        <a:buNone/>
-                      </a:pPr>
-                      <a:r>
-                        <a:rPr lang="en-US" sz="900"/>
-                        <a:t>评价方法</a:t>
-                      </a:r>
-                      <a:endParaRPr lang="en-US" altLang="en-US" sz="900"/>
-                    </a:p>
-                  </a:txBody>
-                  <a:tcPr marL="68580" marR="68580" marT="0" marB="0" vert="horz" anchor="ctr" anchorCtr="0"/>
-                </a:tc>
-                <a:tc gridSpan="2">
-                  <a:txBody>
-                    <a:bodyPr/>
-                    <a:p>
-                      <a:pPr indent="0">
-                        <a:buNone/>
-                      </a:pPr>
-                      <a:r>
-                        <a:rPr lang="en-US" sz="1000"/>
-                        <a:t>测试情况是否符合预期</a:t>
-                      </a:r>
-                      <a:endParaRPr lang="en-US" altLang="en-US" sz="1000"/>
-                    </a:p>
-                  </a:txBody>
-                  <a:tcPr marL="68580" marR="68580" marT="0" marB="0" vert="horz" anchor="ctr" anchorCtr="0"/>
-                </a:tc>
-                <a:tc hMerge="1">
-                  <a:tcPr/>
-                </a:tc>
-                <a:tc gridSpan="6">
-                  <a:txBody>
-                    <a:bodyPr/>
-                    <a:p>
-                      <a:pPr indent="0">
-                        <a:buNone/>
-                      </a:pPr>
-                      <a:r>
-                        <a:rPr lang="en-US" sz="900"/>
-                        <a:t>职员是否认同该评价方法？R认同 □不认同 □其他</a:t>
-                      </a:r>
-                      <a:endParaRPr lang="en-US" altLang="en-US" sz="900"/>
-                    </a:p>
-                  </a:txBody>
-                  <a:tcPr marL="68580" marR="68580" marT="0" marB="0" vert="horz" anchor="ctr" anchorCtr="0"/>
-                </a:tc>
-                <a:tc hMerge="1">
-                  <a:tcPr/>
-                </a:tc>
-                <a:tc hMerge="1">
-                  <a:tcPr/>
-                </a:tc>
-                <a:tc hMerge="1">
-                  <a:tcPr/>
-                </a:tc>
-                <a:tc hMerge="1">
-                  <a:tcPr/>
-                </a:tc>
-                <a:tc hMerge="1">
-                  <a:tcPr/>
-                </a:tc>
-              </a:tr>
-              <a:tr h="262255">
-                <a:tc rowSpan="2">
-                  <a:txBody>
-                    <a:bodyPr/>
-                    <a:p>
-                      <a:pPr indent="0">
-                        <a:buNone/>
-                      </a:pPr>
-                      <a:r>
-                        <a:rPr lang="en-US" sz="900"/>
-                        <a:t>评价结果</a:t>
-                      </a:r>
-                      <a:endParaRPr lang="en-US" altLang="en-US" sz="900"/>
-                    </a:p>
-                  </a:txBody>
-                  <a:tcPr marL="68580" marR="68580" marT="0" marB="0" vert="horz" anchor="ctr" anchorCtr="0"/>
-                </a:tc>
-                <a:tc rowSpan="2" gridSpan="2">
-                  <a:txBody>
-                    <a:bodyPr/>
-                    <a:p>
-                      <a:pPr indent="0">
-                        <a:buNone/>
-                      </a:pPr>
-                      <a:r>
-                        <a:rPr lang="en-US" sz="1000"/>
-                        <a:t> </a:t>
-                      </a:r>
-                      <a:endParaRPr lang="en-US" altLang="en-US" sz="1000"/>
-                    </a:p>
-                  </a:txBody>
-                  <a:tcPr marL="68580" marR="68580" marT="0" marB="0" vert="horz" anchor="ctr" anchorCtr="0"/>
-                </a:tc>
-                <a:tc rowSpan="2" hMerge="1">
-                  <a:tcPr/>
-                </a:tc>
-                <a:tc gridSpan="2">
-                  <a:txBody>
-                    <a:bodyPr/>
-                    <a:p>
-                      <a:pPr indent="0">
-                        <a:buNone/>
-                      </a:pPr>
-                      <a:r>
-                        <a:rPr lang="en-US" sz="900"/>
-                        <a:t>优秀</a:t>
-                      </a:r>
-                      <a:endParaRPr lang="en-US" altLang="en-US" sz="900"/>
-                    </a:p>
-                  </a:txBody>
-                  <a:tcPr marL="68580" marR="68580" marT="0" marB="0" vert="horz" anchor="ctr" anchorCtr="0"/>
-                </a:tc>
-                <a:tc hMerge="1">
-                  <a:tcPr/>
-                </a:tc>
-                <a:tc>
-                  <a:txBody>
-                    <a:bodyPr/>
-                    <a:p>
-                      <a:pPr indent="0">
-                        <a:buNone/>
-                      </a:pPr>
-                      <a:r>
-                        <a:rPr lang="en-US" sz="900"/>
-                        <a:t>良好</a:t>
-                      </a:r>
-                      <a:endParaRPr lang="en-US" altLang="en-US" sz="900"/>
-                    </a:p>
-                  </a:txBody>
-                  <a:tcPr marL="68580" marR="68580" marT="0" marB="0" vert="horz" anchor="ctr" anchorCtr="0"/>
-                </a:tc>
-                <a:tc>
-                  <a:txBody>
-                    <a:bodyPr/>
-                    <a:p>
-                      <a:pPr indent="0">
-                        <a:buNone/>
-                      </a:pPr>
-                      <a:r>
-                        <a:rPr lang="en-US" sz="900"/>
-                        <a:t>合格</a:t>
-                      </a:r>
-                      <a:endParaRPr lang="en-US" altLang="en-US" sz="900"/>
-                    </a:p>
-                  </a:txBody>
-                  <a:tcPr marL="68580" marR="68580" marT="0" marB="0" vert="horz" anchor="ctr" anchorCtr="0"/>
-                </a:tc>
-                <a:tc>
-                  <a:txBody>
-                    <a:bodyPr/>
-                    <a:p>
-                      <a:pPr indent="0">
-                        <a:buNone/>
-                      </a:pPr>
-                      <a:r>
-                        <a:rPr lang="en-US" sz="900"/>
-                        <a:t>待改进</a:t>
-                      </a:r>
-                      <a:endParaRPr lang="en-US" altLang="en-US" sz="900"/>
-                    </a:p>
-                  </a:txBody>
-                  <a:tcPr marL="68580" marR="68580" marT="0" marB="0" vert="horz" anchor="ctr" anchorCtr="0"/>
-                </a:tc>
-                <a:tc>
-                  <a:txBody>
-                    <a:bodyPr/>
-                    <a:p>
-                      <a:pPr indent="0">
-                        <a:buNone/>
-                      </a:pPr>
-                      <a:r>
-                        <a:rPr lang="en-US" sz="900"/>
-                        <a:t>未完成</a:t>
-                      </a:r>
-                      <a:endParaRPr lang="en-US" altLang="en-US" sz="900"/>
-                    </a:p>
-                  </a:txBody>
-                  <a:tcPr marL="68580" marR="68580" marT="0" marB="0" vert="horz" anchor="ctr" anchorCtr="0"/>
-                </a:tc>
-              </a:tr>
-              <a:tr h="224790">
-                <a:tc vMerge="1">
-                  <a:tcPr/>
-                </a:tc>
-                <a:tc vMerge="1" gridSpan="2">
-                  <a:tcPr/>
-                </a:tc>
-                <a:tc vMerge="1" hMerge="1">
-                  <a:tcPr/>
-                </a:tc>
-                <a:tc gridSpan="2">
-                  <a:txBody>
-                    <a:bodyPr/>
-                    <a:p>
-                      <a:pPr indent="0">
-                        <a:buNone/>
-                      </a:pPr>
-                      <a:r>
-                        <a:rPr lang="en-US" sz="1000"/>
-                        <a:t> </a:t>
-                      </a:r>
-                      <a:endParaRPr lang="en-US" altLang="en-US" sz="1000"/>
-                    </a:p>
-                  </a:txBody>
-                  <a:tcPr marL="68580" marR="68580" marT="0" marB="0" vert="horz" anchor="ctr" anchorCtr="0"/>
-                </a:tc>
-                <a:tc hMerge="1">
-                  <a:tcPr/>
-                </a:tc>
-                <a:tc>
-                  <a:txBody>
-                    <a:bodyPr/>
-                    <a:p>
-                      <a:pPr indent="0">
-                        <a:buNone/>
-                      </a:pPr>
-                      <a:r>
-                        <a:rPr lang="en-US" sz="1000"/>
-                        <a:t>1</a:t>
-                      </a:r>
-                      <a:endParaRPr lang="en-US" altLang="en-US" sz="1000"/>
-                    </a:p>
-                  </a:txBody>
-                  <a:tcPr marL="68580" marR="68580" marT="0" marB="0" vert="horz" anchor="ctr" anchorCtr="0"/>
-                </a:tc>
-                <a:tc>
-                  <a:txBody>
-                    <a:bodyPr/>
-                    <a:p>
-                      <a:pPr indent="0">
-                        <a:buNone/>
-                      </a:pPr>
-                      <a:r>
-                        <a:rPr lang="en-US" sz="1000"/>
-                        <a:t> </a:t>
-                      </a:r>
-                      <a:endParaRPr lang="en-US" altLang="en-US" sz="1000"/>
-                    </a:p>
-                  </a:txBody>
-                  <a:tcPr marL="68580" marR="68580" marT="0" marB="0" vert="horz" anchor="ctr" anchorCtr="0"/>
-                </a:tc>
-                <a:tc>
-                  <a:txBody>
-                    <a:bodyPr/>
-                    <a:p>
-                      <a:pPr indent="0">
-                        <a:buNone/>
-                      </a:pPr>
-                      <a:r>
-                        <a:rPr lang="en-US" sz="1000"/>
-                        <a:t> </a:t>
-                      </a:r>
-                      <a:endParaRPr lang="en-US" altLang="en-US" sz="1000"/>
-                    </a:p>
-                  </a:txBody>
-                  <a:tcPr marL="68580" marR="68580" marT="0" marB="0" vert="horz" anchor="ctr" anchorCtr="0"/>
-                </a:tc>
-                <a:tc>
-                  <a:txBody>
-                    <a:bodyPr/>
-                    <a:p>
-                      <a:pPr indent="0">
-                        <a:buNone/>
-                      </a:pPr>
-                      <a:r>
-                        <a:rPr lang="en-US" sz="1000"/>
-                        <a:t> </a:t>
-                      </a:r>
-                      <a:endParaRPr lang="en-US" altLang="en-US" sz="1000"/>
-                    </a:p>
-                  </a:txBody>
-                  <a:tcPr marL="68580" marR="68580" marT="0" marB="0" vert="horz" anchor="ctr" anchorCtr="0"/>
-                </a:tc>
-              </a:tr>
-              <a:tr h="224790">
-                <a:tc gridSpan="3">
-                  <a:txBody>
-                    <a:bodyPr/>
-                    <a:p>
-                      <a:pPr indent="0">
-                        <a:buNone/>
-                      </a:pPr>
-                      <a:r>
-                        <a:rPr lang="en-US" sz="1000"/>
-                        <a:t>直属上级或正式员工是否就该工作与你进行沟通</a:t>
-                      </a:r>
-                      <a:endParaRPr lang="en-US" altLang="en-US" sz="1000"/>
-                    </a:p>
-                  </a:txBody>
-                  <a:tcPr marL="68580" marR="68580" marT="0" marB="0" vert="horz" anchor="ctr" anchorCtr="0"/>
-                </a:tc>
-                <a:tc hMerge="1">
-                  <a:tcPr/>
-                </a:tc>
-                <a:tc hMerge="1">
-                  <a:tcPr/>
-                </a:tc>
-                <a:tc gridSpan="6">
-                  <a:txBody>
-                    <a:bodyPr/>
-                    <a:p>
-                      <a:pPr indent="0">
-                        <a:buNone/>
-                      </a:pPr>
-                      <a:r>
-                        <a:rPr lang="en-US" sz="900"/>
-                        <a:t>□沟通 </a:t>
-                      </a:r>
-                      <a:endParaRPr lang="en-US" altLang="en-US" sz="900"/>
-                    </a:p>
-                  </a:txBody>
-                  <a:tcPr marL="68580" marR="68580" marT="0" marB="0" vert="horz" anchor="ctr" anchorCtr="0"/>
-                </a:tc>
-                <a:tc hMerge="1">
-                  <a:tcPr/>
-                </a:tc>
-                <a:tc hMerge="1">
-                  <a:tcPr/>
-                </a:tc>
-                <a:tc hMerge="1">
-                  <a:tcPr/>
-                </a:tc>
-                <a:tc hMerge="1">
-                  <a:tcPr/>
-                </a:tc>
-                <a:tc hMerge="1">
-                  <a:tcPr/>
-                </a:tc>
-              </a:tr>
-              <a:tr h="224155">
-                <a:tc gridSpan="3">
-                  <a:txBody>
-                    <a:bodyPr/>
-                    <a:p>
-                      <a:pPr indent="0" algn="ctr">
-                        <a:buNone/>
-                      </a:pPr>
-                      <a:r>
-                        <a:rPr lang="en-US" sz="1000"/>
-                        <a:t>工作任务三</a:t>
-                      </a:r>
-                      <a:endParaRPr lang="en-US" altLang="en-US" sz="1000"/>
-                    </a:p>
-                  </a:txBody>
-                  <a:tcPr marL="68580" marR="68580" marT="0" marB="0" vert="horz" anchor="ctr" anchorCtr="0"/>
-                </a:tc>
-                <a:tc hMerge="1">
-                  <a:tcPr/>
-                </a:tc>
-                <a:tc hMerge="1">
-                  <a:tcPr/>
-                </a:tc>
-                <a:tc gridSpan="6">
-                  <a:txBody>
-                    <a:bodyPr/>
-                    <a:p>
-                      <a:pPr indent="0" algn="ctr">
-                        <a:buNone/>
-                      </a:pPr>
-                      <a:r>
-                        <a:rPr lang="en-US" sz="1000"/>
-                        <a:t>完成情况</a:t>
-                      </a:r>
-                      <a:endParaRPr lang="en-US" altLang="en-US" sz="1000"/>
-                    </a:p>
-                  </a:txBody>
-                  <a:tcPr marL="68580" marR="68580" marT="0" marB="0" vert="horz" anchor="ctr" anchorCtr="0"/>
-                </a:tc>
-                <a:tc hMerge="1">
-                  <a:tcPr/>
-                </a:tc>
-                <a:tc hMerge="1">
-                  <a:tcPr/>
-                </a:tc>
-                <a:tc hMerge="1">
-                  <a:tcPr/>
-                </a:tc>
-                <a:tc hMerge="1">
-                  <a:tcPr/>
-                </a:tc>
-                <a:tc hMerge="1">
-                  <a:tcPr/>
-                </a:tc>
-              </a:tr>
-              <a:tr h="269875">
-                <a:tc>
-                  <a:txBody>
-                    <a:bodyPr/>
-                    <a:p>
-                      <a:pPr indent="0">
-                        <a:buNone/>
-                      </a:pPr>
-                      <a:r>
-                        <a:rPr lang="en-US" sz="900"/>
-                        <a:t> 工作内容 </a:t>
-                      </a:r>
-                      <a:endParaRPr lang="en-US" altLang="en-US" sz="900"/>
-                    </a:p>
-                  </a:txBody>
-                  <a:tcPr marL="68580" marR="68580" marT="0" marB="0" vert="horz" anchor="ctr" anchorCtr="0"/>
-                </a:tc>
-                <a:tc gridSpan="2">
-                  <a:txBody>
-                    <a:bodyPr/>
-                    <a:p>
-                      <a:pPr indent="0">
-                        <a:buNone/>
-                      </a:pPr>
-                      <a:r>
-                        <a:rPr lang="en-US" sz="900"/>
-                        <a:t>完善后端代码</a:t>
-                      </a:r>
-                      <a:endParaRPr lang="en-US" altLang="en-US" sz="900"/>
-                    </a:p>
-                  </a:txBody>
-                  <a:tcPr marL="68580" marR="68580" marT="0" marB="0" vert="horz" anchor="ctr" anchorCtr="0"/>
-                </a:tc>
-                <a:tc hMerge="1">
-                  <a:tcPr/>
-                </a:tc>
-                <a:tc gridSpan="6">
-                  <a:txBody>
-                    <a:bodyPr/>
-                    <a:p>
-                      <a:pPr indent="0">
-                        <a:buNone/>
-                      </a:pPr>
-                      <a:r>
-                        <a:rPr lang="en-US" sz="900"/>
-                        <a:t>职员是否认同该工作内容？R认同 □不认同 □其他</a:t>
-                      </a:r>
-                      <a:endParaRPr lang="en-US" altLang="en-US" sz="900"/>
-                    </a:p>
-                  </a:txBody>
-                  <a:tcPr marL="68580" marR="68580" marT="0" marB="0" vert="horz" anchor="ctr" anchorCtr="0"/>
-                </a:tc>
-                <a:tc hMerge="1">
-                  <a:tcPr/>
-                </a:tc>
-                <a:tc hMerge="1">
-                  <a:tcPr/>
-                </a:tc>
-                <a:tc hMerge="1">
-                  <a:tcPr/>
-                </a:tc>
-                <a:tc hMerge="1">
-                  <a:tcPr/>
-                </a:tc>
-                <a:tc hMerge="1">
-                  <a:tcPr/>
-                </a:tc>
-              </a:tr>
-              <a:tr h="393700">
-                <a:tc>
-                  <a:txBody>
-                    <a:bodyPr/>
-                    <a:p>
-                      <a:pPr indent="0">
-                        <a:buNone/>
-                      </a:pPr>
-                      <a:r>
-                        <a:rPr lang="en-US" sz="900"/>
-                        <a:t> 工作目标完成时间 </a:t>
-                      </a:r>
-                      <a:endParaRPr lang="en-US" altLang="en-US" sz="900"/>
-                    </a:p>
-                  </a:txBody>
-                  <a:tcPr marL="68580" marR="68580" marT="0" marB="0" vert="horz" anchor="ctr" anchorCtr="0"/>
-                </a:tc>
-                <a:tc gridSpan="2">
-                  <a:txBody>
-                    <a:bodyPr/>
-                    <a:p>
-                      <a:pPr indent="0">
-                        <a:buNone/>
-                      </a:pPr>
-                      <a:r>
-                        <a:rPr lang="en-US" sz="1000"/>
-                        <a:t>2021/12/12 0：00</a:t>
-                      </a:r>
-                      <a:endParaRPr lang="en-US" altLang="en-US" sz="1000"/>
-                    </a:p>
-                  </a:txBody>
-                  <a:tcPr marL="68580" marR="68580" marT="0" marB="0" vert="horz" anchor="ctr" anchorCtr="0"/>
-                </a:tc>
-                <a:tc hMerge="1">
-                  <a:tcPr/>
-                </a:tc>
-                <a:tc gridSpan="6">
-                  <a:txBody>
-                    <a:bodyPr/>
-                    <a:p>
-                      <a:pPr indent="0">
-                        <a:buNone/>
-                      </a:pPr>
-                      <a:r>
-                        <a:rPr lang="en-US" sz="900"/>
-                        <a:t>职员是否认同该工作目标？R认同 □不认同 □其他</a:t>
-                      </a:r>
-                      <a:endParaRPr lang="en-US" altLang="en-US" sz="900"/>
-                    </a:p>
-                  </a:txBody>
-                  <a:tcPr marL="68580" marR="68580" marT="0" marB="0" vert="horz" anchor="ctr" anchorCtr="0"/>
-                </a:tc>
-                <a:tc hMerge="1">
-                  <a:tcPr/>
-                </a:tc>
-                <a:tc hMerge="1">
-                  <a:tcPr/>
-                </a:tc>
-                <a:tc hMerge="1">
-                  <a:tcPr/>
-                </a:tc>
-                <a:tc hMerge="1">
-                  <a:tcPr/>
-                </a:tc>
-                <a:tc hMerge="1">
-                  <a:tcPr/>
-                </a:tc>
-              </a:tr>
-              <a:tr h="269240">
-                <a:tc>
-                  <a:txBody>
-                    <a:bodyPr/>
-                    <a:p>
-                      <a:pPr indent="0">
-                        <a:buNone/>
-                      </a:pPr>
-                      <a:r>
-                        <a:rPr lang="en-US" sz="900"/>
-                        <a:t>评价方法</a:t>
-                      </a:r>
-                      <a:endParaRPr lang="en-US" altLang="en-US" sz="900"/>
-                    </a:p>
-                  </a:txBody>
-                  <a:tcPr marL="68580" marR="68580" marT="0" marB="0" vert="horz" anchor="ctr" anchorCtr="0"/>
-                </a:tc>
-                <a:tc gridSpan="2">
-                  <a:txBody>
-                    <a:bodyPr/>
-                    <a:p>
-                      <a:pPr indent="0">
-                        <a:buNone/>
-                      </a:pPr>
-                      <a:r>
-                        <a:rPr lang="en-US" sz="1000"/>
-                        <a:t>运行情况</a:t>
-                      </a:r>
-                      <a:endParaRPr lang="en-US" altLang="en-US" sz="1000"/>
-                    </a:p>
-                  </a:txBody>
-                  <a:tcPr marL="68580" marR="68580" marT="0" marB="0" vert="horz" anchor="ctr" anchorCtr="0"/>
-                </a:tc>
-                <a:tc hMerge="1">
-                  <a:tcPr/>
-                </a:tc>
-                <a:tc gridSpan="6">
-                  <a:txBody>
-                    <a:bodyPr/>
-                    <a:p>
-                      <a:pPr indent="0">
-                        <a:buNone/>
-                      </a:pPr>
-                      <a:r>
-                        <a:rPr lang="en-US" sz="900"/>
-                        <a:t>职员是否认同该评价方法？R认同 □不认同 □其他</a:t>
-                      </a:r>
-                      <a:endParaRPr lang="en-US" altLang="en-US" sz="900"/>
-                    </a:p>
-                  </a:txBody>
-                  <a:tcPr marL="68580" marR="68580" marT="0" marB="0" vert="horz" anchor="ctr" anchorCtr="0"/>
-                </a:tc>
-                <a:tc hMerge="1">
-                  <a:tcPr/>
-                </a:tc>
-                <a:tc hMerge="1">
-                  <a:tcPr/>
-                </a:tc>
-                <a:tc hMerge="1">
-                  <a:tcPr/>
-                </a:tc>
-                <a:tc hMerge="1">
-                  <a:tcPr/>
-                </a:tc>
-                <a:tc hMerge="1">
-                  <a:tcPr/>
-                </a:tc>
-              </a:tr>
-              <a:tr h="262890">
-                <a:tc rowSpan="2">
-                  <a:txBody>
-                    <a:bodyPr/>
-                    <a:p>
-                      <a:pPr indent="0">
-                        <a:buNone/>
-                      </a:pPr>
-                      <a:r>
-                        <a:rPr lang="en-US" sz="900"/>
-                        <a:t>评价结果</a:t>
-                      </a:r>
-                      <a:endParaRPr lang="en-US" altLang="en-US" sz="900"/>
-                    </a:p>
-                  </a:txBody>
-                  <a:tcPr marL="68580" marR="68580" marT="0" marB="0" vert="horz" anchor="ctr" anchorCtr="0"/>
-                </a:tc>
-                <a:tc rowSpan="2" gridSpan="2">
-                  <a:txBody>
-                    <a:bodyPr/>
-                    <a:p>
-                      <a:pPr indent="0">
-                        <a:buNone/>
-                      </a:pPr>
-                      <a:r>
-                        <a:rPr lang="en-US" sz="1000"/>
-                        <a:t> </a:t>
-                      </a:r>
-                      <a:endParaRPr lang="en-US" altLang="en-US" sz="1000"/>
-                    </a:p>
-                  </a:txBody>
-                  <a:tcPr marL="68580" marR="68580" marT="0" marB="0" vert="horz" anchor="ctr" anchorCtr="0"/>
-                </a:tc>
-                <a:tc rowSpan="2" hMerge="1">
-                  <a:tcPr/>
-                </a:tc>
-                <a:tc>
-                  <a:txBody>
-                    <a:bodyPr/>
-                    <a:p>
-                      <a:pPr indent="0">
-                        <a:buNone/>
-                      </a:pPr>
-                      <a:r>
-                        <a:rPr lang="en-US" sz="900"/>
-                        <a:t>优秀</a:t>
-                      </a:r>
-                      <a:endParaRPr lang="en-US" altLang="en-US" sz="900"/>
-                    </a:p>
-                  </a:txBody>
-                  <a:tcPr marL="68580" marR="68580" marT="0" marB="0" vert="horz" anchor="ctr" anchorCtr="0"/>
-                </a:tc>
-                <a:tc gridSpan="2">
-                  <a:txBody>
-                    <a:bodyPr/>
-                    <a:p>
-                      <a:pPr indent="0">
-                        <a:buNone/>
-                      </a:pPr>
-                      <a:r>
-                        <a:rPr lang="en-US" sz="900"/>
-                        <a:t>良好</a:t>
-                      </a:r>
-                      <a:endParaRPr lang="en-US" altLang="en-US" sz="900"/>
-                    </a:p>
-                  </a:txBody>
-                  <a:tcPr marL="68580" marR="68580" marT="0" marB="0" vert="horz" anchor="ctr" anchorCtr="0"/>
-                </a:tc>
-                <a:tc hMerge="1">
-                  <a:tcPr/>
-                </a:tc>
-                <a:tc>
-                  <a:txBody>
-                    <a:bodyPr/>
-                    <a:p>
-                      <a:pPr indent="0">
-                        <a:buNone/>
-                      </a:pPr>
-                      <a:r>
-                        <a:rPr lang="en-US" sz="900"/>
-                        <a:t>合格</a:t>
-                      </a:r>
-                      <a:endParaRPr lang="en-US" altLang="en-US" sz="900"/>
-                    </a:p>
-                  </a:txBody>
-                  <a:tcPr marL="68580" marR="68580" marT="0" marB="0" vert="horz" anchor="ctr" anchorCtr="0"/>
-                </a:tc>
-                <a:tc>
-                  <a:txBody>
-                    <a:bodyPr/>
-                    <a:p>
-                      <a:pPr indent="0">
-                        <a:buNone/>
-                      </a:pPr>
-                      <a:r>
-                        <a:rPr lang="en-US" sz="900"/>
-                        <a:t>待改进</a:t>
-                      </a:r>
-                      <a:endParaRPr lang="en-US" altLang="en-US" sz="900"/>
-                    </a:p>
-                  </a:txBody>
-                  <a:tcPr marL="68580" marR="68580" marT="0" marB="0" vert="horz" anchor="ctr" anchorCtr="0"/>
-                </a:tc>
-                <a:tc>
-                  <a:txBody>
-                    <a:bodyPr/>
-                    <a:p>
-                      <a:pPr indent="0">
-                        <a:buNone/>
-                      </a:pPr>
-                      <a:r>
-                        <a:rPr lang="en-US" sz="900"/>
-                        <a:t>未完成</a:t>
-                      </a:r>
-                      <a:endParaRPr lang="en-US" altLang="en-US" sz="900"/>
-                    </a:p>
-                  </a:txBody>
-                  <a:tcPr marL="68580" marR="68580" marT="0" marB="0" vert="horz" anchor="ctr" anchorCtr="0"/>
-                </a:tc>
-              </a:tr>
-              <a:tr h="224790">
-                <a:tc vMerge="1">
-                  <a:tcPr/>
-                </a:tc>
-                <a:tc vMerge="1" gridSpan="2">
-                  <a:tcPr/>
-                </a:tc>
-                <a:tc vMerge="1" hMerge="1">
-                  <a:tcPr/>
-                </a:tc>
-                <a:tc>
-                  <a:txBody>
-                    <a:bodyPr/>
-                    <a:p>
-                      <a:pPr indent="0">
-                        <a:buNone/>
-                      </a:pPr>
-                      <a:r>
-                        <a:rPr lang="en-US" sz="900"/>
-                        <a:t> </a:t>
-                      </a:r>
-                      <a:endParaRPr lang="en-US" altLang="en-US" sz="900"/>
-                    </a:p>
-                  </a:txBody>
-                  <a:tcPr marL="68580" marR="68580" marT="0" marB="0" vert="horz" anchor="ctr" anchorCtr="0"/>
-                </a:tc>
-                <a:tc gridSpan="2">
-                  <a:txBody>
-                    <a:bodyPr/>
-                    <a:p>
-                      <a:pPr indent="0">
-                        <a:buNone/>
-                      </a:pPr>
-                      <a:r>
-                        <a:rPr lang="en-US" sz="900"/>
-                        <a:t>1</a:t>
-                      </a:r>
-                      <a:endParaRPr lang="en-US" altLang="en-US" sz="900"/>
-                    </a:p>
-                  </a:txBody>
-                  <a:tcPr marL="68580" marR="68580" marT="0" marB="0" vert="horz" anchor="ctr" anchorCtr="0"/>
-                </a:tc>
-                <a:tc hMerge="1">
-                  <a:tcPr/>
-                </a:tc>
-                <a:tc>
-                  <a:txBody>
-                    <a:bodyPr/>
-                    <a:p>
-                      <a:pPr indent="0">
-                        <a:buNone/>
-                      </a:pPr>
-                      <a:r>
-                        <a:rPr lang="en-US" sz="900"/>
-                        <a:t> </a:t>
-                      </a:r>
-                      <a:endParaRPr lang="en-US" altLang="en-US" sz="900"/>
-                    </a:p>
-                  </a:txBody>
-                  <a:tcPr marL="68580" marR="68580" marT="0" marB="0" vert="horz" anchor="ctr" anchorCtr="0"/>
-                </a:tc>
-                <a:tc>
-                  <a:txBody>
-                    <a:bodyPr/>
-                    <a:p>
-                      <a:pPr indent="0">
-                        <a:buNone/>
-                      </a:pPr>
-                      <a:r>
-                        <a:rPr lang="en-US" sz="900"/>
-                        <a:t> </a:t>
-                      </a:r>
-                      <a:endParaRPr lang="en-US" altLang="en-US" sz="900"/>
-                    </a:p>
-                  </a:txBody>
-                  <a:tcPr marL="68580" marR="68580" marT="0" marB="0" vert="horz" anchor="ctr" anchorCtr="0"/>
-                </a:tc>
-                <a:tc>
-                  <a:txBody>
-                    <a:bodyPr/>
-                    <a:p>
-                      <a:pPr indent="0">
-                        <a:buNone/>
-                      </a:pPr>
-                      <a:r>
-                        <a:rPr lang="en-US" sz="900"/>
-                        <a:t> </a:t>
-                      </a:r>
-                      <a:endParaRPr lang="en-US" altLang="en-US" sz="900"/>
-                    </a:p>
-                  </a:txBody>
-                  <a:tcPr marL="68580" marR="68580" marT="0" marB="0" vert="horz" anchor="ctr" anchorCtr="0"/>
-                </a:tc>
-              </a:tr>
-              <a:tr h="224155">
-                <a:tc gridSpan="3">
-                  <a:txBody>
-                    <a:bodyPr/>
-                    <a:p>
-                      <a:pPr indent="0">
-                        <a:buNone/>
-                      </a:pPr>
-                      <a:r>
-                        <a:rPr lang="en-US" sz="900"/>
-                        <a:t>直属上级或正式员工是否就该工作与你进行沟通</a:t>
-                      </a:r>
-                      <a:endParaRPr lang="en-US" altLang="en-US" sz="900"/>
-                    </a:p>
-                  </a:txBody>
-                  <a:tcPr marL="68580" marR="68580" marT="0" marB="0" vert="horz" anchor="ctr" anchorCtr="0"/>
-                </a:tc>
-                <a:tc hMerge="1">
-                  <a:tcPr/>
-                </a:tc>
-                <a:tc hMerge="1">
-                  <a:tcPr/>
-                </a:tc>
-                <a:tc gridSpan="6">
-                  <a:txBody>
-                    <a:bodyPr/>
-                    <a:p>
-                      <a:pPr indent="0">
-                        <a:buNone/>
-                      </a:pPr>
-                      <a:r>
-                        <a:rPr lang="en-US" sz="900"/>
-                        <a:t>£沟通 □未沟通</a:t>
-                      </a:r>
-                      <a:endParaRPr lang="en-US" altLang="en-US" sz="900"/>
-                    </a:p>
-                  </a:txBody>
-                  <a:tcPr marL="68580" marR="68580" marT="0" marB="0" vert="horz" anchor="ctr" anchorCtr="0"/>
-                </a:tc>
-                <a:tc hMerge="1">
-                  <a:tcPr/>
-                </a:tc>
-                <a:tc hMerge="1">
-                  <a:tcPr/>
-                </a:tc>
-                <a:tc hMerge="1">
-                  <a:tcPr/>
-                </a:tc>
-                <a:tc hMerge="1">
-                  <a:tcPr/>
-                </a:tc>
-                <a:tc hMerge="1">
-                  <a:tcPr/>
-                </a:tc>
-              </a:tr>
-            </a:tbl>
-          </a:graphicData>
-        </a:graphic>
-      </p:graphicFrame>
-    </p:spTree>
-  </p:cSld>
-  <p:clrMapOvr>
-    <a:masterClrMapping/>
-  </p:clrMapOvr>
-  <mc:AlternateContent xmlns:mc="http://schemas.openxmlformats.org/markup-compatibility/2006">
-    <mc:Choice xmlns:p14="http://schemas.microsoft.com/office/powerpoint/2010/main" Requires="p14">
-      <p:transition spd="slow" p14:dur="1000" advClick="0">
-        <p:cover dir="lu"/>
-      </p:transition>
-    </mc:Choice>
-    <mc:Fallback>
-      <p:transition spd="slow" advClick="0">
-        <p:cover dir="lu"/>
-      </p:transition>
-    </mc:Fallback>
-  </mc:AlternateContent>
-  <p:timing>
-    <p:tnLst>
-      <p:par>
-        <p:cTn id="1" dur="indefinite" restart="never" nodeType="tmRoot"/>
-      </p:par>
-    </p:tnLst>
-  </p:timing>
-</p:sld>
-</file>
-
-<file path=ppt/slides/slide26.xml><?xml version="1.0" encoding="utf-8"?>
-<p:sld xmlns:a="http://schemas.openxmlformats.org/drawingml/2006/main" xmlns:r="http://schemas.openxmlformats.org/officeDocument/2006/relationships" xmlns:p="http://schemas.openxmlformats.org/presentationml/2006/main">
-  <p:cSld>
-    <p:spTree>
-      <p:nvGrpSpPr>
-        <p:cNvPr id="1" name=""/>
-        <p:cNvGrpSpPr/>
-        <p:nvPr/>
-      </p:nvGrpSpPr>
-      <p:grpSpPr>
-        <a:xfrm>
-          <a:off x="0" y="0"/>
-          <a:ext cx="0" cy="0"/>
-          <a:chOff x="0" y="0"/>
-          <a:chExt cx="0" cy="0"/>
-        </a:xfrm>
-      </p:grpSpPr>
-      <p:grpSp>
-        <p:nvGrpSpPr>
-          <p:cNvPr id="6" name="组合 5"/>
-          <p:cNvGrpSpPr/>
-          <p:nvPr/>
-        </p:nvGrpSpPr>
-        <p:grpSpPr>
-          <a:xfrm>
-            <a:off x="1189355" y="269240"/>
-            <a:ext cx="6793230" cy="529590"/>
-            <a:chOff x="1873" y="424"/>
-            <a:chExt cx="10698" cy="834"/>
-          </a:xfrm>
-        </p:grpSpPr>
-        <p:sp>
-          <p:nvSpPr>
-            <p:cNvPr id="13" name="矩形 12"/>
-            <p:cNvSpPr/>
-            <p:nvPr/>
-          </p:nvSpPr>
-          <p:spPr>
-            <a:xfrm>
-              <a:off x="1873" y="424"/>
-              <a:ext cx="2266" cy="756"/>
-            </a:xfrm>
-            <a:prstGeom prst="rect">
-              <a:avLst/>
-            </a:prstGeom>
-            <a:solidFill>
-              <a:srgbClr val="F6F6F6"/>
-            </a:solidFill>
-            <a:ln>
-              <a:noFill/>
-            </a:ln>
-          </p:spPr>
-          <p:style>
-            <a:lnRef idx="2">
-              <a:schemeClr val="accent1">
-                <a:shade val="50000"/>
-              </a:schemeClr>
-            </a:lnRef>
-            <a:fillRef idx="1">
-              <a:schemeClr val="accent1"/>
-            </a:fillRef>
-            <a:effectRef idx="0">
-              <a:schemeClr val="accent1"/>
-            </a:effectRef>
-            <a:fontRef idx="minor">
-              <a:schemeClr val="lt1"/>
-            </a:fontRef>
-          </p:style>
-          <p:txBody>
-            <a:bodyPr rtlCol="0" anchor="ctr"/>
-            <a:p>
-              <a:pPr algn="ctr"/>
-              <a:endParaRPr lang="zh-CN" altLang="en-US"/>
-            </a:p>
-          </p:txBody>
-        </p:sp>
-        <p:sp>
-          <p:nvSpPr>
-            <p:cNvPr id="7" name="矩形 6"/>
-            <p:cNvSpPr/>
-            <p:nvPr/>
-          </p:nvSpPr>
-          <p:spPr>
-            <a:xfrm>
-              <a:off x="1984" y="535"/>
-              <a:ext cx="10587" cy="723"/>
-            </a:xfrm>
-            <a:prstGeom prst="rect">
-              <a:avLst/>
-            </a:prstGeom>
-          </p:spPr>
-          <p:txBody>
-            <a:bodyPr wrap="square" lIns="91400" tIns="45699" rIns="91400" bIns="45699">
-              <a:spAutoFit/>
-            </a:bodyPr>
-            <a:p>
-              <a:pPr lvl="0" defTabSz="914400">
-                <a:defRPr/>
-              </a:pPr>
-              <a:r>
-                <a:rPr lang="zh-CN" sz="2400" dirty="0">
-                  <a:solidFill>
-                    <a:schemeClr val="accent1"/>
-                  </a:solidFill>
-                  <a:latin typeface="微软雅黑" panose="020B0503020204020204" pitchFamily="34" charset="-122"/>
-                  <a:ea typeface="微软雅黑" panose="020B0503020204020204" pitchFamily="34" charset="-122"/>
-                  <a:sym typeface="+mn-ea"/>
-                </a:rPr>
-                <a:t>小组分工</a:t>
-              </a:r>
-              <a:endParaRPr lang="zh-CN" sz="2400" kern="0" dirty="0">
-                <a:solidFill>
-                  <a:schemeClr val="accent1"/>
-                </a:solidFill>
-                <a:latin typeface="微软雅黑" panose="020B0503020204020204" pitchFamily="34" charset="-122"/>
-                <a:ea typeface="微软雅黑" panose="020B0503020204020204" pitchFamily="34" charset="-122"/>
-                <a:sym typeface="+mn-ea"/>
-              </a:endParaRPr>
-            </a:p>
-          </p:txBody>
-        </p:sp>
-      </p:grpSp>
-      <p:graphicFrame>
-        <p:nvGraphicFramePr>
-          <p:cNvPr id="3" name="表格 2"/>
-          <p:cNvGraphicFramePr/>
-          <p:nvPr>
-            <p:custDataLst>
-              <p:tags r:id="rId1"/>
-            </p:custDataLst>
-          </p:nvPr>
-        </p:nvGraphicFramePr>
-        <p:xfrm>
-          <a:off x="4035425" y="268605"/>
-          <a:ext cx="6641465" cy="6061075"/>
-        </p:xfrm>
-        <a:graphic>
-          <a:graphicData uri="http://schemas.openxmlformats.org/drawingml/2006/table">
-            <a:tbl>
-              <a:tblPr firstRow="1" bandRow="1">
-                <a:tableStyleId>{3B4B98B0-60AC-42C2-AFA5-B58CD77FA1E5}</a:tableStyleId>
-              </a:tblPr>
-              <a:tblGrid>
-                <a:gridCol w="831850"/>
-                <a:gridCol w="1453515"/>
-                <a:gridCol w="1513840"/>
-                <a:gridCol w="458470"/>
-                <a:gridCol w="20320"/>
-                <a:gridCol w="458470"/>
-                <a:gridCol w="571500"/>
-                <a:gridCol w="662305"/>
-                <a:gridCol w="671195"/>
-              </a:tblGrid>
-              <a:tr h="227965">
-                <a:tc gridSpan="2">
-                  <a:txBody>
-                    <a:bodyPr/>
-                    <a:p>
-                      <a:pPr indent="0" algn="ctr">
-                        <a:buNone/>
-                      </a:pPr>
-                      <a:r>
-                        <a:rPr lang="en-US" sz="1000"/>
-                        <a:t>姓 名</a:t>
-                      </a:r>
-                      <a:endParaRPr lang="en-US" altLang="en-US" sz="1000"/>
-                    </a:p>
-                  </a:txBody>
-                  <a:tcPr marL="68580" marR="68580" marT="0" marB="0" vert="horz" anchor="ctr" anchorCtr="0"/>
-                </a:tc>
-                <a:tc hMerge="1">
-                  <a:tcPr/>
-                </a:tc>
-                <a:tc gridSpan="7">
-                  <a:txBody>
-                    <a:bodyPr/>
-                    <a:p>
-                      <a:pPr indent="0" algn="ctr">
-                        <a:buNone/>
-                      </a:pPr>
-                      <a:r>
-                        <a:rPr lang="en-US" sz="1000"/>
-                        <a:t>李东泽</a:t>
-                      </a:r>
-                      <a:endParaRPr lang="en-US" altLang="en-US" sz="1000"/>
-                    </a:p>
-                  </a:txBody>
-                  <a:tcPr marL="68580" marR="68580" marT="0" marB="0" vert="horz" anchor="ctr" anchorCtr="0"/>
-                </a:tc>
-                <a:tc hMerge="1">
-                  <a:tcPr/>
-                </a:tc>
-                <a:tc hMerge="1">
-                  <a:tcPr/>
-                </a:tc>
-                <a:tc hMerge="1">
-                  <a:tcPr/>
-                </a:tc>
-                <a:tc hMerge="1">
-                  <a:tcPr/>
-                </a:tc>
-                <a:tc hMerge="1">
-                  <a:tcPr/>
-                </a:tc>
-                <a:tc hMerge="1">
-                  <a:tcPr/>
-                </a:tc>
-              </a:tr>
-              <a:tr h="227965">
-                <a:tc gridSpan="9">
-                  <a:txBody>
-                    <a:bodyPr/>
-                    <a:p>
-                      <a:pPr indent="0" algn="ctr">
-                        <a:buNone/>
-                      </a:pPr>
-                      <a:r>
-                        <a:rPr lang="en-US" sz="900"/>
-                        <a:t>工 作 安 排</a:t>
-                      </a:r>
-                      <a:endParaRPr lang="en-US" altLang="en-US" sz="900"/>
-                    </a:p>
-                  </a:txBody>
-                  <a:tcPr marL="68580" marR="68580" marT="0" marB="0" vert="horz" anchor="ctr" anchorCtr="0"/>
-                </a:tc>
-                <a:tc hMerge="1">
-                  <a:tcPr/>
-                </a:tc>
-                <a:tc hMerge="1">
-                  <a:tcPr/>
-                </a:tc>
-                <a:tc hMerge="1">
-                  <a:tcPr/>
-                </a:tc>
-                <a:tc hMerge="1">
-                  <a:tcPr/>
-                </a:tc>
-                <a:tc hMerge="1">
-                  <a:tcPr/>
-                </a:tc>
-                <a:tc hMerge="1">
-                  <a:tcPr/>
-                </a:tc>
-                <a:tc hMerge="1">
-                  <a:tcPr/>
-                </a:tc>
-                <a:tc hMerge="1">
-                  <a:tcPr/>
-                </a:tc>
-              </a:tr>
-              <a:tr h="227965">
-                <a:tc gridSpan="3">
-                  <a:txBody>
-                    <a:bodyPr/>
-                    <a:p>
-                      <a:pPr indent="0" algn="ctr">
-                        <a:buNone/>
-                      </a:pPr>
-                      <a:r>
-                        <a:rPr lang="en-US" sz="1000"/>
-                        <a:t>工作任务一</a:t>
-                      </a:r>
-                      <a:endParaRPr lang="en-US" altLang="en-US" sz="1000"/>
-                    </a:p>
-                  </a:txBody>
-                  <a:tcPr marL="68580" marR="68580" marT="0" marB="0" vert="horz" anchor="ctr" anchorCtr="0"/>
-                </a:tc>
-                <a:tc hMerge="1">
-                  <a:tcPr/>
-                </a:tc>
-                <a:tc hMerge="1">
-                  <a:tcPr/>
-                </a:tc>
-                <a:tc gridSpan="6">
-                  <a:txBody>
-                    <a:bodyPr/>
-                    <a:p>
-                      <a:pPr indent="0" algn="ctr">
-                        <a:buNone/>
-                      </a:pPr>
-                      <a:r>
-                        <a:rPr lang="en-US" sz="1000"/>
-                        <a:t>完成情况</a:t>
-                      </a:r>
-                      <a:endParaRPr lang="en-US" altLang="en-US" sz="1000"/>
-                    </a:p>
-                  </a:txBody>
-                  <a:tcPr marL="68580" marR="68580" marT="0" marB="0" vert="horz" anchor="ctr" anchorCtr="0"/>
-                </a:tc>
-                <a:tc hMerge="1">
-                  <a:tcPr/>
-                </a:tc>
-                <a:tc hMerge="1">
-                  <a:tcPr/>
-                </a:tc>
-                <a:tc hMerge="1">
-                  <a:tcPr/>
-                </a:tc>
-                <a:tc hMerge="1">
-                  <a:tcPr/>
-                </a:tc>
-                <a:tc hMerge="1">
-                  <a:tcPr/>
-                </a:tc>
-              </a:tr>
-              <a:tr h="273685">
-                <a:tc>
-                  <a:txBody>
-                    <a:bodyPr/>
-                    <a:p>
-                      <a:pPr indent="0">
-                        <a:buNone/>
-                      </a:pPr>
-                      <a:r>
-                        <a:rPr lang="en-US" sz="900"/>
-                        <a:t> 工作内容 </a:t>
-                      </a:r>
-                      <a:endParaRPr lang="en-US" altLang="en-US" sz="900"/>
-                    </a:p>
-                  </a:txBody>
-                  <a:tcPr marL="68580" marR="68580" marT="0" marB="0" vert="horz" anchor="ctr" anchorCtr="0"/>
-                </a:tc>
-                <a:tc gridSpan="2">
-                  <a:txBody>
-                    <a:bodyPr/>
-                    <a:p>
-                      <a:pPr indent="0">
-                        <a:buNone/>
-                      </a:pPr>
-                      <a:r>
-                        <a:rPr lang="en-US" sz="1000"/>
-                        <a:t>完善前端代码</a:t>
-                      </a:r>
-                      <a:endParaRPr lang="en-US" altLang="en-US" sz="1000"/>
-                    </a:p>
-                  </a:txBody>
-                  <a:tcPr marL="68580" marR="68580" marT="0" marB="0" vert="horz" anchor="ctr" anchorCtr="0"/>
-                </a:tc>
-                <a:tc hMerge="1">
-                  <a:tcPr/>
-                </a:tc>
-                <a:tc gridSpan="6">
-                  <a:txBody>
-                    <a:bodyPr/>
-                    <a:p>
-                      <a:pPr indent="0">
-                        <a:buNone/>
-                      </a:pPr>
-                      <a:r>
-                        <a:rPr lang="en-US" sz="900"/>
-                        <a:t>职员是否认同该工作内容？R认同 □不认同 □其他</a:t>
-                      </a:r>
-                      <a:endParaRPr lang="en-US" altLang="en-US" sz="900"/>
-                    </a:p>
-                  </a:txBody>
-                  <a:tcPr marL="68580" marR="68580" marT="0" marB="0" vert="horz" anchor="ctr" anchorCtr="0"/>
-                </a:tc>
-                <a:tc hMerge="1">
-                  <a:tcPr/>
-                </a:tc>
-                <a:tc hMerge="1">
-                  <a:tcPr/>
-                </a:tc>
-                <a:tc hMerge="1">
-                  <a:tcPr/>
-                </a:tc>
-                <a:tc hMerge="1">
-                  <a:tcPr/>
-                </a:tc>
-                <a:tc hMerge="1">
-                  <a:tcPr/>
-                </a:tc>
-              </a:tr>
-              <a:tr h="393700">
-                <a:tc>
-                  <a:txBody>
-                    <a:bodyPr/>
-                    <a:p>
-                      <a:pPr indent="0">
-                        <a:buNone/>
-                      </a:pPr>
-                      <a:r>
-                        <a:rPr lang="en-US" sz="900"/>
-                        <a:t> 工作目标完成时间 </a:t>
-                      </a:r>
-                      <a:endParaRPr lang="en-US" altLang="en-US" sz="900"/>
-                    </a:p>
-                  </a:txBody>
-                  <a:tcPr marL="68580" marR="68580" marT="0" marB="0" vert="horz" anchor="ctr" anchorCtr="0"/>
-                </a:tc>
-                <a:tc gridSpan="2">
-                  <a:txBody>
-                    <a:bodyPr/>
-                    <a:p>
-                      <a:pPr indent="0">
-                        <a:buNone/>
-                      </a:pPr>
-                      <a:r>
-                        <a:rPr lang="en-US" sz="1000"/>
-                        <a:t>2021/12/12 10：00</a:t>
-                      </a:r>
-                      <a:endParaRPr lang="en-US" altLang="en-US" sz="1000"/>
-                    </a:p>
-                  </a:txBody>
-                  <a:tcPr marL="68580" marR="68580" marT="0" marB="0" vert="horz" anchor="ctr" anchorCtr="0"/>
-                </a:tc>
-                <a:tc hMerge="1">
-                  <a:tcPr/>
-                </a:tc>
-                <a:tc gridSpan="6">
-                  <a:txBody>
-                    <a:bodyPr/>
-                    <a:p>
-                      <a:pPr indent="0">
-                        <a:buNone/>
-                      </a:pPr>
-                      <a:r>
-                        <a:rPr lang="en-US" sz="900"/>
-                        <a:t>职员是否认同该工作目标？R认同 □不认同 □其他</a:t>
-                      </a:r>
-                      <a:endParaRPr lang="en-US" altLang="en-US" sz="900"/>
-                    </a:p>
-                  </a:txBody>
-                  <a:tcPr marL="68580" marR="68580" marT="0" marB="0" vert="horz" anchor="ctr" anchorCtr="0"/>
-                </a:tc>
-                <a:tc hMerge="1">
-                  <a:tcPr/>
-                </a:tc>
-                <a:tc hMerge="1">
-                  <a:tcPr/>
-                </a:tc>
-                <a:tc hMerge="1">
-                  <a:tcPr/>
-                </a:tc>
-                <a:tc hMerge="1">
-                  <a:tcPr/>
-                </a:tc>
-                <a:tc hMerge="1">
-                  <a:tcPr/>
-                </a:tc>
-              </a:tr>
-              <a:tr h="273050">
-                <a:tc>
-                  <a:txBody>
-                    <a:bodyPr/>
-                    <a:p>
-                      <a:pPr indent="0">
-                        <a:buNone/>
-                      </a:pPr>
-                      <a:r>
-                        <a:rPr lang="en-US" sz="900"/>
-                        <a:t>评价方法</a:t>
-                      </a:r>
-                      <a:endParaRPr lang="en-US" altLang="en-US" sz="900"/>
-                    </a:p>
-                  </a:txBody>
-                  <a:tcPr marL="68580" marR="68580" marT="0" marB="0" vert="horz" anchor="ctr" anchorCtr="0"/>
-                </a:tc>
-                <a:tc gridSpan="2">
-                  <a:txBody>
-                    <a:bodyPr/>
-                    <a:p>
-                      <a:pPr indent="0">
-                        <a:buNone/>
-                      </a:pPr>
-                      <a:r>
-                        <a:rPr lang="en-US" sz="1000"/>
-                        <a:t>查看运行情况</a:t>
-                      </a:r>
-                      <a:endParaRPr lang="en-US" altLang="en-US" sz="1000"/>
-                    </a:p>
-                  </a:txBody>
-                  <a:tcPr marL="68580" marR="68580" marT="0" marB="0" vert="horz" anchor="ctr" anchorCtr="0"/>
-                </a:tc>
-                <a:tc hMerge="1">
-                  <a:tcPr/>
-                </a:tc>
-                <a:tc gridSpan="6">
-                  <a:txBody>
-                    <a:bodyPr/>
-                    <a:p>
-                      <a:pPr indent="0">
-                        <a:buNone/>
-                      </a:pPr>
-                      <a:r>
-                        <a:rPr lang="en-US" sz="900"/>
-                        <a:t>职员是否认同该评价方法？R认同 □不认同 □其他</a:t>
-                      </a:r>
-                      <a:endParaRPr lang="en-US" altLang="en-US" sz="900"/>
-                    </a:p>
-                  </a:txBody>
-                  <a:tcPr marL="68580" marR="68580" marT="0" marB="0" vert="horz" anchor="ctr" anchorCtr="0"/>
-                </a:tc>
-                <a:tc hMerge="1">
-                  <a:tcPr/>
-                </a:tc>
-                <a:tc hMerge="1">
-                  <a:tcPr/>
-                </a:tc>
-                <a:tc hMerge="1">
-                  <a:tcPr/>
-                </a:tc>
-                <a:tc hMerge="1">
-                  <a:tcPr/>
-                </a:tc>
-                <a:tc hMerge="1">
-                  <a:tcPr/>
-                </a:tc>
-              </a:tr>
-              <a:tr h="262255">
-                <a:tc rowSpan="2">
-                  <a:txBody>
-                    <a:bodyPr/>
-                    <a:p>
-                      <a:pPr indent="0">
-                        <a:buNone/>
-                      </a:pPr>
-                      <a:r>
-                        <a:rPr lang="en-US" sz="900"/>
-                        <a:t>评价结果</a:t>
-                      </a:r>
-                      <a:endParaRPr lang="en-US" altLang="en-US" sz="900"/>
-                    </a:p>
-                  </a:txBody>
-                  <a:tcPr marL="68580" marR="68580" marT="0" marB="0" vert="horz" anchor="ctr" anchorCtr="0"/>
-                </a:tc>
-                <a:tc rowSpan="2" gridSpan="2">
-                  <a:txBody>
-                    <a:bodyPr/>
-                    <a:p>
-                      <a:pPr indent="0">
-                        <a:buNone/>
-                      </a:pPr>
-                      <a:r>
-                        <a:rPr lang="en-US" sz="1000"/>
-                        <a:t> </a:t>
-                      </a:r>
-                      <a:endParaRPr lang="en-US" altLang="en-US" sz="1000"/>
-                    </a:p>
-                  </a:txBody>
-                  <a:tcPr marL="68580" marR="68580" marT="0" marB="0" vert="horz" anchor="ctr" anchorCtr="0"/>
-                </a:tc>
-                <a:tc rowSpan="2" hMerge="1">
-                  <a:tcPr/>
-                </a:tc>
-                <a:tc gridSpan="2">
-                  <a:txBody>
-                    <a:bodyPr/>
-                    <a:p>
-                      <a:pPr indent="0">
-                        <a:buNone/>
-                      </a:pPr>
-                      <a:r>
-                        <a:rPr lang="en-US" sz="900"/>
-                        <a:t>优秀</a:t>
-                      </a:r>
-                      <a:endParaRPr lang="en-US" altLang="en-US" sz="900"/>
-                    </a:p>
-                  </a:txBody>
-                  <a:tcPr marL="68580" marR="68580" marT="0" marB="0" vert="horz" anchor="ctr" anchorCtr="0"/>
-                </a:tc>
-                <a:tc hMerge="1">
-                  <a:tcPr/>
-                </a:tc>
-                <a:tc>
-                  <a:txBody>
-                    <a:bodyPr/>
-                    <a:p>
-                      <a:pPr indent="0">
-                        <a:buNone/>
-                      </a:pPr>
-                      <a:r>
-                        <a:rPr lang="en-US" sz="900"/>
-                        <a:t>良好</a:t>
-                      </a:r>
-                      <a:endParaRPr lang="en-US" altLang="en-US" sz="900"/>
-                    </a:p>
-                  </a:txBody>
-                  <a:tcPr marL="68580" marR="68580" marT="0" marB="0" vert="horz" anchor="ctr" anchorCtr="0"/>
-                </a:tc>
-                <a:tc>
-                  <a:txBody>
-                    <a:bodyPr/>
-                    <a:p>
-                      <a:pPr indent="0">
-                        <a:buNone/>
-                      </a:pPr>
-                      <a:r>
-                        <a:rPr lang="en-US" sz="900"/>
-                        <a:t>合格</a:t>
-                      </a:r>
-                      <a:endParaRPr lang="en-US" altLang="en-US" sz="900"/>
-                    </a:p>
-                  </a:txBody>
-                  <a:tcPr marL="68580" marR="68580" marT="0" marB="0" vert="horz" anchor="ctr" anchorCtr="0"/>
-                </a:tc>
-                <a:tc>
-                  <a:txBody>
-                    <a:bodyPr/>
-                    <a:p>
-                      <a:pPr indent="0">
-                        <a:buNone/>
-                      </a:pPr>
-                      <a:r>
-                        <a:rPr lang="en-US" sz="900"/>
-                        <a:t>待改进</a:t>
-                      </a:r>
-                      <a:endParaRPr lang="en-US" altLang="en-US" sz="900"/>
-                    </a:p>
-                  </a:txBody>
-                  <a:tcPr marL="68580" marR="68580" marT="0" marB="0" vert="horz" anchor="ctr" anchorCtr="0"/>
-                </a:tc>
-                <a:tc>
-                  <a:txBody>
-                    <a:bodyPr/>
-                    <a:p>
-                      <a:pPr indent="0">
-                        <a:buNone/>
-                      </a:pPr>
-                      <a:r>
-                        <a:rPr lang="en-US" sz="900"/>
-                        <a:t>未完成</a:t>
-                      </a:r>
-                      <a:endParaRPr lang="en-US" altLang="en-US" sz="900"/>
-                    </a:p>
-                  </a:txBody>
-                  <a:tcPr marL="68580" marR="68580" marT="0" marB="0" vert="horz" anchor="ctr" anchorCtr="0"/>
-                </a:tc>
-              </a:tr>
-              <a:tr h="227965">
-                <a:tc vMerge="1">
-                  <a:tcPr/>
-                </a:tc>
-                <a:tc vMerge="1" gridSpan="2">
-                  <a:tcPr/>
-                </a:tc>
-                <a:tc vMerge="1" hMerge="1">
-                  <a:tcPr/>
-                </a:tc>
-                <a:tc gridSpan="2">
-                  <a:txBody>
-                    <a:bodyPr/>
-                    <a:p>
-                      <a:pPr indent="0">
-                        <a:buNone/>
-                      </a:pPr>
-                      <a:r>
-                        <a:rPr lang="en-US" sz="1000"/>
-                        <a:t> </a:t>
-                      </a:r>
-                      <a:endParaRPr lang="en-US" altLang="en-US" sz="1000"/>
-                    </a:p>
-                  </a:txBody>
-                  <a:tcPr marL="68580" marR="68580" marT="0" marB="0" vert="horz" anchor="ctr" anchorCtr="0"/>
-                </a:tc>
-                <a:tc hMerge="1">
-                  <a:tcPr/>
-                </a:tc>
-                <a:tc>
-                  <a:txBody>
-                    <a:bodyPr/>
-                    <a:p>
-                      <a:pPr indent="0">
-                        <a:buNone/>
-                      </a:pPr>
-                      <a:r>
-                        <a:rPr lang="en-US" sz="1000"/>
-                        <a:t>1</a:t>
-                      </a:r>
-                      <a:endParaRPr lang="en-US" altLang="en-US" sz="1000"/>
-                    </a:p>
-                  </a:txBody>
-                  <a:tcPr marL="68580" marR="68580" marT="0" marB="0" vert="horz" anchor="ctr" anchorCtr="0"/>
-                </a:tc>
-                <a:tc>
-                  <a:txBody>
-                    <a:bodyPr/>
-                    <a:p>
-                      <a:pPr indent="0">
-                        <a:buNone/>
-                      </a:pPr>
-                      <a:r>
-                        <a:rPr lang="en-US" sz="1000"/>
-                        <a:t> </a:t>
-                      </a:r>
-                      <a:endParaRPr lang="en-US" altLang="en-US" sz="1000"/>
-                    </a:p>
-                  </a:txBody>
-                  <a:tcPr marL="68580" marR="68580" marT="0" marB="0" vert="horz" anchor="ctr" anchorCtr="0"/>
-                </a:tc>
-                <a:tc>
-                  <a:txBody>
-                    <a:bodyPr/>
-                    <a:p>
-                      <a:pPr indent="0">
-                        <a:buNone/>
-                      </a:pPr>
-                      <a:r>
-                        <a:rPr lang="en-US" sz="1000"/>
-                        <a:t> </a:t>
-                      </a:r>
-                      <a:endParaRPr lang="en-US" altLang="en-US" sz="1000"/>
-                    </a:p>
-                  </a:txBody>
-                  <a:tcPr marL="68580" marR="68580" marT="0" marB="0" vert="horz" anchor="ctr" anchorCtr="0"/>
-                </a:tc>
-                <a:tc>
-                  <a:txBody>
-                    <a:bodyPr/>
-                    <a:p>
-                      <a:pPr indent="0">
-                        <a:buNone/>
-                      </a:pPr>
-                      <a:r>
-                        <a:rPr lang="en-US" sz="1000"/>
-                        <a:t> </a:t>
-                      </a:r>
-                      <a:endParaRPr lang="en-US" altLang="en-US" sz="1000"/>
-                    </a:p>
-                  </a:txBody>
-                  <a:tcPr marL="68580" marR="68580" marT="0" marB="0" vert="horz" anchor="ctr" anchorCtr="0"/>
-                </a:tc>
-              </a:tr>
-              <a:tr h="227965">
-                <a:tc gridSpan="3">
-                  <a:txBody>
-                    <a:bodyPr/>
-                    <a:p>
-                      <a:pPr indent="0">
-                        <a:buNone/>
-                      </a:pPr>
-                      <a:r>
-                        <a:rPr lang="en-US" sz="900"/>
-                        <a:t>直属上级或正式员工是否就该工作与你进行沟通</a:t>
-                      </a:r>
-                      <a:endParaRPr lang="en-US" altLang="en-US" sz="900"/>
-                    </a:p>
-                  </a:txBody>
-                  <a:tcPr marL="68580" marR="68580" marT="0" marB="0" vert="horz" anchor="ctr" anchorCtr="0"/>
-                </a:tc>
-                <a:tc hMerge="1">
-                  <a:tcPr/>
-                </a:tc>
-                <a:tc hMerge="1">
-                  <a:tcPr/>
-                </a:tc>
-                <a:tc gridSpan="6">
-                  <a:txBody>
-                    <a:bodyPr/>
-                    <a:p>
-                      <a:pPr indent="0">
-                        <a:buNone/>
-                      </a:pPr>
-                      <a:r>
-                        <a:rPr lang="en-US" sz="900"/>
-                        <a:t>□沟通 </a:t>
-                      </a:r>
-                      <a:endParaRPr lang="en-US" altLang="en-US" sz="900"/>
-                    </a:p>
-                  </a:txBody>
-                  <a:tcPr marL="68580" marR="68580" marT="0" marB="0" vert="horz" anchor="ctr" anchorCtr="0"/>
-                </a:tc>
-                <a:tc hMerge="1">
-                  <a:tcPr/>
-                </a:tc>
-                <a:tc hMerge="1">
-                  <a:tcPr/>
-                </a:tc>
-                <a:tc hMerge="1">
-                  <a:tcPr/>
-                </a:tc>
-                <a:tc hMerge="1">
-                  <a:tcPr/>
-                </a:tc>
-                <a:tc hMerge="1">
-                  <a:tcPr/>
-                </a:tc>
-              </a:tr>
-              <a:tr h="229235">
-                <a:tc gridSpan="3">
-                  <a:txBody>
-                    <a:bodyPr/>
-                    <a:p>
-                      <a:pPr indent="0" algn="ctr">
-                        <a:buNone/>
-                      </a:pPr>
-                      <a:r>
-                        <a:rPr lang="en-US" sz="1000"/>
-                        <a:t>工作任务二</a:t>
-                      </a:r>
-                      <a:endParaRPr lang="en-US" altLang="en-US" sz="1000"/>
-                    </a:p>
-                  </a:txBody>
-                  <a:tcPr marL="68580" marR="68580" marT="0" marB="0" vert="horz" anchor="ctr" anchorCtr="0"/>
-                </a:tc>
-                <a:tc hMerge="1">
-                  <a:tcPr/>
-                </a:tc>
-                <a:tc hMerge="1">
-                  <a:tcPr/>
-                </a:tc>
-                <a:tc gridSpan="6">
-                  <a:txBody>
-                    <a:bodyPr/>
-                    <a:p>
-                      <a:pPr indent="0" algn="ctr">
-                        <a:buNone/>
-                      </a:pPr>
-                      <a:r>
-                        <a:rPr lang="en-US" sz="1000"/>
-                        <a:t>完成情况</a:t>
-                      </a:r>
-                      <a:endParaRPr lang="en-US" altLang="en-US" sz="1000"/>
-                    </a:p>
-                  </a:txBody>
-                  <a:tcPr marL="68580" marR="68580" marT="0" marB="0" vert="horz" anchor="ctr" anchorCtr="0"/>
-                </a:tc>
-                <a:tc hMerge="1">
-                  <a:tcPr/>
-                </a:tc>
-                <a:tc hMerge="1">
-                  <a:tcPr/>
-                </a:tc>
-                <a:tc hMerge="1">
-                  <a:tcPr/>
-                </a:tc>
-                <a:tc hMerge="1">
-                  <a:tcPr/>
-                </a:tc>
-                <a:tc hMerge="1">
-                  <a:tcPr/>
-                </a:tc>
-              </a:tr>
-              <a:tr h="273050">
-                <a:tc>
-                  <a:txBody>
-                    <a:bodyPr/>
-                    <a:p>
-                      <a:pPr indent="0">
-                        <a:buNone/>
-                      </a:pPr>
-                      <a:r>
-                        <a:rPr lang="en-US" sz="900"/>
-                        <a:t> 工作内容 </a:t>
-                      </a:r>
-                      <a:endParaRPr lang="en-US" altLang="en-US" sz="900"/>
-                    </a:p>
-                  </a:txBody>
-                  <a:tcPr marL="68580" marR="68580" marT="0" marB="0" vert="horz" anchor="ctr" anchorCtr="0"/>
-                </a:tc>
-                <a:tc gridSpan="2">
-                  <a:txBody>
-                    <a:bodyPr/>
-                    <a:p>
-                      <a:pPr indent="0">
-                        <a:buNone/>
-                      </a:pPr>
-                      <a:r>
-                        <a:rPr lang="en-US" sz="900"/>
-                        <a:t>完善后端代码</a:t>
-                      </a:r>
-                      <a:endParaRPr lang="en-US" altLang="en-US" sz="900"/>
-                    </a:p>
-                  </a:txBody>
-                  <a:tcPr marL="68580" marR="68580" marT="0" marB="0" vert="horz" anchor="ctr" anchorCtr="0"/>
-                </a:tc>
-                <a:tc hMerge="1">
-                  <a:tcPr/>
-                </a:tc>
-                <a:tc gridSpan="6">
-                  <a:txBody>
-                    <a:bodyPr/>
-                    <a:p>
-                      <a:pPr indent="0">
-                        <a:buNone/>
-                      </a:pPr>
-                      <a:r>
-                        <a:rPr lang="en-US" sz="900"/>
-                        <a:t>职员是否认同该工作内容？R认同 □不认同 □其他</a:t>
-                      </a:r>
-                      <a:endParaRPr lang="en-US" altLang="en-US" sz="900"/>
-                    </a:p>
-                  </a:txBody>
-                  <a:tcPr marL="68580" marR="68580" marT="0" marB="0" vert="horz" anchor="ctr" anchorCtr="0"/>
-                </a:tc>
-                <a:tc hMerge="1">
-                  <a:tcPr/>
-                </a:tc>
-                <a:tc hMerge="1">
-                  <a:tcPr/>
-                </a:tc>
-                <a:tc hMerge="1">
-                  <a:tcPr/>
-                </a:tc>
-                <a:tc hMerge="1">
-                  <a:tcPr/>
-                </a:tc>
-                <a:tc hMerge="1">
-                  <a:tcPr/>
-                </a:tc>
-              </a:tr>
-              <a:tr h="393700">
-                <a:tc>
-                  <a:txBody>
-                    <a:bodyPr/>
-                    <a:p>
-                      <a:pPr indent="0">
-                        <a:buNone/>
-                      </a:pPr>
-                      <a:r>
-                        <a:rPr lang="en-US" sz="900"/>
-                        <a:t> 工作目标完成时间 </a:t>
-                      </a:r>
-                      <a:endParaRPr lang="en-US" altLang="en-US" sz="900"/>
-                    </a:p>
-                  </a:txBody>
-                  <a:tcPr marL="68580" marR="68580" marT="0" marB="0" vert="horz" anchor="ctr" anchorCtr="0"/>
-                </a:tc>
-                <a:tc gridSpan="2">
-                  <a:txBody>
-                    <a:bodyPr/>
-                    <a:p>
-                      <a:pPr indent="0">
-                        <a:buNone/>
-                      </a:pPr>
-                      <a:r>
-                        <a:rPr lang="en-US" sz="1000"/>
-                        <a:t>2021/12/12 0：00</a:t>
-                      </a:r>
-                      <a:endParaRPr lang="en-US" altLang="en-US" sz="1000"/>
-                    </a:p>
-                  </a:txBody>
-                  <a:tcPr marL="68580" marR="68580" marT="0" marB="0" vert="horz" anchor="ctr" anchorCtr="0"/>
-                </a:tc>
-                <a:tc hMerge="1">
-                  <a:tcPr/>
-                </a:tc>
-                <a:tc gridSpan="6">
-                  <a:txBody>
-                    <a:bodyPr/>
-                    <a:p>
-                      <a:pPr indent="0">
-                        <a:buNone/>
-                      </a:pPr>
-                      <a:r>
-                        <a:rPr lang="en-US" sz="900"/>
-                        <a:t>职员是否认同该工作目标？R认同 □不认同 □其他</a:t>
-                      </a:r>
-                      <a:endParaRPr lang="en-US" altLang="en-US" sz="900"/>
-                    </a:p>
-                  </a:txBody>
-                  <a:tcPr marL="68580" marR="68580" marT="0" marB="0" vert="horz" anchor="ctr" anchorCtr="0"/>
-                </a:tc>
-                <a:tc hMerge="1">
-                  <a:tcPr/>
-                </a:tc>
-                <a:tc hMerge="1">
-                  <a:tcPr/>
-                </a:tc>
-                <a:tc hMerge="1">
-                  <a:tcPr/>
-                </a:tc>
-                <a:tc hMerge="1">
-                  <a:tcPr/>
-                </a:tc>
-                <a:tc hMerge="1">
-                  <a:tcPr/>
-                </a:tc>
-              </a:tr>
-              <a:tr h="273050">
-                <a:tc>
-                  <a:txBody>
-                    <a:bodyPr/>
-                    <a:p>
-                      <a:pPr indent="0">
-                        <a:buNone/>
-                      </a:pPr>
-                      <a:r>
-                        <a:rPr lang="en-US" sz="900"/>
-                        <a:t>评价方法</a:t>
-                      </a:r>
-                      <a:endParaRPr lang="en-US" altLang="en-US" sz="900"/>
-                    </a:p>
-                  </a:txBody>
-                  <a:tcPr marL="68580" marR="68580" marT="0" marB="0" vert="horz" anchor="ctr" anchorCtr="0"/>
-                </a:tc>
-                <a:tc gridSpan="2">
-                  <a:txBody>
-                    <a:bodyPr/>
-                    <a:p>
-                      <a:pPr indent="0">
-                        <a:buNone/>
-                      </a:pPr>
-                      <a:r>
-                        <a:rPr lang="en-US" sz="1000"/>
-                        <a:t>查看服务器情况</a:t>
-                      </a:r>
-                      <a:endParaRPr lang="en-US" altLang="en-US" sz="1000"/>
-                    </a:p>
-                  </a:txBody>
-                  <a:tcPr marL="68580" marR="68580" marT="0" marB="0" vert="horz" anchor="ctr" anchorCtr="0"/>
-                </a:tc>
-                <a:tc hMerge="1">
-                  <a:tcPr/>
-                </a:tc>
-                <a:tc gridSpan="6">
-                  <a:txBody>
-                    <a:bodyPr/>
-                    <a:p>
-                      <a:pPr indent="0">
-                        <a:buNone/>
-                      </a:pPr>
-                      <a:r>
-                        <a:rPr lang="en-US" sz="900"/>
-                        <a:t>职员是否认同该评价方法？R认同 □不认同 □其他</a:t>
-                      </a:r>
-                      <a:endParaRPr lang="en-US" altLang="en-US" sz="900"/>
-                    </a:p>
-                  </a:txBody>
-                  <a:tcPr marL="68580" marR="68580" marT="0" marB="0" vert="horz" anchor="ctr" anchorCtr="0"/>
-                </a:tc>
-                <a:tc hMerge="1">
-                  <a:tcPr/>
-                </a:tc>
-                <a:tc hMerge="1">
-                  <a:tcPr/>
-                </a:tc>
-                <a:tc hMerge="1">
-                  <a:tcPr/>
-                </a:tc>
-                <a:tc hMerge="1">
-                  <a:tcPr/>
-                </a:tc>
-                <a:tc hMerge="1">
-                  <a:tcPr/>
-                </a:tc>
-              </a:tr>
-              <a:tr h="262255">
-                <a:tc rowSpan="2">
-                  <a:txBody>
-                    <a:bodyPr/>
-                    <a:p>
-                      <a:pPr indent="0">
-                        <a:buNone/>
-                      </a:pPr>
-                      <a:r>
-                        <a:rPr lang="en-US" sz="900"/>
-                        <a:t>评价结果</a:t>
-                      </a:r>
-                      <a:endParaRPr lang="en-US" altLang="en-US" sz="900"/>
-                    </a:p>
-                  </a:txBody>
-                  <a:tcPr marL="68580" marR="68580" marT="0" marB="0" vert="horz" anchor="ctr" anchorCtr="0"/>
-                </a:tc>
-                <a:tc rowSpan="2" gridSpan="2">
-                  <a:txBody>
-                    <a:bodyPr/>
-                    <a:p>
-                      <a:pPr indent="0">
-                        <a:buNone/>
-                      </a:pPr>
-                      <a:r>
-                        <a:rPr lang="en-US" sz="1000"/>
-                        <a:t> </a:t>
-                      </a:r>
-                      <a:endParaRPr lang="en-US" altLang="en-US" sz="1000"/>
-                    </a:p>
-                  </a:txBody>
-                  <a:tcPr marL="68580" marR="68580" marT="0" marB="0" vert="horz" anchor="ctr" anchorCtr="0"/>
-                </a:tc>
-                <a:tc rowSpan="2" hMerge="1">
-                  <a:tcPr/>
-                </a:tc>
-                <a:tc gridSpan="2">
-                  <a:txBody>
-                    <a:bodyPr/>
-                    <a:p>
-                      <a:pPr indent="0">
-                        <a:buNone/>
-                      </a:pPr>
-                      <a:r>
-                        <a:rPr lang="en-US" sz="900"/>
-                        <a:t>优秀</a:t>
-                      </a:r>
-                      <a:endParaRPr lang="en-US" altLang="en-US" sz="900"/>
-                    </a:p>
-                  </a:txBody>
-                  <a:tcPr marL="68580" marR="68580" marT="0" marB="0" vert="horz" anchor="ctr" anchorCtr="0"/>
-                </a:tc>
-                <a:tc hMerge="1">
-                  <a:tcPr/>
-                </a:tc>
-                <a:tc>
-                  <a:txBody>
-                    <a:bodyPr/>
-                    <a:p>
-                      <a:pPr indent="0">
-                        <a:buNone/>
-                      </a:pPr>
-                      <a:r>
-                        <a:rPr lang="en-US" sz="900"/>
-                        <a:t>良好</a:t>
-                      </a:r>
-                      <a:endParaRPr lang="en-US" altLang="en-US" sz="900"/>
-                    </a:p>
-                  </a:txBody>
-                  <a:tcPr marL="68580" marR="68580" marT="0" marB="0" vert="horz" anchor="ctr" anchorCtr="0"/>
-                </a:tc>
-                <a:tc>
-                  <a:txBody>
-                    <a:bodyPr/>
-                    <a:p>
-                      <a:pPr indent="0">
-                        <a:buNone/>
-                      </a:pPr>
-                      <a:r>
-                        <a:rPr lang="en-US" sz="900"/>
-                        <a:t>合格</a:t>
-                      </a:r>
-                      <a:endParaRPr lang="en-US" altLang="en-US" sz="900"/>
-                    </a:p>
-                  </a:txBody>
-                  <a:tcPr marL="68580" marR="68580" marT="0" marB="0" vert="horz" anchor="ctr" anchorCtr="0"/>
-                </a:tc>
-                <a:tc>
-                  <a:txBody>
-                    <a:bodyPr/>
-                    <a:p>
-                      <a:pPr indent="0">
-                        <a:buNone/>
-                      </a:pPr>
-                      <a:r>
-                        <a:rPr lang="en-US" sz="900"/>
-                        <a:t>待改进</a:t>
-                      </a:r>
-                      <a:endParaRPr lang="en-US" altLang="en-US" sz="900"/>
-                    </a:p>
-                  </a:txBody>
-                  <a:tcPr marL="68580" marR="68580" marT="0" marB="0" vert="horz" anchor="ctr" anchorCtr="0"/>
-                </a:tc>
-                <a:tc>
-                  <a:txBody>
-                    <a:bodyPr/>
-                    <a:p>
-                      <a:pPr indent="0">
-                        <a:buNone/>
-                      </a:pPr>
-                      <a:r>
-                        <a:rPr lang="en-US" sz="900"/>
-                        <a:t>未完成</a:t>
-                      </a:r>
-                      <a:endParaRPr lang="en-US" altLang="en-US" sz="900"/>
-                    </a:p>
-                  </a:txBody>
-                  <a:tcPr marL="68580" marR="68580" marT="0" marB="0" vert="horz" anchor="ctr" anchorCtr="0"/>
-                </a:tc>
-              </a:tr>
-              <a:tr h="228600">
-                <a:tc vMerge="1">
-                  <a:tcPr/>
-                </a:tc>
-                <a:tc vMerge="1" gridSpan="2">
-                  <a:tcPr/>
-                </a:tc>
-                <a:tc vMerge="1" hMerge="1">
-                  <a:tcPr/>
-                </a:tc>
-                <a:tc gridSpan="2">
-                  <a:txBody>
-                    <a:bodyPr/>
-                    <a:p>
-                      <a:pPr indent="0">
-                        <a:buNone/>
-                      </a:pPr>
-                      <a:r>
-                        <a:rPr lang="en-US" sz="1000"/>
-                        <a:t> </a:t>
-                      </a:r>
-                      <a:endParaRPr lang="en-US" altLang="en-US" sz="1000"/>
-                    </a:p>
-                  </a:txBody>
-                  <a:tcPr marL="68580" marR="68580" marT="0" marB="0" vert="horz" anchor="ctr" anchorCtr="0"/>
-                </a:tc>
-                <a:tc hMerge="1">
-                  <a:tcPr/>
-                </a:tc>
-                <a:tc>
-                  <a:txBody>
-                    <a:bodyPr/>
-                    <a:p>
-                      <a:pPr indent="0">
-                        <a:buNone/>
-                      </a:pPr>
-                      <a:r>
-                        <a:rPr lang="en-US" sz="1000"/>
-                        <a:t>1</a:t>
-                      </a:r>
-                      <a:endParaRPr lang="en-US" altLang="en-US" sz="1000"/>
-                    </a:p>
-                  </a:txBody>
-                  <a:tcPr marL="68580" marR="68580" marT="0" marB="0" vert="horz" anchor="ctr" anchorCtr="0"/>
-                </a:tc>
-                <a:tc>
-                  <a:txBody>
-                    <a:bodyPr/>
-                    <a:p>
-                      <a:pPr indent="0">
-                        <a:buNone/>
-                      </a:pPr>
-                      <a:r>
-                        <a:rPr lang="en-US" sz="1000"/>
-                        <a:t> </a:t>
-                      </a:r>
-                      <a:endParaRPr lang="en-US" altLang="en-US" sz="1000"/>
-                    </a:p>
-                  </a:txBody>
-                  <a:tcPr marL="68580" marR="68580" marT="0" marB="0" vert="horz" anchor="ctr" anchorCtr="0"/>
-                </a:tc>
-                <a:tc>
-                  <a:txBody>
-                    <a:bodyPr/>
-                    <a:p>
-                      <a:pPr indent="0">
-                        <a:buNone/>
-                      </a:pPr>
-                      <a:r>
-                        <a:rPr lang="en-US" sz="1000"/>
-                        <a:t> </a:t>
-                      </a:r>
-                      <a:endParaRPr lang="en-US" altLang="en-US" sz="1000"/>
-                    </a:p>
-                  </a:txBody>
-                  <a:tcPr marL="68580" marR="68580" marT="0" marB="0" vert="horz" anchor="ctr" anchorCtr="0"/>
-                </a:tc>
-                <a:tc>
-                  <a:txBody>
-                    <a:bodyPr/>
-                    <a:p>
-                      <a:pPr indent="0">
-                        <a:buNone/>
-                      </a:pPr>
-                      <a:r>
-                        <a:rPr lang="en-US" sz="1000"/>
-                        <a:t> </a:t>
-                      </a:r>
-                      <a:endParaRPr lang="en-US" altLang="en-US" sz="1000"/>
-                    </a:p>
-                  </a:txBody>
-                  <a:tcPr marL="68580" marR="68580" marT="0" marB="0" vert="horz" anchor="ctr" anchorCtr="0"/>
-                </a:tc>
-              </a:tr>
-              <a:tr h="227965">
-                <a:tc gridSpan="3">
-                  <a:txBody>
-                    <a:bodyPr/>
-                    <a:p>
-                      <a:pPr indent="0">
-                        <a:buNone/>
-                      </a:pPr>
-                      <a:r>
-                        <a:rPr lang="en-US" sz="1000"/>
-                        <a:t>直属上级或正式员工是否就该工作与你进行沟通</a:t>
-                      </a:r>
-                      <a:endParaRPr lang="en-US" altLang="en-US" sz="1000"/>
-                    </a:p>
-                  </a:txBody>
-                  <a:tcPr marL="68580" marR="68580" marT="0" marB="0" vert="horz" anchor="ctr" anchorCtr="0"/>
-                </a:tc>
-                <a:tc hMerge="1">
-                  <a:tcPr/>
-                </a:tc>
-                <a:tc hMerge="1">
-                  <a:tcPr/>
-                </a:tc>
-                <a:tc gridSpan="6">
-                  <a:txBody>
-                    <a:bodyPr/>
-                    <a:p>
-                      <a:pPr indent="0">
-                        <a:buNone/>
-                      </a:pPr>
-                      <a:r>
-                        <a:rPr lang="en-US" sz="900"/>
-                        <a:t>□沟通 </a:t>
-                      </a:r>
-                      <a:endParaRPr lang="en-US" altLang="en-US" sz="900"/>
-                    </a:p>
-                  </a:txBody>
-                  <a:tcPr marL="68580" marR="68580" marT="0" marB="0" vert="horz" anchor="ctr" anchorCtr="0"/>
-                </a:tc>
-                <a:tc hMerge="1">
-                  <a:tcPr/>
-                </a:tc>
-                <a:tc hMerge="1">
-                  <a:tcPr/>
-                </a:tc>
-                <a:tc hMerge="1">
-                  <a:tcPr/>
-                </a:tc>
-                <a:tc hMerge="1">
-                  <a:tcPr/>
-                </a:tc>
-                <a:tc hMerge="1">
-                  <a:tcPr/>
-                </a:tc>
-              </a:tr>
-              <a:tr h="227965">
-                <a:tc gridSpan="3">
-                  <a:txBody>
-                    <a:bodyPr/>
-                    <a:p>
-                      <a:pPr indent="0" algn="ctr">
-                        <a:buNone/>
-                      </a:pPr>
-                      <a:r>
-                        <a:rPr lang="en-US" sz="1000"/>
-                        <a:t>工作任务三</a:t>
-                      </a:r>
-                      <a:endParaRPr lang="en-US" altLang="en-US" sz="1000"/>
-                    </a:p>
-                  </a:txBody>
-                  <a:tcPr marL="68580" marR="68580" marT="0" marB="0" vert="horz" anchor="ctr" anchorCtr="0"/>
-                </a:tc>
-                <a:tc hMerge="1">
-                  <a:tcPr/>
-                </a:tc>
-                <a:tc hMerge="1">
-                  <a:tcPr/>
-                </a:tc>
-                <a:tc gridSpan="6">
-                  <a:txBody>
-                    <a:bodyPr/>
-                    <a:p>
-                      <a:pPr indent="0" algn="ctr">
-                        <a:buNone/>
-                      </a:pPr>
-                      <a:r>
-                        <a:rPr lang="en-US" sz="1000"/>
-                        <a:t>完成情况</a:t>
-                      </a:r>
-                      <a:endParaRPr lang="en-US" altLang="en-US" sz="1000"/>
-                    </a:p>
-                  </a:txBody>
-                  <a:tcPr marL="68580" marR="68580" marT="0" marB="0" vert="horz" anchor="ctr" anchorCtr="0"/>
-                </a:tc>
-                <a:tc hMerge="1">
-                  <a:tcPr/>
-                </a:tc>
-                <a:tc hMerge="1">
-                  <a:tcPr/>
-                </a:tc>
-                <a:tc hMerge="1">
-                  <a:tcPr/>
-                </a:tc>
-                <a:tc hMerge="1">
-                  <a:tcPr/>
-                </a:tc>
-                <a:tc hMerge="1">
-                  <a:tcPr/>
-                </a:tc>
-              </a:tr>
-              <a:tr h="262255">
-                <a:tc>
-                  <a:txBody>
-                    <a:bodyPr/>
-                    <a:p>
-                      <a:pPr indent="0">
-                        <a:buNone/>
-                      </a:pPr>
-                      <a:r>
-                        <a:rPr lang="en-US" sz="900"/>
-                        <a:t> 工作内容 </a:t>
-                      </a:r>
-                      <a:endParaRPr lang="en-US" altLang="en-US" sz="900"/>
-                    </a:p>
-                  </a:txBody>
-                  <a:tcPr marL="68580" marR="68580" marT="0" marB="0" vert="horz" anchor="ctr" anchorCtr="0"/>
-                </a:tc>
-                <a:tc gridSpan="2">
-                  <a:txBody>
-                    <a:bodyPr/>
-                    <a:p>
-                      <a:pPr indent="0">
-                        <a:buNone/>
-                      </a:pPr>
-                      <a:r>
-                        <a:rPr lang="en-US" sz="1000"/>
-                        <a:t> </a:t>
-                      </a:r>
-                      <a:endParaRPr lang="en-US" altLang="en-US" sz="1000"/>
-                    </a:p>
-                  </a:txBody>
-                  <a:tcPr marL="68580" marR="68580" marT="0" marB="0" vert="horz" anchor="ctr" anchorCtr="0"/>
-                </a:tc>
-                <a:tc hMerge="1">
-                  <a:tcPr/>
-                </a:tc>
-                <a:tc gridSpan="6">
-                  <a:txBody>
-                    <a:bodyPr/>
-                    <a:p>
-                      <a:pPr indent="0">
-                        <a:buNone/>
-                      </a:pPr>
-                      <a:r>
-                        <a:rPr lang="en-US" sz="900"/>
-                        <a:t>职员是否认同该工作内容？□认同 </a:t>
-                      </a:r>
-                      <a:endParaRPr lang="en-US" altLang="en-US" sz="900"/>
-                    </a:p>
-                  </a:txBody>
-                  <a:tcPr marL="68580" marR="68580" marT="0" marB="0" vert="horz" anchor="ctr" anchorCtr="0"/>
-                </a:tc>
-                <a:tc hMerge="1">
-                  <a:tcPr/>
-                </a:tc>
-                <a:tc hMerge="1">
-                  <a:tcPr/>
-                </a:tc>
-                <a:tc hMerge="1">
-                  <a:tcPr/>
-                </a:tc>
-                <a:tc hMerge="1">
-                  <a:tcPr/>
-                </a:tc>
-                <a:tc hMerge="1">
-                  <a:tcPr/>
-                </a:tc>
-              </a:tr>
-              <a:tr h="393700">
-                <a:tc>
-                  <a:txBody>
-                    <a:bodyPr/>
-                    <a:p>
-                      <a:pPr indent="0">
-                        <a:buNone/>
-                      </a:pPr>
-                      <a:r>
-                        <a:rPr lang="en-US" sz="900"/>
-                        <a:t> 工作目标完成时间 </a:t>
-                      </a:r>
-                      <a:endParaRPr lang="en-US" altLang="en-US" sz="900"/>
-                    </a:p>
-                  </a:txBody>
-                  <a:tcPr marL="68580" marR="68580" marT="0" marB="0" vert="horz" anchor="ctr" anchorCtr="0"/>
-                </a:tc>
-                <a:tc gridSpan="2">
-                  <a:txBody>
-                    <a:bodyPr/>
-                    <a:p>
-                      <a:pPr indent="0">
-                        <a:buNone/>
-                      </a:pPr>
-                      <a:r>
-                        <a:rPr lang="en-US" sz="1000"/>
-                        <a:t> </a:t>
-                      </a:r>
-                      <a:endParaRPr lang="en-US" altLang="en-US" sz="1000"/>
-                    </a:p>
-                  </a:txBody>
-                  <a:tcPr marL="68580" marR="68580" marT="0" marB="0" vert="horz" anchor="ctr" anchorCtr="0"/>
-                </a:tc>
-                <a:tc hMerge="1">
-                  <a:tcPr/>
-                </a:tc>
-                <a:tc gridSpan="6">
-                  <a:txBody>
-                    <a:bodyPr/>
-                    <a:p>
-                      <a:pPr indent="0">
-                        <a:buNone/>
-                      </a:pPr>
-                      <a:r>
-                        <a:rPr lang="en-US" sz="900"/>
-                        <a:t>职员是否认同该工作目标？□认同 </a:t>
-                      </a:r>
-                      <a:endParaRPr lang="en-US" altLang="en-US" sz="900"/>
-                    </a:p>
-                  </a:txBody>
-                  <a:tcPr marL="68580" marR="68580" marT="0" marB="0" vert="horz" anchor="ctr" anchorCtr="0"/>
-                </a:tc>
-                <a:tc hMerge="1">
-                  <a:tcPr/>
-                </a:tc>
-                <a:tc hMerge="1">
-                  <a:tcPr/>
-                </a:tc>
-                <a:tc hMerge="1">
-                  <a:tcPr/>
-                </a:tc>
-                <a:tc hMerge="1">
-                  <a:tcPr/>
-                </a:tc>
-                <a:tc hMerge="1">
-                  <a:tcPr/>
-                </a:tc>
-              </a:tr>
-              <a:tr h="228600">
-                <a:tc>
-                  <a:txBody>
-                    <a:bodyPr/>
-                    <a:p>
-                      <a:pPr indent="0">
-                        <a:buNone/>
-                      </a:pPr>
-                      <a:r>
-                        <a:rPr lang="en-US" sz="900"/>
-                        <a:t>评价方法</a:t>
-                      </a:r>
-                      <a:endParaRPr lang="en-US" altLang="en-US" sz="900"/>
-                    </a:p>
-                  </a:txBody>
-                  <a:tcPr marL="68580" marR="68580" marT="0" marB="0" vert="horz" anchor="ctr" anchorCtr="0"/>
-                </a:tc>
-                <a:tc gridSpan="2">
-                  <a:txBody>
-                    <a:bodyPr/>
-                    <a:p>
-                      <a:pPr indent="0">
-                        <a:buNone/>
-                      </a:pPr>
-                      <a:r>
-                        <a:rPr lang="en-US" sz="1000"/>
-                        <a:t> </a:t>
-                      </a:r>
-                      <a:endParaRPr lang="en-US" altLang="en-US" sz="1000"/>
-                    </a:p>
-                  </a:txBody>
-                  <a:tcPr marL="68580" marR="68580" marT="0" marB="0" vert="horz" anchor="ctr" anchorCtr="0"/>
-                </a:tc>
-                <a:tc hMerge="1">
-                  <a:tcPr/>
-                </a:tc>
-                <a:tc gridSpan="6">
-                  <a:txBody>
-                    <a:bodyPr/>
-                    <a:p>
-                      <a:pPr indent="0">
-                        <a:buNone/>
-                      </a:pPr>
-                      <a:r>
-                        <a:rPr lang="en-US" sz="900"/>
-                        <a:t>职员是否认同该评价方法？□认同 </a:t>
-                      </a:r>
-                      <a:endParaRPr lang="en-US" altLang="en-US" sz="900"/>
-                    </a:p>
-                  </a:txBody>
-                  <a:tcPr marL="68580" marR="68580" marT="0" marB="0" vert="horz" anchor="ctr" anchorCtr="0"/>
-                </a:tc>
-                <a:tc hMerge="1">
-                  <a:tcPr/>
-                </a:tc>
-                <a:tc hMerge="1">
-                  <a:tcPr/>
-                </a:tc>
-                <a:tc hMerge="1">
-                  <a:tcPr/>
-                </a:tc>
-                <a:tc hMerge="1">
-                  <a:tcPr/>
-                </a:tc>
-                <a:tc hMerge="1">
-                  <a:tcPr/>
-                </a:tc>
-              </a:tr>
-              <a:tr h="262255">
-                <a:tc rowSpan="2">
-                  <a:txBody>
-                    <a:bodyPr/>
-                    <a:p>
-                      <a:pPr indent="0">
-                        <a:buNone/>
-                      </a:pPr>
-                      <a:r>
-                        <a:rPr lang="en-US" sz="900"/>
-                        <a:t>评价结果</a:t>
-                      </a:r>
-                      <a:endParaRPr lang="en-US" altLang="en-US" sz="900"/>
-                    </a:p>
-                  </a:txBody>
-                  <a:tcPr marL="68580" marR="68580" marT="0" marB="0" vert="horz" anchor="ctr" anchorCtr="0"/>
-                </a:tc>
-                <a:tc rowSpan="2" gridSpan="2">
-                  <a:txBody>
-                    <a:bodyPr/>
-                    <a:p>
-                      <a:pPr indent="0">
-                        <a:buNone/>
-                      </a:pPr>
-                      <a:r>
-                        <a:rPr lang="en-US" sz="1000"/>
-                        <a:t> </a:t>
-                      </a:r>
-                      <a:endParaRPr lang="en-US" altLang="en-US" sz="1000"/>
-                    </a:p>
-                  </a:txBody>
-                  <a:tcPr marL="68580" marR="68580" marT="0" marB="0" vert="horz" anchor="ctr" anchorCtr="0"/>
-                </a:tc>
-                <a:tc rowSpan="2" hMerge="1">
-                  <a:tcPr/>
-                </a:tc>
-                <a:tc>
-                  <a:txBody>
-                    <a:bodyPr/>
-                    <a:p>
-                      <a:pPr indent="0">
-                        <a:buNone/>
-                      </a:pPr>
-                      <a:r>
-                        <a:rPr lang="en-US" sz="900"/>
-                        <a:t>优秀</a:t>
-                      </a:r>
-                      <a:endParaRPr lang="en-US" altLang="en-US" sz="900"/>
-                    </a:p>
-                  </a:txBody>
-                  <a:tcPr marL="68580" marR="68580" marT="0" marB="0" vert="horz" anchor="ctr" anchorCtr="0"/>
-                </a:tc>
-                <a:tc gridSpan="2">
-                  <a:txBody>
-                    <a:bodyPr/>
-                    <a:p>
-                      <a:pPr indent="0">
-                        <a:buNone/>
-                      </a:pPr>
-                      <a:r>
-                        <a:rPr lang="en-US" sz="900"/>
-                        <a:t>良好</a:t>
-                      </a:r>
-                      <a:endParaRPr lang="en-US" altLang="en-US" sz="900"/>
-                    </a:p>
-                  </a:txBody>
-                  <a:tcPr marL="68580" marR="68580" marT="0" marB="0" vert="horz" anchor="ctr" anchorCtr="0"/>
-                </a:tc>
-                <a:tc hMerge="1">
-                  <a:tcPr/>
-                </a:tc>
-                <a:tc>
-                  <a:txBody>
-                    <a:bodyPr/>
-                    <a:p>
-                      <a:pPr indent="0">
-                        <a:buNone/>
-                      </a:pPr>
-                      <a:r>
-                        <a:rPr lang="en-US" sz="900"/>
-                        <a:t>合格</a:t>
-                      </a:r>
-                      <a:endParaRPr lang="en-US" altLang="en-US" sz="900"/>
-                    </a:p>
-                  </a:txBody>
-                  <a:tcPr marL="68580" marR="68580" marT="0" marB="0" vert="horz" anchor="ctr" anchorCtr="0"/>
-                </a:tc>
-                <a:tc>
-                  <a:txBody>
-                    <a:bodyPr/>
-                    <a:p>
-                      <a:pPr indent="0">
-                        <a:buNone/>
-                      </a:pPr>
-                      <a:r>
-                        <a:rPr lang="en-US" sz="900"/>
-                        <a:t>待改进</a:t>
-                      </a:r>
-                      <a:endParaRPr lang="en-US" altLang="en-US" sz="900"/>
-                    </a:p>
-                  </a:txBody>
-                  <a:tcPr marL="68580" marR="68580" marT="0" marB="0" vert="horz" anchor="ctr" anchorCtr="0"/>
-                </a:tc>
-                <a:tc>
-                  <a:txBody>
-                    <a:bodyPr/>
-                    <a:p>
-                      <a:pPr indent="0">
-                        <a:buNone/>
-                      </a:pPr>
-                      <a:r>
-                        <a:rPr lang="en-US" sz="900"/>
-                        <a:t>未完成</a:t>
-                      </a:r>
-                      <a:endParaRPr lang="en-US" altLang="en-US" sz="900"/>
-                    </a:p>
-                  </a:txBody>
-                  <a:tcPr marL="68580" marR="68580" marT="0" marB="0" vert="horz" anchor="ctr" anchorCtr="0"/>
-                </a:tc>
-              </a:tr>
-              <a:tr h="227965">
-                <a:tc vMerge="1">
-                  <a:tcPr/>
-                </a:tc>
-                <a:tc vMerge="1" gridSpan="2">
-                  <a:tcPr/>
-                </a:tc>
-                <a:tc vMerge="1" hMerge="1">
-                  <a:tcPr/>
-                </a:tc>
-                <a:tc>
-                  <a:txBody>
-                    <a:bodyPr/>
-                    <a:p>
-                      <a:pPr indent="0">
-                        <a:buNone/>
-                      </a:pPr>
-                      <a:r>
-                        <a:rPr lang="en-US" sz="900"/>
-                        <a:t> </a:t>
-                      </a:r>
-                      <a:endParaRPr lang="en-US" altLang="en-US" sz="900"/>
-                    </a:p>
-                  </a:txBody>
-                  <a:tcPr marL="68580" marR="68580" marT="0" marB="0" vert="horz" anchor="ctr" anchorCtr="0"/>
-                </a:tc>
-                <a:tc gridSpan="2">
-                  <a:txBody>
-                    <a:bodyPr/>
-                    <a:p>
-                      <a:pPr indent="0">
-                        <a:buNone/>
-                      </a:pPr>
-                      <a:r>
-                        <a:rPr lang="en-US" sz="900"/>
-                        <a:t> </a:t>
-                      </a:r>
-                      <a:endParaRPr lang="en-US" altLang="en-US" sz="900"/>
-                    </a:p>
-                  </a:txBody>
-                  <a:tcPr marL="68580" marR="68580" marT="0" marB="0" vert="horz" anchor="ctr" anchorCtr="0"/>
-                </a:tc>
-                <a:tc hMerge="1">
-                  <a:tcPr/>
-                </a:tc>
-                <a:tc>
-                  <a:txBody>
-                    <a:bodyPr/>
-                    <a:p>
-                      <a:pPr indent="0">
-                        <a:buNone/>
-                      </a:pPr>
-                      <a:r>
-                        <a:rPr lang="en-US" sz="900"/>
-                        <a:t> </a:t>
-                      </a:r>
-                      <a:endParaRPr lang="en-US" altLang="en-US" sz="900"/>
-                    </a:p>
-                  </a:txBody>
-                  <a:tcPr marL="68580" marR="68580" marT="0" marB="0" vert="horz" anchor="ctr" anchorCtr="0"/>
-                </a:tc>
-                <a:tc>
-                  <a:txBody>
-                    <a:bodyPr/>
-                    <a:p>
-                      <a:pPr indent="0">
-                        <a:buNone/>
-                      </a:pPr>
-                      <a:r>
-                        <a:rPr lang="en-US" sz="900"/>
-                        <a:t> </a:t>
-                      </a:r>
-                      <a:endParaRPr lang="en-US" altLang="en-US" sz="900"/>
-                    </a:p>
-                  </a:txBody>
-                  <a:tcPr marL="68580" marR="68580" marT="0" marB="0" vert="horz" anchor="ctr" anchorCtr="0"/>
-                </a:tc>
-                <a:tc>
-                  <a:txBody>
-                    <a:bodyPr/>
-                    <a:p>
-                      <a:pPr indent="0">
-                        <a:buNone/>
-                      </a:pPr>
-                      <a:r>
-                        <a:rPr lang="en-US" sz="900"/>
-                        <a:t> </a:t>
-                      </a:r>
-                      <a:endParaRPr lang="en-US" altLang="en-US" sz="900"/>
-                    </a:p>
-                  </a:txBody>
-                  <a:tcPr marL="68580" marR="68580" marT="0" marB="0" vert="horz" anchor="ctr" anchorCtr="0"/>
-                </a:tc>
-              </a:tr>
-              <a:tr h="227965">
-                <a:tc gridSpan="3">
-                  <a:txBody>
-                    <a:bodyPr/>
-                    <a:p>
-                      <a:pPr indent="0">
-                        <a:buNone/>
-                      </a:pPr>
-                      <a:r>
-                        <a:rPr lang="en-US" sz="900"/>
-                        <a:t>直属上级或正式员工是否就该工作与你进行沟通</a:t>
-                      </a:r>
-                      <a:endParaRPr lang="en-US" altLang="en-US" sz="900"/>
-                    </a:p>
-                  </a:txBody>
-                  <a:tcPr marL="68580" marR="68580" marT="0" marB="0" vert="horz" anchor="ctr" anchorCtr="0"/>
-                </a:tc>
-                <a:tc hMerge="1">
-                  <a:tcPr/>
-                </a:tc>
-                <a:tc hMerge="1">
-                  <a:tcPr/>
-                </a:tc>
-                <a:tc gridSpan="6">
-                  <a:txBody>
-                    <a:bodyPr/>
-                    <a:p>
-                      <a:pPr indent="0">
-                        <a:buNone/>
-                      </a:pPr>
-                      <a:r>
-                        <a:rPr lang="en-US" sz="900"/>
-                        <a:t>£沟通 □未沟通</a:t>
-                      </a:r>
-                      <a:endParaRPr lang="en-US" altLang="en-US" sz="900"/>
-                    </a:p>
-                  </a:txBody>
-                  <a:tcPr marL="68580" marR="68580" marT="0" marB="0" vert="horz" anchor="ctr" anchorCtr="0"/>
-                </a:tc>
-                <a:tc hMerge="1">
-                  <a:tcPr/>
-                </a:tc>
-                <a:tc hMerge="1">
-                  <a:tcPr/>
-                </a:tc>
-                <a:tc hMerge="1">
-                  <a:tcPr/>
-                </a:tc>
-                <a:tc hMerge="1">
-                  <a:tcPr/>
-                </a:tc>
-                <a:tc hMerge="1">
-                  <a:tcPr/>
-                </a:tc>
-              </a:tr>
-            </a:tbl>
-          </a:graphicData>
-        </a:graphic>
-      </p:graphicFrame>
-    </p:spTree>
-  </p:cSld>
-  <p:clrMapOvr>
-    <a:masterClrMapping/>
-  </p:clrMapOvr>
-  <mc:AlternateContent xmlns:mc="http://schemas.openxmlformats.org/markup-compatibility/2006">
-    <mc:Choice xmlns:p14="http://schemas.microsoft.com/office/powerpoint/2010/main" Requires="p14">
-      <p:transition spd="slow" p14:dur="1000" advClick="0">
-        <p:cover dir="lu"/>
-      </p:transition>
-    </mc:Choice>
-    <mc:Fallback>
-      <p:transition spd="slow" advClick="0">
-        <p:cover dir="lu"/>
-      </p:transition>
-    </mc:Fallback>
-  </mc:AlternateContent>
-  <p:timing>
-    <p:tnLst>
-      <p:par>
-        <p:cTn id="1" dur="indefinite" restart="never" nodeType="tmRoot"/>
-      </p:par>
-    </p:tnLst>
-  </p:timing>
-</p:sld>
-</file>
-
-<file path=ppt/slides/slide27.xml><?xml version="1.0" encoding="utf-8"?>
-<p:sld xmlns:a="http://schemas.openxmlformats.org/drawingml/2006/main" xmlns:r="http://schemas.openxmlformats.org/officeDocument/2006/relationships" xmlns:p="http://schemas.openxmlformats.org/presentationml/2006/main">
-  <p:cSld>
-    <p:spTree>
-      <p:nvGrpSpPr>
-        <p:cNvPr id="1" name=""/>
-        <p:cNvGrpSpPr/>
-        <p:nvPr/>
-      </p:nvGrpSpPr>
-      <p:grpSpPr>
-        <a:xfrm>
-          <a:off x="0" y="0"/>
-          <a:ext cx="0" cy="0"/>
-          <a:chOff x="0" y="0"/>
-          <a:chExt cx="0" cy="0"/>
-        </a:xfrm>
-      </p:grpSpPr>
-      <p:grpSp>
-        <p:nvGrpSpPr>
-          <p:cNvPr id="6" name="组合 5"/>
-          <p:cNvGrpSpPr/>
-          <p:nvPr/>
-        </p:nvGrpSpPr>
-        <p:grpSpPr>
-          <a:xfrm>
-            <a:off x="1189355" y="269240"/>
-            <a:ext cx="6793230" cy="529590"/>
-            <a:chOff x="1873" y="424"/>
-            <a:chExt cx="10698" cy="834"/>
-          </a:xfrm>
-        </p:grpSpPr>
-        <p:sp>
-          <p:nvSpPr>
-            <p:cNvPr id="13" name="矩形 12"/>
-            <p:cNvSpPr/>
-            <p:nvPr/>
-          </p:nvSpPr>
-          <p:spPr>
-            <a:xfrm>
-              <a:off x="1873" y="424"/>
-              <a:ext cx="2266" cy="756"/>
-            </a:xfrm>
-            <a:prstGeom prst="rect">
-              <a:avLst/>
-            </a:prstGeom>
-            <a:solidFill>
-              <a:srgbClr val="F6F6F6"/>
-            </a:solidFill>
-            <a:ln>
-              <a:noFill/>
-            </a:ln>
-          </p:spPr>
-          <p:style>
-            <a:lnRef idx="2">
-              <a:schemeClr val="accent1">
-                <a:shade val="50000"/>
-              </a:schemeClr>
-            </a:lnRef>
-            <a:fillRef idx="1">
-              <a:schemeClr val="accent1"/>
-            </a:fillRef>
-            <a:effectRef idx="0">
-              <a:schemeClr val="accent1"/>
-            </a:effectRef>
-            <a:fontRef idx="minor">
-              <a:schemeClr val="lt1"/>
-            </a:fontRef>
-          </p:style>
-          <p:txBody>
-            <a:bodyPr rtlCol="0" anchor="ctr"/>
-            <a:p>
-              <a:pPr algn="ctr"/>
-              <a:endParaRPr lang="zh-CN" altLang="en-US"/>
-            </a:p>
-          </p:txBody>
-        </p:sp>
-        <p:sp>
-          <p:nvSpPr>
-            <p:cNvPr id="7" name="矩形 6"/>
-            <p:cNvSpPr/>
-            <p:nvPr/>
-          </p:nvSpPr>
-          <p:spPr>
-            <a:xfrm>
-              <a:off x="1984" y="535"/>
-              <a:ext cx="10587" cy="723"/>
-            </a:xfrm>
-            <a:prstGeom prst="rect">
-              <a:avLst/>
-            </a:prstGeom>
-          </p:spPr>
-          <p:txBody>
-            <a:bodyPr wrap="square" lIns="91400" tIns="45699" rIns="91400" bIns="45699">
-              <a:spAutoFit/>
-            </a:bodyPr>
-            <a:p>
-              <a:pPr lvl="0" defTabSz="914400">
-                <a:defRPr/>
-              </a:pPr>
-              <a:r>
-                <a:rPr lang="zh-CN" sz="2400" dirty="0">
-                  <a:solidFill>
-                    <a:schemeClr val="accent1"/>
-                  </a:solidFill>
-                  <a:latin typeface="微软雅黑" panose="020B0503020204020204" pitchFamily="34" charset="-122"/>
-                  <a:ea typeface="微软雅黑" panose="020B0503020204020204" pitchFamily="34" charset="-122"/>
-                  <a:sym typeface="+mn-ea"/>
-                </a:rPr>
-                <a:t>小组分工</a:t>
-              </a:r>
-              <a:endParaRPr lang="zh-CN" sz="2400" kern="0" dirty="0">
-                <a:solidFill>
-                  <a:schemeClr val="accent1"/>
-                </a:solidFill>
-                <a:latin typeface="微软雅黑" panose="020B0503020204020204" pitchFamily="34" charset="-122"/>
-                <a:ea typeface="微软雅黑" panose="020B0503020204020204" pitchFamily="34" charset="-122"/>
-                <a:sym typeface="+mn-ea"/>
-              </a:endParaRPr>
-            </a:p>
-          </p:txBody>
-        </p:sp>
-      </p:grpSp>
-      <p:graphicFrame>
-        <p:nvGraphicFramePr>
-          <p:cNvPr id="3" name="表格 2"/>
-          <p:cNvGraphicFramePr/>
-          <p:nvPr>
-            <p:custDataLst>
-              <p:tags r:id="rId1"/>
-            </p:custDataLst>
-          </p:nvPr>
-        </p:nvGraphicFramePr>
-        <p:xfrm>
-          <a:off x="4035425" y="340360"/>
-          <a:ext cx="6297295" cy="5989320"/>
-        </p:xfrm>
-        <a:graphic>
-          <a:graphicData uri="http://schemas.openxmlformats.org/drawingml/2006/table">
-            <a:tbl>
-              <a:tblPr firstRow="1" bandRow="1">
-                <a:tableStyleId>{3B4B98B0-60AC-42C2-AFA5-B58CD77FA1E5}</a:tableStyleId>
-              </a:tblPr>
-              <a:tblGrid>
-                <a:gridCol w="788670"/>
-                <a:gridCol w="1362075"/>
-                <a:gridCol w="1451610"/>
-                <a:gridCol w="434975"/>
-                <a:gridCol w="19050"/>
-                <a:gridCol w="434975"/>
-                <a:gridCol w="541655"/>
-                <a:gridCol w="627380"/>
-                <a:gridCol w="636905"/>
-              </a:tblGrid>
-              <a:tr h="225425">
-                <a:tc gridSpan="2">
-                  <a:txBody>
-                    <a:bodyPr/>
-                    <a:p>
-                      <a:pPr indent="0" algn="ctr">
-                        <a:buNone/>
-                      </a:pPr>
-                      <a:r>
-                        <a:rPr lang="en-US" sz="1000"/>
-                        <a:t>姓 名</a:t>
-                      </a:r>
-                      <a:endParaRPr lang="en-US" altLang="en-US" sz="1000"/>
-                    </a:p>
-                  </a:txBody>
-                  <a:tcPr marL="68580" marR="68580" marT="0" marB="0" vert="horz" anchor="ctr" anchorCtr="0"/>
-                </a:tc>
-                <a:tc hMerge="1">
-                  <a:tcPr/>
-                </a:tc>
-                <a:tc gridSpan="7">
-                  <a:txBody>
-                    <a:bodyPr/>
-                    <a:p>
-                      <a:pPr indent="0" algn="ctr">
-                        <a:buNone/>
-                      </a:pPr>
-                      <a:r>
-                        <a:rPr lang="en-US" sz="1000"/>
-                        <a:t>梁晓勇</a:t>
-                      </a:r>
-                      <a:endParaRPr lang="en-US" altLang="en-US" sz="1000"/>
-                    </a:p>
-                  </a:txBody>
-                  <a:tcPr marL="68580" marR="68580" marT="0" marB="0" vert="horz" anchor="ctr" anchorCtr="0"/>
-                </a:tc>
-                <a:tc hMerge="1">
-                  <a:tcPr/>
-                </a:tc>
-                <a:tc hMerge="1">
-                  <a:tcPr/>
-                </a:tc>
-                <a:tc hMerge="1">
-                  <a:tcPr/>
-                </a:tc>
-                <a:tc hMerge="1">
-                  <a:tcPr/>
-                </a:tc>
-                <a:tc hMerge="1">
-                  <a:tcPr/>
-                </a:tc>
-                <a:tc hMerge="1">
-                  <a:tcPr/>
-                </a:tc>
-              </a:tr>
-              <a:tr h="224790">
-                <a:tc gridSpan="9">
-                  <a:txBody>
-                    <a:bodyPr/>
-                    <a:p>
-                      <a:pPr indent="0" algn="ctr">
-                        <a:buNone/>
-                      </a:pPr>
-                      <a:r>
-                        <a:rPr lang="en-US" sz="900"/>
-                        <a:t>工 作 安 排</a:t>
-                      </a:r>
-                      <a:endParaRPr lang="en-US" altLang="en-US" sz="900"/>
-                    </a:p>
-                  </a:txBody>
-                  <a:tcPr marL="68580" marR="68580" marT="0" marB="0" vert="horz" anchor="ctr" anchorCtr="0"/>
-                </a:tc>
-                <a:tc hMerge="1">
-                  <a:tcPr/>
-                </a:tc>
-                <a:tc hMerge="1">
-                  <a:tcPr/>
-                </a:tc>
-                <a:tc hMerge="1">
-                  <a:tcPr/>
-                </a:tc>
-                <a:tc hMerge="1">
-                  <a:tcPr/>
-                </a:tc>
-                <a:tc hMerge="1">
-                  <a:tcPr/>
-                </a:tc>
-                <a:tc hMerge="1">
-                  <a:tcPr/>
-                </a:tc>
-                <a:tc hMerge="1">
-                  <a:tcPr/>
-                </a:tc>
-                <a:tc hMerge="1">
-                  <a:tcPr/>
-                </a:tc>
-              </a:tr>
-              <a:tr h="225425">
-                <a:tc gridSpan="3">
-                  <a:txBody>
-                    <a:bodyPr/>
-                    <a:p>
-                      <a:pPr indent="0" algn="ctr">
-                        <a:buNone/>
-                      </a:pPr>
-                      <a:r>
-                        <a:rPr lang="en-US" sz="1000"/>
-                        <a:t>工作任务一</a:t>
-                      </a:r>
-                      <a:endParaRPr lang="en-US" altLang="en-US" sz="1000"/>
-                    </a:p>
-                  </a:txBody>
-                  <a:tcPr marL="68580" marR="68580" marT="0" marB="0" vert="horz" anchor="ctr" anchorCtr="0"/>
-                </a:tc>
-                <a:tc hMerge="1">
-                  <a:tcPr/>
-                </a:tc>
-                <a:tc hMerge="1">
-                  <a:tcPr/>
-                </a:tc>
-                <a:tc gridSpan="6">
-                  <a:txBody>
-                    <a:bodyPr/>
-                    <a:p>
-                      <a:pPr indent="0" algn="ctr">
-                        <a:buNone/>
-                      </a:pPr>
-                      <a:r>
-                        <a:rPr lang="en-US" sz="1000"/>
-                        <a:t>完成情况</a:t>
-                      </a:r>
-                      <a:endParaRPr lang="en-US" altLang="en-US" sz="1000"/>
-                    </a:p>
-                  </a:txBody>
-                  <a:tcPr marL="68580" marR="68580" marT="0" marB="0" vert="horz" anchor="ctr" anchorCtr="0"/>
-                </a:tc>
-                <a:tc hMerge="1">
-                  <a:tcPr/>
-                </a:tc>
-                <a:tc hMerge="1">
-                  <a:tcPr/>
-                </a:tc>
-                <a:tc hMerge="1">
-                  <a:tcPr/>
-                </a:tc>
-                <a:tc hMerge="1">
-                  <a:tcPr/>
-                </a:tc>
-                <a:tc hMerge="1">
-                  <a:tcPr/>
-                </a:tc>
-              </a:tr>
-              <a:tr h="271145">
-                <a:tc>
-                  <a:txBody>
-                    <a:bodyPr/>
-                    <a:p>
-                      <a:pPr indent="0">
-                        <a:buNone/>
-                      </a:pPr>
-                      <a:r>
-                        <a:rPr lang="en-US" sz="900"/>
-                        <a:t> 工作内容 </a:t>
-                      </a:r>
-                      <a:endParaRPr lang="en-US" altLang="en-US" sz="900"/>
-                    </a:p>
-                  </a:txBody>
-                  <a:tcPr marL="68580" marR="68580" marT="0" marB="0" vert="horz" anchor="ctr" anchorCtr="0"/>
-                </a:tc>
-                <a:tc gridSpan="2">
-                  <a:txBody>
-                    <a:bodyPr/>
-                    <a:p>
-                      <a:pPr indent="0">
-                        <a:buNone/>
-                      </a:pPr>
-                      <a:r>
-                        <a:rPr lang="en-US" sz="1000"/>
-                        <a:t>完善前端代码</a:t>
-                      </a:r>
-                      <a:endParaRPr lang="en-US" altLang="en-US" sz="1000"/>
-                    </a:p>
-                  </a:txBody>
-                  <a:tcPr marL="68580" marR="68580" marT="0" marB="0" vert="horz" anchor="ctr" anchorCtr="0"/>
-                </a:tc>
-                <a:tc hMerge="1">
-                  <a:tcPr/>
-                </a:tc>
-                <a:tc gridSpan="6">
-                  <a:txBody>
-                    <a:bodyPr/>
-                    <a:p>
-                      <a:pPr indent="0">
-                        <a:buNone/>
-                      </a:pPr>
-                      <a:r>
-                        <a:rPr lang="en-US" sz="900"/>
-                        <a:t>职员是否认同该工作内容？R认同 □不认同 □其他</a:t>
-                      </a:r>
-                      <a:endParaRPr lang="en-US" altLang="en-US" sz="900"/>
-                    </a:p>
-                  </a:txBody>
-                  <a:tcPr marL="68580" marR="68580" marT="0" marB="0" vert="horz" anchor="ctr" anchorCtr="0"/>
-                </a:tc>
-                <a:tc hMerge="1">
-                  <a:tcPr/>
-                </a:tc>
-                <a:tc hMerge="1">
-                  <a:tcPr/>
-                </a:tc>
-                <a:tc hMerge="1">
-                  <a:tcPr/>
-                </a:tc>
-                <a:tc hMerge="1">
-                  <a:tcPr/>
-                </a:tc>
-                <a:tc hMerge="1">
-                  <a:tcPr/>
-                </a:tc>
-              </a:tr>
-              <a:tr h="388620">
-                <a:tc>
-                  <a:txBody>
-                    <a:bodyPr/>
-                    <a:p>
-                      <a:pPr indent="0">
-                        <a:buNone/>
-                      </a:pPr>
-                      <a:r>
-                        <a:rPr lang="en-US" sz="900"/>
-                        <a:t> 工作目标完成时间 </a:t>
-                      </a:r>
-                      <a:endParaRPr lang="en-US" altLang="en-US" sz="900"/>
-                    </a:p>
-                  </a:txBody>
-                  <a:tcPr marL="68580" marR="68580" marT="0" marB="0" vert="horz" anchor="ctr" anchorCtr="0"/>
-                </a:tc>
-                <a:tc gridSpan="2">
-                  <a:txBody>
-                    <a:bodyPr/>
-                    <a:p>
-                      <a:pPr indent="0">
-                        <a:buNone/>
-                      </a:pPr>
-                      <a:r>
-                        <a:rPr lang="en-US" sz="1000"/>
-                        <a:t>2021/12/12 0：00</a:t>
-                      </a:r>
-                      <a:endParaRPr lang="en-US" altLang="en-US" sz="1000"/>
-                    </a:p>
-                  </a:txBody>
-                  <a:tcPr marL="68580" marR="68580" marT="0" marB="0" vert="horz" anchor="ctr" anchorCtr="0"/>
-                </a:tc>
-                <a:tc hMerge="1">
-                  <a:tcPr/>
-                </a:tc>
-                <a:tc gridSpan="6">
-                  <a:txBody>
-                    <a:bodyPr/>
-                    <a:p>
-                      <a:pPr indent="0">
-                        <a:buNone/>
-                      </a:pPr>
-                      <a:r>
-                        <a:rPr lang="en-US" sz="900"/>
-                        <a:t>职员是否认同该工作目标？R认同 □不认同 □其他</a:t>
-                      </a:r>
-                      <a:endParaRPr lang="en-US" altLang="en-US" sz="900"/>
-                    </a:p>
-                  </a:txBody>
-                  <a:tcPr marL="68580" marR="68580" marT="0" marB="0" vert="horz" anchor="ctr" anchorCtr="0"/>
-                </a:tc>
-                <a:tc hMerge="1">
-                  <a:tcPr/>
-                </a:tc>
-                <a:tc hMerge="1">
-                  <a:tcPr/>
-                </a:tc>
-                <a:tc hMerge="1">
-                  <a:tcPr/>
-                </a:tc>
-                <a:tc hMerge="1">
-                  <a:tcPr/>
-                </a:tc>
-                <a:tc hMerge="1">
-                  <a:tcPr/>
-                </a:tc>
-              </a:tr>
-              <a:tr h="269875">
-                <a:tc>
-                  <a:txBody>
-                    <a:bodyPr/>
-                    <a:p>
-                      <a:pPr indent="0">
-                        <a:buNone/>
-                      </a:pPr>
-                      <a:r>
-                        <a:rPr lang="en-US" sz="900"/>
-                        <a:t>评价方法</a:t>
-                      </a:r>
-                      <a:endParaRPr lang="en-US" altLang="en-US" sz="900"/>
-                    </a:p>
-                  </a:txBody>
-                  <a:tcPr marL="68580" marR="68580" marT="0" marB="0" vert="horz" anchor="ctr" anchorCtr="0"/>
-                </a:tc>
-                <a:tc gridSpan="2">
-                  <a:txBody>
-                    <a:bodyPr/>
-                    <a:p>
-                      <a:pPr indent="0">
-                        <a:buNone/>
-                      </a:pPr>
-                      <a:r>
-                        <a:rPr lang="en-US" sz="1000"/>
-                        <a:t>查看运行情况</a:t>
-                      </a:r>
-                      <a:endParaRPr lang="en-US" altLang="en-US" sz="1000"/>
-                    </a:p>
-                  </a:txBody>
-                  <a:tcPr marL="68580" marR="68580" marT="0" marB="0" vert="horz" anchor="ctr" anchorCtr="0"/>
-                </a:tc>
-                <a:tc hMerge="1">
-                  <a:tcPr/>
-                </a:tc>
-                <a:tc gridSpan="6">
-                  <a:txBody>
-                    <a:bodyPr/>
-                    <a:p>
-                      <a:pPr indent="0">
-                        <a:buNone/>
-                      </a:pPr>
-                      <a:r>
-                        <a:rPr lang="en-US" sz="900"/>
-                        <a:t>职员是否认同该评价方法？R认同 □不认同 □其他</a:t>
-                      </a:r>
-                      <a:endParaRPr lang="en-US" altLang="en-US" sz="900"/>
-                    </a:p>
-                  </a:txBody>
-                  <a:tcPr marL="68580" marR="68580" marT="0" marB="0" vert="horz" anchor="ctr" anchorCtr="0"/>
-                </a:tc>
-                <a:tc hMerge="1">
-                  <a:tcPr/>
-                </a:tc>
-                <a:tc hMerge="1">
-                  <a:tcPr/>
-                </a:tc>
-                <a:tc hMerge="1">
-                  <a:tcPr/>
-                </a:tc>
-                <a:tc hMerge="1">
-                  <a:tcPr/>
-                </a:tc>
-                <a:tc hMerge="1">
-                  <a:tcPr/>
-                </a:tc>
-              </a:tr>
-              <a:tr h="259080">
-                <a:tc rowSpan="2">
-                  <a:txBody>
-                    <a:bodyPr/>
-                    <a:p>
-                      <a:pPr indent="0">
-                        <a:buNone/>
-                      </a:pPr>
-                      <a:r>
-                        <a:rPr lang="en-US" sz="900"/>
-                        <a:t>评价结果</a:t>
-                      </a:r>
-                      <a:endParaRPr lang="en-US" altLang="en-US" sz="900"/>
-                    </a:p>
-                  </a:txBody>
-                  <a:tcPr marL="68580" marR="68580" marT="0" marB="0" vert="horz" anchor="ctr" anchorCtr="0"/>
-                </a:tc>
-                <a:tc rowSpan="2" gridSpan="2">
-                  <a:txBody>
-                    <a:bodyPr/>
-                    <a:p>
-                      <a:pPr indent="0">
-                        <a:buNone/>
-                      </a:pPr>
-                      <a:r>
-                        <a:rPr lang="en-US" sz="1000"/>
-                        <a:t> </a:t>
-                      </a:r>
-                      <a:endParaRPr lang="en-US" altLang="en-US" sz="1000"/>
-                    </a:p>
-                  </a:txBody>
-                  <a:tcPr marL="68580" marR="68580" marT="0" marB="0" vert="horz" anchor="ctr" anchorCtr="0"/>
-                </a:tc>
-                <a:tc rowSpan="2" hMerge="1">
-                  <a:tcPr/>
-                </a:tc>
-                <a:tc gridSpan="2">
-                  <a:txBody>
-                    <a:bodyPr/>
-                    <a:p>
-                      <a:pPr indent="0">
-                        <a:buNone/>
-                      </a:pPr>
-                      <a:r>
-                        <a:rPr lang="en-US" sz="900"/>
-                        <a:t>优秀</a:t>
-                      </a:r>
-                      <a:endParaRPr lang="en-US" altLang="en-US" sz="900"/>
-                    </a:p>
-                  </a:txBody>
-                  <a:tcPr marL="68580" marR="68580" marT="0" marB="0" vert="horz" anchor="ctr" anchorCtr="0"/>
-                </a:tc>
-                <a:tc hMerge="1">
-                  <a:tcPr/>
-                </a:tc>
-                <a:tc>
-                  <a:txBody>
-                    <a:bodyPr/>
-                    <a:p>
-                      <a:pPr indent="0">
-                        <a:buNone/>
-                      </a:pPr>
-                      <a:r>
-                        <a:rPr lang="en-US" sz="900"/>
-                        <a:t>良好</a:t>
-                      </a:r>
-                      <a:endParaRPr lang="en-US" altLang="en-US" sz="900"/>
-                    </a:p>
-                  </a:txBody>
-                  <a:tcPr marL="68580" marR="68580" marT="0" marB="0" vert="horz" anchor="ctr" anchorCtr="0"/>
-                </a:tc>
-                <a:tc>
-                  <a:txBody>
-                    <a:bodyPr/>
-                    <a:p>
-                      <a:pPr indent="0">
-                        <a:buNone/>
-                      </a:pPr>
-                      <a:r>
-                        <a:rPr lang="en-US" sz="900"/>
-                        <a:t>合格</a:t>
-                      </a:r>
-                      <a:endParaRPr lang="en-US" altLang="en-US" sz="900"/>
-                    </a:p>
-                  </a:txBody>
-                  <a:tcPr marL="68580" marR="68580" marT="0" marB="0" vert="horz" anchor="ctr" anchorCtr="0"/>
-                </a:tc>
-                <a:tc>
-                  <a:txBody>
-                    <a:bodyPr/>
-                    <a:p>
-                      <a:pPr indent="0">
-                        <a:buNone/>
-                      </a:pPr>
-                      <a:r>
-                        <a:rPr lang="en-US" sz="900"/>
-                        <a:t>待改进</a:t>
-                      </a:r>
-                      <a:endParaRPr lang="en-US" altLang="en-US" sz="900"/>
-                    </a:p>
-                  </a:txBody>
-                  <a:tcPr marL="68580" marR="68580" marT="0" marB="0" vert="horz" anchor="ctr" anchorCtr="0"/>
-                </a:tc>
-                <a:tc>
-                  <a:txBody>
-                    <a:bodyPr/>
-                    <a:p>
-                      <a:pPr indent="0">
-                        <a:buNone/>
-                      </a:pPr>
-                      <a:r>
-                        <a:rPr lang="en-US" sz="900"/>
-                        <a:t>未完成</a:t>
-                      </a:r>
-                      <a:endParaRPr lang="en-US" altLang="en-US" sz="900"/>
-                    </a:p>
-                  </a:txBody>
-                  <a:tcPr marL="68580" marR="68580" marT="0" marB="0" vert="horz" anchor="ctr" anchorCtr="0"/>
-                </a:tc>
-              </a:tr>
-              <a:tr h="225425">
-                <a:tc vMerge="1">
-                  <a:tcPr/>
-                </a:tc>
-                <a:tc vMerge="1" gridSpan="2">
-                  <a:tcPr/>
-                </a:tc>
-                <a:tc vMerge="1" hMerge="1">
-                  <a:tcPr/>
-                </a:tc>
-                <a:tc gridSpan="2">
-                  <a:txBody>
-                    <a:bodyPr/>
-                    <a:p>
-                      <a:pPr indent="0">
-                        <a:buNone/>
-                      </a:pPr>
-                      <a:r>
-                        <a:rPr lang="en-US" sz="1000"/>
-                        <a:t> </a:t>
-                      </a:r>
-                      <a:endParaRPr lang="en-US" altLang="en-US" sz="1000"/>
-                    </a:p>
-                  </a:txBody>
-                  <a:tcPr marL="68580" marR="68580" marT="0" marB="0" vert="horz" anchor="ctr" anchorCtr="0"/>
-                </a:tc>
-                <a:tc hMerge="1">
-                  <a:tcPr/>
-                </a:tc>
-                <a:tc>
-                  <a:txBody>
-                    <a:bodyPr/>
-                    <a:p>
-                      <a:pPr indent="0">
-                        <a:buNone/>
-                      </a:pPr>
-                      <a:r>
-                        <a:rPr lang="en-US" sz="1000"/>
-                        <a:t>1</a:t>
-                      </a:r>
-                      <a:endParaRPr lang="en-US" altLang="en-US" sz="1000"/>
-                    </a:p>
-                  </a:txBody>
-                  <a:tcPr marL="68580" marR="68580" marT="0" marB="0" vert="horz" anchor="ctr" anchorCtr="0"/>
-                </a:tc>
-                <a:tc>
-                  <a:txBody>
-                    <a:bodyPr/>
-                    <a:p>
-                      <a:pPr indent="0">
-                        <a:buNone/>
-                      </a:pPr>
-                      <a:r>
-                        <a:rPr lang="en-US" sz="1000"/>
-                        <a:t> </a:t>
-                      </a:r>
-                      <a:endParaRPr lang="en-US" altLang="en-US" sz="1000"/>
-                    </a:p>
-                  </a:txBody>
-                  <a:tcPr marL="68580" marR="68580" marT="0" marB="0" vert="horz" anchor="ctr" anchorCtr="0"/>
-                </a:tc>
-                <a:tc>
-                  <a:txBody>
-                    <a:bodyPr/>
-                    <a:p>
-                      <a:pPr indent="0">
-                        <a:buNone/>
-                      </a:pPr>
-                      <a:r>
-                        <a:rPr lang="en-US" sz="1000"/>
-                        <a:t> </a:t>
-                      </a:r>
-                      <a:endParaRPr lang="en-US" altLang="en-US" sz="1000"/>
-                    </a:p>
-                  </a:txBody>
-                  <a:tcPr marL="68580" marR="68580" marT="0" marB="0" vert="horz" anchor="ctr" anchorCtr="0"/>
-                </a:tc>
-                <a:tc>
-                  <a:txBody>
-                    <a:bodyPr/>
-                    <a:p>
-                      <a:pPr indent="0">
-                        <a:buNone/>
-                      </a:pPr>
-                      <a:r>
-                        <a:rPr lang="en-US" sz="1000"/>
-                        <a:t> </a:t>
-                      </a:r>
-                      <a:endParaRPr lang="en-US" altLang="en-US" sz="1000"/>
-                    </a:p>
-                  </a:txBody>
-                  <a:tcPr marL="68580" marR="68580" marT="0" marB="0" vert="horz" anchor="ctr" anchorCtr="0"/>
-                </a:tc>
-              </a:tr>
-              <a:tr h="225425">
-                <a:tc gridSpan="3">
-                  <a:txBody>
-                    <a:bodyPr/>
-                    <a:p>
-                      <a:pPr indent="0">
-                        <a:buNone/>
-                      </a:pPr>
-                      <a:r>
-                        <a:rPr lang="en-US" sz="900"/>
-                        <a:t>直属上级或正式员工是否就该工作与你进行沟通</a:t>
-                      </a:r>
-                      <a:endParaRPr lang="en-US" altLang="en-US" sz="900"/>
-                    </a:p>
-                  </a:txBody>
-                  <a:tcPr marL="68580" marR="68580" marT="0" marB="0" vert="horz" anchor="ctr" anchorCtr="0"/>
-                </a:tc>
-                <a:tc hMerge="1">
-                  <a:tcPr/>
-                </a:tc>
-                <a:tc hMerge="1">
-                  <a:tcPr/>
-                </a:tc>
-                <a:tc gridSpan="6">
-                  <a:txBody>
-                    <a:bodyPr/>
-                    <a:p>
-                      <a:pPr indent="0">
-                        <a:buNone/>
-                      </a:pPr>
-                      <a:r>
-                        <a:rPr lang="en-US" sz="900"/>
-                        <a:t>□沟通 </a:t>
-                      </a:r>
-                      <a:endParaRPr lang="en-US" altLang="en-US" sz="900"/>
-                    </a:p>
-                  </a:txBody>
-                  <a:tcPr marL="68580" marR="68580" marT="0" marB="0" vert="horz" anchor="ctr" anchorCtr="0"/>
-                </a:tc>
-                <a:tc hMerge="1">
-                  <a:tcPr/>
-                </a:tc>
-                <a:tc hMerge="1">
-                  <a:tcPr/>
-                </a:tc>
-                <a:tc hMerge="1">
-                  <a:tcPr/>
-                </a:tc>
-                <a:tc hMerge="1">
-                  <a:tcPr/>
-                </a:tc>
-                <a:tc hMerge="1">
-                  <a:tcPr/>
-                </a:tc>
-              </a:tr>
-              <a:tr h="226060">
-                <a:tc gridSpan="3">
-                  <a:txBody>
-                    <a:bodyPr/>
-                    <a:p>
-                      <a:pPr indent="0" algn="ctr">
-                        <a:buNone/>
-                      </a:pPr>
-                      <a:r>
-                        <a:rPr lang="en-US" sz="1000"/>
-                        <a:t>工作任务二</a:t>
-                      </a:r>
-                      <a:endParaRPr lang="en-US" altLang="en-US" sz="1000"/>
-                    </a:p>
-                  </a:txBody>
-                  <a:tcPr marL="68580" marR="68580" marT="0" marB="0" vert="horz" anchor="ctr" anchorCtr="0"/>
-                </a:tc>
-                <a:tc hMerge="1">
-                  <a:tcPr/>
-                </a:tc>
-                <a:tc hMerge="1">
-                  <a:tcPr/>
-                </a:tc>
-                <a:tc gridSpan="6">
-                  <a:txBody>
-                    <a:bodyPr/>
-                    <a:p>
-                      <a:pPr indent="0" algn="ctr">
-                        <a:buNone/>
-                      </a:pPr>
-                      <a:r>
-                        <a:rPr lang="en-US" sz="1000"/>
-                        <a:t>完成情况</a:t>
-                      </a:r>
-                      <a:endParaRPr lang="en-US" altLang="en-US" sz="1000"/>
-                    </a:p>
-                  </a:txBody>
-                  <a:tcPr marL="68580" marR="68580" marT="0" marB="0" vert="horz" anchor="ctr" anchorCtr="0"/>
-                </a:tc>
-                <a:tc hMerge="1">
-                  <a:tcPr/>
-                </a:tc>
-                <a:tc hMerge="1">
-                  <a:tcPr/>
-                </a:tc>
-                <a:tc hMerge="1">
-                  <a:tcPr/>
-                </a:tc>
-                <a:tc hMerge="1">
-                  <a:tcPr/>
-                </a:tc>
-                <a:tc hMerge="1">
-                  <a:tcPr/>
-                </a:tc>
-              </a:tr>
-              <a:tr h="269875">
-                <a:tc>
-                  <a:txBody>
-                    <a:bodyPr/>
-                    <a:p>
-                      <a:pPr indent="0">
-                        <a:buNone/>
-                      </a:pPr>
-                      <a:r>
-                        <a:rPr lang="en-US" sz="900"/>
-                        <a:t> 工作内容 </a:t>
-                      </a:r>
-                      <a:endParaRPr lang="en-US" altLang="en-US" sz="900"/>
-                    </a:p>
-                  </a:txBody>
-                  <a:tcPr marL="68580" marR="68580" marT="0" marB="0" vert="horz" anchor="ctr" anchorCtr="0"/>
-                </a:tc>
-                <a:tc gridSpan="2">
-                  <a:txBody>
-                    <a:bodyPr/>
-                    <a:p>
-                      <a:pPr indent="0">
-                        <a:buNone/>
-                      </a:pPr>
-                      <a:r>
-                        <a:rPr lang="en-US" sz="900"/>
-                        <a:t>完善后端代码</a:t>
-                      </a:r>
-                      <a:endParaRPr lang="en-US" altLang="en-US" sz="900"/>
-                    </a:p>
-                  </a:txBody>
-                  <a:tcPr marL="68580" marR="68580" marT="0" marB="0" vert="horz" anchor="ctr" anchorCtr="0"/>
-                </a:tc>
-                <a:tc hMerge="1">
-                  <a:tcPr/>
-                </a:tc>
-                <a:tc gridSpan="6">
-                  <a:txBody>
-                    <a:bodyPr/>
-                    <a:p>
-                      <a:pPr indent="0">
-                        <a:buNone/>
-                      </a:pPr>
-                      <a:r>
-                        <a:rPr lang="en-US" sz="900"/>
-                        <a:t>职员是否认同该工作内容？R认同 □不认同 □其他</a:t>
-                      </a:r>
-                      <a:endParaRPr lang="en-US" altLang="en-US" sz="900"/>
-                    </a:p>
-                  </a:txBody>
-                  <a:tcPr marL="68580" marR="68580" marT="0" marB="0" vert="horz" anchor="ctr" anchorCtr="0"/>
-                </a:tc>
-                <a:tc hMerge="1">
-                  <a:tcPr/>
-                </a:tc>
-                <a:tc hMerge="1">
-                  <a:tcPr/>
-                </a:tc>
-                <a:tc hMerge="1">
-                  <a:tcPr/>
-                </a:tc>
-                <a:tc hMerge="1">
-                  <a:tcPr/>
-                </a:tc>
-                <a:tc hMerge="1">
-                  <a:tcPr/>
-                </a:tc>
-              </a:tr>
-              <a:tr h="388620">
-                <a:tc>
-                  <a:txBody>
-                    <a:bodyPr/>
-                    <a:p>
-                      <a:pPr indent="0">
-                        <a:buNone/>
-                      </a:pPr>
-                      <a:r>
-                        <a:rPr lang="en-US" sz="900"/>
-                        <a:t> 工作目标完成时间 </a:t>
-                      </a:r>
-                      <a:endParaRPr lang="en-US" altLang="en-US" sz="900"/>
-                    </a:p>
-                  </a:txBody>
-                  <a:tcPr marL="68580" marR="68580" marT="0" marB="0" vert="horz" anchor="ctr" anchorCtr="0"/>
-                </a:tc>
-                <a:tc gridSpan="2">
-                  <a:txBody>
-                    <a:bodyPr/>
-                    <a:p>
-                      <a:pPr indent="0">
-                        <a:buNone/>
-                      </a:pPr>
-                      <a:r>
-                        <a:rPr lang="en-US" sz="1000"/>
-                        <a:t>2021/12/12 10：00</a:t>
-                      </a:r>
-                      <a:endParaRPr lang="en-US" altLang="en-US" sz="1000"/>
-                    </a:p>
-                  </a:txBody>
-                  <a:tcPr marL="68580" marR="68580" marT="0" marB="0" vert="horz" anchor="ctr" anchorCtr="0"/>
-                </a:tc>
-                <a:tc hMerge="1">
-                  <a:tcPr/>
-                </a:tc>
-                <a:tc gridSpan="6">
-                  <a:txBody>
-                    <a:bodyPr/>
-                    <a:p>
-                      <a:pPr indent="0">
-                        <a:buNone/>
-                      </a:pPr>
-                      <a:r>
-                        <a:rPr lang="en-US" sz="900"/>
-                        <a:t>职员是否认同该工作目标？R认同 □不认同 □其他</a:t>
-                      </a:r>
-                      <a:endParaRPr lang="en-US" altLang="en-US" sz="900"/>
-                    </a:p>
-                  </a:txBody>
-                  <a:tcPr marL="68580" marR="68580" marT="0" marB="0" vert="horz" anchor="ctr" anchorCtr="0"/>
-                </a:tc>
-                <a:tc hMerge="1">
-                  <a:tcPr/>
-                </a:tc>
-                <a:tc hMerge="1">
-                  <a:tcPr/>
-                </a:tc>
-                <a:tc hMerge="1">
-                  <a:tcPr/>
-                </a:tc>
-                <a:tc hMerge="1">
-                  <a:tcPr/>
-                </a:tc>
-                <a:tc hMerge="1">
-                  <a:tcPr/>
-                </a:tc>
-              </a:tr>
-              <a:tr h="269875">
-                <a:tc>
-                  <a:txBody>
-                    <a:bodyPr/>
-                    <a:p>
-                      <a:pPr indent="0">
-                        <a:buNone/>
-                      </a:pPr>
-                      <a:r>
-                        <a:rPr lang="en-US" sz="900"/>
-                        <a:t>评价方法</a:t>
-                      </a:r>
-                      <a:endParaRPr lang="en-US" altLang="en-US" sz="900"/>
-                    </a:p>
-                  </a:txBody>
-                  <a:tcPr marL="68580" marR="68580" marT="0" marB="0" vert="horz" anchor="ctr" anchorCtr="0"/>
-                </a:tc>
-                <a:tc gridSpan="2">
-                  <a:txBody>
-                    <a:bodyPr/>
-                    <a:p>
-                      <a:pPr indent="0">
-                        <a:buNone/>
-                      </a:pPr>
-                      <a:r>
-                        <a:rPr lang="en-US" sz="1000"/>
-                        <a:t>查看服务器情况</a:t>
-                      </a:r>
-                      <a:endParaRPr lang="en-US" altLang="en-US" sz="1000"/>
-                    </a:p>
-                  </a:txBody>
-                  <a:tcPr marL="68580" marR="68580" marT="0" marB="0" vert="horz" anchor="ctr" anchorCtr="0"/>
-                </a:tc>
-                <a:tc hMerge="1">
-                  <a:tcPr/>
-                </a:tc>
-                <a:tc gridSpan="6">
-                  <a:txBody>
-                    <a:bodyPr/>
-                    <a:p>
-                      <a:pPr indent="0">
-                        <a:buNone/>
-                      </a:pPr>
-                      <a:r>
-                        <a:rPr lang="en-US" sz="900"/>
-                        <a:t>职员是否认同该评价方法？R认同 □不认同 □其他</a:t>
-                      </a:r>
-                      <a:endParaRPr lang="en-US" altLang="en-US" sz="900"/>
-                    </a:p>
-                  </a:txBody>
-                  <a:tcPr marL="68580" marR="68580" marT="0" marB="0" vert="horz" anchor="ctr" anchorCtr="0"/>
-                </a:tc>
-                <a:tc hMerge="1">
-                  <a:tcPr/>
-                </a:tc>
-                <a:tc hMerge="1">
-                  <a:tcPr/>
-                </a:tc>
-                <a:tc hMerge="1">
-                  <a:tcPr/>
-                </a:tc>
-                <a:tc hMerge="1">
-                  <a:tcPr/>
-                </a:tc>
-                <a:tc hMerge="1">
-                  <a:tcPr/>
-                </a:tc>
-              </a:tr>
-              <a:tr h="259715">
-                <a:tc rowSpan="2">
-                  <a:txBody>
-                    <a:bodyPr/>
-                    <a:p>
-                      <a:pPr indent="0">
-                        <a:buNone/>
-                      </a:pPr>
-                      <a:r>
-                        <a:rPr lang="en-US" sz="900"/>
-                        <a:t>评价结果</a:t>
-                      </a:r>
-                      <a:endParaRPr lang="en-US" altLang="en-US" sz="900"/>
-                    </a:p>
-                  </a:txBody>
-                  <a:tcPr marL="68580" marR="68580" marT="0" marB="0" vert="horz" anchor="ctr" anchorCtr="0"/>
-                </a:tc>
-                <a:tc rowSpan="2" gridSpan="2">
-                  <a:txBody>
-                    <a:bodyPr/>
-                    <a:p>
-                      <a:pPr indent="0">
-                        <a:buNone/>
-                      </a:pPr>
-                      <a:r>
-                        <a:rPr lang="en-US" sz="1000"/>
-                        <a:t> </a:t>
-                      </a:r>
-                      <a:endParaRPr lang="en-US" altLang="en-US" sz="1000"/>
-                    </a:p>
-                  </a:txBody>
-                  <a:tcPr marL="68580" marR="68580" marT="0" marB="0" vert="horz" anchor="ctr" anchorCtr="0"/>
-                </a:tc>
-                <a:tc rowSpan="2" hMerge="1">
-                  <a:tcPr/>
-                </a:tc>
-                <a:tc gridSpan="2">
-                  <a:txBody>
-                    <a:bodyPr/>
-                    <a:p>
-                      <a:pPr indent="0">
-                        <a:buNone/>
-                      </a:pPr>
-                      <a:r>
-                        <a:rPr lang="en-US" sz="900"/>
-                        <a:t>优秀</a:t>
-                      </a:r>
-                      <a:endParaRPr lang="en-US" altLang="en-US" sz="900"/>
-                    </a:p>
-                  </a:txBody>
-                  <a:tcPr marL="68580" marR="68580" marT="0" marB="0" vert="horz" anchor="ctr" anchorCtr="0"/>
-                </a:tc>
-                <a:tc hMerge="1">
-                  <a:tcPr/>
-                </a:tc>
-                <a:tc>
-                  <a:txBody>
-                    <a:bodyPr/>
-                    <a:p>
-                      <a:pPr indent="0">
-                        <a:buNone/>
-                      </a:pPr>
-                      <a:r>
-                        <a:rPr lang="en-US" sz="900"/>
-                        <a:t>良好</a:t>
-                      </a:r>
-                      <a:endParaRPr lang="en-US" altLang="en-US" sz="900"/>
-                    </a:p>
-                  </a:txBody>
-                  <a:tcPr marL="68580" marR="68580" marT="0" marB="0" vert="horz" anchor="ctr" anchorCtr="0"/>
-                </a:tc>
-                <a:tc>
-                  <a:txBody>
-                    <a:bodyPr/>
-                    <a:p>
-                      <a:pPr indent="0">
-                        <a:buNone/>
-                      </a:pPr>
-                      <a:r>
-                        <a:rPr lang="en-US" sz="900"/>
-                        <a:t>合格</a:t>
-                      </a:r>
-                      <a:endParaRPr lang="en-US" altLang="en-US" sz="900"/>
-                    </a:p>
-                  </a:txBody>
-                  <a:tcPr marL="68580" marR="68580" marT="0" marB="0" vert="horz" anchor="ctr" anchorCtr="0"/>
-                </a:tc>
-                <a:tc>
-                  <a:txBody>
-                    <a:bodyPr/>
-                    <a:p>
-                      <a:pPr indent="0">
-                        <a:buNone/>
-                      </a:pPr>
-                      <a:r>
-                        <a:rPr lang="en-US" sz="900"/>
-                        <a:t>待改进</a:t>
-                      </a:r>
-                      <a:endParaRPr lang="en-US" altLang="en-US" sz="900"/>
-                    </a:p>
-                  </a:txBody>
-                  <a:tcPr marL="68580" marR="68580" marT="0" marB="0" vert="horz" anchor="ctr" anchorCtr="0"/>
-                </a:tc>
-                <a:tc>
-                  <a:txBody>
-                    <a:bodyPr/>
-                    <a:p>
-                      <a:pPr indent="0">
-                        <a:buNone/>
-                      </a:pPr>
-                      <a:r>
-                        <a:rPr lang="en-US" sz="900"/>
-                        <a:t>未完成</a:t>
-                      </a:r>
-                      <a:endParaRPr lang="en-US" altLang="en-US" sz="900"/>
-                    </a:p>
-                  </a:txBody>
-                  <a:tcPr marL="68580" marR="68580" marT="0" marB="0" vert="horz" anchor="ctr" anchorCtr="0"/>
-                </a:tc>
-              </a:tr>
-              <a:tr h="225425">
-                <a:tc vMerge="1">
-                  <a:tcPr/>
-                </a:tc>
-                <a:tc vMerge="1" gridSpan="2">
-                  <a:tcPr/>
-                </a:tc>
-                <a:tc vMerge="1" hMerge="1">
-                  <a:tcPr/>
-                </a:tc>
-                <a:tc gridSpan="2">
-                  <a:txBody>
-                    <a:bodyPr/>
-                    <a:p>
-                      <a:pPr indent="0">
-                        <a:buNone/>
-                      </a:pPr>
-                      <a:r>
-                        <a:rPr lang="en-US" sz="1000"/>
-                        <a:t> </a:t>
-                      </a:r>
-                      <a:endParaRPr lang="en-US" altLang="en-US" sz="1000"/>
-                    </a:p>
-                  </a:txBody>
-                  <a:tcPr marL="68580" marR="68580" marT="0" marB="0" vert="horz" anchor="ctr" anchorCtr="0"/>
-                </a:tc>
-                <a:tc hMerge="1">
-                  <a:tcPr/>
-                </a:tc>
-                <a:tc>
-                  <a:txBody>
-                    <a:bodyPr/>
-                    <a:p>
-                      <a:pPr indent="0">
-                        <a:buNone/>
-                      </a:pPr>
-                      <a:r>
-                        <a:rPr lang="en-US" sz="1000"/>
-                        <a:t>1</a:t>
-                      </a:r>
-                      <a:endParaRPr lang="en-US" altLang="en-US" sz="1000"/>
-                    </a:p>
-                  </a:txBody>
-                  <a:tcPr marL="68580" marR="68580" marT="0" marB="0" vert="horz" anchor="ctr" anchorCtr="0"/>
-                </a:tc>
-                <a:tc>
-                  <a:txBody>
-                    <a:bodyPr/>
-                    <a:p>
-                      <a:pPr indent="0">
-                        <a:buNone/>
-                      </a:pPr>
-                      <a:r>
-                        <a:rPr lang="en-US" sz="1000"/>
-                        <a:t> </a:t>
-                      </a:r>
-                      <a:endParaRPr lang="en-US" altLang="en-US" sz="1000"/>
-                    </a:p>
-                  </a:txBody>
-                  <a:tcPr marL="68580" marR="68580" marT="0" marB="0" vert="horz" anchor="ctr" anchorCtr="0"/>
-                </a:tc>
-                <a:tc>
-                  <a:txBody>
-                    <a:bodyPr/>
-                    <a:p>
-                      <a:pPr indent="0">
-                        <a:buNone/>
-                      </a:pPr>
-                      <a:r>
-                        <a:rPr lang="en-US" sz="1000"/>
-                        <a:t> </a:t>
-                      </a:r>
-                      <a:endParaRPr lang="en-US" altLang="en-US" sz="1000"/>
-                    </a:p>
-                  </a:txBody>
-                  <a:tcPr marL="68580" marR="68580" marT="0" marB="0" vert="horz" anchor="ctr" anchorCtr="0"/>
-                </a:tc>
-                <a:tc>
-                  <a:txBody>
-                    <a:bodyPr/>
-                    <a:p>
-                      <a:pPr indent="0">
-                        <a:buNone/>
-                      </a:pPr>
-                      <a:r>
-                        <a:rPr lang="en-US" sz="1000"/>
-                        <a:t> </a:t>
-                      </a:r>
-                      <a:endParaRPr lang="en-US" altLang="en-US" sz="1000"/>
-                    </a:p>
-                  </a:txBody>
-                  <a:tcPr marL="68580" marR="68580" marT="0" marB="0" vert="horz" anchor="ctr" anchorCtr="0"/>
-                </a:tc>
-              </a:tr>
-              <a:tr h="225425">
-                <a:tc gridSpan="3">
-                  <a:txBody>
-                    <a:bodyPr/>
-                    <a:p>
-                      <a:pPr indent="0">
-                        <a:buNone/>
-                      </a:pPr>
-                      <a:r>
-                        <a:rPr lang="en-US" sz="1000"/>
-                        <a:t>直属上级或</a:t>
-                      </a:r>
-                      <a:r>
-                        <a:rPr lang="en-US" sz="900"/>
-                        <a:t>正式员工是否就该工作与你进行沟通</a:t>
-                      </a:r>
-                      <a:endParaRPr lang="en-US" altLang="en-US" sz="900"/>
-                    </a:p>
-                  </a:txBody>
-                  <a:tcPr marL="68580" marR="68580" marT="0" marB="0" vert="horz" anchor="ctr" anchorCtr="0"/>
-                </a:tc>
-                <a:tc hMerge="1">
-                  <a:tcPr/>
-                </a:tc>
-                <a:tc hMerge="1">
-                  <a:tcPr/>
-                </a:tc>
-                <a:tc gridSpan="6">
-                  <a:txBody>
-                    <a:bodyPr/>
-                    <a:p>
-                      <a:pPr indent="0">
-                        <a:buNone/>
-                      </a:pPr>
-                      <a:r>
-                        <a:rPr lang="en-US" sz="900"/>
-                        <a:t>□沟通 </a:t>
-                      </a:r>
-                      <a:endParaRPr lang="en-US" altLang="en-US" sz="900"/>
-                    </a:p>
-                  </a:txBody>
-                  <a:tcPr marL="68580" marR="68580" marT="0" marB="0" vert="horz" anchor="ctr" anchorCtr="0"/>
-                </a:tc>
-                <a:tc hMerge="1">
-                  <a:tcPr/>
-                </a:tc>
-                <a:tc hMerge="1">
-                  <a:tcPr/>
-                </a:tc>
-                <a:tc hMerge="1">
-                  <a:tcPr/>
-                </a:tc>
-                <a:tc hMerge="1">
-                  <a:tcPr/>
-                </a:tc>
-                <a:tc hMerge="1">
-                  <a:tcPr/>
-                </a:tc>
-              </a:tr>
-              <a:tr h="225425">
-                <a:tc gridSpan="3">
-                  <a:txBody>
-                    <a:bodyPr/>
-                    <a:p>
-                      <a:pPr indent="0" algn="ctr">
-                        <a:buNone/>
-                      </a:pPr>
-                      <a:r>
-                        <a:rPr lang="en-US" sz="1000"/>
-                        <a:t>工作任务三</a:t>
-                      </a:r>
-                      <a:endParaRPr lang="en-US" altLang="en-US" sz="1000"/>
-                    </a:p>
-                  </a:txBody>
-                  <a:tcPr marL="68580" marR="68580" marT="0" marB="0" vert="horz" anchor="ctr" anchorCtr="0"/>
-                </a:tc>
-                <a:tc hMerge="1">
-                  <a:tcPr/>
-                </a:tc>
-                <a:tc hMerge="1">
-                  <a:tcPr/>
-                </a:tc>
-                <a:tc gridSpan="6">
-                  <a:txBody>
-                    <a:bodyPr/>
-                    <a:p>
-                      <a:pPr indent="0" algn="ctr">
-                        <a:buNone/>
-                      </a:pPr>
-                      <a:r>
-                        <a:rPr lang="en-US" sz="1000"/>
-                        <a:t>完成情况</a:t>
-                      </a:r>
-                      <a:endParaRPr lang="en-US" altLang="en-US" sz="1000"/>
-                    </a:p>
-                  </a:txBody>
-                  <a:tcPr marL="68580" marR="68580" marT="0" marB="0" vert="horz" anchor="ctr" anchorCtr="0"/>
-                </a:tc>
-                <a:tc hMerge="1">
-                  <a:tcPr/>
-                </a:tc>
-                <a:tc hMerge="1">
-                  <a:tcPr/>
-                </a:tc>
-                <a:tc hMerge="1">
-                  <a:tcPr/>
-                </a:tc>
-                <a:tc hMerge="1">
-                  <a:tcPr/>
-                </a:tc>
-                <a:tc hMerge="1">
-                  <a:tcPr/>
-                </a:tc>
-              </a:tr>
-              <a:tr h="259080">
-                <a:tc>
-                  <a:txBody>
-                    <a:bodyPr/>
-                    <a:p>
-                      <a:pPr indent="0">
-                        <a:buNone/>
-                      </a:pPr>
-                      <a:r>
-                        <a:rPr lang="en-US" sz="900"/>
-                        <a:t> 工作内容 </a:t>
-                      </a:r>
-                      <a:endParaRPr lang="en-US" altLang="en-US" sz="900"/>
-                    </a:p>
-                  </a:txBody>
-                  <a:tcPr marL="68580" marR="68580" marT="0" marB="0" vert="horz" anchor="ctr" anchorCtr="0"/>
-                </a:tc>
-                <a:tc gridSpan="2">
-                  <a:txBody>
-                    <a:bodyPr/>
-                    <a:p>
-                      <a:pPr indent="0">
-                        <a:buNone/>
-                      </a:pPr>
-                      <a:r>
-                        <a:rPr lang="en-US" sz="1000"/>
-                        <a:t> </a:t>
-                      </a:r>
-                      <a:endParaRPr lang="en-US" altLang="en-US" sz="1000"/>
-                    </a:p>
-                  </a:txBody>
-                  <a:tcPr marL="68580" marR="68580" marT="0" marB="0" vert="horz" anchor="ctr" anchorCtr="0"/>
-                </a:tc>
-                <a:tc hMerge="1">
-                  <a:tcPr/>
-                </a:tc>
-                <a:tc gridSpan="6">
-                  <a:txBody>
-                    <a:bodyPr/>
-                    <a:p>
-                      <a:pPr indent="0">
-                        <a:buNone/>
-                      </a:pPr>
-                      <a:r>
-                        <a:rPr lang="en-US" sz="900"/>
-                        <a:t>职员是否认同该工作内容？□认同 </a:t>
-                      </a:r>
-                      <a:endParaRPr lang="en-US" altLang="en-US" sz="900"/>
-                    </a:p>
-                  </a:txBody>
-                  <a:tcPr marL="68580" marR="68580" marT="0" marB="0" vert="horz" anchor="ctr" anchorCtr="0"/>
-                </a:tc>
-                <a:tc hMerge="1">
-                  <a:tcPr/>
-                </a:tc>
-                <a:tc hMerge="1">
-                  <a:tcPr/>
-                </a:tc>
-                <a:tc hMerge="1">
-                  <a:tcPr/>
-                </a:tc>
-                <a:tc hMerge="1">
-                  <a:tcPr/>
-                </a:tc>
-                <a:tc hMerge="1">
-                  <a:tcPr/>
-                </a:tc>
-              </a:tr>
-              <a:tr h="388620">
-                <a:tc>
-                  <a:txBody>
-                    <a:bodyPr/>
-                    <a:p>
-                      <a:pPr indent="0">
-                        <a:buNone/>
-                      </a:pPr>
-                      <a:r>
-                        <a:rPr lang="en-US" sz="900"/>
-                        <a:t> 工作目标完成时间 </a:t>
-                      </a:r>
-                      <a:endParaRPr lang="en-US" altLang="en-US" sz="900"/>
-                    </a:p>
-                  </a:txBody>
-                  <a:tcPr marL="68580" marR="68580" marT="0" marB="0" vert="horz" anchor="ctr" anchorCtr="0"/>
-                </a:tc>
-                <a:tc gridSpan="2">
-                  <a:txBody>
-                    <a:bodyPr/>
-                    <a:p>
-                      <a:pPr indent="0">
-                        <a:buNone/>
-                      </a:pPr>
-                      <a:r>
-                        <a:rPr lang="en-US" sz="1000"/>
-                        <a:t> </a:t>
-                      </a:r>
-                      <a:endParaRPr lang="en-US" altLang="en-US" sz="1000"/>
-                    </a:p>
-                  </a:txBody>
-                  <a:tcPr marL="68580" marR="68580" marT="0" marB="0" vert="horz" anchor="ctr" anchorCtr="0"/>
-                </a:tc>
-                <a:tc hMerge="1">
-                  <a:tcPr/>
-                </a:tc>
-                <a:tc gridSpan="6">
-                  <a:txBody>
-                    <a:bodyPr/>
-                    <a:p>
-                      <a:pPr indent="0">
-                        <a:buNone/>
-                      </a:pPr>
-                      <a:r>
-                        <a:rPr lang="en-US" sz="900"/>
-                        <a:t>职员是否认同该工作目标？□认同 </a:t>
-                      </a:r>
-                      <a:endParaRPr lang="en-US" altLang="en-US" sz="900"/>
-                    </a:p>
-                  </a:txBody>
-                  <a:tcPr marL="68580" marR="68580" marT="0" marB="0" vert="horz" anchor="ctr" anchorCtr="0"/>
-                </a:tc>
-                <a:tc hMerge="1">
-                  <a:tcPr/>
-                </a:tc>
-                <a:tc hMerge="1">
-                  <a:tcPr/>
-                </a:tc>
-                <a:tc hMerge="1">
-                  <a:tcPr/>
-                </a:tc>
-                <a:tc hMerge="1">
-                  <a:tcPr/>
-                </a:tc>
-                <a:tc hMerge="1">
-                  <a:tcPr/>
-                </a:tc>
-              </a:tr>
-              <a:tr h="226060">
-                <a:tc>
-                  <a:txBody>
-                    <a:bodyPr/>
-                    <a:p>
-                      <a:pPr indent="0">
-                        <a:buNone/>
-                      </a:pPr>
-                      <a:r>
-                        <a:rPr lang="en-US" sz="900"/>
-                        <a:t>评价方法</a:t>
-                      </a:r>
-                      <a:endParaRPr lang="en-US" altLang="en-US" sz="900"/>
-                    </a:p>
-                  </a:txBody>
-                  <a:tcPr marL="68580" marR="68580" marT="0" marB="0" vert="horz" anchor="ctr" anchorCtr="0"/>
-                </a:tc>
-                <a:tc gridSpan="2">
-                  <a:txBody>
-                    <a:bodyPr/>
-                    <a:p>
-                      <a:pPr indent="0">
-                        <a:buNone/>
-                      </a:pPr>
-                      <a:r>
-                        <a:rPr lang="en-US" sz="1000"/>
-                        <a:t> </a:t>
-                      </a:r>
-                      <a:endParaRPr lang="en-US" altLang="en-US" sz="1000"/>
-                    </a:p>
-                  </a:txBody>
-                  <a:tcPr marL="68580" marR="68580" marT="0" marB="0" vert="horz" anchor="ctr" anchorCtr="0"/>
-                </a:tc>
-                <a:tc hMerge="1">
-                  <a:tcPr/>
-                </a:tc>
-                <a:tc gridSpan="6">
-                  <a:txBody>
-                    <a:bodyPr/>
-                    <a:p>
-                      <a:pPr indent="0">
-                        <a:buNone/>
-                      </a:pPr>
-                      <a:r>
-                        <a:rPr lang="en-US" sz="900"/>
-                        <a:t>职员是否认同该评价方法？□认同 </a:t>
-                      </a:r>
-                      <a:endParaRPr lang="en-US" altLang="en-US" sz="900"/>
-                    </a:p>
-                  </a:txBody>
-                  <a:tcPr marL="68580" marR="68580" marT="0" marB="0" vert="horz" anchor="ctr" anchorCtr="0"/>
-                </a:tc>
-                <a:tc hMerge="1">
-                  <a:tcPr/>
-                </a:tc>
-                <a:tc hMerge="1">
-                  <a:tcPr/>
-                </a:tc>
-                <a:tc hMerge="1">
-                  <a:tcPr/>
-                </a:tc>
-                <a:tc hMerge="1">
-                  <a:tcPr/>
-                </a:tc>
-                <a:tc hMerge="1">
-                  <a:tcPr/>
-                </a:tc>
-              </a:tr>
-              <a:tr h="259715">
-                <a:tc rowSpan="2">
-                  <a:txBody>
-                    <a:bodyPr/>
-                    <a:p>
-                      <a:pPr indent="0">
-                        <a:buNone/>
-                      </a:pPr>
-                      <a:r>
-                        <a:rPr lang="en-US" sz="900"/>
-                        <a:t>评价结果</a:t>
-                      </a:r>
-                      <a:endParaRPr lang="en-US" altLang="en-US" sz="900"/>
-                    </a:p>
-                  </a:txBody>
-                  <a:tcPr marL="68580" marR="68580" marT="0" marB="0" vert="horz" anchor="ctr" anchorCtr="0"/>
-                </a:tc>
-                <a:tc rowSpan="2" gridSpan="2">
-                  <a:txBody>
-                    <a:bodyPr/>
-                    <a:p>
-                      <a:pPr indent="0">
-                        <a:buNone/>
-                      </a:pPr>
-                      <a:r>
-                        <a:rPr lang="en-US" sz="1000"/>
-                        <a:t> </a:t>
-                      </a:r>
-                      <a:endParaRPr lang="en-US" altLang="en-US" sz="1000"/>
-                    </a:p>
-                  </a:txBody>
-                  <a:tcPr marL="68580" marR="68580" marT="0" marB="0" vert="horz" anchor="ctr" anchorCtr="0"/>
-                </a:tc>
-                <a:tc rowSpan="2" hMerge="1">
-                  <a:tcPr/>
-                </a:tc>
-                <a:tc>
-                  <a:txBody>
-                    <a:bodyPr/>
-                    <a:p>
-                      <a:pPr indent="0">
-                        <a:buNone/>
-                      </a:pPr>
-                      <a:r>
-                        <a:rPr lang="en-US" sz="900"/>
-                        <a:t>优秀</a:t>
-                      </a:r>
-                      <a:endParaRPr lang="en-US" altLang="en-US" sz="900"/>
-                    </a:p>
-                  </a:txBody>
-                  <a:tcPr marL="68580" marR="68580" marT="0" marB="0" vert="horz" anchor="ctr" anchorCtr="0"/>
-                </a:tc>
-                <a:tc gridSpan="2">
-                  <a:txBody>
-                    <a:bodyPr/>
-                    <a:p>
-                      <a:pPr indent="0">
-                        <a:buNone/>
-                      </a:pPr>
-                      <a:r>
-                        <a:rPr lang="en-US" sz="900"/>
-                        <a:t>良好</a:t>
-                      </a:r>
-                      <a:endParaRPr lang="en-US" altLang="en-US" sz="900"/>
-                    </a:p>
-                  </a:txBody>
-                  <a:tcPr marL="68580" marR="68580" marT="0" marB="0" vert="horz" anchor="ctr" anchorCtr="0"/>
-                </a:tc>
-                <a:tc hMerge="1">
-                  <a:tcPr/>
-                </a:tc>
-                <a:tc>
-                  <a:txBody>
-                    <a:bodyPr/>
-                    <a:p>
-                      <a:pPr indent="0">
-                        <a:buNone/>
-                      </a:pPr>
-                      <a:r>
-                        <a:rPr lang="en-US" sz="900"/>
-                        <a:t>合格</a:t>
-                      </a:r>
-                      <a:endParaRPr lang="en-US" altLang="en-US" sz="900"/>
-                    </a:p>
-                  </a:txBody>
-                  <a:tcPr marL="68580" marR="68580" marT="0" marB="0" vert="horz" anchor="ctr" anchorCtr="0"/>
-                </a:tc>
-                <a:tc>
-                  <a:txBody>
-                    <a:bodyPr/>
-                    <a:p>
-                      <a:pPr indent="0">
-                        <a:buNone/>
-                      </a:pPr>
-                      <a:r>
-                        <a:rPr lang="en-US" sz="900"/>
-                        <a:t>待改进</a:t>
-                      </a:r>
-                      <a:endParaRPr lang="en-US" altLang="en-US" sz="900"/>
-                    </a:p>
-                  </a:txBody>
-                  <a:tcPr marL="68580" marR="68580" marT="0" marB="0" vert="horz" anchor="ctr" anchorCtr="0"/>
-                </a:tc>
-                <a:tc>
-                  <a:txBody>
-                    <a:bodyPr/>
-                    <a:p>
-                      <a:pPr indent="0">
-                        <a:buNone/>
-                      </a:pPr>
-                      <a:r>
-                        <a:rPr lang="en-US" sz="900"/>
-                        <a:t>未完成</a:t>
-                      </a:r>
-                      <a:endParaRPr lang="en-US" altLang="en-US" sz="900"/>
-                    </a:p>
-                  </a:txBody>
-                  <a:tcPr marL="68580" marR="68580" marT="0" marB="0" vert="horz" anchor="ctr" anchorCtr="0"/>
-                </a:tc>
-              </a:tr>
-              <a:tr h="224790">
-                <a:tc vMerge="1">
-                  <a:tcPr/>
-                </a:tc>
-                <a:tc vMerge="1" gridSpan="2">
-                  <a:tcPr/>
-                </a:tc>
-                <a:tc vMerge="1" hMerge="1">
-                  <a:tcPr/>
-                </a:tc>
-                <a:tc>
-                  <a:txBody>
-                    <a:bodyPr/>
-                    <a:p>
-                      <a:pPr indent="0">
-                        <a:buNone/>
-                      </a:pPr>
-                      <a:r>
-                        <a:rPr lang="en-US" sz="900"/>
-                        <a:t> </a:t>
-                      </a:r>
-                      <a:endParaRPr lang="en-US" altLang="en-US" sz="900"/>
-                    </a:p>
-                  </a:txBody>
-                  <a:tcPr marL="68580" marR="68580" marT="0" marB="0" vert="horz" anchor="ctr" anchorCtr="0"/>
-                </a:tc>
-                <a:tc gridSpan="2">
-                  <a:txBody>
-                    <a:bodyPr/>
-                    <a:p>
-                      <a:pPr indent="0">
-                        <a:buNone/>
-                      </a:pPr>
-                      <a:r>
-                        <a:rPr lang="en-US" sz="900"/>
-                        <a:t> </a:t>
-                      </a:r>
-                      <a:endParaRPr lang="en-US" altLang="en-US" sz="900"/>
-                    </a:p>
-                  </a:txBody>
-                  <a:tcPr marL="68580" marR="68580" marT="0" marB="0" vert="horz" anchor="ctr" anchorCtr="0"/>
-                </a:tc>
-                <a:tc hMerge="1">
-                  <a:tcPr/>
-                </a:tc>
-                <a:tc>
-                  <a:txBody>
-                    <a:bodyPr/>
-                    <a:p>
-                      <a:pPr indent="0">
-                        <a:buNone/>
-                      </a:pPr>
-                      <a:r>
-                        <a:rPr lang="en-US" sz="900"/>
-                        <a:t> </a:t>
-                      </a:r>
-                      <a:endParaRPr lang="en-US" altLang="en-US" sz="900"/>
-                    </a:p>
-                  </a:txBody>
-                  <a:tcPr marL="68580" marR="68580" marT="0" marB="0" vert="horz" anchor="ctr" anchorCtr="0"/>
-                </a:tc>
-                <a:tc>
-                  <a:txBody>
-                    <a:bodyPr/>
-                    <a:p>
-                      <a:pPr indent="0">
-                        <a:buNone/>
-                      </a:pPr>
-                      <a:r>
-                        <a:rPr lang="en-US" sz="900"/>
-                        <a:t> </a:t>
-                      </a:r>
-                      <a:endParaRPr lang="en-US" altLang="en-US" sz="900"/>
-                    </a:p>
-                  </a:txBody>
-                  <a:tcPr marL="68580" marR="68580" marT="0" marB="0" vert="horz" anchor="ctr" anchorCtr="0"/>
-                </a:tc>
-                <a:tc>
-                  <a:txBody>
-                    <a:bodyPr/>
-                    <a:p>
-                      <a:pPr indent="0">
-                        <a:buNone/>
-                      </a:pPr>
-                      <a:r>
-                        <a:rPr lang="en-US" sz="900"/>
-                        <a:t> </a:t>
-                      </a:r>
-                      <a:endParaRPr lang="en-US" altLang="en-US" sz="900"/>
-                    </a:p>
-                  </a:txBody>
-                  <a:tcPr marL="68580" marR="68580" marT="0" marB="0" vert="horz" anchor="ctr" anchorCtr="0"/>
-                </a:tc>
-              </a:tr>
-              <a:tr h="225425">
-                <a:tc gridSpan="3">
-                  <a:txBody>
-                    <a:bodyPr/>
-                    <a:p>
-                      <a:pPr indent="0">
-                        <a:buNone/>
-                      </a:pPr>
-                      <a:r>
-                        <a:rPr lang="en-US" sz="900"/>
-                        <a:t>直属上级或正式员工是否就该工作与你进行沟通</a:t>
-                      </a:r>
-                      <a:endParaRPr lang="en-US" altLang="en-US" sz="900"/>
-                    </a:p>
-                  </a:txBody>
-                  <a:tcPr marL="68580" marR="68580" marT="0" marB="0" vert="horz" anchor="ctr" anchorCtr="0"/>
-                </a:tc>
-                <a:tc hMerge="1">
-                  <a:tcPr/>
-                </a:tc>
-                <a:tc hMerge="1">
-                  <a:tcPr/>
-                </a:tc>
-                <a:tc gridSpan="6">
-                  <a:txBody>
-                    <a:bodyPr/>
-                    <a:p>
-                      <a:pPr indent="0">
-                        <a:buNone/>
-                      </a:pPr>
-                      <a:r>
-                        <a:rPr lang="en-US" sz="900"/>
-                        <a:t>£沟通 □未沟通</a:t>
-                      </a:r>
-                      <a:endParaRPr lang="en-US" altLang="en-US" sz="900"/>
-                    </a:p>
-                  </a:txBody>
-                  <a:tcPr marL="68580" marR="68580" marT="0" marB="0" vert="horz" anchor="ctr" anchorCtr="0"/>
-                </a:tc>
-                <a:tc hMerge="1">
-                  <a:tcPr/>
-                </a:tc>
-                <a:tc hMerge="1">
-                  <a:tcPr/>
-                </a:tc>
-                <a:tc hMerge="1">
-                  <a:tcPr/>
-                </a:tc>
-                <a:tc hMerge="1">
-                  <a:tcPr/>
-                </a:tc>
-                <a:tc hMerge="1">
-                  <a:tcPr/>
-                </a:tc>
-              </a:tr>
-            </a:tbl>
-          </a:graphicData>
-        </a:graphic>
-      </p:graphicFrame>
-    </p:spTree>
-  </p:cSld>
-  <p:clrMapOvr>
-    <a:masterClrMapping/>
-  </p:clrMapOvr>
-  <mc:AlternateContent xmlns:mc="http://schemas.openxmlformats.org/markup-compatibility/2006">
-    <mc:Choice xmlns:p14="http://schemas.microsoft.com/office/powerpoint/2010/main" Requires="p14">
-      <p:transition spd="slow" p14:dur="1000" advClick="0">
-        <p:cover dir="lu"/>
-      </p:transition>
-    </mc:Choice>
-    <mc:Fallback>
-      <p:transition spd="slow" advClick="0">
-        <p:cover dir="lu"/>
-      </p:transition>
-    </mc:Fallback>
-  </mc:AlternateContent>
-  <p:timing>
-    <p:tnLst>
-      <p:par>
-        <p:cTn id="1" dur="indefinite" restart="never" nodeType="tmRoot"/>
-      </p:par>
-    </p:tnLst>
-  </p:timing>
-</p:sld>
-</file>
-
-<file path=ppt/slides/slide28.xml><?xml version="1.0" encoding="utf-8"?>
-<p:sld xmlns:a="http://schemas.openxmlformats.org/drawingml/2006/main" xmlns:r="http://schemas.openxmlformats.org/officeDocument/2006/relationships" xmlns:p="http://schemas.openxmlformats.org/presentationml/2006/main">
-  <p:cSld>
-    <p:spTree>
-      <p:nvGrpSpPr>
-        <p:cNvPr id="1" name=""/>
-        <p:cNvGrpSpPr/>
-        <p:nvPr/>
-      </p:nvGrpSpPr>
-      <p:grpSpPr>
-        <a:xfrm>
-          <a:off x="0" y="0"/>
-          <a:ext cx="0" cy="0"/>
-          <a:chOff x="0" y="0"/>
-          <a:chExt cx="0" cy="0"/>
-        </a:xfrm>
-      </p:grpSpPr>
-      <p:grpSp>
-        <p:nvGrpSpPr>
-          <p:cNvPr id="6" name="组合 5"/>
-          <p:cNvGrpSpPr/>
-          <p:nvPr/>
-        </p:nvGrpSpPr>
-        <p:grpSpPr>
-          <a:xfrm>
-            <a:off x="1189355" y="269240"/>
-            <a:ext cx="6793230" cy="529590"/>
-            <a:chOff x="1873" y="424"/>
-            <a:chExt cx="10698" cy="834"/>
-          </a:xfrm>
-        </p:grpSpPr>
-        <p:sp>
-          <p:nvSpPr>
-            <p:cNvPr id="13" name="矩形 12"/>
-            <p:cNvSpPr/>
-            <p:nvPr/>
-          </p:nvSpPr>
-          <p:spPr>
-            <a:xfrm>
-              <a:off x="1873" y="424"/>
-              <a:ext cx="2266" cy="756"/>
-            </a:xfrm>
-            <a:prstGeom prst="rect">
-              <a:avLst/>
-            </a:prstGeom>
-            <a:solidFill>
-              <a:srgbClr val="F6F6F6"/>
-            </a:solidFill>
-            <a:ln>
-              <a:noFill/>
-            </a:ln>
-          </p:spPr>
-          <p:style>
-            <a:lnRef idx="2">
-              <a:schemeClr val="accent1">
-                <a:shade val="50000"/>
-              </a:schemeClr>
-            </a:lnRef>
-            <a:fillRef idx="1">
-              <a:schemeClr val="accent1"/>
-            </a:fillRef>
-            <a:effectRef idx="0">
-              <a:schemeClr val="accent1"/>
-            </a:effectRef>
-            <a:fontRef idx="minor">
-              <a:schemeClr val="lt1"/>
-            </a:fontRef>
-          </p:style>
-          <p:txBody>
-            <a:bodyPr rtlCol="0" anchor="ctr"/>
-            <a:p>
-              <a:pPr algn="ctr"/>
-              <a:endParaRPr lang="zh-CN" altLang="en-US"/>
-            </a:p>
-          </p:txBody>
-        </p:sp>
-        <p:sp>
-          <p:nvSpPr>
-            <p:cNvPr id="7" name="矩形 6"/>
-            <p:cNvSpPr/>
-            <p:nvPr/>
-          </p:nvSpPr>
-          <p:spPr>
-            <a:xfrm>
-              <a:off x="1984" y="535"/>
-              <a:ext cx="10587" cy="723"/>
-            </a:xfrm>
-            <a:prstGeom prst="rect">
-              <a:avLst/>
-            </a:prstGeom>
-          </p:spPr>
-          <p:txBody>
-            <a:bodyPr wrap="square" lIns="91400" tIns="45699" rIns="91400" bIns="45699">
-              <a:spAutoFit/>
-            </a:bodyPr>
-            <a:p>
-              <a:pPr lvl="0" defTabSz="914400">
-                <a:defRPr/>
-              </a:pPr>
-              <a:r>
-                <a:rPr lang="zh-CN" sz="2400" dirty="0">
-                  <a:solidFill>
-                    <a:schemeClr val="accent1"/>
-                  </a:solidFill>
-                  <a:latin typeface="微软雅黑" panose="020B0503020204020204" pitchFamily="34" charset="-122"/>
-                  <a:ea typeface="微软雅黑" panose="020B0503020204020204" pitchFamily="34" charset="-122"/>
-                  <a:sym typeface="+mn-ea"/>
-                </a:rPr>
-                <a:t>小组分工</a:t>
-              </a:r>
-              <a:endParaRPr lang="zh-CN" sz="2400" kern="0" dirty="0">
-                <a:solidFill>
-                  <a:schemeClr val="accent1"/>
-                </a:solidFill>
-                <a:latin typeface="微软雅黑" panose="020B0503020204020204" pitchFamily="34" charset="-122"/>
-                <a:ea typeface="微软雅黑" panose="020B0503020204020204" pitchFamily="34" charset="-122"/>
-                <a:sym typeface="+mn-ea"/>
-              </a:endParaRPr>
-            </a:p>
-          </p:txBody>
-        </p:sp>
-      </p:grpSp>
-      <p:sp>
-        <p:nvSpPr>
-          <p:cNvPr id="156" name="文本框 155"/>
-          <p:cNvSpPr txBox="1"/>
-          <p:nvPr/>
-        </p:nvSpPr>
-        <p:spPr>
-          <a:xfrm>
-            <a:off x="3032125" y="3786505"/>
-            <a:ext cx="6127750" cy="829945"/>
-          </a:xfrm>
-          <a:prstGeom prst="rect">
-            <a:avLst/>
-          </a:prstGeom>
-          <a:noFill/>
-          <a:ln w="9525">
-            <a:noFill/>
-          </a:ln>
-        </p:spPr>
-        <p:txBody>
-          <a:bodyPr wrap="square">
-            <a:spAutoFit/>
-          </a:bodyPr>
-          <a:p>
-            <a:pPr indent="0" algn="r"/>
-            <a:r>
-              <a:rPr lang="zh-CN" sz="1200" b="1">
-                <a:latin typeface="Times New Roman" panose="02020603050405020304" pitchFamily="18" charset="0"/>
-                <a:ea typeface="宋体" panose="02010600030101010101" pitchFamily="2" charset="-122"/>
-              </a:rPr>
-              <a:t>（等级情况：</a:t>
-            </a:r>
-            <a:r>
-              <a:rPr lang="en-US" sz="1200" b="1">
-                <a:latin typeface="Times New Roman" panose="02020603050405020304" pitchFamily="18" charset="0"/>
-                <a:ea typeface="宋体" panose="02010600030101010101" pitchFamily="2" charset="-122"/>
-              </a:rPr>
-              <a:t>5-&gt;</a:t>
-            </a:r>
-            <a:r>
-              <a:rPr lang="zh-CN" sz="1200" b="1">
-                <a:latin typeface="Times New Roman" panose="02020603050405020304" pitchFamily="18" charset="0"/>
-                <a:ea typeface="宋体" panose="02010600030101010101" pitchFamily="2" charset="-122"/>
-              </a:rPr>
-              <a:t>优， </a:t>
-            </a:r>
-            <a:r>
-              <a:rPr lang="en-US" sz="1200" b="1">
-                <a:latin typeface="Times New Roman" panose="02020603050405020304" pitchFamily="18" charset="0"/>
-                <a:ea typeface="宋体" panose="02010600030101010101" pitchFamily="2" charset="-122"/>
-              </a:rPr>
-              <a:t>4-&gt;</a:t>
-            </a:r>
-            <a:r>
-              <a:rPr lang="zh-CN" sz="1200" b="1">
-                <a:latin typeface="Times New Roman" panose="02020603050405020304" pitchFamily="18" charset="0"/>
-                <a:ea typeface="宋体" panose="02010600030101010101" pitchFamily="2" charset="-122"/>
-              </a:rPr>
-              <a:t>良， </a:t>
-            </a:r>
-            <a:r>
-              <a:rPr lang="en-US" sz="1200" b="1">
-                <a:latin typeface="Times New Roman" panose="02020603050405020304" pitchFamily="18" charset="0"/>
-                <a:ea typeface="宋体" panose="02010600030101010101" pitchFamily="2" charset="-122"/>
-              </a:rPr>
-              <a:t>3-&gt;</a:t>
-            </a:r>
-            <a:r>
-              <a:rPr lang="zh-CN" sz="1200" b="1">
-                <a:latin typeface="Times New Roman" panose="02020603050405020304" pitchFamily="18" charset="0"/>
-                <a:ea typeface="宋体" panose="02010600030101010101" pitchFamily="2" charset="-122"/>
-              </a:rPr>
-              <a:t>及格， </a:t>
-            </a:r>
-            <a:r>
-              <a:rPr lang="en-US" sz="1200" b="1">
-                <a:latin typeface="Times New Roman" panose="02020603050405020304" pitchFamily="18" charset="0"/>
-                <a:ea typeface="宋体" panose="02010600030101010101" pitchFamily="2" charset="-122"/>
-              </a:rPr>
-              <a:t>2-&gt;</a:t>
-            </a:r>
-            <a:r>
-              <a:rPr lang="zh-CN" sz="1200" b="1">
-                <a:latin typeface="Times New Roman" panose="02020603050405020304" pitchFamily="18" charset="0"/>
-                <a:ea typeface="宋体" panose="02010600030101010101" pitchFamily="2" charset="-122"/>
-              </a:rPr>
-              <a:t>不及格， </a:t>
-            </a:r>
-            <a:r>
-              <a:rPr lang="en-US" sz="1200" b="1">
-                <a:latin typeface="Times New Roman" panose="02020603050405020304" pitchFamily="18" charset="0"/>
-                <a:ea typeface="宋体" panose="02010600030101010101" pitchFamily="2" charset="-122"/>
-              </a:rPr>
-              <a:t>1-&gt;</a:t>
-            </a:r>
-            <a:r>
-              <a:rPr lang="zh-CN" sz="1200" b="1">
-                <a:latin typeface="Times New Roman" panose="02020603050405020304" pitchFamily="18" charset="0"/>
-                <a:ea typeface="宋体" panose="02010600030101010101" pitchFamily="2" charset="-122"/>
-              </a:rPr>
-              <a:t>未完成）</a:t>
-            </a:r>
-            <a:r>
-              <a:rPr lang="zh-CN" b="1">
-                <a:latin typeface="Times New Roman" panose="02020603050405020304" pitchFamily="18" charset="0"/>
-                <a:ea typeface="宋体" panose="02010600030101010101" pitchFamily="2" charset="-122"/>
-              </a:rPr>
-              <a:t>-总评基准分计算公式：完成等级</a:t>
-            </a:r>
-            <a:r>
-              <a:rPr lang="en-US" b="1">
-                <a:latin typeface="Times New Roman" panose="02020603050405020304" pitchFamily="18" charset="0"/>
-                <a:ea typeface="宋体" panose="02010600030101010101" pitchFamily="2" charset="-122"/>
-              </a:rPr>
-              <a:t>/</a:t>
-            </a:r>
-            <a:r>
-              <a:rPr lang="zh-CN" b="1">
-                <a:latin typeface="Times New Roman" panose="02020603050405020304" pitchFamily="18" charset="0"/>
-                <a:ea typeface="宋体" panose="02010600030101010101" pitchFamily="2" charset="-122"/>
-              </a:rPr>
-              <a:t>总完成等级 </a:t>
-            </a:r>
-            <a:r>
-              <a:rPr lang="en-US" b="1">
-                <a:latin typeface="Times New Roman" panose="02020603050405020304" pitchFamily="18" charset="0"/>
-                <a:ea typeface="宋体" panose="02010600030101010101" pitchFamily="2" charset="-122"/>
-              </a:rPr>
-              <a:t>*100 + 5</a:t>
-            </a:r>
-            <a:r>
-              <a:rPr lang="zh-CN" b="1">
-                <a:latin typeface="Times New Roman" panose="02020603050405020304" pitchFamily="18" charset="0"/>
-                <a:ea typeface="宋体" panose="02010600030101010101" pitchFamily="2" charset="-122"/>
-              </a:rPr>
-              <a:t>-总评分计算公式：总评基准分</a:t>
-            </a:r>
-            <a:r>
-              <a:rPr lang="en-US" b="1">
-                <a:latin typeface="Times New Roman" panose="02020603050405020304" pitchFamily="18" charset="0"/>
-                <a:ea typeface="宋体" panose="02010600030101010101" pitchFamily="2" charset="-122"/>
-              </a:rPr>
-              <a:t>+</a:t>
-            </a:r>
-            <a:r>
-              <a:rPr lang="zh-CN" b="1">
-                <a:latin typeface="Times New Roman" panose="02020603050405020304" pitchFamily="18" charset="0"/>
-                <a:ea typeface="宋体" panose="02010600030101010101" pitchFamily="2" charset="-122"/>
-              </a:rPr>
-              <a:t>任务难度酌情给分</a:t>
-            </a:r>
-            <a:endParaRPr lang="zh-CN" altLang="en-US"/>
-          </a:p>
-        </p:txBody>
-      </p:sp>
-      <p:graphicFrame>
-        <p:nvGraphicFramePr>
-          <p:cNvPr id="2" name="表格 1"/>
-          <p:cNvGraphicFramePr/>
-          <p:nvPr>
-            <p:custDataLst>
-              <p:tags r:id="rId1"/>
-            </p:custDataLst>
-          </p:nvPr>
-        </p:nvGraphicFramePr>
-        <p:xfrm>
-          <a:off x="3267710" y="2527300"/>
-          <a:ext cx="0" cy="0"/>
-        </p:xfrm>
-        <a:graphic>
-          <a:graphicData uri="http://schemas.openxmlformats.org/drawingml/2006/table">
-            <a:tbl>
-              <a:tblPr firstRow="1" bandRow="1">
-                <a:tableStyleId>{5940675A-B579-460E-94D1-54222C63F5DA}</a:tableStyleId>
-              </a:tblPr>
-              <a:tblGrid>
-                <a:gridCol w="2041525"/>
-                <a:gridCol w="2043113"/>
-                <a:gridCol w="2043112"/>
-              </a:tblGrid>
-              <a:tr h="274320">
-                <a:tc>
-                  <a:txBody>
-                    <a:bodyPr/>
-                    <a:p>
-                      <a:pPr indent="0" algn="ctr">
-                        <a:buNone/>
-                      </a:pPr>
-                      <a:r>
-                        <a:rPr lang="en-US" b="1">
-                          <a:latin typeface="宋体" panose="02010600030101010101" pitchFamily="2" charset="-122"/>
-                          <a:ea typeface="宋体" panose="02010600030101010101" pitchFamily="2" charset="-122"/>
-                          <a:cs typeface="宋体" panose="02010600030101010101" pitchFamily="2" charset="-122"/>
-                        </a:rPr>
-                        <a:t>姓名</a:t>
-                      </a:r>
-                      <a:endParaRPr lang="en-US" altLang="en-US" b="1">
-                        <a:latin typeface="宋体" panose="02010600030101010101" pitchFamily="2" charset="-122"/>
-                        <a:ea typeface="宋体" panose="02010600030101010101" pitchFamily="2" charset="-122"/>
-                        <a:cs typeface="宋体" panose="02010600030101010101" pitchFamily="2" charset="-122"/>
-                      </a:endParaRPr>
-                    </a:p>
-                  </a:txBody>
-                  <a:tcPr marL="68580" marR="68580" marT="0" marB="0" vert="horz" anchor="t" anchorCtr="0">
-                    <a:lnL w="19050" cap="flat" cmpd="sng">
-                      <a:solidFill>
-                        <a:srgbClr val="080000"/>
-                      </a:solidFill>
-                      <a:prstDash val="solid"/>
-                      <a:headEnd type="none" w="med" len="med"/>
-                      <a:tailEnd type="none" w="med" len="med"/>
-                    </a:lnL>
-                    <a:lnR w="19050" cap="flat" cmpd="sng">
-                      <a:solidFill>
-                        <a:srgbClr val="080000"/>
-                      </a:solidFill>
-                      <a:prstDash val="solid"/>
-                      <a:headEnd type="none" w="med" len="med"/>
-                      <a:tailEnd type="none" w="med" len="med"/>
-                    </a:lnR>
-                    <a:lnT w="19050" cap="flat" cmpd="sng">
-                      <a:solidFill>
-                        <a:srgbClr val="080000"/>
-                      </a:solidFill>
-                      <a:prstDash val="solid"/>
-                      <a:headEnd type="none" w="med" len="med"/>
-                      <a:tailEnd type="none" w="med" len="med"/>
-                    </a:lnT>
-                    <a:lnB w="19050" cap="flat" cmpd="sng">
-                      <a:solidFill>
-                        <a:srgbClr val="080000"/>
-                      </a:solidFill>
-                      <a:prstDash val="solid"/>
-                      <a:headEnd type="none" w="med" len="med"/>
-                      <a:tailEnd type="none" w="med" len="med"/>
-                    </a:lnB>
-                    <a:lnTlToBr>
-                      <a:noFill/>
-                    </a:lnTlToBr>
-                    <a:lnBlToTr>
-                      <a:noFill/>
-                    </a:lnBlToTr>
-                    <a:noFill/>
-                  </a:tcPr>
-                </a:tc>
-                <a:tc>
-                  <a:txBody>
-                    <a:bodyPr/>
-                    <a:p>
-                      <a:pPr indent="0" algn="ctr">
-                        <a:buNone/>
-                      </a:pPr>
-                      <a:r>
-                        <a:rPr lang="en-US" b="1">
-                          <a:latin typeface="宋体" panose="02010600030101010101" pitchFamily="2" charset="-122"/>
-                          <a:ea typeface="宋体" panose="02010600030101010101" pitchFamily="2" charset="-122"/>
-                          <a:cs typeface="宋体" panose="02010600030101010101" pitchFamily="2" charset="-122"/>
-                        </a:rPr>
-                        <a:t>完成等级</a:t>
-                      </a:r>
-                      <a:endParaRPr lang="en-US" altLang="en-US" b="1">
-                        <a:latin typeface="宋体" panose="02010600030101010101" pitchFamily="2" charset="-122"/>
-                        <a:ea typeface="宋体" panose="02010600030101010101" pitchFamily="2" charset="-122"/>
-                        <a:cs typeface="宋体" panose="02010600030101010101" pitchFamily="2" charset="-122"/>
-                      </a:endParaRPr>
-                    </a:p>
-                  </a:txBody>
-                  <a:tcPr marL="68580" marR="68580" marT="0" marB="0" vert="horz" anchor="t" anchorCtr="0">
-                    <a:lnL w="19050" cap="flat" cmpd="sng">
-                      <a:solidFill>
-                        <a:srgbClr val="080000"/>
-                      </a:solidFill>
-                      <a:prstDash val="solid"/>
-                      <a:headEnd type="none" w="med" len="med"/>
-                      <a:tailEnd type="none" w="med" len="med"/>
-                    </a:lnL>
-                    <a:lnR w="19050" cap="flat" cmpd="sng">
-                      <a:solidFill>
-                        <a:srgbClr val="080000"/>
-                      </a:solidFill>
-                      <a:prstDash val="solid"/>
-                      <a:headEnd type="none" w="med" len="med"/>
-                      <a:tailEnd type="none" w="med" len="med"/>
-                    </a:lnR>
-                    <a:lnT w="19050" cap="flat" cmpd="sng">
-                      <a:solidFill>
-                        <a:srgbClr val="080000"/>
-                      </a:solidFill>
-                      <a:prstDash val="solid"/>
-                      <a:headEnd type="none" w="med" len="med"/>
-                      <a:tailEnd type="none" w="med" len="med"/>
-                    </a:lnT>
-                    <a:lnB w="19050" cap="flat" cmpd="sng">
-                      <a:solidFill>
-                        <a:srgbClr val="080000"/>
-                      </a:solidFill>
-                      <a:prstDash val="solid"/>
-                      <a:headEnd type="none" w="med" len="med"/>
-                      <a:tailEnd type="none" w="med" len="med"/>
-                    </a:lnB>
-                    <a:lnTlToBr>
-                      <a:noFill/>
-                    </a:lnTlToBr>
-                    <a:lnBlToTr>
-                      <a:noFill/>
-                    </a:lnBlToTr>
-                    <a:noFill/>
-                  </a:tcPr>
-                </a:tc>
-                <a:tc>
-                  <a:txBody>
-                    <a:bodyPr/>
-                    <a:p>
-                      <a:pPr indent="0" algn="ctr">
-                        <a:buNone/>
-                      </a:pPr>
-                      <a:r>
-                        <a:rPr lang="en-US" b="1">
-                          <a:latin typeface="宋体" panose="02010600030101010101" pitchFamily="2" charset="-122"/>
-                          <a:ea typeface="宋体" panose="02010600030101010101" pitchFamily="2" charset="-122"/>
-                          <a:cs typeface="宋体" panose="02010600030101010101" pitchFamily="2" charset="-122"/>
-                        </a:rPr>
-                        <a:t>总评分</a:t>
-                      </a:r>
-                      <a:endParaRPr lang="en-US" altLang="en-US" b="1">
-                        <a:latin typeface="宋体" panose="02010600030101010101" pitchFamily="2" charset="-122"/>
-                        <a:ea typeface="宋体" panose="02010600030101010101" pitchFamily="2" charset="-122"/>
-                        <a:cs typeface="宋体" panose="02010600030101010101" pitchFamily="2" charset="-122"/>
-                      </a:endParaRPr>
-                    </a:p>
-                  </a:txBody>
-                  <a:tcPr marL="68580" marR="68580" marT="0" marB="0" vert="horz" anchor="t" anchorCtr="0">
-                    <a:lnL w="19050" cap="flat" cmpd="sng">
-                      <a:solidFill>
-                        <a:srgbClr val="080000"/>
-                      </a:solidFill>
-                      <a:prstDash val="solid"/>
-                      <a:headEnd type="none" w="med" len="med"/>
-                      <a:tailEnd type="none" w="med" len="med"/>
-                    </a:lnL>
-                    <a:lnR w="19050" cap="flat" cmpd="sng">
-                      <a:solidFill>
-                        <a:srgbClr val="080000"/>
-                      </a:solidFill>
-                      <a:prstDash val="solid"/>
-                      <a:headEnd type="none" w="med" len="med"/>
-                      <a:tailEnd type="none" w="med" len="med"/>
-                    </a:lnR>
-                    <a:lnT w="19050" cap="flat" cmpd="sng">
-                      <a:solidFill>
-                        <a:srgbClr val="080000"/>
-                      </a:solidFill>
-                      <a:prstDash val="solid"/>
-                      <a:headEnd type="none" w="med" len="med"/>
-                      <a:tailEnd type="none" w="med" len="med"/>
-                    </a:lnT>
-                    <a:lnB w="19050" cap="flat" cmpd="sng">
-                      <a:solidFill>
-                        <a:srgbClr val="080000"/>
-                      </a:solidFill>
-                      <a:prstDash val="solid"/>
-                      <a:headEnd type="none" w="med" len="med"/>
-                      <a:tailEnd type="none" w="med" len="med"/>
-                    </a:lnB>
-                    <a:lnTlToBr>
-                      <a:noFill/>
-                    </a:lnTlToBr>
-                    <a:lnBlToTr>
-                      <a:noFill/>
-                    </a:lnBlToTr>
-                    <a:noFill/>
-                  </a:tcPr>
-                </a:tc>
-              </a:tr>
-              <a:tr h="0">
-                <a:tc>
-                  <a:txBody>
-                    <a:bodyPr/>
-                    <a:p>
-                      <a:pPr indent="0" algn="ctr">
-                        <a:buNone/>
-                      </a:pPr>
-                      <a:r>
-                        <a:rPr lang="en-US" b="0">
-                          <a:latin typeface="宋体" panose="02010600030101010101" pitchFamily="2" charset="-122"/>
-                          <a:ea typeface="宋体" panose="02010600030101010101" pitchFamily="2" charset="-122"/>
-                          <a:cs typeface="宋体" panose="02010600030101010101" pitchFamily="2" charset="-122"/>
-                        </a:rPr>
-                        <a:t>黄依豪</a:t>
-                      </a:r>
-                      <a:endParaRPr lang="en-US" altLang="en-US" b="0">
-                        <a:latin typeface="宋体" panose="02010600030101010101" pitchFamily="2" charset="-122"/>
-                        <a:ea typeface="宋体" panose="02010600030101010101" pitchFamily="2" charset="-122"/>
-                        <a:cs typeface="宋体" panose="02010600030101010101" pitchFamily="2" charset="-122"/>
-                      </a:endParaRPr>
-                    </a:p>
-                  </a:txBody>
-                  <a:tcPr marL="68580" marR="68580" marT="0" marB="0" vert="horz" anchor="t" anchorCtr="0">
-                    <a:lnL w="19050" cap="flat" cmpd="sng">
-                      <a:solidFill>
-                        <a:srgbClr val="080000"/>
-                      </a:solidFill>
-                      <a:prstDash val="solid"/>
-                      <a:headEnd type="none" w="med" len="med"/>
-                      <a:tailEnd type="none" w="med" len="med"/>
-                    </a:lnL>
-                    <a:lnR w="19050" cap="flat" cmpd="sng">
-                      <a:solidFill>
-                        <a:srgbClr val="080000"/>
-                      </a:solidFill>
-                      <a:prstDash val="solid"/>
-                      <a:headEnd type="none" w="med" len="med"/>
-                      <a:tailEnd type="none" w="med" len="med"/>
-                    </a:lnR>
-                    <a:lnT w="19050" cap="flat" cmpd="sng">
-                      <a:solidFill>
-                        <a:srgbClr val="080000"/>
-                      </a:solidFill>
-                      <a:prstDash val="solid"/>
-                      <a:headEnd type="none" w="med" len="med"/>
-                      <a:tailEnd type="none" w="med" len="med"/>
-                    </a:lnT>
-                    <a:lnB w="19050" cap="flat" cmpd="sng">
-                      <a:solidFill>
-                        <a:srgbClr val="080000"/>
-                      </a:solidFill>
-                      <a:prstDash val="solid"/>
-                      <a:headEnd type="none" w="med" len="med"/>
-                      <a:tailEnd type="none" w="med" len="med"/>
-                    </a:lnB>
-                    <a:lnTlToBr>
-                      <a:noFill/>
-                    </a:lnTlToBr>
-                    <a:lnBlToTr>
-                      <a:noFill/>
-                    </a:lnBlToTr>
-                    <a:noFill/>
-                  </a:tcPr>
-                </a:tc>
-                <a:tc>
-                  <a:txBody>
-                    <a:bodyPr/>
-                    <a:p>
-                      <a:pPr indent="0" algn="ctr">
-                        <a:buNone/>
-                      </a:pPr>
-                      <a:r>
-                        <a:rPr lang="en-US" b="1">
-                          <a:latin typeface="宋体" panose="02010600030101010101" pitchFamily="2" charset="-122"/>
-                          <a:ea typeface="宋体" panose="02010600030101010101" pitchFamily="2" charset="-122"/>
-                          <a:cs typeface="宋体" panose="02010600030101010101" pitchFamily="2" charset="-122"/>
-                        </a:rPr>
-                        <a:t>（5+4+4）/3</a:t>
-                      </a:r>
-                      <a:endParaRPr lang="en-US" altLang="en-US" b="1">
-                        <a:latin typeface="宋体" panose="02010600030101010101" pitchFamily="2" charset="-122"/>
-                        <a:ea typeface="宋体" panose="02010600030101010101" pitchFamily="2" charset="-122"/>
-                        <a:cs typeface="宋体" panose="02010600030101010101" pitchFamily="2" charset="-122"/>
-                      </a:endParaRPr>
-                    </a:p>
-                  </a:txBody>
-                  <a:tcPr marL="68580" marR="68580" marT="0" marB="0" vert="horz" anchor="t" anchorCtr="0">
-                    <a:lnL w="19050" cap="flat" cmpd="sng">
-                      <a:solidFill>
-                        <a:srgbClr val="080000"/>
-                      </a:solidFill>
-                      <a:prstDash val="solid"/>
-                      <a:headEnd type="none" w="med" len="med"/>
-                      <a:tailEnd type="none" w="med" len="med"/>
-                    </a:lnL>
-                    <a:lnR w="19050" cap="flat" cmpd="sng">
-                      <a:solidFill>
-                        <a:srgbClr val="080000"/>
-                      </a:solidFill>
-                      <a:prstDash val="solid"/>
-                      <a:headEnd type="none" w="med" len="med"/>
-                      <a:tailEnd type="none" w="med" len="med"/>
-                    </a:lnR>
-                    <a:lnT w="19050" cap="flat" cmpd="sng">
-                      <a:solidFill>
-                        <a:srgbClr val="080000"/>
-                      </a:solidFill>
-                      <a:prstDash val="solid"/>
-                      <a:headEnd type="none" w="med" len="med"/>
-                      <a:tailEnd type="none" w="med" len="med"/>
-                    </a:lnT>
-                    <a:lnB w="19050" cap="flat" cmpd="sng">
-                      <a:solidFill>
-                        <a:srgbClr val="080000"/>
-                      </a:solidFill>
-                      <a:prstDash val="solid"/>
-                      <a:headEnd type="none" w="med" len="med"/>
-                      <a:tailEnd type="none" w="med" len="med"/>
-                    </a:lnB>
-                    <a:lnTlToBr>
-                      <a:noFill/>
-                    </a:lnTlToBr>
-                    <a:lnBlToTr>
-                      <a:noFill/>
-                    </a:lnBlToTr>
-                    <a:noFill/>
-                  </a:tcPr>
-                </a:tc>
-                <a:tc>
-                  <a:txBody>
-                    <a:bodyPr/>
-                    <a:p>
-                      <a:pPr indent="0" algn="ctr">
-                        <a:buNone/>
-                      </a:pPr>
-                      <a:r>
-                        <a:rPr lang="en-US" b="1">
-                          <a:latin typeface="宋体" panose="02010600030101010101" pitchFamily="2" charset="-122"/>
-                          <a:ea typeface="宋体" panose="02010600030101010101" pitchFamily="2" charset="-122"/>
-                          <a:cs typeface="宋体" panose="02010600030101010101" pitchFamily="2" charset="-122"/>
-                        </a:rPr>
-                        <a:t>89</a:t>
-                      </a:r>
-                      <a:endParaRPr lang="en-US" altLang="en-US" b="1">
-                        <a:latin typeface="宋体" panose="02010600030101010101" pitchFamily="2" charset="-122"/>
-                        <a:ea typeface="宋体" panose="02010600030101010101" pitchFamily="2" charset="-122"/>
-                        <a:cs typeface="宋体" panose="02010600030101010101" pitchFamily="2" charset="-122"/>
-                      </a:endParaRPr>
-                    </a:p>
-                  </a:txBody>
-                  <a:tcPr marL="68580" marR="68580" marT="0" marB="0" vert="horz" anchor="t" anchorCtr="0">
-                    <a:lnL w="19050" cap="flat" cmpd="sng">
-                      <a:solidFill>
-                        <a:srgbClr val="080000"/>
-                      </a:solidFill>
-                      <a:prstDash val="solid"/>
-                      <a:headEnd type="none" w="med" len="med"/>
-                      <a:tailEnd type="none" w="med" len="med"/>
-                    </a:lnL>
-                    <a:lnR w="19050" cap="flat" cmpd="sng">
-                      <a:solidFill>
-                        <a:srgbClr val="080000"/>
-                      </a:solidFill>
-                      <a:prstDash val="solid"/>
-                      <a:headEnd type="none" w="med" len="med"/>
-                      <a:tailEnd type="none" w="med" len="med"/>
-                    </a:lnR>
-                    <a:lnT w="19050" cap="flat" cmpd="sng">
-                      <a:solidFill>
-                        <a:srgbClr val="080000"/>
-                      </a:solidFill>
-                      <a:prstDash val="solid"/>
-                      <a:headEnd type="none" w="med" len="med"/>
-                      <a:tailEnd type="none" w="med" len="med"/>
-                    </a:lnT>
-                    <a:lnB w="19050" cap="flat" cmpd="sng">
-                      <a:solidFill>
-                        <a:srgbClr val="080000"/>
-                      </a:solidFill>
-                      <a:prstDash val="solid"/>
-                      <a:headEnd type="none" w="med" len="med"/>
-                      <a:tailEnd type="none" w="med" len="med"/>
-                    </a:lnB>
-                    <a:lnTlToBr>
-                      <a:noFill/>
-                    </a:lnTlToBr>
-                    <a:lnBlToTr>
-                      <a:noFill/>
-                    </a:lnBlToTr>
-                    <a:noFill/>
-                  </a:tcPr>
-                </a:tc>
-              </a:tr>
-              <a:tr h="0">
-                <a:tc>
-                  <a:txBody>
-                    <a:bodyPr/>
-                    <a:p>
-                      <a:pPr indent="0" algn="ctr">
-                        <a:buNone/>
-                      </a:pPr>
-                      <a:r>
-                        <a:rPr lang="en-US" b="0">
-                          <a:latin typeface="宋体" panose="02010600030101010101" pitchFamily="2" charset="-122"/>
-                          <a:ea typeface="宋体" panose="02010600030101010101" pitchFamily="2" charset="-122"/>
-                          <a:cs typeface="宋体" panose="02010600030101010101" pitchFamily="2" charset="-122"/>
-                        </a:rPr>
-                        <a:t>李东泽</a:t>
-                      </a:r>
-                      <a:endParaRPr lang="en-US" altLang="en-US" b="0">
-                        <a:latin typeface="宋体" panose="02010600030101010101" pitchFamily="2" charset="-122"/>
-                        <a:ea typeface="宋体" panose="02010600030101010101" pitchFamily="2" charset="-122"/>
-                        <a:cs typeface="宋体" panose="02010600030101010101" pitchFamily="2" charset="-122"/>
-                      </a:endParaRPr>
-                    </a:p>
-                  </a:txBody>
-                  <a:tcPr marL="68580" marR="68580" marT="0" marB="0" vert="horz" anchor="t" anchorCtr="0">
-                    <a:lnL w="19050" cap="flat" cmpd="sng">
-                      <a:solidFill>
-                        <a:srgbClr val="080000"/>
-                      </a:solidFill>
-                      <a:prstDash val="solid"/>
-                      <a:headEnd type="none" w="med" len="med"/>
-                      <a:tailEnd type="none" w="med" len="med"/>
-                    </a:lnL>
-                    <a:lnR w="19050" cap="flat" cmpd="sng">
-                      <a:solidFill>
-                        <a:srgbClr val="080000"/>
-                      </a:solidFill>
-                      <a:prstDash val="solid"/>
-                      <a:headEnd type="none" w="med" len="med"/>
-                      <a:tailEnd type="none" w="med" len="med"/>
-                    </a:lnR>
-                    <a:lnT w="19050" cap="flat" cmpd="sng">
-                      <a:solidFill>
-                        <a:srgbClr val="080000"/>
-                      </a:solidFill>
-                      <a:prstDash val="solid"/>
-                      <a:headEnd type="none" w="med" len="med"/>
-                      <a:tailEnd type="none" w="med" len="med"/>
-                    </a:lnT>
-                    <a:lnB w="19050" cap="flat" cmpd="sng">
-                      <a:solidFill>
-                        <a:srgbClr val="080000"/>
-                      </a:solidFill>
-                      <a:prstDash val="solid"/>
-                      <a:headEnd type="none" w="med" len="med"/>
-                      <a:tailEnd type="none" w="med" len="med"/>
-                    </a:lnB>
-                    <a:lnTlToBr>
-                      <a:noFill/>
-                    </a:lnTlToBr>
-                    <a:lnBlToTr>
-                      <a:noFill/>
-                    </a:lnBlToTr>
-                    <a:noFill/>
-                  </a:tcPr>
-                </a:tc>
-                <a:tc>
-                  <a:txBody>
-                    <a:bodyPr/>
-                    <a:p>
-                      <a:pPr indent="0" algn="ctr">
-                        <a:buNone/>
-                      </a:pPr>
-                      <a:r>
-                        <a:rPr lang="en-US" b="1">
-                          <a:latin typeface="宋体" panose="02010600030101010101" pitchFamily="2" charset="-122"/>
-                          <a:ea typeface="宋体" panose="02010600030101010101" pitchFamily="2" charset="-122"/>
-                          <a:cs typeface="宋体" panose="02010600030101010101" pitchFamily="2" charset="-122"/>
-                        </a:rPr>
-                        <a:t>（4+4）/2</a:t>
-                      </a:r>
-                      <a:endParaRPr lang="en-US" altLang="en-US" b="1">
-                        <a:latin typeface="宋体" panose="02010600030101010101" pitchFamily="2" charset="-122"/>
-                        <a:ea typeface="宋体" panose="02010600030101010101" pitchFamily="2" charset="-122"/>
-                        <a:cs typeface="宋体" panose="02010600030101010101" pitchFamily="2" charset="-122"/>
-                      </a:endParaRPr>
-                    </a:p>
-                  </a:txBody>
-                  <a:tcPr marL="68580" marR="68580" marT="0" marB="0" vert="horz" anchor="t" anchorCtr="0">
-                    <a:lnL w="19050" cap="flat" cmpd="sng">
-                      <a:solidFill>
-                        <a:srgbClr val="080000"/>
-                      </a:solidFill>
-                      <a:prstDash val="solid"/>
-                      <a:headEnd type="none" w="med" len="med"/>
-                      <a:tailEnd type="none" w="med" len="med"/>
-                    </a:lnL>
-                    <a:lnR w="19050" cap="flat" cmpd="sng">
-                      <a:solidFill>
-                        <a:srgbClr val="080000"/>
-                      </a:solidFill>
-                      <a:prstDash val="solid"/>
-                      <a:headEnd type="none" w="med" len="med"/>
-                      <a:tailEnd type="none" w="med" len="med"/>
-                    </a:lnR>
-                    <a:lnT w="19050" cap="flat" cmpd="sng">
-                      <a:solidFill>
-                        <a:srgbClr val="080000"/>
-                      </a:solidFill>
-                      <a:prstDash val="solid"/>
-                      <a:headEnd type="none" w="med" len="med"/>
-                      <a:tailEnd type="none" w="med" len="med"/>
-                    </a:lnT>
-                    <a:lnB w="19050" cap="flat" cmpd="sng">
-                      <a:solidFill>
-                        <a:srgbClr val="080000"/>
-                      </a:solidFill>
-                      <a:prstDash val="solid"/>
-                      <a:headEnd type="none" w="med" len="med"/>
-                      <a:tailEnd type="none" w="med" len="med"/>
-                    </a:lnB>
-                    <a:lnTlToBr>
-                      <a:noFill/>
-                    </a:lnTlToBr>
-                    <a:lnBlToTr>
-                      <a:noFill/>
-                    </a:lnBlToTr>
-                    <a:noFill/>
-                  </a:tcPr>
-                </a:tc>
-                <a:tc>
-                  <a:txBody>
-                    <a:bodyPr/>
-                    <a:p>
-                      <a:pPr indent="0" algn="ctr">
-                        <a:buNone/>
-                      </a:pPr>
-                      <a:r>
-                        <a:rPr lang="en-US" b="1">
-                          <a:latin typeface="宋体" panose="02010600030101010101" pitchFamily="2" charset="-122"/>
-                          <a:ea typeface="宋体" panose="02010600030101010101" pitchFamily="2" charset="-122"/>
-                          <a:cs typeface="宋体" panose="02010600030101010101" pitchFamily="2" charset="-122"/>
-                        </a:rPr>
-                        <a:t>86</a:t>
-                      </a:r>
-                      <a:endParaRPr lang="en-US" altLang="en-US" b="1">
-                        <a:latin typeface="宋体" panose="02010600030101010101" pitchFamily="2" charset="-122"/>
-                        <a:ea typeface="宋体" panose="02010600030101010101" pitchFamily="2" charset="-122"/>
-                        <a:cs typeface="宋体" panose="02010600030101010101" pitchFamily="2" charset="-122"/>
-                      </a:endParaRPr>
-                    </a:p>
-                  </a:txBody>
-                  <a:tcPr marL="68580" marR="68580" marT="0" marB="0" vert="horz" anchor="t" anchorCtr="0">
-                    <a:lnL w="19050" cap="flat" cmpd="sng">
-                      <a:solidFill>
-                        <a:srgbClr val="080000"/>
-                      </a:solidFill>
-                      <a:prstDash val="solid"/>
-                      <a:headEnd type="none" w="med" len="med"/>
-                      <a:tailEnd type="none" w="med" len="med"/>
-                    </a:lnL>
-                    <a:lnR w="19050" cap="flat" cmpd="sng">
-                      <a:solidFill>
-                        <a:srgbClr val="080000"/>
-                      </a:solidFill>
-                      <a:prstDash val="solid"/>
-                      <a:headEnd type="none" w="med" len="med"/>
-                      <a:tailEnd type="none" w="med" len="med"/>
-                    </a:lnR>
-                    <a:lnT w="19050" cap="flat" cmpd="sng">
-                      <a:solidFill>
-                        <a:srgbClr val="080000"/>
-                      </a:solidFill>
-                      <a:prstDash val="solid"/>
-                      <a:headEnd type="none" w="med" len="med"/>
-                      <a:tailEnd type="none" w="med" len="med"/>
-                    </a:lnT>
-                    <a:lnB w="19050" cap="flat" cmpd="sng">
-                      <a:solidFill>
-                        <a:srgbClr val="080000"/>
-                      </a:solidFill>
-                      <a:prstDash val="solid"/>
-                      <a:headEnd type="none" w="med" len="med"/>
-                      <a:tailEnd type="none" w="med" len="med"/>
-                    </a:lnB>
-                    <a:lnTlToBr>
-                      <a:noFill/>
-                    </a:lnTlToBr>
-                    <a:lnBlToTr>
-                      <a:noFill/>
-                    </a:lnBlToTr>
-                    <a:noFill/>
-                  </a:tcPr>
-                </a:tc>
-              </a:tr>
-              <a:tr h="0">
-                <a:tc>
-                  <a:txBody>
-                    <a:bodyPr/>
-                    <a:p>
-                      <a:pPr indent="0" algn="ctr">
-                        <a:buNone/>
-                      </a:pPr>
-                      <a:r>
-                        <a:rPr lang="en-US" b="0">
-                          <a:latin typeface="宋体" panose="02010600030101010101" pitchFamily="2" charset="-122"/>
-                          <a:ea typeface="宋体" panose="02010600030101010101" pitchFamily="2" charset="-122"/>
-                          <a:cs typeface="宋体" panose="02010600030101010101" pitchFamily="2" charset="-122"/>
-                        </a:rPr>
-                        <a:t>梁晓勇</a:t>
-                      </a:r>
-                      <a:endParaRPr lang="en-US" altLang="en-US" b="0">
-                        <a:latin typeface="宋体" panose="02010600030101010101" pitchFamily="2" charset="-122"/>
-                        <a:ea typeface="宋体" panose="02010600030101010101" pitchFamily="2" charset="-122"/>
-                        <a:cs typeface="宋体" panose="02010600030101010101" pitchFamily="2" charset="-122"/>
-                      </a:endParaRPr>
-                    </a:p>
-                  </a:txBody>
-                  <a:tcPr marL="68580" marR="68580" marT="0" marB="0" vert="horz" anchor="t" anchorCtr="0">
-                    <a:lnL w="19050" cap="flat" cmpd="sng">
-                      <a:solidFill>
-                        <a:srgbClr val="080000"/>
-                      </a:solidFill>
-                      <a:prstDash val="solid"/>
-                      <a:headEnd type="none" w="med" len="med"/>
-                      <a:tailEnd type="none" w="med" len="med"/>
-                    </a:lnL>
-                    <a:lnR w="19050" cap="flat" cmpd="sng">
-                      <a:solidFill>
-                        <a:srgbClr val="080000"/>
-                      </a:solidFill>
-                      <a:prstDash val="solid"/>
-                      <a:headEnd type="none" w="med" len="med"/>
-                      <a:tailEnd type="none" w="med" len="med"/>
-                    </a:lnR>
-                    <a:lnT w="19050" cap="flat" cmpd="sng">
-                      <a:solidFill>
-                        <a:srgbClr val="080000"/>
-                      </a:solidFill>
-                      <a:prstDash val="solid"/>
-                      <a:headEnd type="none" w="med" len="med"/>
-                      <a:tailEnd type="none" w="med" len="med"/>
-                    </a:lnT>
-                    <a:lnB w="19050" cap="flat" cmpd="sng">
-                      <a:solidFill>
-                        <a:srgbClr val="080000"/>
-                      </a:solidFill>
-                      <a:prstDash val="solid"/>
-                      <a:headEnd type="none" w="med" len="med"/>
-                      <a:tailEnd type="none" w="med" len="med"/>
-                    </a:lnB>
-                    <a:lnTlToBr>
-                      <a:noFill/>
-                    </a:lnTlToBr>
-                    <a:lnBlToTr>
-                      <a:noFill/>
-                    </a:lnBlToTr>
-                    <a:noFill/>
-                  </a:tcPr>
-                </a:tc>
-                <a:tc>
-                  <a:txBody>
-                    <a:bodyPr/>
-                    <a:p>
-                      <a:pPr indent="0" algn="ctr">
-                        <a:buNone/>
-                      </a:pPr>
-                      <a:r>
-                        <a:rPr lang="en-US" b="1">
-                          <a:latin typeface="宋体" panose="02010600030101010101" pitchFamily="2" charset="-122"/>
-                          <a:ea typeface="宋体" panose="02010600030101010101" pitchFamily="2" charset="-122"/>
-                          <a:cs typeface="宋体" panose="02010600030101010101" pitchFamily="2" charset="-122"/>
-                        </a:rPr>
-                        <a:t>（4+4）/2</a:t>
-                      </a:r>
-                      <a:endParaRPr lang="en-US" altLang="en-US" b="1">
-                        <a:latin typeface="宋体" panose="02010600030101010101" pitchFamily="2" charset="-122"/>
-                        <a:ea typeface="宋体" panose="02010600030101010101" pitchFamily="2" charset="-122"/>
-                        <a:cs typeface="宋体" panose="02010600030101010101" pitchFamily="2" charset="-122"/>
-                      </a:endParaRPr>
-                    </a:p>
-                  </a:txBody>
-                  <a:tcPr marL="68580" marR="68580" marT="0" marB="0" vert="horz" anchor="t" anchorCtr="0">
-                    <a:lnL w="19050" cap="flat" cmpd="sng">
-                      <a:solidFill>
-                        <a:srgbClr val="080000"/>
-                      </a:solidFill>
-                      <a:prstDash val="solid"/>
-                      <a:headEnd type="none" w="med" len="med"/>
-                      <a:tailEnd type="none" w="med" len="med"/>
-                    </a:lnL>
-                    <a:lnR w="19050" cap="flat" cmpd="sng">
-                      <a:solidFill>
-                        <a:srgbClr val="080000"/>
-                      </a:solidFill>
-                      <a:prstDash val="solid"/>
-                      <a:headEnd type="none" w="med" len="med"/>
-                      <a:tailEnd type="none" w="med" len="med"/>
-                    </a:lnR>
-                    <a:lnT w="19050" cap="flat" cmpd="sng">
-                      <a:solidFill>
-                        <a:srgbClr val="080000"/>
-                      </a:solidFill>
-                      <a:prstDash val="solid"/>
-                      <a:headEnd type="none" w="med" len="med"/>
-                      <a:tailEnd type="none" w="med" len="med"/>
-                    </a:lnT>
-                    <a:lnB w="19050" cap="flat" cmpd="sng">
-                      <a:solidFill>
-                        <a:srgbClr val="080000"/>
-                      </a:solidFill>
-                      <a:prstDash val="solid"/>
-                      <a:headEnd type="none" w="med" len="med"/>
-                      <a:tailEnd type="none" w="med" len="med"/>
-                    </a:lnB>
-                    <a:lnTlToBr>
-                      <a:noFill/>
-                    </a:lnTlToBr>
-                    <a:lnBlToTr>
-                      <a:noFill/>
-                    </a:lnBlToTr>
-                    <a:noFill/>
-                  </a:tcPr>
-                </a:tc>
-                <a:tc>
-                  <a:txBody>
-                    <a:bodyPr/>
-                    <a:p>
-                      <a:pPr indent="0" algn="ctr">
-                        <a:buNone/>
-                      </a:pPr>
-                      <a:r>
-                        <a:rPr lang="en-US" b="1">
-                          <a:latin typeface="宋体" panose="02010600030101010101" pitchFamily="2" charset="-122"/>
-                          <a:ea typeface="宋体" panose="02010600030101010101" pitchFamily="2" charset="-122"/>
-                          <a:cs typeface="宋体" panose="02010600030101010101" pitchFamily="2" charset="-122"/>
-                        </a:rPr>
-                        <a:t>85</a:t>
-                      </a:r>
-                      <a:endParaRPr lang="en-US" altLang="en-US" b="1">
-                        <a:latin typeface="宋体" panose="02010600030101010101" pitchFamily="2" charset="-122"/>
-                        <a:ea typeface="宋体" panose="02010600030101010101" pitchFamily="2" charset="-122"/>
-                        <a:cs typeface="宋体" panose="02010600030101010101" pitchFamily="2" charset="-122"/>
-                      </a:endParaRPr>
-                    </a:p>
-                  </a:txBody>
-                  <a:tcPr marL="68580" marR="68580" marT="0" marB="0" vert="horz" anchor="t" anchorCtr="0">
-                    <a:lnL w="19050" cap="flat" cmpd="sng">
-                      <a:solidFill>
-                        <a:srgbClr val="080000"/>
-                      </a:solidFill>
-                      <a:prstDash val="solid"/>
-                      <a:headEnd type="none" w="med" len="med"/>
-                      <a:tailEnd type="none" w="med" len="med"/>
-                    </a:lnL>
-                    <a:lnR w="19050" cap="flat" cmpd="sng">
-                      <a:solidFill>
-                        <a:srgbClr val="080000"/>
-                      </a:solidFill>
-                      <a:prstDash val="solid"/>
-                      <a:headEnd type="none" w="med" len="med"/>
-                      <a:tailEnd type="none" w="med" len="med"/>
-                    </a:lnR>
-                    <a:lnT w="19050" cap="flat" cmpd="sng">
-                      <a:solidFill>
-                        <a:srgbClr val="080000"/>
-                      </a:solidFill>
-                      <a:prstDash val="solid"/>
-                      <a:headEnd type="none" w="med" len="med"/>
-                      <a:tailEnd type="none" w="med" len="med"/>
-                    </a:lnT>
-                    <a:lnB w="19050" cap="flat" cmpd="sng">
-                      <a:solidFill>
-                        <a:srgbClr val="080000"/>
-                      </a:solidFill>
-                      <a:prstDash val="solid"/>
-                      <a:headEnd type="none" w="med" len="med"/>
-                      <a:tailEnd type="none" w="med" len="med"/>
-                    </a:lnB>
-                    <a:lnTlToBr>
-                      <a:noFill/>
-                    </a:lnTlToBr>
-                    <a:lnBlToTr>
-                      <a:noFill/>
-                    </a:lnBlToTr>
-                    <a:noFill/>
-                  </a:tcPr>
-                </a:tc>
-              </a:tr>
-            </a:tbl>
-          </a:graphicData>
-        </a:graphic>
-      </p:graphicFrame>
-    </p:spTree>
-  </p:cSld>
-  <p:clrMapOvr>
-    <a:masterClrMapping/>
-  </p:clrMapOvr>
-  <mc:AlternateContent xmlns:mc="http://schemas.openxmlformats.org/markup-compatibility/2006">
-    <mc:Choice xmlns:p14="http://schemas.microsoft.com/office/powerpoint/2010/main" Requires="p14">
-      <p:transition spd="slow" p14:dur="1000" advClick="0">
-        <p:cover dir="lu"/>
-      </p:transition>
-    </mc:Choice>
-    <mc:Fallback>
-      <p:transition spd="slow" advClick="0">
-        <p:cover dir="lu"/>
-      </p:transition>
-    </mc:Fallback>
-  </mc:AlternateContent>
-  <p:timing>
-    <p:tnLst>
-      <p:par>
-        <p:cTn id="1" dur="indefinite" restart="never" nodeType="tmRoot"/>
-      </p:par>
-    </p:tnLst>
-  </p:timing>
-</p:sld>
-</file>
-
-<file path=ppt/slides/slide29.xml><?xml version="1.0" encoding="utf-8"?>
-<p:sld xmlns:a="http://schemas.openxmlformats.org/drawingml/2006/main" xmlns:r="http://schemas.openxmlformats.org/officeDocument/2006/relationships" xmlns:p="http://schemas.openxmlformats.org/presentationml/2006/main">
-  <p:cSld>
-    <p:spTree>
-      <p:nvGrpSpPr>
-        <p:cNvPr id="1" name=""/>
-        <p:cNvGrpSpPr/>
-        <p:nvPr/>
-      </p:nvGrpSpPr>
-      <p:grpSpPr>
-        <a:xfrm>
-          <a:off x="0" y="0"/>
-          <a:ext cx="0" cy="0"/>
-          <a:chOff x="0" y="0"/>
-          <a:chExt cx="0" cy="0"/>
-        </a:xfrm>
-      </p:grpSpPr>
-      <p:cxnSp>
-        <p:nvCxnSpPr>
-          <p:cNvPr id="36" name="Straight Connector 35"/>
-          <p:cNvCxnSpPr/>
-          <p:nvPr/>
-        </p:nvCxnSpPr>
-        <p:spPr>
-          <a:xfrm flipH="1" flipV="1">
-            <a:off x="406400" y="1122045"/>
-            <a:ext cx="3498215" cy="23495"/>
-          </a:xfrm>
-          <a:prstGeom prst="line">
-            <a:avLst/>
-          </a:prstGeom>
-          <a:ln>
-            <a:solidFill>
-              <a:schemeClr val="accent3"/>
-            </a:solidFill>
-            <a:tailEnd type="oval" w="lg" len="lg"/>
-          </a:ln>
-        </p:spPr>
-        <p:style>
-          <a:lnRef idx="1">
-            <a:schemeClr val="accent1"/>
-          </a:lnRef>
-          <a:fillRef idx="0">
-            <a:schemeClr val="accent1"/>
-          </a:fillRef>
-          <a:effectRef idx="0">
-            <a:schemeClr val="accent1"/>
-          </a:effectRef>
-          <a:fontRef idx="minor">
-            <a:schemeClr val="tx1"/>
-          </a:fontRef>
-        </p:style>
-      </p:cxnSp>
-      <p:cxnSp>
-        <p:nvCxnSpPr>
-          <p:cNvPr id="38" name="Straight Connector 37"/>
-          <p:cNvCxnSpPr/>
-          <p:nvPr/>
-        </p:nvCxnSpPr>
-        <p:spPr>
-          <a:xfrm flipH="1" flipV="1">
-            <a:off x="171450" y="6420485"/>
-            <a:ext cx="5923915" cy="38100"/>
-          </a:xfrm>
-          <a:prstGeom prst="line">
-            <a:avLst/>
-          </a:prstGeom>
-          <a:ln>
-            <a:solidFill>
-              <a:schemeClr val="accent3"/>
-            </a:solidFill>
-            <a:tailEnd type="oval" w="lg" len="lg"/>
-          </a:ln>
-        </p:spPr>
-        <p:style>
-          <a:lnRef idx="1">
-            <a:schemeClr val="accent1"/>
-          </a:lnRef>
-          <a:fillRef idx="0">
-            <a:schemeClr val="accent1"/>
-          </a:fillRef>
-          <a:effectRef idx="0">
-            <a:schemeClr val="accent1"/>
-          </a:effectRef>
-          <a:fontRef idx="minor">
-            <a:schemeClr val="tx1"/>
-          </a:fontRef>
-        </p:style>
-      </p:cxnSp>
-      <p:grpSp>
-        <p:nvGrpSpPr>
-          <p:cNvPr id="6" name="组合 5"/>
-          <p:cNvGrpSpPr/>
-          <p:nvPr/>
-        </p:nvGrpSpPr>
-        <p:grpSpPr>
-          <a:xfrm>
-            <a:off x="1189355" y="269240"/>
-            <a:ext cx="6793230" cy="529590"/>
-            <a:chOff x="1873" y="424"/>
-            <a:chExt cx="10698" cy="834"/>
-          </a:xfrm>
-        </p:grpSpPr>
-        <p:sp>
-          <p:nvSpPr>
-            <p:cNvPr id="13" name="矩形 12"/>
-            <p:cNvSpPr/>
-            <p:nvPr/>
-          </p:nvSpPr>
-          <p:spPr>
-            <a:xfrm>
-              <a:off x="1873" y="424"/>
-              <a:ext cx="2266" cy="756"/>
-            </a:xfrm>
-            <a:prstGeom prst="rect">
-              <a:avLst/>
-            </a:prstGeom>
-            <a:solidFill>
-              <a:srgbClr val="F6F6F6"/>
-            </a:solidFill>
-            <a:ln>
-              <a:noFill/>
-            </a:ln>
-          </p:spPr>
-          <p:style>
-            <a:lnRef idx="2">
-              <a:schemeClr val="accent1">
-                <a:shade val="50000"/>
-              </a:schemeClr>
-            </a:lnRef>
-            <a:fillRef idx="1">
-              <a:schemeClr val="accent1"/>
-            </a:fillRef>
-            <a:effectRef idx="0">
-              <a:schemeClr val="accent1"/>
-            </a:effectRef>
-            <a:fontRef idx="minor">
-              <a:schemeClr val="lt1"/>
-            </a:fontRef>
-          </p:style>
-          <p:txBody>
-            <a:bodyPr rtlCol="0" anchor="ctr"/>
-            <a:p>
-              <a:pPr algn="ctr"/>
-              <a:endParaRPr lang="zh-CN" altLang="en-US"/>
-            </a:p>
-          </p:txBody>
-        </p:sp>
-        <p:sp>
-          <p:nvSpPr>
-            <p:cNvPr id="7" name="矩形 6"/>
-            <p:cNvSpPr/>
-            <p:nvPr/>
-          </p:nvSpPr>
-          <p:spPr>
-            <a:xfrm>
-              <a:off x="1984" y="535"/>
-              <a:ext cx="10587" cy="723"/>
-            </a:xfrm>
-            <a:prstGeom prst="rect">
-              <a:avLst/>
-            </a:prstGeom>
-          </p:spPr>
-          <p:txBody>
-            <a:bodyPr wrap="square" lIns="91400" tIns="45699" rIns="91400" bIns="45699">
-              <a:spAutoFit/>
-            </a:bodyPr>
-            <a:p>
-              <a:pPr lvl="0" defTabSz="914400">
-                <a:defRPr/>
-              </a:pPr>
-              <a:r>
-                <a:rPr lang="zh-CN" sz="2400" dirty="0">
-                  <a:solidFill>
-                    <a:schemeClr val="accent1"/>
-                  </a:solidFill>
-                  <a:latin typeface="微软雅黑" panose="020B0503020204020204" pitchFamily="34" charset="-122"/>
-                  <a:ea typeface="微软雅黑" panose="020B0503020204020204" pitchFamily="34" charset="-122"/>
-                  <a:sym typeface="+mn-ea"/>
-                </a:rPr>
-                <a:t>配置管理工具</a:t>
-              </a:r>
-              <a:endParaRPr lang="zh-CN" sz="2400" kern="0" dirty="0">
-                <a:solidFill>
-                  <a:schemeClr val="accent1"/>
-                </a:solidFill>
-                <a:latin typeface="微软雅黑" panose="020B0503020204020204" pitchFamily="34" charset="-122"/>
-                <a:ea typeface="微软雅黑" panose="020B0503020204020204" pitchFamily="34" charset="-122"/>
-                <a:sym typeface="+mn-ea"/>
-              </a:endParaRPr>
-            </a:p>
-          </p:txBody>
-        </p:sp>
-      </p:grpSp>
-      <p:pic>
-        <p:nvPicPr>
-          <p:cNvPr id="3" name="图片 2"/>
-          <p:cNvPicPr>
-            <a:picLocks noChangeAspect="1"/>
-          </p:cNvPicPr>
-          <p:nvPr/>
-        </p:nvPicPr>
-        <p:blipFill>
-          <a:blip r:embed="rId1"/>
-          <a:stretch>
-            <a:fillRect/>
-          </a:stretch>
-        </p:blipFill>
-        <p:spPr>
-          <a:xfrm>
-            <a:off x="8829675" y="1891665"/>
-            <a:ext cx="3000375" cy="3333750"/>
-          </a:xfrm>
-          <a:prstGeom prst="rect">
-            <a:avLst/>
-          </a:prstGeom>
-        </p:spPr>
-      </p:pic>
-      <p:pic>
-        <p:nvPicPr>
-          <p:cNvPr id="2" name="图片 1"/>
-          <p:cNvPicPr>
-            <a:picLocks noChangeAspect="1"/>
-          </p:cNvPicPr>
-          <p:nvPr/>
-        </p:nvPicPr>
-        <p:blipFill>
-          <a:blip r:embed="rId2"/>
-          <a:stretch>
-            <a:fillRect/>
-          </a:stretch>
-        </p:blipFill>
-        <p:spPr>
-          <a:xfrm>
-            <a:off x="1050290" y="1238885"/>
-            <a:ext cx="6932295" cy="5030470"/>
-          </a:xfrm>
-          <a:prstGeom prst="rect">
-            <a:avLst/>
-          </a:prstGeom>
-        </p:spPr>
-      </p:pic>
-    </p:spTree>
-  </p:cSld>
-  <p:clrMapOvr>
-    <a:masterClrMapping/>
-  </p:clrMapOvr>
-  <mc:AlternateContent xmlns:mc="http://schemas.openxmlformats.org/markup-compatibility/2006">
-    <mc:Choice xmlns:p14="http://schemas.microsoft.com/office/powerpoint/2010/main" Requires="p14">
-      <p:transition spd="slow" p14:dur="1000" advClick="0">
-        <p:cover dir="lu"/>
-      </p:transition>
-    </mc:Choice>
-    <mc:Fallback>
-      <p:transition spd="slow" advClick="0">
-        <p:cover dir="lu"/>
-      </p:transition>
-    </mc:Fallback>
-  </mc:AlternateContent>
-  <p:timing>
-    <p:tnLst>
-      <p:par>
-        <p:cTn id="1" dur="indefinite" restart="never" nodeType="tmRoot">
-          <p:childTnLst>
-            <p:seq concurrent="1" nextAc="seek">
-              <p:cTn id="2" dur="indefinite" nodeType="mainSeq">
-                <p:childTnLst>
-                  <p:par>
-                    <p:cTn id="3" fill="hold">
-                      <p:stCondLst>
-                        <p:cond delay="indefinite"/>
-                        <p:cond evt="onBegin" delay="0">
-                          <p:tn val="2"/>
-                        </p:cond>
-                      </p:stCondLst>
-                      <p:childTnLst>
-                        <p:par>
-                          <p:cTn id="4" fill="hold">
-                            <p:stCondLst>
-                              <p:cond delay="0"/>
-                            </p:stCondLst>
-                            <p:childTnLst>
-                              <p:par>
-                                <p:cTn id="5" presetID="22" presetClass="entr" presetSubtype="4" fill="hold" nodeType="withEffect">
-                                  <p:stCondLst>
-                                    <p:cond delay="2000"/>
-                                  </p:stCondLst>
-                                  <p:childTnLst>
-                                    <p:set>
-                                      <p:cBhvr>
-                                        <p:cTn id="6" dur="1" fill="hold">
-                                          <p:stCondLst>
-                                            <p:cond delay="0"/>
-                                          </p:stCondLst>
-                                        </p:cTn>
-                                        <p:tgtEl>
-                                          <p:spTgt spid="36"/>
-                                        </p:tgtEl>
-                                        <p:attrNameLst>
-                                          <p:attrName>style.visibility</p:attrName>
-                                        </p:attrNameLst>
-                                      </p:cBhvr>
-                                      <p:to>
-                                        <p:strVal val="visible"/>
-                                      </p:to>
-                                    </p:set>
-                                    <p:animEffect transition="in" filter="wipe(down)">
-                                      <p:cBhvr>
-                                        <p:cTn id="7" dur="500"/>
-                                        <p:tgtEl>
-                                          <p:spTgt spid="36"/>
-                                        </p:tgtEl>
-                                      </p:cBhvr>
-                                    </p:animEffect>
-                                  </p:childTnLst>
-                                </p:cTn>
-                              </p:par>
-                              <p:par>
-                                <p:cTn id="8" presetID="22" presetClass="entr" presetSubtype="4" fill="hold" nodeType="withEffect">
-                                  <p:stCondLst>
-                                    <p:cond delay="4000"/>
-                                  </p:stCondLst>
-                                  <p:childTnLst>
-                                    <p:set>
-                                      <p:cBhvr>
-                                        <p:cTn id="9" dur="1" fill="hold">
-                                          <p:stCondLst>
-                                            <p:cond delay="0"/>
-                                          </p:stCondLst>
-                                        </p:cTn>
-                                        <p:tgtEl>
-                                          <p:spTgt spid="38"/>
-                                        </p:tgtEl>
-                                        <p:attrNameLst>
-                                          <p:attrName>style.visibility</p:attrName>
-                                        </p:attrNameLst>
-                                      </p:cBhvr>
-                                      <p:to>
-                                        <p:strVal val="visible"/>
-                                      </p:to>
-                                    </p:set>
-                                    <p:animEffect transition="in" filter="wipe(down)">
-                                      <p:cBhvr>
-                                        <p:cTn id="10" dur="500"/>
-                                        <p:tgtEl>
-                                          <p:spTgt spid="38"/>
-                                        </p:tgtEl>
-                                      </p:cBhvr>
-                                    </p:animEffect>
-                                  </p:childTnLst>
-                                </p:cTn>
-                              </p:par>
-                            </p:childTnLst>
-                          </p:cTn>
-                        </p:par>
-                      </p:childTnLst>
-                    </p:cTn>
-                  </p:par>
-                </p:childTnLst>
-              </p:cTn>
-              <p:prevCondLst>
-                <p:cond evt="onPrev" delay="0">
-                  <p:tgtEl>
-                    <p:sldTgt/>
-                  </p:tgtEl>
-                </p:cond>
-              </p:prevCondLst>
-              <p:nextCondLst>
-                <p:cond evt="onNext" delay="0">
-                  <p:tgtEl>
-                    <p:sldTgt/>
-                  </p:tgtEl>
-                </p:cond>
-              </p:nextCondLst>
-            </p:seq>
-          </p:childTnLst>
-        </p:cTn>
-      </p:par>
-    </p:tnLst>
-  </p:timing>
-</p:sld>
-</file>
-
-<file path=ppt/slides/slide3.xml><?xml version="1.0" encoding="utf-8"?>
-<p:sld xmlns:a="http://schemas.openxmlformats.org/drawingml/2006/main" xmlns:r="http://schemas.openxmlformats.org/officeDocument/2006/relationships" xmlns:p="http://schemas.openxmlformats.org/presentationml/2006/main">
-  <p:cSld>
-    <p:spTree>
-      <p:nvGrpSpPr>
-        <p:cNvPr id="1" name=""/>
-        <p:cNvGrpSpPr/>
-        <p:nvPr/>
-      </p:nvGrpSpPr>
-      <p:grpSpPr>
-        <a:xfrm>
-          <a:off x="0" y="0"/>
-          <a:ext cx="0" cy="0"/>
-          <a:chOff x="0" y="0"/>
-          <a:chExt cx="0" cy="0"/>
-        </a:xfrm>
-      </p:grpSpPr>
-      <p:sp>
-        <p:nvSpPr>
-          <p:cNvPr id="8" name="矩形 7"/>
-          <p:cNvSpPr/>
-          <p:nvPr/>
-        </p:nvSpPr>
-        <p:spPr>
-          <a:xfrm>
-            <a:off x="1" y="0"/>
-            <a:ext cx="12192000" cy="6858000"/>
-          </a:xfrm>
-          <a:prstGeom prst="rect">
-            <a:avLst/>
-          </a:prstGeom>
-          <a:solidFill>
-            <a:srgbClr val="F6F6F6"/>
-          </a:solidFill>
-          <a:ln>
-            <a:noFill/>
-          </a:ln>
-        </p:spPr>
-        <p:style>
-          <a:lnRef idx="2">
-            <a:schemeClr val="accent1">
-              <a:shade val="50000"/>
-            </a:schemeClr>
-          </a:lnRef>
-          <a:fillRef idx="1">
-            <a:schemeClr val="accent1"/>
-          </a:fillRef>
-          <a:effectRef idx="0">
-            <a:schemeClr val="accent1"/>
-          </a:effectRef>
-          <a:fontRef idx="minor">
-            <a:schemeClr val="lt1"/>
-          </a:fontRef>
-        </p:style>
-        <p:txBody>
-          <a:bodyPr rtlCol="0" anchor="ctr"/>
-          <a:lstStyle/>
-          <a:p>
-            <a:pPr algn="ctr"/>
-            <a:endParaRPr lang="zh-CN" altLang="en-US"/>
-          </a:p>
-        </p:txBody>
-      </p:sp>
-      <p:sp>
-        <p:nvSpPr>
-          <p:cNvPr id="74" name="Oval 4"/>
-          <p:cNvSpPr/>
-          <p:nvPr/>
-        </p:nvSpPr>
-        <p:spPr>
-          <a:xfrm>
-            <a:off x="5229231" y="1856871"/>
-            <a:ext cx="1679106" cy="1687497"/>
-          </a:xfrm>
-          <a:prstGeom prst="ellipse">
-            <a:avLst/>
-          </a:prstGeom>
-          <a:solidFill>
-            <a:schemeClr val="accent1"/>
-          </a:solidFill>
-          <a:ln>
-            <a:noFill/>
-          </a:ln>
-        </p:spPr>
-        <p:style>
-          <a:lnRef idx="2">
-            <a:schemeClr val="accent1">
-              <a:shade val="50000"/>
-            </a:schemeClr>
-          </a:lnRef>
-          <a:fillRef idx="1">
-            <a:schemeClr val="accent1"/>
-          </a:fillRef>
-          <a:effectRef idx="0">
-            <a:schemeClr val="accent1"/>
-          </a:effectRef>
-          <a:fontRef idx="minor">
-            <a:schemeClr val="lt1"/>
-          </a:fontRef>
-        </p:style>
-        <p:txBody>
-          <a:bodyPr rtlCol="0" anchor="ctr"/>
-          <a:lstStyle/>
-          <a:p>
-            <a:pPr algn="ctr"/>
-            <a:endParaRPr lang="en-US" sz="3200" dirty="0">
-              <a:solidFill>
-                <a:schemeClr val="bg1">
-                  <a:lumMod val="95000"/>
-                </a:schemeClr>
-              </a:solidFill>
-            </a:endParaRPr>
-          </a:p>
-        </p:txBody>
-      </p:sp>
-      <p:sp>
-        <p:nvSpPr>
-          <p:cNvPr id="78" name="矩形 77"/>
-          <p:cNvSpPr/>
-          <p:nvPr/>
-        </p:nvSpPr>
-        <p:spPr>
-          <a:xfrm>
-            <a:off x="5368260" y="3943419"/>
-            <a:ext cx="1400810" cy="582295"/>
-          </a:xfrm>
-          <a:prstGeom prst="rect">
-            <a:avLst/>
-          </a:prstGeom>
-        </p:spPr>
-        <p:txBody>
-          <a:bodyPr wrap="none" lIns="91400" tIns="45699" rIns="91400" bIns="45699">
-            <a:spAutoFit/>
-          </a:bodyPr>
-          <a:lstStyle/>
-          <a:p>
-            <a:pPr lvl="0" algn="l" defTabSz="914400">
-              <a:defRPr/>
-            </a:pPr>
-            <a:r>
-              <a:rPr lang="zh-CN" altLang="en-US" sz="3200" b="1" dirty="0">
-                <a:solidFill>
-                  <a:schemeClr val="accent1"/>
-                </a:solidFill>
-                <a:latin typeface="微软雅黑" panose="020B0503020204020204" pitchFamily="34" charset="-122"/>
-                <a:ea typeface="微软雅黑" panose="020B0503020204020204" pitchFamily="34" charset="-122"/>
-                <a:sym typeface="+mn-ea"/>
-              </a:rPr>
-              <a:t>主界面</a:t>
-            </a:r>
-            <a:endParaRPr lang="zh-CN" altLang="en-US" sz="3200" kern="0" dirty="0">
-              <a:solidFill>
-                <a:schemeClr val="accent1"/>
-              </a:solidFill>
-              <a:latin typeface="微软雅黑" panose="020B0503020204020204" pitchFamily="34" charset="-122"/>
-              <a:ea typeface="微软雅黑" panose="020B0503020204020204" pitchFamily="34" charset="-122"/>
-            </a:endParaRPr>
-          </a:p>
-        </p:txBody>
-      </p:sp>
-      <p:sp>
-        <p:nvSpPr>
-          <p:cNvPr id="93" name="TextBox 92"/>
-          <p:cNvSpPr txBox="1"/>
-          <p:nvPr/>
-        </p:nvSpPr>
-        <p:spPr>
-          <a:xfrm>
-            <a:off x="15669497" y="8397551"/>
-            <a:ext cx="1107915" cy="461494"/>
-          </a:xfrm>
-          <a:prstGeom prst="rect">
-            <a:avLst/>
-          </a:prstGeom>
-          <a:noFill/>
-        </p:spPr>
-        <p:txBody>
-          <a:bodyPr wrap="none" lIns="91400" tIns="45699" rIns="91400" bIns="45699" rtlCol="0">
-            <a:spAutoFit/>
-          </a:bodyPr>
-          <a:lstStyle/>
-          <a:p>
-            <a:r>
-              <a:rPr lang="zh-CN" altLang="en-US" sz="2400" dirty="0"/>
-              <a:t>延时符</a:t>
-            </a:r>
-            <a:endParaRPr lang="zh-CN" altLang="en-US" sz="2400" dirty="0"/>
-          </a:p>
-        </p:txBody>
-      </p:sp>
-      <p:sp>
-        <p:nvSpPr>
-          <p:cNvPr id="26" name="矩形 25"/>
-          <p:cNvSpPr/>
-          <p:nvPr/>
-        </p:nvSpPr>
-        <p:spPr>
-          <a:xfrm>
-            <a:off x="5403633" y="2437856"/>
-            <a:ext cx="1384594" cy="572230"/>
-          </a:xfrm>
-          <a:prstGeom prst="rect">
-            <a:avLst/>
-          </a:prstGeom>
-        </p:spPr>
-        <p:txBody>
-          <a:bodyPr wrap="none" lIns="91400" tIns="45699" rIns="91400" bIns="45699">
-            <a:spAutoFit/>
-          </a:bodyPr>
-          <a:lstStyle/>
-          <a:p>
-            <a:pPr algn="ctr">
-              <a:lnSpc>
-                <a:spcPct val="130000"/>
-              </a:lnSpc>
-              <a:defRPr/>
-            </a:pPr>
-            <a:r>
-              <a:rPr lang="en-US" altLang="zh-CN" sz="2400" kern="100" dirty="0">
-                <a:solidFill>
-                  <a:schemeClr val="bg1"/>
-                </a:solidFill>
-                <a:latin typeface="微软雅黑" panose="020B0503020204020204" pitchFamily="34" charset="-122"/>
-                <a:ea typeface="微软雅黑" panose="020B0503020204020204" pitchFamily="34" charset="-122"/>
-                <a:cs typeface="Times New Roman" panose="02020603050405020304" pitchFamily="18" charset="0"/>
-              </a:rPr>
-              <a:t>PART 01</a:t>
-            </a:r>
-            <a:endParaRPr lang="en-US" altLang="zh-CN" sz="2400" kern="100" dirty="0">
-              <a:solidFill>
-                <a:schemeClr val="bg1"/>
-              </a:solidFill>
-              <a:latin typeface="微软雅黑" panose="020B0503020204020204" pitchFamily="34" charset="-122"/>
-              <a:ea typeface="微软雅黑" panose="020B0503020204020204" pitchFamily="34" charset="-122"/>
-              <a:cs typeface="Times New Roman" panose="02020603050405020304" pitchFamily="18" charset="0"/>
-            </a:endParaRPr>
-          </a:p>
-        </p:txBody>
-      </p:sp>
-    </p:spTree>
-  </p:cSld>
-  <p:clrMapOvr>
-    <a:masterClrMapping/>
-  </p:clrMapOvr>
-  <mc:AlternateContent xmlns:mc="http://schemas.openxmlformats.org/markup-compatibility/2006">
-    <mc:Choice xmlns:p14="http://schemas.microsoft.com/office/powerpoint/2010/main" Requires="p14">
-      <p:transition spd="slow" p14:dur="1000" advClick="0">
-        <p:cover dir="lu"/>
-      </p:transition>
-    </mc:Choice>
-    <mc:Fallback>
-      <p:transition spd="slow" advClick="0">
-        <p:cover dir="lu"/>
-      </p:transition>
-    </mc:Fallback>
-  </mc:AlternateContent>
-  <p:timing>
-    <p:tnLst>
-      <p:par>
-        <p:cTn id="1" dur="indefinite" restart="never" nodeType="tmRoot">
-          <p:childTnLst>
-            <p:seq concurrent="1" nextAc="seek">
-              <p:cTn id="2" dur="indefinite" nodeType="mainSeq">
-                <p:childTnLst>
-                  <p:par>
-                    <p:cTn id="3" fill="hold">
-                      <p:stCondLst>
-                        <p:cond delay="indefinite"/>
-                        <p:cond evt="onBegin" delay="0">
-                          <p:tn val="2"/>
-                        </p:cond>
-                      </p:stCondLst>
-                      <p:childTnLst>
-                        <p:par>
-                          <p:cTn id="4" fill="hold">
-                            <p:stCondLst>
-                              <p:cond delay="0"/>
-                            </p:stCondLst>
-                            <p:childTnLst>
-                              <p:par>
-                                <p:cTn id="5" presetID="52" presetClass="entr" presetSubtype="0" fill="hold" grpId="0" nodeType="afterEffect">
-                                  <p:stCondLst>
-                                    <p:cond delay="0"/>
-                                  </p:stCondLst>
-                                  <p:childTnLst>
-                                    <p:set>
-                                      <p:cBhvr>
-                                        <p:cTn id="6" dur="1" fill="hold">
-                                          <p:stCondLst>
-                                            <p:cond delay="0"/>
-                                          </p:stCondLst>
-                                        </p:cTn>
-                                        <p:tgtEl>
-                                          <p:spTgt spid="74"/>
-                                        </p:tgtEl>
-                                        <p:attrNameLst>
-                                          <p:attrName>style.visibility</p:attrName>
-                                        </p:attrNameLst>
-                                      </p:cBhvr>
-                                      <p:to>
-                                        <p:strVal val="visible"/>
-                                      </p:to>
-                                    </p:set>
-                                    <p:animScale>
-                                      <p:cBhvr>
-                                        <p:cTn id="7" dur="1000" decel="50000" fill="hold">
-                                          <p:stCondLst>
-                                            <p:cond delay="0"/>
-                                          </p:stCondLst>
-                                        </p:cTn>
-                                        <p:tgtEl>
-                                          <p:spTgt spid="74"/>
-                                        </p:tgtEl>
-                                      </p:cBhvr>
-                                      <p:from x="250000" y="250000"/>
-                                      <p:to x="100000" y="100000"/>
-                                    </p:animScale>
-                                    <p:animMotion origin="layout" path="M -0.46736 0.92887  C -0.37517 0.88508  -0.02552 0.75279  0.0908 0.66613  C  0.20747 0.57948  0.21649 0.50394  0.23177 0.40825  C 0.24705 0.31256  0.22118 0.15964   0.18264 0.09152  C 0.1441 0.02341  0.03802 0.0  0.0 0.0  " pathEditMode="relative" ptsTypes="">
-                                      <p:cBhvr>
-                                        <p:cTn id="8" dur="1000" decel="50000" fill="hold">
-                                          <p:stCondLst>
-                                            <p:cond delay="0"/>
-                                          </p:stCondLst>
-                                        </p:cTn>
-                                        <p:tgtEl>
-                                          <p:spTgt spid="74"/>
-                                        </p:tgtEl>
-                                        <p:attrNameLst>
-                                          <p:attrName>ppt_x</p:attrName>
-                                          <p:attrName>ppt_y</p:attrName>
-                                        </p:attrNameLst>
-                                      </p:cBhvr>
-                                    </p:animMotion>
-                                    <p:animEffect transition="in" filter="fade">
-                                      <p:cBhvr>
-                                        <p:cTn id="9" dur="1000"/>
-                                        <p:tgtEl>
-                                          <p:spTgt spid="74"/>
-                                        </p:tgtEl>
-                                      </p:cBhvr>
-                                    </p:animEffect>
-                                  </p:childTnLst>
-                                </p:cTn>
-                              </p:par>
-                            </p:childTnLst>
-                          </p:cTn>
-                        </p:par>
-                        <p:par>
-                          <p:cTn id="10" fill="hold">
-                            <p:stCondLst>
-                              <p:cond delay="1000"/>
-                            </p:stCondLst>
-                            <p:childTnLst>
-                              <p:par>
-                                <p:cTn id="11" presetID="22" presetClass="entr" presetSubtype="1" fill="hold" grpId="0" nodeType="afterEffect">
-                                  <p:stCondLst>
-                                    <p:cond delay="0"/>
-                                  </p:stCondLst>
-                                  <p:childTnLst>
-                                    <p:set>
-                                      <p:cBhvr>
-                                        <p:cTn id="12" dur="1" fill="hold">
-                                          <p:stCondLst>
-                                            <p:cond delay="0"/>
-                                          </p:stCondLst>
-                                        </p:cTn>
-                                        <p:tgtEl>
-                                          <p:spTgt spid="26"/>
-                                        </p:tgtEl>
-                                        <p:attrNameLst>
-                                          <p:attrName>style.visibility</p:attrName>
-                                        </p:attrNameLst>
-                                      </p:cBhvr>
-                                      <p:to>
-                                        <p:strVal val="visible"/>
-                                      </p:to>
-                                    </p:set>
-                                    <p:animEffect transition="in" filter="wipe(up)">
-                                      <p:cBhvr>
-                                        <p:cTn id="13" dur="500"/>
-                                        <p:tgtEl>
-                                          <p:spTgt spid="26"/>
-                                        </p:tgtEl>
-                                      </p:cBhvr>
-                                    </p:animEffect>
-                                  </p:childTnLst>
-                                </p:cTn>
-                              </p:par>
-                            </p:childTnLst>
-                          </p:cTn>
-                        </p:par>
-                        <p:par>
-                          <p:cTn id="14" fill="hold">
-                            <p:stCondLst>
-                              <p:cond delay="1500"/>
-                            </p:stCondLst>
-                            <p:childTnLst>
-                              <p:par>
-                                <p:cTn id="15" presetID="22" presetClass="entr" presetSubtype="1" fill="hold" grpId="0" nodeType="afterEffect">
-                                  <p:stCondLst>
-                                    <p:cond delay="0"/>
-                                  </p:stCondLst>
-                                  <p:childTnLst>
-                                    <p:set>
-                                      <p:cBhvr>
-                                        <p:cTn id="16" dur="1" fill="hold">
-                                          <p:stCondLst>
-                                            <p:cond delay="0"/>
-                                          </p:stCondLst>
-                                        </p:cTn>
-                                        <p:tgtEl>
-                                          <p:spTgt spid="78"/>
-                                        </p:tgtEl>
-                                        <p:attrNameLst>
-                                          <p:attrName>style.visibility</p:attrName>
-                                        </p:attrNameLst>
-                                      </p:cBhvr>
-                                      <p:to>
-                                        <p:strVal val="visible"/>
-                                      </p:to>
-                                    </p:set>
-                                    <p:animEffect transition="in" filter="wipe(up)">
-                                      <p:cBhvr>
-                                        <p:cTn id="17" dur="500"/>
-                                        <p:tgtEl>
-                                          <p:spTgt spid="78"/>
-                                        </p:tgtEl>
-                                      </p:cBhvr>
-                                    </p:animEffect>
-                                  </p:childTnLst>
-                                </p:cTn>
-                              </p:par>
-                            </p:childTnLst>
-                          </p:cTn>
-                        </p:par>
-                      </p:childTnLst>
-                    </p:cTn>
-                  </p:par>
-                </p:childTnLst>
-              </p:cTn>
-              <p:prevCondLst>
-                <p:cond evt="onPrev" delay="0">
-                  <p:tgtEl>
-                    <p:sldTgt/>
-                  </p:tgtEl>
-                </p:cond>
-              </p:prevCondLst>
-              <p:nextCondLst>
-                <p:cond evt="onNext" delay="0">
-                  <p:tgtEl>
-                    <p:sldTgt/>
-                  </p:tgtEl>
-                </p:cond>
-              </p:nextCondLst>
-            </p:seq>
-          </p:childTnLst>
-        </p:cTn>
-      </p:par>
-    </p:tnLst>
-    <p:bldLst>
-      <p:bldP spid="74" grpId="0" bldLvl="0" animBg="1"/>
-      <p:bldP spid="78" grpId="0"/>
-      <p:bldP spid="26" grpId="0"/>
-    </p:bldLst>
-  </p:timing>
-</p:sld>
-</file>
-
-<file path=ppt/slides/slide30.xml><?xml version="1.0" encoding="utf-8"?>
-<p:sld xmlns:a="http://schemas.openxmlformats.org/drawingml/2006/main" xmlns:r="http://schemas.openxmlformats.org/officeDocument/2006/relationships" xmlns:p="http://schemas.openxmlformats.org/presentationml/2006/main">
-  <p:cSld>
-    <p:spTree>
-      <p:nvGrpSpPr>
-        <p:cNvPr id="1" name=""/>
-        <p:cNvGrpSpPr/>
-        <p:nvPr/>
-      </p:nvGrpSpPr>
-      <p:grpSpPr>
-        <a:xfrm>
-          <a:off x="0" y="0"/>
-          <a:ext cx="0" cy="0"/>
-          <a:chOff x="0" y="0"/>
-          <a:chExt cx="0" cy="0"/>
-        </a:xfrm>
-      </p:grpSpPr>
-      <p:sp>
-        <p:nvSpPr>
           <p:cNvPr id="3" name="矩形 2"/>
           <p:cNvSpPr/>
           <p:nvPr/>
@@ -28864,6 +20271,474 @@
     <p:bldLst>
       <p:bldP spid="5" grpId="0"/>
       <p:bldP spid="7" grpId="0" bldLvl="0" animBg="1"/>
+    </p:bldLst>
+  </p:timing>
+</p:sld>
+</file>
+
+<file path=ppt/slides/slide3.xml><?xml version="1.0" encoding="utf-8"?>
+<p:sld xmlns:a="http://schemas.openxmlformats.org/drawingml/2006/main" xmlns:r="http://schemas.openxmlformats.org/officeDocument/2006/relationships" xmlns:p="http://schemas.openxmlformats.org/presentationml/2006/main">
+  <p:cSld>
+    <p:spTree>
+      <p:nvGrpSpPr>
+        <p:cNvPr id="1" name=""/>
+        <p:cNvGrpSpPr/>
+        <p:nvPr/>
+      </p:nvGrpSpPr>
+      <p:grpSpPr>
+        <a:xfrm>
+          <a:off x="0" y="0"/>
+          <a:ext cx="0" cy="0"/>
+          <a:chOff x="0" y="0"/>
+          <a:chExt cx="0" cy="0"/>
+        </a:xfrm>
+      </p:grpSpPr>
+      <p:sp>
+        <p:nvSpPr>
+          <p:cNvPr id="8" name="矩形 7"/>
+          <p:cNvSpPr/>
+          <p:nvPr/>
+        </p:nvSpPr>
+        <p:spPr>
+          <a:xfrm>
+            <a:off x="1" y="0"/>
+            <a:ext cx="12192000" cy="6858000"/>
+          </a:xfrm>
+          <a:prstGeom prst="rect">
+            <a:avLst/>
+          </a:prstGeom>
+          <a:solidFill>
+            <a:srgbClr val="F6F6F6"/>
+          </a:solidFill>
+          <a:ln>
+            <a:noFill/>
+          </a:ln>
+        </p:spPr>
+        <p:style>
+          <a:lnRef idx="2">
+            <a:schemeClr val="accent1">
+              <a:shade val="50000"/>
+            </a:schemeClr>
+          </a:lnRef>
+          <a:fillRef idx="1">
+            <a:schemeClr val="accent1"/>
+          </a:fillRef>
+          <a:effectRef idx="0">
+            <a:schemeClr val="accent1"/>
+          </a:effectRef>
+          <a:fontRef idx="minor">
+            <a:schemeClr val="lt1"/>
+          </a:fontRef>
+        </p:style>
+        <p:txBody>
+          <a:bodyPr rtlCol="0" anchor="ctr"/>
+          <a:lstStyle/>
+          <a:p>
+            <a:pPr algn="ctr"/>
+            <a:endParaRPr lang="zh-CN" altLang="en-US"/>
+          </a:p>
+        </p:txBody>
+      </p:sp>
+      <p:sp>
+        <p:nvSpPr>
+          <p:cNvPr id="74" name="Oval 4"/>
+          <p:cNvSpPr/>
+          <p:nvPr/>
+        </p:nvSpPr>
+        <p:spPr>
+          <a:xfrm>
+            <a:off x="5229231" y="1856871"/>
+            <a:ext cx="1679106" cy="1687497"/>
+          </a:xfrm>
+          <a:prstGeom prst="ellipse">
+            <a:avLst/>
+          </a:prstGeom>
+          <a:solidFill>
+            <a:schemeClr val="accent1"/>
+          </a:solidFill>
+          <a:ln>
+            <a:noFill/>
+          </a:ln>
+        </p:spPr>
+        <p:style>
+          <a:lnRef idx="2">
+            <a:schemeClr val="accent1">
+              <a:shade val="50000"/>
+            </a:schemeClr>
+          </a:lnRef>
+          <a:fillRef idx="1">
+            <a:schemeClr val="accent1"/>
+          </a:fillRef>
+          <a:effectRef idx="0">
+            <a:schemeClr val="accent1"/>
+          </a:effectRef>
+          <a:fontRef idx="minor">
+            <a:schemeClr val="lt1"/>
+          </a:fontRef>
+        </p:style>
+        <p:txBody>
+          <a:bodyPr rtlCol="0" anchor="ctr"/>
+          <a:lstStyle/>
+          <a:p>
+            <a:pPr algn="ctr"/>
+            <a:endParaRPr lang="en-US" sz="3200" dirty="0">
+              <a:solidFill>
+                <a:schemeClr val="bg1">
+                  <a:lumMod val="95000"/>
+                </a:schemeClr>
+              </a:solidFill>
+            </a:endParaRPr>
+          </a:p>
+        </p:txBody>
+      </p:sp>
+      <p:sp>
+        <p:nvSpPr>
+          <p:cNvPr id="78" name="矩形 77"/>
+          <p:cNvSpPr/>
+          <p:nvPr/>
+        </p:nvSpPr>
+        <p:spPr>
+          <a:xfrm>
+            <a:off x="5368260" y="3943419"/>
+            <a:ext cx="1400810" cy="582295"/>
+          </a:xfrm>
+          <a:prstGeom prst="rect">
+            <a:avLst/>
+          </a:prstGeom>
+        </p:spPr>
+        <p:txBody>
+          <a:bodyPr wrap="none" lIns="91400" tIns="45699" rIns="91400" bIns="45699">
+            <a:spAutoFit/>
+          </a:bodyPr>
+          <a:lstStyle/>
+          <a:p>
+            <a:pPr lvl="0" algn="l" defTabSz="914400">
+              <a:defRPr/>
+            </a:pPr>
+            <a:r>
+              <a:rPr lang="zh-CN" altLang="en-US" sz="3200" b="1" dirty="0">
+                <a:solidFill>
+                  <a:schemeClr val="accent1"/>
+                </a:solidFill>
+                <a:latin typeface="微软雅黑" panose="020B0503020204020204" pitchFamily="34" charset="-122"/>
+                <a:ea typeface="微软雅黑" panose="020B0503020204020204" pitchFamily="34" charset="-122"/>
+                <a:sym typeface="+mn-ea"/>
+              </a:rPr>
+              <a:t>主界面</a:t>
+            </a:r>
+            <a:endParaRPr lang="zh-CN" altLang="en-US" sz="3200" kern="0" dirty="0">
+              <a:solidFill>
+                <a:schemeClr val="accent1"/>
+              </a:solidFill>
+              <a:latin typeface="微软雅黑" panose="020B0503020204020204" pitchFamily="34" charset="-122"/>
+              <a:ea typeface="微软雅黑" panose="020B0503020204020204" pitchFamily="34" charset="-122"/>
+            </a:endParaRPr>
+          </a:p>
+        </p:txBody>
+      </p:sp>
+      <p:sp>
+        <p:nvSpPr>
+          <p:cNvPr id="93" name="TextBox 92"/>
+          <p:cNvSpPr txBox="1"/>
+          <p:nvPr/>
+        </p:nvSpPr>
+        <p:spPr>
+          <a:xfrm>
+            <a:off x="15669497" y="8397551"/>
+            <a:ext cx="1107915" cy="461494"/>
+          </a:xfrm>
+          <a:prstGeom prst="rect">
+            <a:avLst/>
+          </a:prstGeom>
+          <a:noFill/>
+        </p:spPr>
+        <p:txBody>
+          <a:bodyPr wrap="none" lIns="91400" tIns="45699" rIns="91400" bIns="45699" rtlCol="0">
+            <a:spAutoFit/>
+          </a:bodyPr>
+          <a:lstStyle/>
+          <a:p>
+            <a:r>
+              <a:rPr lang="zh-CN" altLang="en-US" sz="2400" dirty="0"/>
+              <a:t>延时符</a:t>
+            </a:r>
+            <a:endParaRPr lang="zh-CN" altLang="en-US" sz="2400" dirty="0"/>
+          </a:p>
+        </p:txBody>
+      </p:sp>
+      <p:sp>
+        <p:nvSpPr>
+          <p:cNvPr id="26" name="矩形 25"/>
+          <p:cNvSpPr/>
+          <p:nvPr/>
+        </p:nvSpPr>
+        <p:spPr>
+          <a:xfrm>
+            <a:off x="5403633" y="2437856"/>
+            <a:ext cx="1384594" cy="572230"/>
+          </a:xfrm>
+          <a:prstGeom prst="rect">
+            <a:avLst/>
+          </a:prstGeom>
+        </p:spPr>
+        <p:txBody>
+          <a:bodyPr wrap="none" lIns="91400" tIns="45699" rIns="91400" bIns="45699">
+            <a:spAutoFit/>
+          </a:bodyPr>
+          <a:lstStyle/>
+          <a:p>
+            <a:pPr algn="ctr">
+              <a:lnSpc>
+                <a:spcPct val="130000"/>
+              </a:lnSpc>
+              <a:defRPr/>
+            </a:pPr>
+            <a:r>
+              <a:rPr lang="en-US" altLang="zh-CN" sz="2400" kern="100" dirty="0">
+                <a:solidFill>
+                  <a:schemeClr val="bg1"/>
+                </a:solidFill>
+                <a:latin typeface="微软雅黑" panose="020B0503020204020204" pitchFamily="34" charset="-122"/>
+                <a:ea typeface="微软雅黑" panose="020B0503020204020204" pitchFamily="34" charset="-122"/>
+                <a:cs typeface="Times New Roman" panose="02020603050405020304" pitchFamily="18" charset="0"/>
+              </a:rPr>
+              <a:t>PART 01</a:t>
+            </a:r>
+            <a:endParaRPr lang="en-US" altLang="zh-CN" sz="2400" kern="100" dirty="0">
+              <a:solidFill>
+                <a:schemeClr val="bg1"/>
+              </a:solidFill>
+              <a:latin typeface="微软雅黑" panose="020B0503020204020204" pitchFamily="34" charset="-122"/>
+              <a:ea typeface="微软雅黑" panose="020B0503020204020204" pitchFamily="34" charset="-122"/>
+              <a:cs typeface="Times New Roman" panose="02020603050405020304" pitchFamily="18" charset="0"/>
+            </a:endParaRPr>
+          </a:p>
+        </p:txBody>
+      </p:sp>
+    </p:spTree>
+  </p:cSld>
+  <p:clrMapOvr>
+    <a:masterClrMapping/>
+  </p:clrMapOvr>
+  <mc:AlternateContent xmlns:mc="http://schemas.openxmlformats.org/markup-compatibility/2006">
+    <mc:Choice xmlns:p14="http://schemas.microsoft.com/office/powerpoint/2010/main" Requires="p14">
+      <p:transition spd="slow" p14:dur="1000" advClick="0">
+        <p:cover dir="lu"/>
+      </p:transition>
+    </mc:Choice>
+    <mc:Fallback>
+      <p:transition spd="slow" advClick="0">
+        <p:cover dir="lu"/>
+      </p:transition>
+    </mc:Fallback>
+  </mc:AlternateContent>
+  <p:timing>
+    <p:tnLst>
+      <p:par>
+        <p:cTn id="1" dur="indefinite" restart="never" nodeType="tmRoot">
+          <p:childTnLst>
+            <p:seq concurrent="1" nextAc="seek">
+              <p:cTn id="2" dur="indefinite" nodeType="mainSeq">
+                <p:childTnLst>
+                  <p:par>
+                    <p:cTn id="3" fill="hold">
+                      <p:stCondLst>
+                        <p:cond delay="indefinite"/>
+                        <p:cond evt="onBegin" delay="0">
+                          <p:tn val="2"/>
+                        </p:cond>
+                      </p:stCondLst>
+                      <p:childTnLst>
+                        <p:par>
+                          <p:cTn id="4" fill="hold">
+                            <p:stCondLst>
+                              <p:cond delay="0"/>
+                            </p:stCondLst>
+                            <p:childTnLst>
+                              <p:par>
+                                <p:cTn id="5" presetID="52" presetClass="entr" presetSubtype="0" fill="hold" grpId="0" nodeType="afterEffect">
+                                  <p:stCondLst>
+                                    <p:cond delay="0"/>
+                                  </p:stCondLst>
+                                  <p:childTnLst>
+                                    <p:set>
+                                      <p:cBhvr>
+                                        <p:cTn id="6" dur="1" fill="hold">
+                                          <p:stCondLst>
+                                            <p:cond delay="0"/>
+                                          </p:stCondLst>
+                                        </p:cTn>
+                                        <p:tgtEl>
+                                          <p:spTgt spid="74"/>
+                                        </p:tgtEl>
+                                        <p:attrNameLst>
+                                          <p:attrName>style.visibility</p:attrName>
+                                        </p:attrNameLst>
+                                      </p:cBhvr>
+                                      <p:to>
+                                        <p:strVal val="visible"/>
+                                      </p:to>
+                                    </p:set>
+                                    <p:animScale>
+                                      <p:cBhvr>
+                                        <p:cTn id="7" dur="1000" decel="50000" fill="hold">
+                                          <p:stCondLst>
+                                            <p:cond delay="0"/>
+                                          </p:stCondLst>
+                                        </p:cTn>
+                                        <p:tgtEl>
+                                          <p:spTgt spid="74"/>
+                                        </p:tgtEl>
+                                      </p:cBhvr>
+                                      <p:from x="250000" y="250000"/>
+                                      <p:to x="100000" y="100000"/>
+                                    </p:animScale>
+                                    <p:animMotion origin="layout" path="M -0.46736 0.92887  C -0.37517 0.88508  -0.02552 0.75279  0.0908 0.66613  C  0.20747 0.57948  0.21649 0.50394  0.23177 0.40825  C 0.24705 0.31256  0.22118 0.15964   0.18264 0.09152  C 0.1441 0.02341  0.03802 0.0  0.0 0.0  " pathEditMode="relative" ptsTypes="">
+                                      <p:cBhvr>
+                                        <p:cTn id="8" dur="1000" decel="50000" fill="hold">
+                                          <p:stCondLst>
+                                            <p:cond delay="0"/>
+                                          </p:stCondLst>
+                                        </p:cTn>
+                                        <p:tgtEl>
+                                          <p:spTgt spid="74"/>
+                                        </p:tgtEl>
+                                        <p:attrNameLst>
+                                          <p:attrName>ppt_x</p:attrName>
+                                          <p:attrName>ppt_y</p:attrName>
+                                        </p:attrNameLst>
+                                      </p:cBhvr>
+                                    </p:animMotion>
+                                    <p:animEffect transition="in" filter="fade">
+                                      <p:cBhvr>
+                                        <p:cTn id="9" dur="1000"/>
+                                        <p:tgtEl>
+                                          <p:spTgt spid="74"/>
+                                        </p:tgtEl>
+                                      </p:cBhvr>
+                                    </p:animEffect>
+                                  </p:childTnLst>
+                                </p:cTn>
+                              </p:par>
+                            </p:childTnLst>
+                          </p:cTn>
+                        </p:par>
+                        <p:par>
+                          <p:cTn id="10" fill="hold">
+                            <p:stCondLst>
+                              <p:cond delay="1000"/>
+                            </p:stCondLst>
+                            <p:childTnLst>
+                              <p:par>
+                                <p:cTn id="11" presetID="22" presetClass="entr" presetSubtype="1" fill="hold" grpId="0" nodeType="afterEffect">
+                                  <p:stCondLst>
+                                    <p:cond delay="0"/>
+                                  </p:stCondLst>
+                                  <p:childTnLst>
+                                    <p:set>
+                                      <p:cBhvr>
+                                        <p:cTn id="12" dur="1" fill="hold">
+                                          <p:stCondLst>
+                                            <p:cond delay="0"/>
+                                          </p:stCondLst>
+                                        </p:cTn>
+                                        <p:tgtEl>
+                                          <p:spTgt spid="26"/>
+                                        </p:tgtEl>
+                                        <p:attrNameLst>
+                                          <p:attrName>style.visibility</p:attrName>
+                                        </p:attrNameLst>
+                                      </p:cBhvr>
+                                      <p:to>
+                                        <p:strVal val="visible"/>
+                                      </p:to>
+                                    </p:set>
+                                    <p:animEffect transition="in" filter="wipe(up)">
+                                      <p:cBhvr>
+                                        <p:cTn id="13" dur="500"/>
+                                        <p:tgtEl>
+                                          <p:spTgt spid="26"/>
+                                        </p:tgtEl>
+                                      </p:cBhvr>
+                                    </p:animEffect>
+                                  </p:childTnLst>
+                                </p:cTn>
+                              </p:par>
+                            </p:childTnLst>
+                          </p:cTn>
+                        </p:par>
+                        <p:par>
+                          <p:cTn id="14" fill="hold">
+                            <p:stCondLst>
+                              <p:cond delay="1500"/>
+                            </p:stCondLst>
+                            <p:childTnLst>
+                              <p:par>
+                                <p:cTn id="15" presetID="22" presetClass="entr" presetSubtype="1" fill="hold" grpId="0" nodeType="afterEffect">
+                                  <p:stCondLst>
+                                    <p:cond delay="0"/>
+                                  </p:stCondLst>
+                                  <p:childTnLst>
+                                    <p:set>
+                                      <p:cBhvr>
+                                        <p:cTn id="16" dur="1" fill="hold">
+                                          <p:stCondLst>
+                                            <p:cond delay="0"/>
+                                          </p:stCondLst>
+                                        </p:cTn>
+                                        <p:tgtEl>
+                                          <p:spTgt spid="78"/>
+                                        </p:tgtEl>
+                                        <p:attrNameLst>
+                                          <p:attrName>style.visibility</p:attrName>
+                                        </p:attrNameLst>
+                                      </p:cBhvr>
+                                      <p:to>
+                                        <p:strVal val="visible"/>
+                                      </p:to>
+                                    </p:set>
+                                    <p:animEffect transition="in" filter="wipe(up)">
+                                      <p:cBhvr>
+                                        <p:cTn id="17" dur="500"/>
+                                        <p:tgtEl>
+                                          <p:spTgt spid="78"/>
+                                        </p:tgtEl>
+                                      </p:cBhvr>
+                                    </p:animEffect>
+                                  </p:childTnLst>
+                                </p:cTn>
+                              </p:par>
+                            </p:childTnLst>
+                          </p:cTn>
+                        </p:par>
+                      </p:childTnLst>
+                    </p:cTn>
+                  </p:par>
+                </p:childTnLst>
+              </p:cTn>
+              <p:prevCondLst>
+                <p:cond evt="onPrev" delay="0">
+                  <p:tgtEl>
+                    <p:sldTgt/>
+                  </p:tgtEl>
+                </p:cond>
+              </p:prevCondLst>
+              <p:nextCondLst>
+                <p:cond evt="onNext" delay="0">
+                  <p:tgtEl>
+                    <p:sldTgt/>
+                  </p:tgtEl>
+                </p:cond>
+              </p:nextCondLst>
+            </p:seq>
+          </p:childTnLst>
+        </p:cTn>
+      </p:par>
+    </p:tnLst>
+    <p:bldLst>
+      <p:bldP spid="74" grpId="0" bldLvl="0" animBg="1"/>
+      <p:bldP spid="78" grpId="0"/>
+      <p:bldP spid="26" grpId="0"/>
     </p:bldLst>
   </p:timing>
 </p:sld>
@@ -32011,126 +23886,6 @@
           </a:fontRef>
         </p:style>
       </p:cxnSp>
-      <p:pic>
-        <p:nvPicPr>
-          <p:cNvPr id="3" name="图片 2"/>
-          <p:cNvPicPr>
-            <a:picLocks noChangeAspect="1"/>
-          </p:cNvPicPr>
-          <p:nvPr/>
-        </p:nvPicPr>
-        <p:blipFill>
-          <a:blip r:embed="rId2"/>
-          <a:stretch>
-            <a:fillRect/>
-          </a:stretch>
-        </p:blipFill>
-        <p:spPr>
-          <a:xfrm>
-            <a:off x="5071110" y="339725"/>
-            <a:ext cx="3507105" cy="6229350"/>
-          </a:xfrm>
-          <a:prstGeom prst="rect">
-            <a:avLst/>
-          </a:prstGeom>
-        </p:spPr>
-      </p:pic>
-      <p:pic>
-        <p:nvPicPr>
-          <p:cNvPr id="21" name="图片 20"/>
-          <p:cNvPicPr>
-            <a:picLocks noChangeAspect="1"/>
-          </p:cNvPicPr>
-          <p:nvPr/>
-        </p:nvPicPr>
-        <p:blipFill>
-          <a:blip r:embed="rId3"/>
-          <a:stretch>
-            <a:fillRect/>
-          </a:stretch>
-        </p:blipFill>
-        <p:spPr>
-          <a:xfrm>
-            <a:off x="5076825" y="339725"/>
-            <a:ext cx="3512185" cy="6229985"/>
-          </a:xfrm>
-          <a:prstGeom prst="rect">
-            <a:avLst/>
-          </a:prstGeom>
-        </p:spPr>
-      </p:pic>
-      <p:pic>
-        <p:nvPicPr>
-          <p:cNvPr id="22" name="图片 21"/>
-          <p:cNvPicPr>
-            <a:picLocks noChangeAspect="1"/>
-          </p:cNvPicPr>
-          <p:nvPr/>
-        </p:nvPicPr>
-        <p:blipFill>
-          <a:blip r:embed="rId4"/>
-          <a:stretch>
-            <a:fillRect/>
-          </a:stretch>
-        </p:blipFill>
-        <p:spPr>
-          <a:xfrm>
-            <a:off x="5074920" y="339725"/>
-            <a:ext cx="3510915" cy="6243320"/>
-          </a:xfrm>
-          <a:prstGeom prst="rect">
-            <a:avLst/>
-          </a:prstGeom>
-        </p:spPr>
-      </p:pic>
-      <p:pic>
-        <p:nvPicPr>
-          <p:cNvPr id="23" name="图片 22"/>
-          <p:cNvPicPr>
-            <a:picLocks noChangeAspect="1"/>
-          </p:cNvPicPr>
-          <p:nvPr/>
-        </p:nvPicPr>
-        <p:blipFill>
-          <a:blip r:embed="rId5"/>
-          <a:stretch>
-            <a:fillRect/>
-          </a:stretch>
-        </p:blipFill>
-        <p:spPr>
-          <a:xfrm>
-            <a:off x="5094605" y="339725"/>
-            <a:ext cx="3483610" cy="6229350"/>
-          </a:xfrm>
-          <a:prstGeom prst="rect">
-            <a:avLst/>
-          </a:prstGeom>
-        </p:spPr>
-      </p:pic>
-      <p:pic>
-        <p:nvPicPr>
-          <p:cNvPr id="24" name="图片 23"/>
-          <p:cNvPicPr>
-            <a:picLocks noChangeAspect="1"/>
-          </p:cNvPicPr>
-          <p:nvPr/>
-        </p:nvPicPr>
-        <p:blipFill>
-          <a:blip r:embed="rId6"/>
-          <a:stretch>
-            <a:fillRect/>
-          </a:stretch>
-        </p:blipFill>
-        <p:spPr>
-          <a:xfrm>
-            <a:off x="5074285" y="339725"/>
-            <a:ext cx="3503930" cy="6229350"/>
-          </a:xfrm>
-          <a:prstGeom prst="rect">
-            <a:avLst/>
-          </a:prstGeom>
-        </p:spPr>
-      </p:pic>
     </p:spTree>
   </p:cSld>
   <p:clrMapOvr>
@@ -32722,271 +24477,6 @@
                                         <p:cTn id="52" dur="500"/>
                                         <p:tgtEl>
                                           <p:spTgt spid="19"/>
-                                        </p:tgtEl>
-                                      </p:cBhvr>
-                                    </p:animEffect>
-                                  </p:childTnLst>
-                                </p:cTn>
-                              </p:par>
-                            </p:childTnLst>
-                          </p:cTn>
-                        </p:par>
-                      </p:childTnLst>
-                    </p:cTn>
-                  </p:par>
-                  <p:par>
-                    <p:cTn id="53" fill="hold">
-                      <p:stCondLst>
-                        <p:cond delay="indefinite"/>
-                      </p:stCondLst>
-                      <p:childTnLst>
-                        <p:par>
-                          <p:cTn id="54" fill="hold">
-                            <p:stCondLst>
-                              <p:cond delay="0"/>
-                            </p:stCondLst>
-                            <p:childTnLst>
-                              <p:par>
-                                <p:cTn id="55" presetID="10" presetClass="entr" presetSubtype="0" fill="hold" nodeType="clickEffect">
-                                  <p:stCondLst>
-                                    <p:cond delay="0"/>
-                                  </p:stCondLst>
-                                  <p:childTnLst>
-                                    <p:set>
-                                      <p:cBhvr>
-                                        <p:cTn id="56" dur="1" fill="hold">
-                                          <p:stCondLst>
-                                            <p:cond delay="0"/>
-                                          </p:stCondLst>
-                                        </p:cTn>
-                                        <p:tgtEl>
-                                          <p:spTgt spid="3"/>
-                                        </p:tgtEl>
-                                        <p:attrNameLst>
-                                          <p:attrName>style.visibility</p:attrName>
-                                        </p:attrNameLst>
-                                      </p:cBhvr>
-                                      <p:to>
-                                        <p:strVal val="visible"/>
-                                      </p:to>
-                                    </p:set>
-                                    <p:animEffect transition="in" filter="fade">
-                                      <p:cBhvr>
-                                        <p:cTn id="57" dur="500"/>
-                                        <p:tgtEl>
-                                          <p:spTgt spid="3"/>
-                                        </p:tgtEl>
-                                      </p:cBhvr>
-                                    </p:animEffect>
-                                  </p:childTnLst>
-                                </p:cTn>
-                              </p:par>
-                            </p:childTnLst>
-                          </p:cTn>
-                        </p:par>
-                      </p:childTnLst>
-                    </p:cTn>
-                  </p:par>
-                  <p:par>
-                    <p:cTn id="58" fill="hold">
-                      <p:stCondLst>
-                        <p:cond delay="indefinite"/>
-                      </p:stCondLst>
-                      <p:childTnLst>
-                        <p:par>
-                          <p:cTn id="59" fill="hold">
-                            <p:stCondLst>
-                              <p:cond delay="0"/>
-                            </p:stCondLst>
-                            <p:childTnLst>
-                              <p:par>
-                                <p:cTn id="60" presetID="10" presetClass="entr" presetSubtype="0" fill="hold" nodeType="clickEffect">
-                                  <p:stCondLst>
-                                    <p:cond delay="0"/>
-                                  </p:stCondLst>
-                                  <p:childTnLst>
-                                    <p:set>
-                                      <p:cBhvr>
-                                        <p:cTn id="61" dur="1" fill="hold">
-                                          <p:stCondLst>
-                                            <p:cond delay="0"/>
-                                          </p:stCondLst>
-                                        </p:cTn>
-                                        <p:tgtEl>
-                                          <p:spTgt spid="21"/>
-                                        </p:tgtEl>
-                                        <p:attrNameLst>
-                                          <p:attrName>style.visibility</p:attrName>
-                                        </p:attrNameLst>
-                                      </p:cBhvr>
-                                      <p:to>
-                                        <p:strVal val="visible"/>
-                                      </p:to>
-                                    </p:set>
-                                    <p:animEffect transition="in" filter="fade">
-                                      <p:cBhvr>
-                                        <p:cTn id="62" dur="500"/>
-                                        <p:tgtEl>
-                                          <p:spTgt spid="21"/>
-                                        </p:tgtEl>
-                                      </p:cBhvr>
-                                    </p:animEffect>
-                                  </p:childTnLst>
-                                </p:cTn>
-                              </p:par>
-                            </p:childTnLst>
-                          </p:cTn>
-                        </p:par>
-                      </p:childTnLst>
-                    </p:cTn>
-                  </p:par>
-                  <p:par>
-                    <p:cTn id="63" fill="hold">
-                      <p:stCondLst>
-                        <p:cond delay="indefinite"/>
-                      </p:stCondLst>
-                      <p:childTnLst>
-                        <p:par>
-                          <p:cTn id="64" fill="hold">
-                            <p:stCondLst>
-                              <p:cond delay="0"/>
-                            </p:stCondLst>
-                            <p:childTnLst>
-                              <p:par>
-                                <p:cTn id="65" presetID="10" presetClass="entr" presetSubtype="0" fill="hold" nodeType="clickEffect">
-                                  <p:stCondLst>
-                                    <p:cond delay="0"/>
-                                  </p:stCondLst>
-                                  <p:childTnLst>
-                                    <p:set>
-                                      <p:cBhvr>
-                                        <p:cTn id="66" dur="1" fill="hold">
-                                          <p:stCondLst>
-                                            <p:cond delay="0"/>
-                                          </p:stCondLst>
-                                        </p:cTn>
-                                        <p:tgtEl>
-                                          <p:spTgt spid="22"/>
-                                        </p:tgtEl>
-                                        <p:attrNameLst>
-                                          <p:attrName>style.visibility</p:attrName>
-                                        </p:attrNameLst>
-                                      </p:cBhvr>
-                                      <p:to>
-                                        <p:strVal val="visible"/>
-                                      </p:to>
-                                    </p:set>
-                                    <p:animEffect transition="in" filter="fade">
-                                      <p:cBhvr>
-                                        <p:cTn id="67" dur="500"/>
-                                        <p:tgtEl>
-                                          <p:spTgt spid="22"/>
-                                        </p:tgtEl>
-                                      </p:cBhvr>
-                                    </p:animEffect>
-                                  </p:childTnLst>
-                                </p:cTn>
-                              </p:par>
-                            </p:childTnLst>
-                          </p:cTn>
-                        </p:par>
-                      </p:childTnLst>
-                    </p:cTn>
-                  </p:par>
-                  <p:par>
-                    <p:cTn id="68" fill="hold">
-                      <p:stCondLst>
-                        <p:cond delay="indefinite"/>
-                      </p:stCondLst>
-                      <p:childTnLst>
-                        <p:par>
-                          <p:cTn id="69" fill="hold">
-                            <p:stCondLst>
-                              <p:cond delay="0"/>
-                            </p:stCondLst>
-                            <p:childTnLst>
-                              <p:par>
-                                <p:cTn id="70" presetID="10" presetClass="entr" presetSubtype="0" fill="hold" nodeType="clickEffect">
-                                  <p:stCondLst>
-                                    <p:cond delay="0"/>
-                                  </p:stCondLst>
-                                  <p:childTnLst>
-                                    <p:set>
-                                      <p:cBhvr>
-                                        <p:cTn id="71" dur="1" fill="hold">
-                                          <p:stCondLst>
-                                            <p:cond delay="0"/>
-                                          </p:stCondLst>
-                                        </p:cTn>
-                                        <p:tgtEl>
-                                          <p:spTgt spid="23"/>
-                                        </p:tgtEl>
-                                        <p:attrNameLst>
-                                          <p:attrName>style.visibility</p:attrName>
-                                        </p:attrNameLst>
-                                      </p:cBhvr>
-                                      <p:to>
-                                        <p:strVal val="visible"/>
-                                      </p:to>
-                                    </p:set>
-                                    <p:animEffect transition="in" filter="fade">
-                                      <p:cBhvr>
-                                        <p:cTn id="72" dur="500"/>
-                                        <p:tgtEl>
-                                          <p:spTgt spid="23"/>
-                                        </p:tgtEl>
-                                      </p:cBhvr>
-                                    </p:animEffect>
-                                  </p:childTnLst>
-                                </p:cTn>
-                              </p:par>
-                            </p:childTnLst>
-                          </p:cTn>
-                        </p:par>
-                      </p:childTnLst>
-                    </p:cTn>
-                  </p:par>
-                  <p:par>
-                    <p:cTn id="73" fill="hold">
-                      <p:stCondLst>
-                        <p:cond delay="indefinite"/>
-                      </p:stCondLst>
-                      <p:childTnLst>
-                        <p:par>
-                          <p:cTn id="74" fill="hold">
-                            <p:stCondLst>
-                              <p:cond delay="0"/>
-                            </p:stCondLst>
-                            <p:childTnLst>
-                              <p:par>
-                                <p:cTn id="75" presetID="10" presetClass="entr" presetSubtype="0" fill="hold" nodeType="clickEffect">
-                                  <p:stCondLst>
-                                    <p:cond delay="0"/>
-                                  </p:stCondLst>
-                                  <p:childTnLst>
-                                    <p:set>
-                                      <p:cBhvr>
-                                        <p:cTn id="76" dur="1" fill="hold">
-                                          <p:stCondLst>
-                                            <p:cond delay="0"/>
-                                          </p:stCondLst>
-                                        </p:cTn>
-                                        <p:tgtEl>
-                                          <p:spTgt spid="24"/>
-                                        </p:tgtEl>
-                                        <p:attrNameLst>
-                                          <p:attrName>style.visibility</p:attrName>
-                                        </p:attrNameLst>
-                                      </p:cBhvr>
-                                      <p:to>
-                                        <p:strVal val="visible"/>
-                                      </p:to>
-                                    </p:set>
-                                    <p:animEffect transition="in" filter="fade">
-                                      <p:cBhvr>
-                                        <p:cTn id="77" dur="500"/>
-                                        <p:tgtEl>
-                                          <p:spTgt spid="24"/>
                                         </p:tgtEl>
                                       </p:cBhvr>
                                     </p:animEffect>
@@ -34060,38 +25550,6 @@
 </file>
 
 <file path=ppt/tags/tag1.xml><?xml version="1.0" encoding="utf-8"?>
-<p:tagLst xmlns:p="http://schemas.openxmlformats.org/presentationml/2006/main">
-  <p:tag name="KSO_WM_UNIT_PLACING_PICTURE_USER_VIEWPORT" val="{&quot;height&quot;:11055,&quot;width&quot;:6165}"/>
-</p:tagLst>
-</file>
-
-<file path=ppt/tags/tag2.xml><?xml version="1.0" encoding="utf-8"?>
-<p:tagLst xmlns:p="http://schemas.openxmlformats.org/presentationml/2006/main">
-  <p:tag name="KSO_WM_UNIT_TABLE_BEAUTIFY" val="smartTable{eaa0c987-ccac-4c95-bd9e-6187a9de8864}"/>
-  <p:tag name="TABLE_ENDDRAG_ORIGIN_RECT" val="492*476"/>
-  <p:tag name="TABLE_ENDDRAG_RECT" val="320*21*492*476"/>
-</p:tagLst>
-</file>
-
-<file path=ppt/tags/tag3.xml><?xml version="1.0" encoding="utf-8"?>
-<p:tagLst xmlns:p="http://schemas.openxmlformats.org/presentationml/2006/main">
-  <p:tag name="KSO_WM_UNIT_TABLE_BEAUTIFY" val="smartTable{9a187c9a-ab9c-48ae-9ad7-500e6c7aa231}"/>
-</p:tagLst>
-</file>
-
-<file path=ppt/tags/tag4.xml><?xml version="1.0" encoding="utf-8"?>
-<p:tagLst xmlns:p="http://schemas.openxmlformats.org/presentationml/2006/main">
-  <p:tag name="KSO_WM_UNIT_TABLE_BEAUTIFY" val="smartTable{ead46a16-a0d9-483a-9726-bfaf04ab9b43}"/>
-</p:tagLst>
-</file>
-
-<file path=ppt/tags/tag5.xml><?xml version="1.0" encoding="utf-8"?>
-<p:tagLst xmlns:p="http://schemas.openxmlformats.org/presentationml/2006/main">
-  <p:tag name="KSO_WM_UNIT_TABLE_BEAUTIFY" val="smartTable{1d77713a-f8b9-44b8-9c74-3566e29d8964}"/>
-</p:tagLst>
-</file>
-
-<file path=ppt/tags/tag6.xml><?xml version="1.0" encoding="utf-8"?>
 <p:tagLst xmlns:p="http://schemas.openxmlformats.org/presentationml/2006/main">
   <p:tag name="ISPRING_PRESENTATION_TITLE" val="炫彩气泡简洁大气商业计划书PPT模板"/>
   <p:tag name="ISPRING_ULTRA_SCORM_COURSE_ID" val="B6BCA88A-A948-49FB-87E9-F1B64DACEF6F"/>
